--- a/Paper/master-thesis/src/img/chapter-2/図.pptx
+++ b/Paper/master-thesis/src/img/chapter-2/図.pptx
@@ -7650,7 +7650,7 @@
         </p:nvSpPr>
         <p:spPr>
           <a:xfrm>
-            <a:off x="4291106" y="4874821"/>
+            <a:off x="4291106" y="4542313"/>
             <a:ext cx="7091387" cy="665018"/>
           </a:xfrm>
           <a:prstGeom prst="rect">
@@ -7904,7 +7904,7 @@
             </p:nvSpPr>
             <p:spPr>
               <a:xfrm>
-                <a:off x="7877847" y="4922084"/>
+                <a:off x="7198065" y="4599102"/>
                 <a:ext cx="1277466" cy="578685"/>
               </a:xfrm>
               <a:prstGeom prst="rect">
@@ -7996,7 +7996,7 @@
             </p:nvSpPr>
             <p:spPr>
               <a:xfrm>
-                <a:off x="7877847" y="4922084"/>
+                <a:off x="7198065" y="4599102"/>
                 <a:ext cx="1277466" cy="578685"/>
               </a:xfrm>
               <a:prstGeom prst="rect">
@@ -8005,169 +8005,7 @@
               <a:blipFill>
                 <a:blip r:embed="rId4"/>
                 <a:stretch>
-                  <a:fillRect b="-8696"/>
-                </a:stretch>
-              </a:blipFill>
-            </p:spPr>
-            <p:txBody>
-              <a:bodyPr/>
-              <a:lstStyle/>
-              <a:p>
-                <a:r>
-                  <a:rPr lang="ja-JP" altLang="en-US">
-                    <a:noFill/>
-                  </a:rPr>
-                  <a:t> </a:t>
-                </a:r>
-              </a:p>
-            </p:txBody>
-          </p:sp>
-        </mc:Fallback>
-      </mc:AlternateContent>
-      <mc:AlternateContent xmlns:mc="http://schemas.openxmlformats.org/markup-compatibility/2006">
-        <mc:Choice xmlns:a14="http://schemas.microsoft.com/office/drawing/2010/main" Requires="a14">
-          <p:sp>
-            <p:nvSpPr>
-              <p:cNvPr id="17" name="テキスト ボックス 16">
-                <a:extLst>
-                  <a:ext uri="{FF2B5EF4-FFF2-40B4-BE49-F238E27FC236}">
-                    <a16:creationId xmlns:a16="http://schemas.microsoft.com/office/drawing/2014/main" id="{366C2510-76CD-2849-97A5-EE439CE92496}"/>
-                  </a:ext>
-                </a:extLst>
-              </p:cNvPr>
-              <p:cNvSpPr txBox="1"/>
-              <p:nvPr/>
-            </p:nvSpPr>
-            <p:spPr>
-              <a:xfrm>
-                <a:off x="7647039" y="5892121"/>
-                <a:ext cx="1985544" cy="557910"/>
-              </a:xfrm>
-              <a:prstGeom prst="rect">
-                <a:avLst/>
-              </a:prstGeom>
-              <a:noFill/>
-            </p:spPr>
-            <p:txBody>
-              <a:bodyPr wrap="none" rtlCol="0">
-                <a:spAutoFit/>
-              </a:bodyPr>
-              <a:lstStyle/>
-              <a:p>
-                <a14:m>
-                  <m:oMathPara xmlns:m="http://schemas.openxmlformats.org/officeDocument/2006/math">
-                    <m:oMathParaPr>
-                      <m:jc m:val="centerGroup"/>
-                    </m:oMathParaPr>
-                    <m:oMath xmlns:m="http://schemas.openxmlformats.org/officeDocument/2006/math">
-                      <m:sSub>
-                        <m:sSubPr>
-                          <m:ctrlPr>
-                            <a:rPr lang="en-US" altLang="ja-JP" sz="2800" b="0" i="1" dirty="0" smtClean="0">
-                              <a:latin typeface="Cambria Math" panose="02040503050406030204" pitchFamily="18" charset="0"/>
-                            </a:rPr>
-                          </m:ctrlPr>
-                        </m:sSubPr>
-                        <m:e>
-                          <m:r>
-                            <a:rPr lang="en-US" altLang="ja-JP" sz="2800" i="1" dirty="0">
-                              <a:latin typeface="Cambria Math" panose="02040503050406030204" pitchFamily="18" charset="0"/>
-                            </a:rPr>
-                            <m:t>𝑉</m:t>
-                          </m:r>
-                          <m:d>
-                            <m:dPr>
-                              <m:ctrlPr>
-                                <a:rPr lang="en-US" altLang="ja-JP" sz="2800" i="1" dirty="0">
-                                  <a:latin typeface="Cambria Math" panose="02040503050406030204" pitchFamily="18" charset="0"/>
-                                </a:rPr>
-                              </m:ctrlPr>
-                            </m:dPr>
-                            <m:e>
-                              <m:r>
-                                <a:rPr lang="en-US" altLang="ja-JP" sz="2800" b="1" i="1" dirty="0">
-                                  <a:latin typeface="Cambria Math" panose="02040503050406030204" pitchFamily="18" charset="0"/>
-                                </a:rPr>
-                                <m:t>𝑱</m:t>
-                              </m:r>
-                            </m:e>
-                          </m:d>
-                          <m:r>
-                            <m:rPr>
-                              <m:nor/>
-                            </m:rPr>
-                            <a:rPr lang="ja-JP" altLang="en-US" sz="2800"/>
-                            <m:t> </m:t>
-                          </m:r>
-                          <m:r>
-                            <a:rPr lang="en-US" altLang="ja-JP" sz="2800" b="0" i="1" smtClean="0">
-                              <a:latin typeface="Cambria Math" panose="02040503050406030204" pitchFamily="18" charset="0"/>
-                            </a:rPr>
-                            <m:t>−</m:t>
-                          </m:r>
-                          <m:r>
-                            <a:rPr lang="en-US" altLang="ja-JP" sz="2800" i="1" dirty="0" smtClean="0">
-                              <a:latin typeface="Cambria Math" panose="02040503050406030204" pitchFamily="18" charset="0"/>
-                            </a:rPr>
-                            <m:t>𝑓</m:t>
-                          </m:r>
-                        </m:e>
-                        <m:sub>
-                          <m:r>
-                            <a:rPr lang="en-US" altLang="ja-JP" sz="2800" b="0" i="1" dirty="0" smtClean="0">
-                              <a:latin typeface="Cambria Math" panose="02040503050406030204" pitchFamily="18" charset="0"/>
-                            </a:rPr>
-                            <m:t>𝑗</m:t>
-                          </m:r>
-                          <m:r>
-                            <a:rPr lang="en-US" altLang="ja-JP" sz="2800" b="0" i="1" dirty="0" smtClean="0">
-                              <a:latin typeface="Cambria Math" panose="02040503050406030204" pitchFamily="18" charset="0"/>
-                            </a:rPr>
-                            <m:t>,</m:t>
-                          </m:r>
-                          <m:r>
-                            <a:rPr lang="en-US" altLang="ja-JP" sz="2800" b="0" i="1" dirty="0" smtClean="0">
-                              <a:latin typeface="Cambria Math" panose="02040503050406030204" pitchFamily="18" charset="0"/>
-                            </a:rPr>
-                            <m:t>𝑛</m:t>
-                          </m:r>
-                        </m:sub>
-                      </m:sSub>
-                    </m:oMath>
-                  </m:oMathPara>
-                </a14:m>
-                <a:endParaRPr kumimoji="1" lang="ja-JP" altLang="en-US" sz="2800"/>
-              </a:p>
-            </p:txBody>
-          </p:sp>
-        </mc:Choice>
-        <mc:Fallback>
-          <p:sp>
-            <p:nvSpPr>
-              <p:cNvPr id="17" name="テキスト ボックス 16">
-                <a:extLst>
-                  <a:ext uri="{FF2B5EF4-FFF2-40B4-BE49-F238E27FC236}">
-                    <a16:creationId xmlns:a16="http://schemas.microsoft.com/office/drawing/2014/main" id="{366C2510-76CD-2849-97A5-EE439CE92496}"/>
-                  </a:ext>
-                </a:extLst>
-              </p:cNvPr>
-              <p:cNvSpPr txBox="1">
-                <a:spLocks noRot="1" noChangeAspect="1" noMove="1" noResize="1" noEditPoints="1" noAdjustHandles="1" noChangeArrowheads="1" noChangeShapeType="1" noTextEdit="1"/>
-              </p:cNvSpPr>
-              <p:nvPr/>
-            </p:nvSpPr>
-            <p:spPr>
-              <a:xfrm>
-                <a:off x="7647039" y="5892121"/>
-                <a:ext cx="1985544" cy="557910"/>
-              </a:xfrm>
-              <a:prstGeom prst="rect">
-                <a:avLst/>
-              </a:prstGeom>
-              <a:blipFill>
-                <a:blip r:embed="rId5"/>
-                <a:stretch>
-                  <a:fillRect b="-15556"/>
+                  <a:fillRect b="-6383"/>
                 </a:stretch>
               </a:blipFill>
             </p:spPr>
@@ -8246,7 +8084,7 @@
             </p:nvSpPr>
             <p:spPr>
               <a:xfrm>
-                <a:off x="2386822" y="2087555"/>
+                <a:off x="2386822" y="3009862"/>
                 <a:ext cx="1890261" cy="542136"/>
               </a:xfrm>
               <a:prstGeom prst="rect">
@@ -8356,14 +8194,14 @@
             </p:nvSpPr>
             <p:spPr>
               <a:xfrm>
-                <a:off x="2386822" y="2087555"/>
+                <a:off x="2386822" y="3009862"/>
                 <a:ext cx="1890261" cy="542136"/>
               </a:xfrm>
               <a:prstGeom prst="rect">
                 <a:avLst/>
               </a:prstGeom>
               <a:blipFill>
-                <a:blip r:embed="rId6"/>
+                <a:blip r:embed="rId5"/>
                 <a:stretch>
                   <a:fillRect/>
                 </a:stretch>
@@ -8400,7 +8238,7 @@
             </p:nvSpPr>
             <p:spPr>
               <a:xfrm>
-                <a:off x="2013946" y="5268771"/>
+                <a:off x="2013946" y="4936263"/>
                 <a:ext cx="1512465" cy="542136"/>
               </a:xfrm>
               <a:prstGeom prst="rect">
@@ -8586,16 +8424,16 @@
             </p:nvSpPr>
             <p:spPr>
               <a:xfrm>
-                <a:off x="2013946" y="5268771"/>
+                <a:off x="2013946" y="4936263"/>
                 <a:ext cx="1512465" cy="542136"/>
               </a:xfrm>
               <a:prstGeom prst="rect">
                 <a:avLst/>
               </a:prstGeom>
               <a:blipFill>
-                <a:blip r:embed="rId7"/>
+                <a:blip r:embed="rId6"/>
                 <a:stretch>
-                  <a:fillRect/>
+                  <a:fillRect b="-2326"/>
                 </a:stretch>
               </a:blipFill>
             </p:spPr>
@@ -8630,7 +8468,7 @@
         </p:nvCxnSpPr>
         <p:spPr>
           <a:xfrm>
-            <a:off x="824177" y="5196197"/>
+            <a:off x="824177" y="4863689"/>
             <a:ext cx="3452906" cy="0"/>
           </a:xfrm>
           <a:prstGeom prst="straightConnector1">
@@ -8677,7 +8515,7 @@
         </p:nvCxnSpPr>
         <p:spPr>
           <a:xfrm>
-            <a:off x="838200" y="2123931"/>
+            <a:off x="838200" y="3046238"/>
             <a:ext cx="4585051" cy="0"/>
           </a:xfrm>
           <a:prstGeom prst="straightConnector1">
@@ -8689,6 +8527,50 @@
             </a:solidFill>
             <a:headEnd type="triangle"/>
             <a:tailEnd type="triangle"/>
+          </a:ln>
+        </p:spPr>
+        <p:style>
+          <a:lnRef idx="1">
+            <a:schemeClr val="accent1"/>
+          </a:lnRef>
+          <a:fillRef idx="0">
+            <a:schemeClr val="accent1"/>
+          </a:fillRef>
+          <a:effectRef idx="0">
+            <a:schemeClr val="accent1"/>
+          </a:effectRef>
+          <a:fontRef idx="minor">
+            <a:schemeClr val="tx1"/>
+          </a:fontRef>
+        </p:style>
+      </p:cxnSp>
+      <p:cxnSp>
+        <p:nvCxnSpPr>
+          <p:cNvPr id="30" name="直線コネクタ 29">
+            <a:extLst>
+              <a:ext uri="{FF2B5EF4-FFF2-40B4-BE49-F238E27FC236}">
+                <a16:creationId xmlns:a16="http://schemas.microsoft.com/office/drawing/2014/main" id="{4DE4C04F-DA56-8440-8D3D-690E762D5A3E}"/>
+              </a:ext>
+            </a:extLst>
+          </p:cNvPr>
+          <p:cNvCxnSpPr>
+            <a:cxnSpLocks/>
+          </p:cNvCxnSpPr>
+          <p:nvPr/>
+        </p:nvCxnSpPr>
+        <p:spPr>
+          <a:xfrm>
+            <a:off x="5418735" y="2470064"/>
+            <a:ext cx="0" cy="1056907"/>
+          </a:xfrm>
+          <a:prstGeom prst="line">
+            <a:avLst/>
+          </a:prstGeom>
+          <a:ln w="38100">
+            <a:solidFill>
+              <a:schemeClr val="tx1"/>
+            </a:solidFill>
+            <a:prstDash val="sysDot"/>
           </a:ln>
         </p:spPr>
         <p:style>

--- a/Paper/master-thesis/src/img/chapter-2/図.pptx
+++ b/Paper/master-thesis/src/img/chapter-2/図.pptx
@@ -8,7 +8,7 @@
     <p:notesMasterId r:id="rId6"/>
   </p:notesMasterIdLst>
   <p:sldIdLst>
-    <p:sldId id="256" r:id="rId2"/>
+    <p:sldId id="260" r:id="rId2"/>
     <p:sldId id="257" r:id="rId3"/>
     <p:sldId id="258" r:id="rId4"/>
     <p:sldId id="259" r:id="rId5"/>
@@ -129,6 +129,572 @@
 </p:presentation>
 </file>
 
+<file path=ppt/charts/chart1.xml><?xml version="1.0" encoding="utf-8"?>
+<c:chartSpace xmlns:c="http://schemas.openxmlformats.org/drawingml/2006/chart" xmlns:a="http://schemas.openxmlformats.org/drawingml/2006/main" xmlns:r="http://schemas.openxmlformats.org/officeDocument/2006/relationships" xmlns:c16r2="http://schemas.microsoft.com/office/drawing/2015/06/chart">
+  <c:date1904 val="0"/>
+  <c:lang val="ja-JP"/>
+  <c:roundedCorners val="0"/>
+  <mc:AlternateContent xmlns:mc="http://schemas.openxmlformats.org/markup-compatibility/2006">
+    <mc:Choice xmlns:c14="http://schemas.microsoft.com/office/drawing/2007/8/2/chart" Requires="c14">
+      <c14:style val="102"/>
+    </mc:Choice>
+    <mc:Fallback>
+      <c:style val="2"/>
+    </mc:Fallback>
+  </mc:AlternateContent>
+  <c:chart>
+    <c:autoTitleDeleted val="1"/>
+    <c:plotArea>
+      <c:layout>
+        <c:manualLayout>
+          <c:layoutTarget val="inner"/>
+          <c:xMode val="edge"/>
+          <c:yMode val="edge"/>
+          <c:x val="0.13375338807878842"/>
+          <c:y val="9.9502052839006414E-2"/>
+          <c:w val="0.65188887724756006"/>
+          <c:h val="0.89056023169517606"/>
+        </c:manualLayout>
+      </c:layout>
+      <c:barChart>
+        <c:barDir val="bar"/>
+        <c:grouping val="stacked"/>
+        <c:varyColors val="0"/>
+        <c:ser>
+          <c:idx val="0"/>
+          <c:order val="0"/>
+          <c:tx>
+            <c:strRef>
+              <c:f>業種×Q18データ!$D$4</c:f>
+              <c:strCache>
+                <c:ptCount val="1"/>
+                <c:pt idx="0">
+                  <c:v>Shoter</c:v>
+                </c:pt>
+              </c:strCache>
+            </c:strRef>
+          </c:tx>
+          <c:invertIfNegative val="0"/>
+          <c:dLbls>
+            <c:spPr>
+              <a:noFill/>
+              <a:ln>
+                <a:noFill/>
+              </a:ln>
+              <a:effectLst/>
+            </c:spPr>
+            <c:dLblPos val="ctr"/>
+            <c:showLegendKey val="0"/>
+            <c:showVal val="1"/>
+            <c:showCatName val="0"/>
+            <c:showSerName val="0"/>
+            <c:showPercent val="0"/>
+            <c:showBubbleSize val="0"/>
+            <c:showLeaderLines val="0"/>
+            <c:extLst>
+              <c:ext xmlns:c15="http://schemas.microsoft.com/office/drawing/2012/chart" uri="{CE6537A1-D6FC-4f65-9D91-7224C49458BB}">
+                <c15:showLeaderLines val="0"/>
+              </c:ext>
+            </c:extLst>
+          </c:dLbls>
+          <c:cat>
+            <c:strRef>
+              <c:f>業種×Q18データ!$B$5:$C$12</c:f>
+              <c:strCache>
+                <c:ptCount val="8"/>
+                <c:pt idx="0">
+                  <c:v>General machinery</c:v>
+                </c:pt>
+                <c:pt idx="1">
+                  <c:v>Electric machinery</c:v>
+                </c:pt>
+                <c:pt idx="2">
+                  <c:v>Transportation machinery</c:v>
+                </c:pt>
+                <c:pt idx="3">
+                  <c:v>Steel industry</c:v>
+                </c:pt>
+                <c:pt idx="4">
+                  <c:v>Chemical insudry</c:v>
+                </c:pt>
+                <c:pt idx="5">
+                  <c:v>Nonferrous metal</c:v>
+                </c:pt>
+                <c:pt idx="6">
+                  <c:v>Metal product</c:v>
+                </c:pt>
+                <c:pt idx="7">
+                  <c:v>Others</c:v>
+                </c:pt>
+              </c:strCache>
+            </c:strRef>
+          </c:cat>
+          <c:val>
+            <c:numRef>
+              <c:f>業種×Q18データ!$D$5:$D$12</c:f>
+              <c:numCache>
+                <c:formatCode>###0.0</c:formatCode>
+                <c:ptCount val="8"/>
+                <c:pt idx="0">
+                  <c:v>21.669979393482208</c:v>
+                </c:pt>
+                <c:pt idx="1">
+                  <c:v>34.669339656829834</c:v>
+                </c:pt>
+                <c:pt idx="2">
+                  <c:v>16.25344306230545</c:v>
+                </c:pt>
+                <c:pt idx="3">
+                  <c:v>18.181818723678589</c:v>
+                </c:pt>
+                <c:pt idx="4">
+                  <c:v>30.246913433074951</c:v>
+                </c:pt>
+                <c:pt idx="5">
+                  <c:v>26.923078298568726</c:v>
+                </c:pt>
+                <c:pt idx="6">
+                  <c:v>25.811436772346497</c:v>
+                </c:pt>
+                <c:pt idx="7">
+                  <c:v>26.164266467094421</c:v>
+                </c:pt>
+              </c:numCache>
+            </c:numRef>
+          </c:val>
+          <c:extLst>
+            <c:ext xmlns:c16="http://schemas.microsoft.com/office/drawing/2014/chart" uri="{C3380CC4-5D6E-409C-BE32-E72D297353CC}">
+              <c16:uniqueId val="{00000000-F128-934D-815A-DDB981B22871}"/>
+            </c:ext>
+          </c:extLst>
+        </c:ser>
+        <c:ser>
+          <c:idx val="1"/>
+          <c:order val="1"/>
+          <c:tx>
+            <c:strRef>
+              <c:f>業種×Q18データ!$E$4</c:f>
+              <c:strCache>
+                <c:ptCount val="1"/>
+                <c:pt idx="0">
+                  <c:v>Almost unchanged</c:v>
+                </c:pt>
+              </c:strCache>
+            </c:strRef>
+          </c:tx>
+          <c:spPr>
+            <a:solidFill>
+              <a:schemeClr val="accent3"/>
+            </a:solidFill>
+          </c:spPr>
+          <c:invertIfNegative val="0"/>
+          <c:dLbls>
+            <c:spPr>
+              <a:noFill/>
+              <a:ln>
+                <a:noFill/>
+              </a:ln>
+              <a:effectLst/>
+            </c:spPr>
+            <c:dLblPos val="ctr"/>
+            <c:showLegendKey val="0"/>
+            <c:showVal val="1"/>
+            <c:showCatName val="0"/>
+            <c:showSerName val="0"/>
+            <c:showPercent val="0"/>
+            <c:showBubbleSize val="0"/>
+            <c:showLeaderLines val="0"/>
+            <c:extLst>
+              <c:ext xmlns:c15="http://schemas.microsoft.com/office/drawing/2012/chart" uri="{CE6537A1-D6FC-4f65-9D91-7224C49458BB}">
+                <c15:showLeaderLines val="0"/>
+              </c:ext>
+            </c:extLst>
+          </c:dLbls>
+          <c:cat>
+            <c:strRef>
+              <c:f>業種×Q18データ!$B$5:$C$12</c:f>
+              <c:strCache>
+                <c:ptCount val="8"/>
+                <c:pt idx="0">
+                  <c:v>General machinery</c:v>
+                </c:pt>
+                <c:pt idx="1">
+                  <c:v>Electric machinery</c:v>
+                </c:pt>
+                <c:pt idx="2">
+                  <c:v>Transportation machinery</c:v>
+                </c:pt>
+                <c:pt idx="3">
+                  <c:v>Steel industry</c:v>
+                </c:pt>
+                <c:pt idx="4">
+                  <c:v>Chemical insudry</c:v>
+                </c:pt>
+                <c:pt idx="5">
+                  <c:v>Nonferrous metal</c:v>
+                </c:pt>
+                <c:pt idx="6">
+                  <c:v>Metal product</c:v>
+                </c:pt>
+                <c:pt idx="7">
+                  <c:v>Others</c:v>
+                </c:pt>
+              </c:strCache>
+            </c:strRef>
+          </c:cat>
+          <c:val>
+            <c:numRef>
+              <c:f>業種×Q18データ!$E$5:$E$12</c:f>
+              <c:numCache>
+                <c:formatCode>###0.0</c:formatCode>
+                <c:ptCount val="8"/>
+                <c:pt idx="0">
+                  <c:v>71.968191862106323</c:v>
+                </c:pt>
+                <c:pt idx="1">
+                  <c:v>58.917838335037231</c:v>
+                </c:pt>
+                <c:pt idx="2">
+                  <c:v>68.87052059173584</c:v>
+                </c:pt>
+                <c:pt idx="3">
+                  <c:v>79.090911149978638</c:v>
+                </c:pt>
+                <c:pt idx="4">
+                  <c:v>68.518519401550293</c:v>
+                </c:pt>
+                <c:pt idx="5">
+                  <c:v>68.269228935241699</c:v>
+                </c:pt>
+                <c:pt idx="6">
+                  <c:v>68.469858169555664</c:v>
+                </c:pt>
+                <c:pt idx="7">
+                  <c:v>69.263339042663574</c:v>
+                </c:pt>
+              </c:numCache>
+            </c:numRef>
+          </c:val>
+          <c:extLst>
+            <c:ext xmlns:c16="http://schemas.microsoft.com/office/drawing/2014/chart" uri="{C3380CC4-5D6E-409C-BE32-E72D297353CC}">
+              <c16:uniqueId val="{00000001-F128-934D-815A-DDB981B22871}"/>
+            </c:ext>
+          </c:extLst>
+        </c:ser>
+        <c:ser>
+          <c:idx val="2"/>
+          <c:order val="2"/>
+          <c:tx>
+            <c:strRef>
+              <c:f>業種×Q18データ!$F$4</c:f>
+              <c:strCache>
+                <c:ptCount val="1"/>
+                <c:pt idx="0">
+                  <c:v>Longer</c:v>
+                </c:pt>
+              </c:strCache>
+            </c:strRef>
+          </c:tx>
+          <c:spPr>
+            <a:solidFill>
+              <a:schemeClr val="accent2"/>
+            </a:solidFill>
+          </c:spPr>
+          <c:invertIfNegative val="0"/>
+          <c:dLbls>
+            <c:spPr>
+              <a:noFill/>
+              <a:ln>
+                <a:noFill/>
+              </a:ln>
+              <a:effectLst/>
+            </c:spPr>
+            <c:dLblPos val="ctr"/>
+            <c:showLegendKey val="0"/>
+            <c:showVal val="1"/>
+            <c:showCatName val="0"/>
+            <c:showSerName val="0"/>
+            <c:showPercent val="0"/>
+            <c:showBubbleSize val="0"/>
+            <c:showLeaderLines val="0"/>
+            <c:extLst>
+              <c:ext xmlns:c15="http://schemas.microsoft.com/office/drawing/2012/chart" uri="{CE6537A1-D6FC-4f65-9D91-7224C49458BB}">
+                <c15:showLeaderLines val="0"/>
+              </c:ext>
+            </c:extLst>
+          </c:dLbls>
+          <c:cat>
+            <c:strRef>
+              <c:f>業種×Q18データ!$B$5:$C$12</c:f>
+              <c:strCache>
+                <c:ptCount val="8"/>
+                <c:pt idx="0">
+                  <c:v>General machinery</c:v>
+                </c:pt>
+                <c:pt idx="1">
+                  <c:v>Electric machinery</c:v>
+                </c:pt>
+                <c:pt idx="2">
+                  <c:v>Transportation machinery</c:v>
+                </c:pt>
+                <c:pt idx="3">
+                  <c:v>Steel industry</c:v>
+                </c:pt>
+                <c:pt idx="4">
+                  <c:v>Chemical insudry</c:v>
+                </c:pt>
+                <c:pt idx="5">
+                  <c:v>Nonferrous metal</c:v>
+                </c:pt>
+                <c:pt idx="6">
+                  <c:v>Metal product</c:v>
+                </c:pt>
+                <c:pt idx="7">
+                  <c:v>Others</c:v>
+                </c:pt>
+              </c:strCache>
+            </c:strRef>
+          </c:cat>
+          <c:val>
+            <c:numRef>
+              <c:f>業種×Q18データ!$F$5:$F$12</c:f>
+              <c:numCache>
+                <c:formatCode>###0.0</c:formatCode>
+                <c:ptCount val="8"/>
+                <c:pt idx="0">
+                  <c:v>6.3618287444114685</c:v>
+                </c:pt>
+                <c:pt idx="1">
+                  <c:v>6.412825733423233</c:v>
+                </c:pt>
+                <c:pt idx="2">
+                  <c:v>14.876033365726471</c:v>
+                </c:pt>
+                <c:pt idx="3">
+                  <c:v>2.7272727340459824</c:v>
+                </c:pt>
+                <c:pt idx="4">
+                  <c:v>1.2345679104328156</c:v>
+                </c:pt>
+                <c:pt idx="5">
+                  <c:v>4.8076923936605453</c:v>
+                </c:pt>
+                <c:pt idx="6">
+                  <c:v>5.7187017053365707</c:v>
+                </c:pt>
+                <c:pt idx="7">
+                  <c:v>4.5723963528871536</c:v>
+                </c:pt>
+              </c:numCache>
+            </c:numRef>
+          </c:val>
+          <c:extLst>
+            <c:ext xmlns:c16="http://schemas.microsoft.com/office/drawing/2014/chart" uri="{C3380CC4-5D6E-409C-BE32-E72D297353CC}">
+              <c16:uniqueId val="{00000002-F128-934D-815A-DDB981B22871}"/>
+            </c:ext>
+          </c:extLst>
+        </c:ser>
+        <c:dLbls>
+          <c:dLblPos val="ctr"/>
+          <c:showLegendKey val="0"/>
+          <c:showVal val="1"/>
+          <c:showCatName val="0"/>
+          <c:showSerName val="0"/>
+          <c:showPercent val="0"/>
+          <c:showBubbleSize val="0"/>
+        </c:dLbls>
+        <c:gapWidth val="75"/>
+        <c:overlap val="100"/>
+        <c:axId val="98839168"/>
+        <c:axId val="98857344"/>
+      </c:barChart>
+      <c:catAx>
+        <c:axId val="98839168"/>
+        <c:scaling>
+          <c:orientation val="maxMin"/>
+        </c:scaling>
+        <c:delete val="0"/>
+        <c:axPos val="l"/>
+        <c:numFmt formatCode="General" sourceLinked="1"/>
+        <c:majorTickMark val="none"/>
+        <c:minorTickMark val="none"/>
+        <c:tickLblPos val="nextTo"/>
+        <c:spPr>
+          <a:ln w="12700">
+            <a:solidFill>
+              <a:schemeClr val="tx1"/>
+            </a:solidFill>
+          </a:ln>
+        </c:spPr>
+        <c:txPr>
+          <a:bodyPr/>
+          <a:lstStyle/>
+          <a:p>
+            <a:pPr>
+              <a:defRPr sz="1300"/>
+            </a:pPr>
+            <a:endParaRPr lang="ja-JP"/>
+          </a:p>
+        </c:txPr>
+        <c:crossAx val="98857344"/>
+        <c:crosses val="autoZero"/>
+        <c:auto val="1"/>
+        <c:lblAlgn val="ctr"/>
+        <c:lblOffset val="100"/>
+        <c:noMultiLvlLbl val="0"/>
+      </c:catAx>
+      <c:valAx>
+        <c:axId val="98857344"/>
+        <c:scaling>
+          <c:orientation val="minMax"/>
+          <c:max val="100"/>
+        </c:scaling>
+        <c:delete val="0"/>
+        <c:axPos val="t"/>
+        <c:numFmt formatCode="General" sourceLinked="0"/>
+        <c:majorTickMark val="none"/>
+        <c:minorTickMark val="none"/>
+        <c:tickLblPos val="nextTo"/>
+        <c:crossAx val="98839168"/>
+        <c:crosses val="autoZero"/>
+        <c:crossBetween val="between"/>
+        <c:majorUnit val="20"/>
+      </c:valAx>
+      <c:spPr>
+        <a:noFill/>
+        <a:ln w="25400">
+          <a:noFill/>
+        </a:ln>
+      </c:spPr>
+    </c:plotArea>
+    <c:legend>
+      <c:legendPos val="b"/>
+      <c:layout>
+        <c:manualLayout>
+          <c:xMode val="edge"/>
+          <c:yMode val="edge"/>
+          <c:x val="0.80512770090023289"/>
+          <c:y val="0.376521116678597"/>
+          <c:w val="0.19083637574985826"/>
+          <c:h val="0.22431482898493491"/>
+        </c:manualLayout>
+      </c:layout>
+      <c:overlay val="0"/>
+      <c:spPr>
+        <a:ln>
+          <a:solidFill>
+            <a:sysClr val="windowText" lastClr="000000"/>
+          </a:solidFill>
+        </a:ln>
+      </c:spPr>
+      <c:txPr>
+        <a:bodyPr/>
+        <a:lstStyle/>
+        <a:p>
+          <a:pPr>
+            <a:defRPr sz="1400"/>
+          </a:pPr>
+          <a:endParaRPr lang="ja-JP"/>
+        </a:p>
+      </c:txPr>
+    </c:legend>
+    <c:plotVisOnly val="1"/>
+    <c:dispBlanksAs val="gap"/>
+    <c:showDLblsOverMax val="0"/>
+  </c:chart>
+  <c:spPr>
+    <a:noFill/>
+    <a:ln>
+      <a:noFill/>
+    </a:ln>
+  </c:spPr>
+  <c:txPr>
+    <a:bodyPr/>
+    <a:lstStyle/>
+    <a:p>
+      <a:pPr>
+        <a:defRPr sz="1600"/>
+      </a:pPr>
+      <a:endParaRPr lang="ja-JP"/>
+    </a:p>
+  </c:txPr>
+  <c:externalData r:id="rId1">
+    <c:autoUpdate val="0"/>
+  </c:externalData>
+  <c:userShapes r:id="rId2"/>
+</c:chartSpace>
+</file>
+
+<file path=ppt/drawings/drawing1.xml><?xml version="1.0" encoding="utf-8"?>
+<c:userShapes xmlns:c="http://schemas.openxmlformats.org/drawingml/2006/chart">
+  <cdr:relSizeAnchor xmlns:cdr="http://schemas.openxmlformats.org/drawingml/2006/chartDrawing">
+    <cdr:from>
+      <cdr:x>0.79529</cdr:x>
+      <cdr:y>0.06894</cdr:y>
+    </cdr:from>
+    <cdr:to>
+      <cdr:x>0.90808</cdr:x>
+      <cdr:y>0.12379</cdr:y>
+    </cdr:to>
+    <cdr:sp macro="" textlink="">
+      <cdr:nvSpPr>
+        <cdr:cNvPr id="2" name="正方形/長方形 1"/>
+        <cdr:cNvSpPr/>
+      </cdr:nvSpPr>
+      <cdr:spPr>
+        <a:xfrm xmlns:a="http://schemas.openxmlformats.org/drawingml/2006/main">
+          <a:off x="7725039" y="418507"/>
+          <a:ext cx="1095576" cy="332973"/>
+        </a:xfrm>
+        <a:prstGeom xmlns:a="http://schemas.openxmlformats.org/drawingml/2006/main" prst="rect">
+          <a:avLst/>
+        </a:prstGeom>
+        <a:noFill xmlns:a="http://schemas.openxmlformats.org/drawingml/2006/main"/>
+        <a:ln xmlns:a="http://schemas.openxmlformats.org/drawingml/2006/main">
+          <a:noFill/>
+        </a:ln>
+      </cdr:spPr>
+      <cdr:style>
+        <a:lnRef xmlns:a="http://schemas.openxmlformats.org/drawingml/2006/main" idx="2">
+          <a:schemeClr val="accent1">
+            <a:shade val="50000"/>
+          </a:schemeClr>
+        </a:lnRef>
+        <a:fillRef xmlns:a="http://schemas.openxmlformats.org/drawingml/2006/main" idx="1">
+          <a:schemeClr val="accent1"/>
+        </a:fillRef>
+        <a:effectRef xmlns:a="http://schemas.openxmlformats.org/drawingml/2006/main" idx="0">
+          <a:schemeClr val="accent1"/>
+        </a:effectRef>
+        <a:fontRef xmlns:a="http://schemas.openxmlformats.org/drawingml/2006/main" idx="minor">
+          <a:schemeClr val="lt1"/>
+        </a:fontRef>
+      </cdr:style>
+      <cdr:txBody>
+        <a:bodyPr xmlns:a="http://schemas.openxmlformats.org/drawingml/2006/main" vertOverflow="clip" anchor="ctr"/>
+        <a:lstStyle xmlns:a="http://schemas.openxmlformats.org/drawingml/2006/main"/>
+        <a:p xmlns:a="http://schemas.openxmlformats.org/drawingml/2006/main">
+          <a:pPr algn="ctr"/>
+          <a:r>
+            <a:rPr lang="ja-JP" altLang="en-US" sz="1600">
+              <a:solidFill>
+                <a:schemeClr val="tx1"/>
+              </a:solidFill>
+            </a:rPr>
+            <a:t>（％）</a:t>
+          </a:r>
+          <a:endParaRPr lang="ja-JP" sz="1600">
+            <a:solidFill>
+              <a:schemeClr val="tx1"/>
+            </a:solidFill>
+          </a:endParaRPr>
+        </a:p>
+      </cdr:txBody>
+    </cdr:sp>
+  </cdr:relSizeAnchor>
+</c:userShapes>
+</file>
+
 <file path=ppt/notesMasters/notesMaster1.xml><?xml version="1.0" encoding="utf-8"?>
 <p:notesMaster xmlns:a="http://schemas.openxmlformats.org/drawingml/2006/main" xmlns:r="http://schemas.openxmlformats.org/officeDocument/2006/relationships" xmlns:p="http://schemas.openxmlformats.org/presentationml/2006/main">
   <p:cSld>
@@ -211,7 +777,7 @@
           <a:p>
             <a:fld id="{897832C7-1618-EE41-8284-0D326C91B4F7}" type="datetimeFigureOut">
               <a:rPr kumimoji="1" lang="ja-JP" altLang="en-US" smtClean="0"/>
-              <a:t>2020/1/17</a:t>
+              <a:t>2020/1/23</a:t>
             </a:fld>
             <a:endParaRPr kumimoji="1" lang="ja-JP" altLang="en-US"/>
           </a:p>
@@ -4912,60 +5478,40 @@
           <a:chExt cx="0" cy="0"/>
         </a:xfrm>
       </p:grpSpPr>
-      <p:sp>
-        <p:nvSpPr>
-          <p:cNvPr id="2" name="タイトル 1">
+      <p:graphicFrame>
+        <p:nvGraphicFramePr>
+          <p:cNvPr id="4" name="グラフ 3">
             <a:extLst>
               <a:ext uri="{FF2B5EF4-FFF2-40B4-BE49-F238E27FC236}">
-                <a16:creationId xmlns:a16="http://schemas.microsoft.com/office/drawing/2014/main" id="{580585DC-9FC4-634E-BC99-76C48BBAAE99}"/>
+                <a16:creationId xmlns:a16="http://schemas.microsoft.com/office/drawing/2014/main" id="{00000000-0008-0000-0000-000002000000}"/>
               </a:ext>
             </a:extLst>
           </p:cNvPr>
-          <p:cNvSpPr>
-            <a:spLocks noGrp="1"/>
-          </p:cNvSpPr>
-          <p:nvPr>
-            <p:ph type="ctrTitle"/>
-          </p:nvPr>
-        </p:nvSpPr>
-        <p:spPr/>
-        <p:txBody>
-          <a:bodyPr/>
-          <a:lstStyle/>
-          <a:p>
-            <a:endParaRPr kumimoji="1" lang="ja-JP" altLang="en-US"/>
-          </a:p>
-        </p:txBody>
-      </p:sp>
-      <p:sp>
-        <p:nvSpPr>
-          <p:cNvPr id="3" name="字幕 2">
-            <a:extLst>
-              <a:ext uri="{FF2B5EF4-FFF2-40B4-BE49-F238E27FC236}">
-                <a16:creationId xmlns:a16="http://schemas.microsoft.com/office/drawing/2014/main" id="{948506D3-A221-B044-BD7D-B7C3544A1314}"/>
-              </a:ext>
-            </a:extLst>
-          </p:cNvPr>
-          <p:cNvSpPr>
-            <a:spLocks noGrp="1"/>
-          </p:cNvSpPr>
-          <p:nvPr>
-            <p:ph type="subTitle" idx="1"/>
-          </p:nvPr>
-        </p:nvSpPr>
-        <p:spPr/>
-        <p:txBody>
-          <a:bodyPr/>
-          <a:lstStyle/>
-          <a:p>
-            <a:endParaRPr kumimoji="1" lang="ja-JP" altLang="en-US"/>
-          </a:p>
-        </p:txBody>
-      </p:sp>
+          <p:cNvGraphicFramePr>
+            <a:graphicFrameLocks noGrp="1"/>
+          </p:cNvGraphicFramePr>
+          <p:nvPr>
+            <p:extLst>
+              <p:ext uri="{D42A27DB-BD31-4B8C-83A1-F6EECF244321}">
+                <p14:modId xmlns:p14="http://schemas.microsoft.com/office/powerpoint/2010/main" val="1416639370"/>
+              </p:ext>
+            </p:extLst>
+          </p:nvPr>
+        </p:nvGraphicFramePr>
+        <p:xfrm>
+          <a:off x="434897" y="235132"/>
+          <a:ext cx="9713487" cy="6070600"/>
+        </p:xfrm>
+        <a:graphic>
+          <a:graphicData uri="http://schemas.openxmlformats.org/drawingml/2006/chart">
+            <c:chart xmlns:c="http://schemas.openxmlformats.org/drawingml/2006/chart" xmlns:r="http://schemas.openxmlformats.org/officeDocument/2006/relationships" r:id="rId2"/>
+          </a:graphicData>
+        </a:graphic>
+      </p:graphicFrame>
     </p:spTree>
     <p:extLst>
       <p:ext uri="{BB962C8B-B14F-4D97-AF65-F5344CB8AC3E}">
-        <p14:creationId xmlns:p14="http://schemas.microsoft.com/office/powerpoint/2010/main" val="3814349838"/>
+        <p14:creationId xmlns:p14="http://schemas.microsoft.com/office/powerpoint/2010/main" val="4031976456"/>
       </p:ext>
     </p:extLst>
   </p:cSld>
@@ -5296,8 +5842,8 @@
           </a:fontRef>
         </p:style>
       </p:cxnSp>
-      <mc:AlternateContent xmlns:mc="http://schemas.openxmlformats.org/markup-compatibility/2006">
-        <mc:Choice xmlns:a14="http://schemas.microsoft.com/office/drawing/2010/main" Requires="a14">
+      <mc:AlternateContent xmlns:mc="http://schemas.openxmlformats.org/markup-compatibility/2006" xmlns:a14="http://schemas.microsoft.com/office/drawing/2010/main">
+        <mc:Choice Requires="a14">
           <p:sp>
             <p:nvSpPr>
               <p:cNvPr id="14" name="テキスト ボックス 13">
@@ -5326,6 +5872,7 @@
               </a:bodyPr>
               <a:lstStyle/>
               <a:p>
+                <a:pPr/>
                 <a14:m>
                   <m:oMathPara xmlns:m="http://schemas.openxmlformats.org/officeDocument/2006/math">
                     <m:oMathParaPr>
@@ -5391,7 +5938,7 @@
             </p:txBody>
           </p:sp>
         </mc:Choice>
-        <mc:Fallback>
+        <mc:Fallback xmlns="">
           <p:sp>
             <p:nvSpPr>
               <p:cNvPr id="14" name="テキスト ボックス 13">
@@ -5436,8 +5983,8 @@
           </p:sp>
         </mc:Fallback>
       </mc:AlternateContent>
-      <mc:AlternateContent xmlns:mc="http://schemas.openxmlformats.org/markup-compatibility/2006">
-        <mc:Choice xmlns:a14="http://schemas.microsoft.com/office/drawing/2010/main" Requires="a14">
+      <mc:AlternateContent xmlns:mc="http://schemas.openxmlformats.org/markup-compatibility/2006" xmlns:a14="http://schemas.microsoft.com/office/drawing/2010/main">
+        <mc:Choice Requires="a14">
           <p:sp>
             <p:nvSpPr>
               <p:cNvPr id="15" name="テキスト ボックス 14">
@@ -5466,6 +6013,7 @@
               </a:bodyPr>
               <a:lstStyle/>
               <a:p>
+                <a:pPr/>
                 <a14:m>
                   <m:oMathPara xmlns:m="http://schemas.openxmlformats.org/officeDocument/2006/math">
                     <m:oMathParaPr>
@@ -5503,7 +6051,7 @@
             </p:txBody>
           </p:sp>
         </mc:Choice>
-        <mc:Fallback>
+        <mc:Fallback xmlns="">
           <p:sp>
             <p:nvSpPr>
               <p:cNvPr id="15" name="テキスト ボックス 14">
@@ -5548,8 +6096,8 @@
           </p:sp>
         </mc:Fallback>
       </mc:AlternateContent>
-      <mc:AlternateContent xmlns:mc="http://schemas.openxmlformats.org/markup-compatibility/2006">
-        <mc:Choice xmlns:a14="http://schemas.microsoft.com/office/drawing/2010/main" Requires="a14">
+      <mc:AlternateContent xmlns:mc="http://schemas.openxmlformats.org/markup-compatibility/2006" xmlns:a14="http://schemas.microsoft.com/office/drawing/2010/main">
+        <mc:Choice Requires="a14">
           <p:sp>
             <p:nvSpPr>
               <p:cNvPr id="16" name="テキスト ボックス 15">
@@ -5578,6 +6126,7 @@
               </a:bodyPr>
               <a:lstStyle/>
               <a:p>
+                <a:pPr/>
                 <a14:m>
                   <m:oMathPara xmlns:m="http://schemas.openxmlformats.org/officeDocument/2006/math">
                     <m:oMathParaPr>
@@ -5629,7 +6178,7 @@
             </p:txBody>
           </p:sp>
         </mc:Choice>
-        <mc:Fallback>
+        <mc:Fallback xmlns="">
           <p:sp>
             <p:nvSpPr>
               <p:cNvPr id="16" name="テキスト ボックス 15">
@@ -5674,8 +6223,8 @@
           </p:sp>
         </mc:Fallback>
       </mc:AlternateContent>
-      <mc:AlternateContent xmlns:mc="http://schemas.openxmlformats.org/markup-compatibility/2006">
-        <mc:Choice xmlns:a14="http://schemas.microsoft.com/office/drawing/2010/main" Requires="a14">
+      <mc:AlternateContent xmlns:mc="http://schemas.openxmlformats.org/markup-compatibility/2006" xmlns:a14="http://schemas.microsoft.com/office/drawing/2010/main">
+        <mc:Choice Requires="a14">
           <p:sp>
             <p:nvSpPr>
               <p:cNvPr id="17" name="テキスト ボックス 16">
@@ -5704,6 +6253,7 @@
               </a:bodyPr>
               <a:lstStyle/>
               <a:p>
+                <a:pPr/>
                 <a14:m>
                   <m:oMathPara xmlns:m="http://schemas.openxmlformats.org/officeDocument/2006/math">
                     <m:oMathParaPr>
@@ -5791,7 +6341,7 @@
             </p:txBody>
           </p:sp>
         </mc:Choice>
-        <mc:Fallback>
+        <mc:Fallback xmlns="">
           <p:sp>
             <p:nvSpPr>
               <p:cNvPr id="17" name="テキスト ボックス 16">
@@ -5924,8 +6474,8 @@
           </a:fontRef>
         </p:style>
       </p:cxnSp>
-      <mc:AlternateContent xmlns:mc="http://schemas.openxmlformats.org/markup-compatibility/2006">
-        <mc:Choice xmlns:a14="http://schemas.microsoft.com/office/drawing/2010/main" Requires="a14">
+      <mc:AlternateContent xmlns:mc="http://schemas.openxmlformats.org/markup-compatibility/2006" xmlns:a14="http://schemas.microsoft.com/office/drawing/2010/main">
+        <mc:Choice Requires="a14">
           <p:sp>
             <p:nvSpPr>
               <p:cNvPr id="23" name="テキスト ボックス 22">
@@ -5954,6 +6504,7 @@
               </a:bodyPr>
               <a:lstStyle/>
               <a:p>
+                <a:pPr/>
                 <a14:m>
                   <m:oMathPara xmlns:m="http://schemas.openxmlformats.org/officeDocument/2006/math">
                     <m:oMathParaPr>
@@ -6006,7 +6557,7 @@
             </p:txBody>
           </p:sp>
         </mc:Choice>
-        <mc:Fallback>
+        <mc:Fallback xmlns="">
           <p:sp>
             <p:nvSpPr>
               <p:cNvPr id="23" name="テキスト ボックス 22">
@@ -6430,8 +6981,8 @@
           </a:fontRef>
         </p:style>
       </p:cxnSp>
-      <mc:AlternateContent xmlns:mc="http://schemas.openxmlformats.org/markup-compatibility/2006">
-        <mc:Choice xmlns:a14="http://schemas.microsoft.com/office/drawing/2010/main" Requires="a14">
+      <mc:AlternateContent xmlns:mc="http://schemas.openxmlformats.org/markup-compatibility/2006" xmlns:a14="http://schemas.microsoft.com/office/drawing/2010/main">
+        <mc:Choice Requires="a14">
           <p:sp>
             <p:nvSpPr>
               <p:cNvPr id="14" name="テキスト ボックス 13">
@@ -6460,6 +7011,7 @@
               </a:bodyPr>
               <a:lstStyle/>
               <a:p>
+                <a:pPr/>
                 <a14:m>
                   <m:oMathPara xmlns:m="http://schemas.openxmlformats.org/officeDocument/2006/math">
                     <m:oMathParaPr>
@@ -6531,7 +7083,7 @@
             </p:txBody>
           </p:sp>
         </mc:Choice>
-        <mc:Fallback>
+        <mc:Fallback xmlns="">
           <p:sp>
             <p:nvSpPr>
               <p:cNvPr id="14" name="テキスト ボックス 13">
@@ -6576,8 +7128,8 @@
           </p:sp>
         </mc:Fallback>
       </mc:AlternateContent>
-      <mc:AlternateContent xmlns:mc="http://schemas.openxmlformats.org/markup-compatibility/2006">
-        <mc:Choice xmlns:a14="http://schemas.microsoft.com/office/drawing/2010/main" Requires="a14">
+      <mc:AlternateContent xmlns:mc="http://schemas.openxmlformats.org/markup-compatibility/2006" xmlns:a14="http://schemas.microsoft.com/office/drawing/2010/main">
+        <mc:Choice Requires="a14">
           <p:sp>
             <p:nvSpPr>
               <p:cNvPr id="15" name="テキスト ボックス 14">
@@ -6606,6 +7158,7 @@
               </a:bodyPr>
               <a:lstStyle/>
               <a:p>
+                <a:pPr/>
                 <a14:m>
                   <m:oMathPara xmlns:m="http://schemas.openxmlformats.org/officeDocument/2006/math">
                     <m:oMathParaPr>
@@ -6649,7 +7202,7 @@
             </p:txBody>
           </p:sp>
         </mc:Choice>
-        <mc:Fallback>
+        <mc:Fallback xmlns="">
           <p:sp>
             <p:nvSpPr>
               <p:cNvPr id="15" name="テキスト ボックス 14">
@@ -6694,8 +7247,8 @@
           </p:sp>
         </mc:Fallback>
       </mc:AlternateContent>
-      <mc:AlternateContent xmlns:mc="http://schemas.openxmlformats.org/markup-compatibility/2006">
-        <mc:Choice xmlns:a14="http://schemas.microsoft.com/office/drawing/2010/main" Requires="a14">
+      <mc:AlternateContent xmlns:mc="http://schemas.openxmlformats.org/markup-compatibility/2006" xmlns:a14="http://schemas.microsoft.com/office/drawing/2010/main">
+        <mc:Choice Requires="a14">
           <p:sp>
             <p:nvSpPr>
               <p:cNvPr id="16" name="テキスト ボックス 15">
@@ -6724,6 +7277,7 @@
               </a:bodyPr>
               <a:lstStyle/>
               <a:p>
+                <a:pPr/>
                 <a14:m>
                   <m:oMathPara xmlns:m="http://schemas.openxmlformats.org/officeDocument/2006/math">
                     <m:oMathParaPr>
@@ -6775,7 +7329,7 @@
             </p:txBody>
           </p:sp>
         </mc:Choice>
-        <mc:Fallback>
+        <mc:Fallback xmlns="">
           <p:sp>
             <p:nvSpPr>
               <p:cNvPr id="16" name="テキスト ボックス 15">
@@ -6820,8 +7374,8 @@
           </p:sp>
         </mc:Fallback>
       </mc:AlternateContent>
-      <mc:AlternateContent xmlns:mc="http://schemas.openxmlformats.org/markup-compatibility/2006">
-        <mc:Choice xmlns:a14="http://schemas.microsoft.com/office/drawing/2010/main" Requires="a14">
+      <mc:AlternateContent xmlns:mc="http://schemas.openxmlformats.org/markup-compatibility/2006" xmlns:a14="http://schemas.microsoft.com/office/drawing/2010/main">
+        <mc:Choice Requires="a14">
           <p:sp>
             <p:nvSpPr>
               <p:cNvPr id="17" name="テキスト ボックス 16">
@@ -6850,6 +7404,7 @@
               </a:bodyPr>
               <a:lstStyle/>
               <a:p>
+                <a:pPr/>
                 <a14:m>
                   <m:oMathPara xmlns:m="http://schemas.openxmlformats.org/officeDocument/2006/math">
                     <m:oMathParaPr>
@@ -6937,7 +7492,7 @@
             </p:txBody>
           </p:sp>
         </mc:Choice>
-        <mc:Fallback>
+        <mc:Fallback xmlns="">
           <p:sp>
             <p:nvSpPr>
               <p:cNvPr id="17" name="テキスト ボックス 16">
@@ -7070,8 +7625,8 @@
           </a:fontRef>
         </p:style>
       </p:cxnSp>
-      <mc:AlternateContent xmlns:mc="http://schemas.openxmlformats.org/markup-compatibility/2006">
-        <mc:Choice xmlns:a14="http://schemas.microsoft.com/office/drawing/2010/main" Requires="a14">
+      <mc:AlternateContent xmlns:mc="http://schemas.openxmlformats.org/markup-compatibility/2006" xmlns:a14="http://schemas.microsoft.com/office/drawing/2010/main">
+        <mc:Choice Requires="a14">
           <p:sp>
             <p:nvSpPr>
               <p:cNvPr id="23" name="テキスト ボックス 22">
@@ -7100,6 +7655,7 @@
               </a:bodyPr>
               <a:lstStyle/>
               <a:p>
+                <a:pPr/>
                 <a14:m>
                   <m:oMathPara xmlns:m="http://schemas.openxmlformats.org/officeDocument/2006/math">
                     <m:oMathParaPr>
@@ -7152,7 +7708,7 @@
             </p:txBody>
           </p:sp>
         </mc:Choice>
-        <mc:Fallback>
+        <mc:Fallback xmlns="">
           <p:sp>
             <p:nvSpPr>
               <p:cNvPr id="23" name="テキスト ボックス 22">
@@ -7242,8 +7798,8 @@
           </a:fontRef>
         </p:style>
       </p:cxnSp>
-      <mc:AlternateContent xmlns:mc="http://schemas.openxmlformats.org/markup-compatibility/2006">
-        <mc:Choice xmlns:a14="http://schemas.microsoft.com/office/drawing/2010/main" Requires="a14">
+      <mc:AlternateContent xmlns:mc="http://schemas.openxmlformats.org/markup-compatibility/2006" xmlns:a14="http://schemas.microsoft.com/office/drawing/2010/main">
+        <mc:Choice Requires="a14">
           <p:sp>
             <p:nvSpPr>
               <p:cNvPr id="20" name="テキスト ボックス 19">
@@ -7272,6 +7828,7 @@
               </a:bodyPr>
               <a:lstStyle/>
               <a:p>
+                <a:pPr/>
                 <a14:m>
                   <m:oMathPara xmlns:m="http://schemas.openxmlformats.org/officeDocument/2006/math">
                     <m:oMathParaPr>
@@ -7354,7 +7911,7 @@
             </p:txBody>
           </p:sp>
         </mc:Choice>
-        <mc:Fallback>
+        <mc:Fallback xmlns="">
           <p:sp>
             <p:nvSpPr>
               <p:cNvPr id="20" name="テキスト ボックス 19">
@@ -7691,8 +8248,8 @@
           </a:p>
         </p:txBody>
       </p:sp>
-      <mc:AlternateContent xmlns:mc="http://schemas.openxmlformats.org/markup-compatibility/2006">
-        <mc:Choice xmlns:a14="http://schemas.microsoft.com/office/drawing/2010/main" Requires="a14">
+      <mc:AlternateContent xmlns:mc="http://schemas.openxmlformats.org/markup-compatibility/2006" xmlns:a14="http://schemas.microsoft.com/office/drawing/2010/main">
+        <mc:Choice Requires="a14">
           <p:sp>
             <p:nvSpPr>
               <p:cNvPr id="14" name="テキスト ボックス 13">
@@ -7721,6 +8278,7 @@
               </a:bodyPr>
               <a:lstStyle/>
               <a:p>
+                <a:pPr/>
                 <a14:m>
                   <m:oMathPara xmlns:m="http://schemas.openxmlformats.org/officeDocument/2006/math">
                     <m:oMathParaPr>
@@ -7843,7 +8401,7 @@
             </p:txBody>
           </p:sp>
         </mc:Choice>
-        <mc:Fallback>
+        <mc:Fallback xmlns="">
           <p:sp>
             <p:nvSpPr>
               <p:cNvPr id="14" name="テキスト ボックス 13">
@@ -7888,8 +8446,8 @@
           </p:sp>
         </mc:Fallback>
       </mc:AlternateContent>
-      <mc:AlternateContent xmlns:mc="http://schemas.openxmlformats.org/markup-compatibility/2006">
-        <mc:Choice xmlns:a14="http://schemas.microsoft.com/office/drawing/2010/main" Requires="a14">
+      <mc:AlternateContent xmlns:mc="http://schemas.openxmlformats.org/markup-compatibility/2006" xmlns:a14="http://schemas.microsoft.com/office/drawing/2010/main">
+        <mc:Choice Requires="a14">
           <p:sp>
             <p:nvSpPr>
               <p:cNvPr id="15" name="テキスト ボックス 14">
@@ -7918,6 +8476,7 @@
               </a:bodyPr>
               <a:lstStyle/>
               <a:p>
+                <a:pPr/>
                 <a14:m>
                   <m:oMathPara xmlns:m="http://schemas.openxmlformats.org/officeDocument/2006/math">
                     <m:oMathParaPr>
@@ -7979,7 +8538,7 @@
             </p:txBody>
           </p:sp>
         </mc:Choice>
-        <mc:Fallback>
+        <mc:Fallback xmlns="">
           <p:sp>
             <p:nvSpPr>
               <p:cNvPr id="15" name="テキスト ボックス 14">
@@ -8068,8 +8627,8 @@
           </a:fontRef>
         </p:style>
       </p:cxnSp>
-      <mc:AlternateContent xmlns:mc="http://schemas.openxmlformats.org/markup-compatibility/2006">
-        <mc:Choice xmlns:a14="http://schemas.microsoft.com/office/drawing/2010/main" Requires="a14">
+      <mc:AlternateContent xmlns:mc="http://schemas.openxmlformats.org/markup-compatibility/2006" xmlns:a14="http://schemas.microsoft.com/office/drawing/2010/main">
+        <mc:Choice Requires="a14">
           <p:sp>
             <p:nvSpPr>
               <p:cNvPr id="23" name="テキスト ボックス 22">
@@ -8098,6 +8657,7 @@
               </a:bodyPr>
               <a:lstStyle/>
               <a:p>
+                <a:pPr/>
                 <a14:m>
                   <m:oMathPara xmlns:m="http://schemas.openxmlformats.org/officeDocument/2006/math">
                     <m:oMathParaPr>
@@ -8177,7 +8737,7 @@
             </p:txBody>
           </p:sp>
         </mc:Choice>
-        <mc:Fallback>
+        <mc:Fallback xmlns="">
           <p:sp>
             <p:nvSpPr>
               <p:cNvPr id="23" name="テキスト ボックス 22">
@@ -8222,8 +8782,8 @@
           </p:sp>
         </mc:Fallback>
       </mc:AlternateContent>
-      <mc:AlternateContent xmlns:mc="http://schemas.openxmlformats.org/markup-compatibility/2006">
-        <mc:Choice xmlns:a14="http://schemas.microsoft.com/office/drawing/2010/main" Requires="a14">
+      <mc:AlternateContent xmlns:mc="http://schemas.openxmlformats.org/markup-compatibility/2006" xmlns:a14="http://schemas.microsoft.com/office/drawing/2010/main">
+        <mc:Choice Requires="a14">
           <p:sp>
             <p:nvSpPr>
               <p:cNvPr id="20" name="テキスト ボックス 19">
@@ -8252,6 +8812,7 @@
               </a:bodyPr>
               <a:lstStyle/>
               <a:p>
+                <a:pPr/>
                 <a14:m>
                   <m:oMathPara xmlns:m="http://schemas.openxmlformats.org/officeDocument/2006/math">
                     <m:oMathParaPr>
@@ -8407,7 +8968,7 @@
             </p:txBody>
           </p:sp>
         </mc:Choice>
-        <mc:Fallback>
+        <mc:Fallback xmlns="">
           <p:sp>
             <p:nvSpPr>
               <p:cNvPr id="20" name="テキスト ボックス 19">

--- a/Paper/master-thesis/src/img/chapter-2/図.pptx
+++ b/Paper/master-thesis/src/img/chapter-2/図.pptx
@@ -5,13 +5,14 @@
     <p:sldMasterId id="2147483660" r:id="rId1"/>
   </p:sldMasterIdLst>
   <p:notesMasterIdLst>
-    <p:notesMasterId r:id="rId6"/>
+    <p:notesMasterId r:id="rId7"/>
   </p:notesMasterIdLst>
   <p:sldIdLst>
-    <p:sldId id="260" r:id="rId2"/>
-    <p:sldId id="257" r:id="rId3"/>
-    <p:sldId id="258" r:id="rId4"/>
+    <p:sldId id="257" r:id="rId2"/>
+    <p:sldId id="258" r:id="rId3"/>
+    <p:sldId id="262" r:id="rId4"/>
     <p:sldId id="259" r:id="rId5"/>
+    <p:sldId id="261" r:id="rId6"/>
   </p:sldIdLst>
   <p:sldSz cx="12192000" cy="6858000"/>
   <p:notesSz cx="6858000" cy="9144000"/>
@@ -129,572 +130,6 @@
 </p:presentation>
 </file>
 
-<file path=ppt/charts/chart1.xml><?xml version="1.0" encoding="utf-8"?>
-<c:chartSpace xmlns:c="http://schemas.openxmlformats.org/drawingml/2006/chart" xmlns:a="http://schemas.openxmlformats.org/drawingml/2006/main" xmlns:r="http://schemas.openxmlformats.org/officeDocument/2006/relationships" xmlns:c16r2="http://schemas.microsoft.com/office/drawing/2015/06/chart">
-  <c:date1904 val="0"/>
-  <c:lang val="ja-JP"/>
-  <c:roundedCorners val="0"/>
-  <mc:AlternateContent xmlns:mc="http://schemas.openxmlformats.org/markup-compatibility/2006">
-    <mc:Choice xmlns:c14="http://schemas.microsoft.com/office/drawing/2007/8/2/chart" Requires="c14">
-      <c14:style val="102"/>
-    </mc:Choice>
-    <mc:Fallback>
-      <c:style val="2"/>
-    </mc:Fallback>
-  </mc:AlternateContent>
-  <c:chart>
-    <c:autoTitleDeleted val="1"/>
-    <c:plotArea>
-      <c:layout>
-        <c:manualLayout>
-          <c:layoutTarget val="inner"/>
-          <c:xMode val="edge"/>
-          <c:yMode val="edge"/>
-          <c:x val="0.13375338807878842"/>
-          <c:y val="9.9502052839006414E-2"/>
-          <c:w val="0.65188887724756006"/>
-          <c:h val="0.89056023169517606"/>
-        </c:manualLayout>
-      </c:layout>
-      <c:barChart>
-        <c:barDir val="bar"/>
-        <c:grouping val="stacked"/>
-        <c:varyColors val="0"/>
-        <c:ser>
-          <c:idx val="0"/>
-          <c:order val="0"/>
-          <c:tx>
-            <c:strRef>
-              <c:f>業種×Q18データ!$D$4</c:f>
-              <c:strCache>
-                <c:ptCount val="1"/>
-                <c:pt idx="0">
-                  <c:v>Shoter</c:v>
-                </c:pt>
-              </c:strCache>
-            </c:strRef>
-          </c:tx>
-          <c:invertIfNegative val="0"/>
-          <c:dLbls>
-            <c:spPr>
-              <a:noFill/>
-              <a:ln>
-                <a:noFill/>
-              </a:ln>
-              <a:effectLst/>
-            </c:spPr>
-            <c:dLblPos val="ctr"/>
-            <c:showLegendKey val="0"/>
-            <c:showVal val="1"/>
-            <c:showCatName val="0"/>
-            <c:showSerName val="0"/>
-            <c:showPercent val="0"/>
-            <c:showBubbleSize val="0"/>
-            <c:showLeaderLines val="0"/>
-            <c:extLst>
-              <c:ext xmlns:c15="http://schemas.microsoft.com/office/drawing/2012/chart" uri="{CE6537A1-D6FC-4f65-9D91-7224C49458BB}">
-                <c15:showLeaderLines val="0"/>
-              </c:ext>
-            </c:extLst>
-          </c:dLbls>
-          <c:cat>
-            <c:strRef>
-              <c:f>業種×Q18データ!$B$5:$C$12</c:f>
-              <c:strCache>
-                <c:ptCount val="8"/>
-                <c:pt idx="0">
-                  <c:v>General machinery</c:v>
-                </c:pt>
-                <c:pt idx="1">
-                  <c:v>Electric machinery</c:v>
-                </c:pt>
-                <c:pt idx="2">
-                  <c:v>Transportation machinery</c:v>
-                </c:pt>
-                <c:pt idx="3">
-                  <c:v>Steel industry</c:v>
-                </c:pt>
-                <c:pt idx="4">
-                  <c:v>Chemical insudry</c:v>
-                </c:pt>
-                <c:pt idx="5">
-                  <c:v>Nonferrous metal</c:v>
-                </c:pt>
-                <c:pt idx="6">
-                  <c:v>Metal product</c:v>
-                </c:pt>
-                <c:pt idx="7">
-                  <c:v>Others</c:v>
-                </c:pt>
-              </c:strCache>
-            </c:strRef>
-          </c:cat>
-          <c:val>
-            <c:numRef>
-              <c:f>業種×Q18データ!$D$5:$D$12</c:f>
-              <c:numCache>
-                <c:formatCode>###0.0</c:formatCode>
-                <c:ptCount val="8"/>
-                <c:pt idx="0">
-                  <c:v>21.669979393482208</c:v>
-                </c:pt>
-                <c:pt idx="1">
-                  <c:v>34.669339656829834</c:v>
-                </c:pt>
-                <c:pt idx="2">
-                  <c:v>16.25344306230545</c:v>
-                </c:pt>
-                <c:pt idx="3">
-                  <c:v>18.181818723678589</c:v>
-                </c:pt>
-                <c:pt idx="4">
-                  <c:v>30.246913433074951</c:v>
-                </c:pt>
-                <c:pt idx="5">
-                  <c:v>26.923078298568726</c:v>
-                </c:pt>
-                <c:pt idx="6">
-                  <c:v>25.811436772346497</c:v>
-                </c:pt>
-                <c:pt idx="7">
-                  <c:v>26.164266467094421</c:v>
-                </c:pt>
-              </c:numCache>
-            </c:numRef>
-          </c:val>
-          <c:extLst>
-            <c:ext xmlns:c16="http://schemas.microsoft.com/office/drawing/2014/chart" uri="{C3380CC4-5D6E-409C-BE32-E72D297353CC}">
-              <c16:uniqueId val="{00000000-F128-934D-815A-DDB981B22871}"/>
-            </c:ext>
-          </c:extLst>
-        </c:ser>
-        <c:ser>
-          <c:idx val="1"/>
-          <c:order val="1"/>
-          <c:tx>
-            <c:strRef>
-              <c:f>業種×Q18データ!$E$4</c:f>
-              <c:strCache>
-                <c:ptCount val="1"/>
-                <c:pt idx="0">
-                  <c:v>Almost unchanged</c:v>
-                </c:pt>
-              </c:strCache>
-            </c:strRef>
-          </c:tx>
-          <c:spPr>
-            <a:solidFill>
-              <a:schemeClr val="accent3"/>
-            </a:solidFill>
-          </c:spPr>
-          <c:invertIfNegative val="0"/>
-          <c:dLbls>
-            <c:spPr>
-              <a:noFill/>
-              <a:ln>
-                <a:noFill/>
-              </a:ln>
-              <a:effectLst/>
-            </c:spPr>
-            <c:dLblPos val="ctr"/>
-            <c:showLegendKey val="0"/>
-            <c:showVal val="1"/>
-            <c:showCatName val="0"/>
-            <c:showSerName val="0"/>
-            <c:showPercent val="0"/>
-            <c:showBubbleSize val="0"/>
-            <c:showLeaderLines val="0"/>
-            <c:extLst>
-              <c:ext xmlns:c15="http://schemas.microsoft.com/office/drawing/2012/chart" uri="{CE6537A1-D6FC-4f65-9D91-7224C49458BB}">
-                <c15:showLeaderLines val="0"/>
-              </c:ext>
-            </c:extLst>
-          </c:dLbls>
-          <c:cat>
-            <c:strRef>
-              <c:f>業種×Q18データ!$B$5:$C$12</c:f>
-              <c:strCache>
-                <c:ptCount val="8"/>
-                <c:pt idx="0">
-                  <c:v>General machinery</c:v>
-                </c:pt>
-                <c:pt idx="1">
-                  <c:v>Electric machinery</c:v>
-                </c:pt>
-                <c:pt idx="2">
-                  <c:v>Transportation machinery</c:v>
-                </c:pt>
-                <c:pt idx="3">
-                  <c:v>Steel industry</c:v>
-                </c:pt>
-                <c:pt idx="4">
-                  <c:v>Chemical insudry</c:v>
-                </c:pt>
-                <c:pt idx="5">
-                  <c:v>Nonferrous metal</c:v>
-                </c:pt>
-                <c:pt idx="6">
-                  <c:v>Metal product</c:v>
-                </c:pt>
-                <c:pt idx="7">
-                  <c:v>Others</c:v>
-                </c:pt>
-              </c:strCache>
-            </c:strRef>
-          </c:cat>
-          <c:val>
-            <c:numRef>
-              <c:f>業種×Q18データ!$E$5:$E$12</c:f>
-              <c:numCache>
-                <c:formatCode>###0.0</c:formatCode>
-                <c:ptCount val="8"/>
-                <c:pt idx="0">
-                  <c:v>71.968191862106323</c:v>
-                </c:pt>
-                <c:pt idx="1">
-                  <c:v>58.917838335037231</c:v>
-                </c:pt>
-                <c:pt idx="2">
-                  <c:v>68.87052059173584</c:v>
-                </c:pt>
-                <c:pt idx="3">
-                  <c:v>79.090911149978638</c:v>
-                </c:pt>
-                <c:pt idx="4">
-                  <c:v>68.518519401550293</c:v>
-                </c:pt>
-                <c:pt idx="5">
-                  <c:v>68.269228935241699</c:v>
-                </c:pt>
-                <c:pt idx="6">
-                  <c:v>68.469858169555664</c:v>
-                </c:pt>
-                <c:pt idx="7">
-                  <c:v>69.263339042663574</c:v>
-                </c:pt>
-              </c:numCache>
-            </c:numRef>
-          </c:val>
-          <c:extLst>
-            <c:ext xmlns:c16="http://schemas.microsoft.com/office/drawing/2014/chart" uri="{C3380CC4-5D6E-409C-BE32-E72D297353CC}">
-              <c16:uniqueId val="{00000001-F128-934D-815A-DDB981B22871}"/>
-            </c:ext>
-          </c:extLst>
-        </c:ser>
-        <c:ser>
-          <c:idx val="2"/>
-          <c:order val="2"/>
-          <c:tx>
-            <c:strRef>
-              <c:f>業種×Q18データ!$F$4</c:f>
-              <c:strCache>
-                <c:ptCount val="1"/>
-                <c:pt idx="0">
-                  <c:v>Longer</c:v>
-                </c:pt>
-              </c:strCache>
-            </c:strRef>
-          </c:tx>
-          <c:spPr>
-            <a:solidFill>
-              <a:schemeClr val="accent2"/>
-            </a:solidFill>
-          </c:spPr>
-          <c:invertIfNegative val="0"/>
-          <c:dLbls>
-            <c:spPr>
-              <a:noFill/>
-              <a:ln>
-                <a:noFill/>
-              </a:ln>
-              <a:effectLst/>
-            </c:spPr>
-            <c:dLblPos val="ctr"/>
-            <c:showLegendKey val="0"/>
-            <c:showVal val="1"/>
-            <c:showCatName val="0"/>
-            <c:showSerName val="0"/>
-            <c:showPercent val="0"/>
-            <c:showBubbleSize val="0"/>
-            <c:showLeaderLines val="0"/>
-            <c:extLst>
-              <c:ext xmlns:c15="http://schemas.microsoft.com/office/drawing/2012/chart" uri="{CE6537A1-D6FC-4f65-9D91-7224C49458BB}">
-                <c15:showLeaderLines val="0"/>
-              </c:ext>
-            </c:extLst>
-          </c:dLbls>
-          <c:cat>
-            <c:strRef>
-              <c:f>業種×Q18データ!$B$5:$C$12</c:f>
-              <c:strCache>
-                <c:ptCount val="8"/>
-                <c:pt idx="0">
-                  <c:v>General machinery</c:v>
-                </c:pt>
-                <c:pt idx="1">
-                  <c:v>Electric machinery</c:v>
-                </c:pt>
-                <c:pt idx="2">
-                  <c:v>Transportation machinery</c:v>
-                </c:pt>
-                <c:pt idx="3">
-                  <c:v>Steel industry</c:v>
-                </c:pt>
-                <c:pt idx="4">
-                  <c:v>Chemical insudry</c:v>
-                </c:pt>
-                <c:pt idx="5">
-                  <c:v>Nonferrous metal</c:v>
-                </c:pt>
-                <c:pt idx="6">
-                  <c:v>Metal product</c:v>
-                </c:pt>
-                <c:pt idx="7">
-                  <c:v>Others</c:v>
-                </c:pt>
-              </c:strCache>
-            </c:strRef>
-          </c:cat>
-          <c:val>
-            <c:numRef>
-              <c:f>業種×Q18データ!$F$5:$F$12</c:f>
-              <c:numCache>
-                <c:formatCode>###0.0</c:formatCode>
-                <c:ptCount val="8"/>
-                <c:pt idx="0">
-                  <c:v>6.3618287444114685</c:v>
-                </c:pt>
-                <c:pt idx="1">
-                  <c:v>6.412825733423233</c:v>
-                </c:pt>
-                <c:pt idx="2">
-                  <c:v>14.876033365726471</c:v>
-                </c:pt>
-                <c:pt idx="3">
-                  <c:v>2.7272727340459824</c:v>
-                </c:pt>
-                <c:pt idx="4">
-                  <c:v>1.2345679104328156</c:v>
-                </c:pt>
-                <c:pt idx="5">
-                  <c:v>4.8076923936605453</c:v>
-                </c:pt>
-                <c:pt idx="6">
-                  <c:v>5.7187017053365707</c:v>
-                </c:pt>
-                <c:pt idx="7">
-                  <c:v>4.5723963528871536</c:v>
-                </c:pt>
-              </c:numCache>
-            </c:numRef>
-          </c:val>
-          <c:extLst>
-            <c:ext xmlns:c16="http://schemas.microsoft.com/office/drawing/2014/chart" uri="{C3380CC4-5D6E-409C-BE32-E72D297353CC}">
-              <c16:uniqueId val="{00000002-F128-934D-815A-DDB981B22871}"/>
-            </c:ext>
-          </c:extLst>
-        </c:ser>
-        <c:dLbls>
-          <c:dLblPos val="ctr"/>
-          <c:showLegendKey val="0"/>
-          <c:showVal val="1"/>
-          <c:showCatName val="0"/>
-          <c:showSerName val="0"/>
-          <c:showPercent val="0"/>
-          <c:showBubbleSize val="0"/>
-        </c:dLbls>
-        <c:gapWidth val="75"/>
-        <c:overlap val="100"/>
-        <c:axId val="98839168"/>
-        <c:axId val="98857344"/>
-      </c:barChart>
-      <c:catAx>
-        <c:axId val="98839168"/>
-        <c:scaling>
-          <c:orientation val="maxMin"/>
-        </c:scaling>
-        <c:delete val="0"/>
-        <c:axPos val="l"/>
-        <c:numFmt formatCode="General" sourceLinked="1"/>
-        <c:majorTickMark val="none"/>
-        <c:minorTickMark val="none"/>
-        <c:tickLblPos val="nextTo"/>
-        <c:spPr>
-          <a:ln w="12700">
-            <a:solidFill>
-              <a:schemeClr val="tx1"/>
-            </a:solidFill>
-          </a:ln>
-        </c:spPr>
-        <c:txPr>
-          <a:bodyPr/>
-          <a:lstStyle/>
-          <a:p>
-            <a:pPr>
-              <a:defRPr sz="1300"/>
-            </a:pPr>
-            <a:endParaRPr lang="ja-JP"/>
-          </a:p>
-        </c:txPr>
-        <c:crossAx val="98857344"/>
-        <c:crosses val="autoZero"/>
-        <c:auto val="1"/>
-        <c:lblAlgn val="ctr"/>
-        <c:lblOffset val="100"/>
-        <c:noMultiLvlLbl val="0"/>
-      </c:catAx>
-      <c:valAx>
-        <c:axId val="98857344"/>
-        <c:scaling>
-          <c:orientation val="minMax"/>
-          <c:max val="100"/>
-        </c:scaling>
-        <c:delete val="0"/>
-        <c:axPos val="t"/>
-        <c:numFmt formatCode="General" sourceLinked="0"/>
-        <c:majorTickMark val="none"/>
-        <c:minorTickMark val="none"/>
-        <c:tickLblPos val="nextTo"/>
-        <c:crossAx val="98839168"/>
-        <c:crosses val="autoZero"/>
-        <c:crossBetween val="between"/>
-        <c:majorUnit val="20"/>
-      </c:valAx>
-      <c:spPr>
-        <a:noFill/>
-        <a:ln w="25400">
-          <a:noFill/>
-        </a:ln>
-      </c:spPr>
-    </c:plotArea>
-    <c:legend>
-      <c:legendPos val="b"/>
-      <c:layout>
-        <c:manualLayout>
-          <c:xMode val="edge"/>
-          <c:yMode val="edge"/>
-          <c:x val="0.80512770090023289"/>
-          <c:y val="0.376521116678597"/>
-          <c:w val="0.19083637574985826"/>
-          <c:h val="0.22431482898493491"/>
-        </c:manualLayout>
-      </c:layout>
-      <c:overlay val="0"/>
-      <c:spPr>
-        <a:ln>
-          <a:solidFill>
-            <a:sysClr val="windowText" lastClr="000000"/>
-          </a:solidFill>
-        </a:ln>
-      </c:spPr>
-      <c:txPr>
-        <a:bodyPr/>
-        <a:lstStyle/>
-        <a:p>
-          <a:pPr>
-            <a:defRPr sz="1400"/>
-          </a:pPr>
-          <a:endParaRPr lang="ja-JP"/>
-        </a:p>
-      </c:txPr>
-    </c:legend>
-    <c:plotVisOnly val="1"/>
-    <c:dispBlanksAs val="gap"/>
-    <c:showDLblsOverMax val="0"/>
-  </c:chart>
-  <c:spPr>
-    <a:noFill/>
-    <a:ln>
-      <a:noFill/>
-    </a:ln>
-  </c:spPr>
-  <c:txPr>
-    <a:bodyPr/>
-    <a:lstStyle/>
-    <a:p>
-      <a:pPr>
-        <a:defRPr sz="1600"/>
-      </a:pPr>
-      <a:endParaRPr lang="ja-JP"/>
-    </a:p>
-  </c:txPr>
-  <c:externalData r:id="rId1">
-    <c:autoUpdate val="0"/>
-  </c:externalData>
-  <c:userShapes r:id="rId2"/>
-</c:chartSpace>
-</file>
-
-<file path=ppt/drawings/drawing1.xml><?xml version="1.0" encoding="utf-8"?>
-<c:userShapes xmlns:c="http://schemas.openxmlformats.org/drawingml/2006/chart">
-  <cdr:relSizeAnchor xmlns:cdr="http://schemas.openxmlformats.org/drawingml/2006/chartDrawing">
-    <cdr:from>
-      <cdr:x>0.79529</cdr:x>
-      <cdr:y>0.06894</cdr:y>
-    </cdr:from>
-    <cdr:to>
-      <cdr:x>0.90808</cdr:x>
-      <cdr:y>0.12379</cdr:y>
-    </cdr:to>
-    <cdr:sp macro="" textlink="">
-      <cdr:nvSpPr>
-        <cdr:cNvPr id="2" name="正方形/長方形 1"/>
-        <cdr:cNvSpPr/>
-      </cdr:nvSpPr>
-      <cdr:spPr>
-        <a:xfrm xmlns:a="http://schemas.openxmlformats.org/drawingml/2006/main">
-          <a:off x="7725039" y="418507"/>
-          <a:ext cx="1095576" cy="332973"/>
-        </a:xfrm>
-        <a:prstGeom xmlns:a="http://schemas.openxmlformats.org/drawingml/2006/main" prst="rect">
-          <a:avLst/>
-        </a:prstGeom>
-        <a:noFill xmlns:a="http://schemas.openxmlformats.org/drawingml/2006/main"/>
-        <a:ln xmlns:a="http://schemas.openxmlformats.org/drawingml/2006/main">
-          <a:noFill/>
-        </a:ln>
-      </cdr:spPr>
-      <cdr:style>
-        <a:lnRef xmlns:a="http://schemas.openxmlformats.org/drawingml/2006/main" idx="2">
-          <a:schemeClr val="accent1">
-            <a:shade val="50000"/>
-          </a:schemeClr>
-        </a:lnRef>
-        <a:fillRef xmlns:a="http://schemas.openxmlformats.org/drawingml/2006/main" idx="1">
-          <a:schemeClr val="accent1"/>
-        </a:fillRef>
-        <a:effectRef xmlns:a="http://schemas.openxmlformats.org/drawingml/2006/main" idx="0">
-          <a:schemeClr val="accent1"/>
-        </a:effectRef>
-        <a:fontRef xmlns:a="http://schemas.openxmlformats.org/drawingml/2006/main" idx="minor">
-          <a:schemeClr val="lt1"/>
-        </a:fontRef>
-      </cdr:style>
-      <cdr:txBody>
-        <a:bodyPr xmlns:a="http://schemas.openxmlformats.org/drawingml/2006/main" vertOverflow="clip" anchor="ctr"/>
-        <a:lstStyle xmlns:a="http://schemas.openxmlformats.org/drawingml/2006/main"/>
-        <a:p xmlns:a="http://schemas.openxmlformats.org/drawingml/2006/main">
-          <a:pPr algn="ctr"/>
-          <a:r>
-            <a:rPr lang="ja-JP" altLang="en-US" sz="1600">
-              <a:solidFill>
-                <a:schemeClr val="tx1"/>
-              </a:solidFill>
-            </a:rPr>
-            <a:t>（％）</a:t>
-          </a:r>
-          <a:endParaRPr lang="ja-JP" sz="1600">
-            <a:solidFill>
-              <a:schemeClr val="tx1"/>
-            </a:solidFill>
-          </a:endParaRPr>
-        </a:p>
-      </cdr:txBody>
-    </cdr:sp>
-  </cdr:relSizeAnchor>
-</c:userShapes>
-</file>
-
 <file path=ppt/notesMasters/notesMaster1.xml><?xml version="1.0" encoding="utf-8"?>
 <p:notesMaster xmlns:a="http://schemas.openxmlformats.org/drawingml/2006/main" xmlns:r="http://schemas.openxmlformats.org/officeDocument/2006/relationships" xmlns:p="http://schemas.openxmlformats.org/presentationml/2006/main">
   <p:cSld>
@@ -777,7 +212,7 @@
           <a:p>
             <a:fld id="{897832C7-1618-EE41-8284-0D326C91B4F7}" type="datetimeFigureOut">
               <a:rPr kumimoji="1" lang="ja-JP" altLang="en-US" smtClean="0"/>
-              <a:t>2020/1/23</a:t>
+              <a:t>2020/1/26</a:t>
             </a:fld>
             <a:endParaRPr kumimoji="1" lang="ja-JP" altLang="en-US"/>
           </a:p>
@@ -1141,7 +576,7 @@
           <a:p>
             <a:fld id="{B6517DEF-6BFE-A84E-8F87-C3C1DB451AB8}" type="slidenum">
               <a:rPr kumimoji="1" lang="ja-JP" altLang="en-US" smtClean="0"/>
-              <a:t>2</a:t>
+              <a:t>1</a:t>
             </a:fld>
             <a:endParaRPr kumimoji="1" lang="ja-JP" altLang="en-US"/>
           </a:p>
@@ -1225,7 +660,7 @@
           <a:p>
             <a:fld id="{B6517DEF-6BFE-A84E-8F87-C3C1DB451AB8}" type="slidenum">
               <a:rPr kumimoji="1" lang="ja-JP" altLang="en-US" smtClean="0"/>
-              <a:t>3</a:t>
+              <a:t>2</a:t>
             </a:fld>
             <a:endParaRPr kumimoji="1" lang="ja-JP" altLang="en-US"/>
           </a:p>
@@ -5462,66 +4897,6 @@
 </file>
 
 <file path=ppt/slides/slide1.xml><?xml version="1.0" encoding="utf-8"?>
-<p:sld xmlns:a="http://schemas.openxmlformats.org/drawingml/2006/main" xmlns:r="http://schemas.openxmlformats.org/officeDocument/2006/relationships" xmlns:p="http://schemas.openxmlformats.org/presentationml/2006/main">
-  <p:cSld>
-    <p:spTree>
-      <p:nvGrpSpPr>
-        <p:cNvPr id="1" name=""/>
-        <p:cNvGrpSpPr/>
-        <p:nvPr/>
-      </p:nvGrpSpPr>
-      <p:grpSpPr>
-        <a:xfrm>
-          <a:off x="0" y="0"/>
-          <a:ext cx="0" cy="0"/>
-          <a:chOff x="0" y="0"/>
-          <a:chExt cx="0" cy="0"/>
-        </a:xfrm>
-      </p:grpSpPr>
-      <p:graphicFrame>
-        <p:nvGraphicFramePr>
-          <p:cNvPr id="4" name="グラフ 3">
-            <a:extLst>
-              <a:ext uri="{FF2B5EF4-FFF2-40B4-BE49-F238E27FC236}">
-                <a16:creationId xmlns:a16="http://schemas.microsoft.com/office/drawing/2014/main" id="{00000000-0008-0000-0000-000002000000}"/>
-              </a:ext>
-            </a:extLst>
-          </p:cNvPr>
-          <p:cNvGraphicFramePr>
-            <a:graphicFrameLocks noGrp="1"/>
-          </p:cNvGraphicFramePr>
-          <p:nvPr>
-            <p:extLst>
-              <p:ext uri="{D42A27DB-BD31-4B8C-83A1-F6EECF244321}">
-                <p14:modId xmlns:p14="http://schemas.microsoft.com/office/powerpoint/2010/main" val="1416639370"/>
-              </p:ext>
-            </p:extLst>
-          </p:nvPr>
-        </p:nvGraphicFramePr>
-        <p:xfrm>
-          <a:off x="434897" y="235132"/>
-          <a:ext cx="9713487" cy="6070600"/>
-        </p:xfrm>
-        <a:graphic>
-          <a:graphicData uri="http://schemas.openxmlformats.org/drawingml/2006/chart">
-            <c:chart xmlns:c="http://schemas.openxmlformats.org/drawingml/2006/chart" xmlns:r="http://schemas.openxmlformats.org/officeDocument/2006/relationships" r:id="rId2"/>
-          </a:graphicData>
-        </a:graphic>
-      </p:graphicFrame>
-    </p:spTree>
-    <p:extLst>
-      <p:ext uri="{BB962C8B-B14F-4D97-AF65-F5344CB8AC3E}">
-        <p14:creationId xmlns:p14="http://schemas.microsoft.com/office/powerpoint/2010/main" val="4031976456"/>
-      </p:ext>
-    </p:extLst>
-  </p:cSld>
-  <p:clrMapOvr>
-    <a:masterClrMapping/>
-  </p:clrMapOvr>
-</p:sld>
-</file>
-
-<file path=ppt/slides/slide2.xml><?xml version="1.0" encoding="utf-8"?>
 <p:sld xmlns:a="http://schemas.openxmlformats.org/drawingml/2006/main" xmlns:r="http://schemas.openxmlformats.org/officeDocument/2006/relationships" xmlns:p="http://schemas.openxmlformats.org/presentationml/2006/main">
   <p:cSld>
     <p:spTree>
@@ -6660,7 +6035,7 @@
 </p:sld>
 </file>
 
-<file path=ppt/slides/slide3.xml><?xml version="1.0" encoding="utf-8"?>
+<file path=ppt/slides/slide2.xml><?xml version="1.0" encoding="utf-8"?>
 <p:sld xmlns:a="http://schemas.openxmlformats.org/drawingml/2006/main" xmlns:r="http://schemas.openxmlformats.org/officeDocument/2006/relationships" xmlns:p="http://schemas.openxmlformats.org/presentationml/2006/main">
   <p:cSld>
     <p:spTree>
@@ -8060,6 +7435,168 @@
 </p:sld>
 </file>
 
+<file path=ppt/slides/slide3.xml><?xml version="1.0" encoding="utf-8"?>
+<p:sld xmlns:a="http://schemas.openxmlformats.org/drawingml/2006/main" xmlns:r="http://schemas.openxmlformats.org/officeDocument/2006/relationships" xmlns:p="http://schemas.openxmlformats.org/presentationml/2006/main">
+  <p:cSld>
+    <p:spTree>
+      <p:nvGrpSpPr>
+        <p:cNvPr id="1" name=""/>
+        <p:cNvGrpSpPr/>
+        <p:nvPr/>
+      </p:nvGrpSpPr>
+      <p:grpSpPr>
+        <a:xfrm>
+          <a:off x="0" y="0"/>
+          <a:ext cx="0" cy="0"/>
+          <a:chOff x="0" y="0"/>
+          <a:chExt cx="0" cy="0"/>
+        </a:xfrm>
+      </p:grpSpPr>
+      <p:pic>
+        <p:nvPicPr>
+          <p:cNvPr id="4" name="図 3">
+            <a:extLst>
+              <a:ext uri="{FF2B5EF4-FFF2-40B4-BE49-F238E27FC236}">
+                <a16:creationId xmlns:a16="http://schemas.microsoft.com/office/drawing/2014/main" id="{5FA32D22-19DB-F941-B720-B94040263DC8}"/>
+              </a:ext>
+            </a:extLst>
+          </p:cNvPr>
+          <p:cNvPicPr>
+            <a:picLocks noChangeAspect="1"/>
+          </p:cNvPicPr>
+          <p:nvPr/>
+        </p:nvPicPr>
+        <p:blipFill>
+          <a:blip r:embed="rId2"/>
+          <a:stretch>
+            <a:fillRect/>
+          </a:stretch>
+        </p:blipFill>
+        <p:spPr>
+          <a:xfrm>
+            <a:off x="2936641" y="1365463"/>
+            <a:ext cx="5917426" cy="2200696"/>
+          </a:xfrm>
+          <a:prstGeom prst="rect">
+            <a:avLst/>
+          </a:prstGeom>
+        </p:spPr>
+      </p:pic>
+      <p:pic>
+        <p:nvPicPr>
+          <p:cNvPr id="6" name="図 5">
+            <a:extLst>
+              <a:ext uri="{FF2B5EF4-FFF2-40B4-BE49-F238E27FC236}">
+                <a16:creationId xmlns:a16="http://schemas.microsoft.com/office/drawing/2014/main" id="{4419F353-3E83-A044-88F3-9E2ECC3F70C4}"/>
+              </a:ext>
+            </a:extLst>
+          </p:cNvPr>
+          <p:cNvPicPr>
+            <a:picLocks noChangeAspect="1"/>
+          </p:cNvPicPr>
+          <p:nvPr/>
+        </p:nvPicPr>
+        <p:blipFill>
+          <a:blip r:embed="rId3"/>
+          <a:stretch>
+            <a:fillRect/>
+          </a:stretch>
+        </p:blipFill>
+        <p:spPr>
+          <a:xfrm>
+            <a:off x="2936641" y="3925083"/>
+            <a:ext cx="5924160" cy="2203200"/>
+          </a:xfrm>
+          <a:prstGeom prst="rect">
+            <a:avLst/>
+          </a:prstGeom>
+        </p:spPr>
+      </p:pic>
+      <p:sp>
+        <p:nvSpPr>
+          <p:cNvPr id="7" name="テキスト ボックス 6">
+            <a:extLst>
+              <a:ext uri="{FF2B5EF4-FFF2-40B4-BE49-F238E27FC236}">
+                <a16:creationId xmlns:a16="http://schemas.microsoft.com/office/drawing/2014/main" id="{BCF79B48-77C9-9A49-B906-45A72F9A5575}"/>
+              </a:ext>
+            </a:extLst>
+          </p:cNvPr>
+          <p:cNvSpPr txBox="1"/>
+          <p:nvPr/>
+        </p:nvSpPr>
+        <p:spPr>
+          <a:xfrm>
+            <a:off x="2631688" y="996131"/>
+            <a:ext cx="450764" cy="369332"/>
+          </a:xfrm>
+          <a:prstGeom prst="rect">
+            <a:avLst/>
+          </a:prstGeom>
+          <a:noFill/>
+        </p:spPr>
+        <p:txBody>
+          <a:bodyPr wrap="none" rtlCol="0">
+            <a:spAutoFit/>
+          </a:bodyPr>
+          <a:lstStyle/>
+          <a:p>
+            <a:r>
+              <a:rPr kumimoji="1" lang="en-US" altLang="ja-JP" dirty="0"/>
+              <a:t>(a)</a:t>
+            </a:r>
+            <a:endParaRPr kumimoji="1" lang="ja-JP" altLang="en-US"/>
+          </a:p>
+        </p:txBody>
+      </p:sp>
+      <p:sp>
+        <p:nvSpPr>
+          <p:cNvPr id="8" name="テキスト ボックス 7">
+            <a:extLst>
+              <a:ext uri="{FF2B5EF4-FFF2-40B4-BE49-F238E27FC236}">
+                <a16:creationId xmlns:a16="http://schemas.microsoft.com/office/drawing/2014/main" id="{D9AD6E03-6246-C14C-86D4-CBDA59F88C7D}"/>
+              </a:ext>
+            </a:extLst>
+          </p:cNvPr>
+          <p:cNvSpPr txBox="1"/>
+          <p:nvPr/>
+        </p:nvSpPr>
+        <p:spPr>
+          <a:xfrm>
+            <a:off x="2611743" y="3740417"/>
+            <a:ext cx="463588" cy="369332"/>
+          </a:xfrm>
+          <a:prstGeom prst="rect">
+            <a:avLst/>
+          </a:prstGeom>
+          <a:noFill/>
+        </p:spPr>
+        <p:txBody>
+          <a:bodyPr wrap="none" rtlCol="0">
+            <a:spAutoFit/>
+          </a:bodyPr>
+          <a:lstStyle/>
+          <a:p>
+            <a:r>
+              <a:rPr kumimoji="1" lang="en-US" altLang="ja-JP" dirty="0"/>
+              <a:t>(b)</a:t>
+            </a:r>
+            <a:endParaRPr kumimoji="1" lang="ja-JP" altLang="en-US"/>
+          </a:p>
+        </p:txBody>
+      </p:sp>
+    </p:spTree>
+    <p:extLst>
+      <p:ext uri="{BB962C8B-B14F-4D97-AF65-F5344CB8AC3E}">
+        <p14:creationId xmlns:p14="http://schemas.microsoft.com/office/powerpoint/2010/main" val="2534162172"/>
+      </p:ext>
+    </p:extLst>
+  </p:cSld>
+  <p:clrMapOvr>
+    <a:masterClrMapping/>
+  </p:clrMapOvr>
+</p:sld>
+</file>
+
 <file path=ppt/slides/slide4.xml><?xml version="1.0" encoding="utf-8"?>
 <p:sld xmlns:a="http://schemas.openxmlformats.org/drawingml/2006/main" xmlns:r="http://schemas.openxmlformats.org/officeDocument/2006/relationships" xmlns:p="http://schemas.openxmlformats.org/presentationml/2006/main">
   <p:cSld>
@@ -9162,6 +8699,91 @@
 </p:sld>
 </file>
 
+<file path=ppt/slides/slide5.xml><?xml version="1.0" encoding="utf-8"?>
+<p:sld xmlns:a="http://schemas.openxmlformats.org/drawingml/2006/main" xmlns:r="http://schemas.openxmlformats.org/officeDocument/2006/relationships" xmlns:p="http://schemas.openxmlformats.org/presentationml/2006/main">
+  <p:cSld>
+    <p:spTree>
+      <p:nvGrpSpPr>
+        <p:cNvPr id="1" name=""/>
+        <p:cNvGrpSpPr/>
+        <p:nvPr/>
+      </p:nvGrpSpPr>
+      <p:grpSpPr>
+        <a:xfrm>
+          <a:off x="0" y="0"/>
+          <a:ext cx="0" cy="0"/>
+          <a:chOff x="0" y="0"/>
+          <a:chExt cx="0" cy="0"/>
+        </a:xfrm>
+      </p:grpSpPr>
+      <p:sp>
+        <p:nvSpPr>
+          <p:cNvPr id="2" name="タイトル 1">
+            <a:extLst>
+              <a:ext uri="{FF2B5EF4-FFF2-40B4-BE49-F238E27FC236}">
+                <a16:creationId xmlns:a16="http://schemas.microsoft.com/office/drawing/2014/main" id="{C1A469FB-43AD-F845-9AE5-45F5C2903580}"/>
+              </a:ext>
+            </a:extLst>
+          </p:cNvPr>
+          <p:cNvSpPr>
+            <a:spLocks noGrp="1"/>
+          </p:cNvSpPr>
+          <p:nvPr>
+            <p:ph type="title"/>
+          </p:nvPr>
+        </p:nvSpPr>
+        <p:spPr/>
+        <p:txBody>
+          <a:bodyPr/>
+          <a:lstStyle/>
+          <a:p>
+            <a:endParaRPr kumimoji="1" lang="ja-JP" altLang="en-US"/>
+          </a:p>
+        </p:txBody>
+      </p:sp>
+      <p:pic>
+        <p:nvPicPr>
+          <p:cNvPr id="7" name="図 6">
+            <a:extLst>
+              <a:ext uri="{FF2B5EF4-FFF2-40B4-BE49-F238E27FC236}">
+                <a16:creationId xmlns:a16="http://schemas.microsoft.com/office/drawing/2014/main" id="{1BA50CF9-FED0-A64B-B17C-808F1A712390}"/>
+              </a:ext>
+            </a:extLst>
+          </p:cNvPr>
+          <p:cNvPicPr>
+            <a:picLocks noChangeAspect="1"/>
+          </p:cNvPicPr>
+          <p:nvPr/>
+        </p:nvPicPr>
+        <p:blipFill>
+          <a:blip r:embed="rId2"/>
+          <a:stretch>
+            <a:fillRect/>
+          </a:stretch>
+        </p:blipFill>
+        <p:spPr>
+          <a:xfrm>
+            <a:off x="1441450" y="968682"/>
+            <a:ext cx="8427379" cy="5495617"/>
+          </a:xfrm>
+          <a:prstGeom prst="rect">
+            <a:avLst/>
+          </a:prstGeom>
+        </p:spPr>
+      </p:pic>
+    </p:spTree>
+    <p:extLst>
+      <p:ext uri="{BB962C8B-B14F-4D97-AF65-F5344CB8AC3E}">
+        <p14:creationId xmlns:p14="http://schemas.microsoft.com/office/powerpoint/2010/main" val="3214145451"/>
+      </p:ext>
+    </p:extLst>
+  </p:cSld>
+  <p:clrMapOvr>
+    <a:masterClrMapping/>
+  </p:clrMapOvr>
+</p:sld>
+</file>
+
 <file path=ppt/theme/theme1.xml><?xml version="1.0" encoding="utf-8"?>
 <a:theme xmlns:a="http://schemas.openxmlformats.org/drawingml/2006/main" name="MyTheme">
   <a:themeElements>

--- a/Paper/master-thesis/src/img/chapter-2/図.pptx
+++ b/Paper/master-thesis/src/img/chapter-2/図.pptx
@@ -5,14 +5,15 @@
     <p:sldMasterId id="2147483660" r:id="rId1"/>
   </p:sldMasterIdLst>
   <p:notesMasterIdLst>
-    <p:notesMasterId r:id="rId7"/>
+    <p:notesMasterId r:id="rId8"/>
   </p:notesMasterIdLst>
   <p:sldIdLst>
-    <p:sldId id="257" r:id="rId2"/>
-    <p:sldId id="258" r:id="rId3"/>
-    <p:sldId id="262" r:id="rId4"/>
-    <p:sldId id="259" r:id="rId5"/>
-    <p:sldId id="261" r:id="rId6"/>
+    <p:sldId id="263" r:id="rId2"/>
+    <p:sldId id="264" r:id="rId3"/>
+    <p:sldId id="258" r:id="rId4"/>
+    <p:sldId id="262" r:id="rId5"/>
+    <p:sldId id="259" r:id="rId6"/>
+    <p:sldId id="261" r:id="rId7"/>
   </p:sldIdLst>
   <p:sldSz cx="12192000" cy="6858000"/>
   <p:notesSz cx="6858000" cy="9144000"/>
@@ -114,7 +115,7 @@
   <p:extLst>
     <p:ext uri="{EFAFB233-063F-42B5-8137-9DF3F51BA10A}">
       <p15:sldGuideLst xmlns:p15="http://schemas.microsoft.com/office/powerpoint/2012/main">
-        <p15:guide id="1" orient="horz" pos="2160" userDrawn="1">
+        <p15:guide id="1" orient="horz" pos="2183" userDrawn="1">
           <p15:clr>
             <a:srgbClr val="A4A3A4"/>
           </p15:clr>
@@ -212,7 +213,7 @@
           <a:p>
             <a:fld id="{897832C7-1618-EE41-8284-0D326C91B4F7}" type="datetimeFigureOut">
               <a:rPr kumimoji="1" lang="ja-JP" altLang="en-US" smtClean="0"/>
-              <a:t>2020/1/26</a:t>
+              <a:t>2020/1/28</a:t>
             </a:fld>
             <a:endParaRPr kumimoji="1" lang="ja-JP" altLang="en-US"/>
           </a:p>
@@ -585,7 +586,7 @@
     </p:spTree>
     <p:extLst>
       <p:ext uri="{BB962C8B-B14F-4D97-AF65-F5344CB8AC3E}">
-        <p14:creationId xmlns:p14="http://schemas.microsoft.com/office/powerpoint/2010/main" val="1946039983"/>
+        <p14:creationId xmlns:p14="http://schemas.microsoft.com/office/powerpoint/2010/main" val="3104483277"/>
       </p:ext>
     </p:extLst>
   </p:cSld>
@@ -669,7 +670,7 @@
     </p:spTree>
     <p:extLst>
       <p:ext uri="{BB962C8B-B14F-4D97-AF65-F5344CB8AC3E}">
-        <p14:creationId xmlns:p14="http://schemas.microsoft.com/office/powerpoint/2010/main" val="2087152173"/>
+        <p14:creationId xmlns:p14="http://schemas.microsoft.com/office/powerpoint/2010/main" val="4284471269"/>
       </p:ext>
     </p:extLst>
   </p:cSld>
@@ -744,7 +745,91 @@
           <a:p>
             <a:fld id="{B6517DEF-6BFE-A84E-8F87-C3C1DB451AB8}" type="slidenum">
               <a:rPr kumimoji="1" lang="ja-JP" altLang="en-US" smtClean="0"/>
-              <a:t>4</a:t>
+              <a:t>3</a:t>
+            </a:fld>
+            <a:endParaRPr kumimoji="1" lang="ja-JP" altLang="en-US"/>
+          </a:p>
+        </p:txBody>
+      </p:sp>
+    </p:spTree>
+    <p:extLst>
+      <p:ext uri="{BB962C8B-B14F-4D97-AF65-F5344CB8AC3E}">
+        <p14:creationId xmlns:p14="http://schemas.microsoft.com/office/powerpoint/2010/main" val="2087152173"/>
+      </p:ext>
+    </p:extLst>
+  </p:cSld>
+  <p:clrMapOvr>
+    <a:masterClrMapping/>
+  </p:clrMapOvr>
+</p:notes>
+</file>
+
+<file path=ppt/notesSlides/notesSlide4.xml><?xml version="1.0" encoding="utf-8"?>
+<p:notes xmlns:a="http://schemas.openxmlformats.org/drawingml/2006/main" xmlns:r="http://schemas.openxmlformats.org/officeDocument/2006/relationships" xmlns:p="http://schemas.openxmlformats.org/presentationml/2006/main">
+  <p:cSld>
+    <p:spTree>
+      <p:nvGrpSpPr>
+        <p:cNvPr id="1" name=""/>
+        <p:cNvGrpSpPr/>
+        <p:nvPr/>
+      </p:nvGrpSpPr>
+      <p:grpSpPr>
+        <a:xfrm>
+          <a:off x="0" y="0"/>
+          <a:ext cx="0" cy="0"/>
+          <a:chOff x="0" y="0"/>
+          <a:chExt cx="0" cy="0"/>
+        </a:xfrm>
+      </p:grpSpPr>
+      <p:sp>
+        <p:nvSpPr>
+          <p:cNvPr id="2" name="スライド イメージ プレースホルダー 1"/>
+          <p:cNvSpPr>
+            <a:spLocks noGrp="1" noRot="1" noChangeAspect="1"/>
+          </p:cNvSpPr>
+          <p:nvPr>
+            <p:ph type="sldImg"/>
+          </p:nvPr>
+        </p:nvSpPr>
+        <p:spPr/>
+      </p:sp>
+      <p:sp>
+        <p:nvSpPr>
+          <p:cNvPr id="3" name="ノート プレースホルダー 2"/>
+          <p:cNvSpPr>
+            <a:spLocks noGrp="1"/>
+          </p:cNvSpPr>
+          <p:nvPr>
+            <p:ph type="body" idx="1"/>
+          </p:nvPr>
+        </p:nvSpPr>
+        <p:spPr/>
+        <p:txBody>
+          <a:bodyPr/>
+          <a:lstStyle/>
+          <a:p>
+            <a:endParaRPr kumimoji="1" lang="ja-JP" altLang="en-US"/>
+          </a:p>
+        </p:txBody>
+      </p:sp>
+      <p:sp>
+        <p:nvSpPr>
+          <p:cNvPr id="4" name="スライド番号プレースホルダー 3"/>
+          <p:cNvSpPr>
+            <a:spLocks noGrp="1"/>
+          </p:cNvSpPr>
+          <p:nvPr>
+            <p:ph type="sldNum" sz="quarter" idx="5"/>
+          </p:nvPr>
+        </p:nvSpPr>
+        <p:spPr/>
+        <p:txBody>
+          <a:bodyPr/>
+          <a:lstStyle/>
+          <a:p>
+            <a:fld id="{B6517DEF-6BFE-A84E-8F87-C3C1DB451AB8}" type="slidenum">
+              <a:rPr kumimoji="1" lang="ja-JP" altLang="en-US" smtClean="0"/>
+              <a:t>5</a:t>
             </a:fld>
             <a:endParaRPr kumimoji="1" lang="ja-JP" altLang="en-US"/>
           </a:p>
@@ -4940,195 +5025,6 @@
       </p:sp>
       <p:cxnSp>
         <p:nvCxnSpPr>
-          <p:cNvPr id="4" name="直線コネクタ 3">
-            <a:extLst>
-              <a:ext uri="{FF2B5EF4-FFF2-40B4-BE49-F238E27FC236}">
-                <a16:creationId xmlns:a16="http://schemas.microsoft.com/office/drawing/2014/main" id="{29F07610-8B5C-D14A-9F11-16556EE785AC}"/>
-              </a:ext>
-            </a:extLst>
-          </p:cNvPr>
-          <p:cNvCxnSpPr>
-            <a:cxnSpLocks/>
-          </p:cNvCxnSpPr>
-          <p:nvPr/>
-        </p:nvCxnSpPr>
-        <p:spPr>
-          <a:xfrm>
-            <a:off x="838200" y="1558632"/>
-            <a:ext cx="0" cy="3960000"/>
-          </a:xfrm>
-          <a:prstGeom prst="line">
-            <a:avLst/>
-          </a:prstGeom>
-          <a:ln w="38100">
-            <a:solidFill>
-              <a:schemeClr val="tx1"/>
-            </a:solidFill>
-          </a:ln>
-        </p:spPr>
-        <p:style>
-          <a:lnRef idx="1">
-            <a:schemeClr val="accent1"/>
-          </a:lnRef>
-          <a:fillRef idx="0">
-            <a:schemeClr val="accent1"/>
-          </a:fillRef>
-          <a:effectRef idx="0">
-            <a:schemeClr val="accent1"/>
-          </a:effectRef>
-          <a:fontRef idx="minor">
-            <a:schemeClr val="tx1"/>
-          </a:fontRef>
-        </p:style>
-      </p:cxnSp>
-      <p:cxnSp>
-        <p:nvCxnSpPr>
-          <p:cNvPr id="6" name="直線コネクタ 5">
-            <a:extLst>
-              <a:ext uri="{FF2B5EF4-FFF2-40B4-BE49-F238E27FC236}">
-                <a16:creationId xmlns:a16="http://schemas.microsoft.com/office/drawing/2014/main" id="{427DBEB7-DFDA-B64F-BC2F-461A5BA450F0}"/>
-              </a:ext>
-            </a:extLst>
-          </p:cNvPr>
-          <p:cNvCxnSpPr>
-            <a:cxnSpLocks/>
-          </p:cNvCxnSpPr>
-          <p:nvPr/>
-        </p:nvCxnSpPr>
-        <p:spPr>
-          <a:xfrm>
-            <a:off x="11382499" y="1558632"/>
-            <a:ext cx="0" cy="3960000"/>
-          </a:xfrm>
-          <a:prstGeom prst="line">
-            <a:avLst/>
-          </a:prstGeom>
-          <a:ln w="38100">
-            <a:solidFill>
-              <a:schemeClr val="tx1"/>
-            </a:solidFill>
-          </a:ln>
-        </p:spPr>
-        <p:style>
-          <a:lnRef idx="1">
-            <a:schemeClr val="accent1"/>
-          </a:lnRef>
-          <a:fillRef idx="0">
-            <a:schemeClr val="accent1"/>
-          </a:fillRef>
-          <a:effectRef idx="0">
-            <a:schemeClr val="accent1"/>
-          </a:effectRef>
-          <a:fontRef idx="minor">
-            <a:schemeClr val="tx1"/>
-          </a:fontRef>
-        </p:style>
-      </p:cxnSp>
-      <p:sp>
-        <p:nvSpPr>
-          <p:cNvPr id="7" name="正方形/長方形 6">
-            <a:extLst>
-              <a:ext uri="{FF2B5EF4-FFF2-40B4-BE49-F238E27FC236}">
-                <a16:creationId xmlns:a16="http://schemas.microsoft.com/office/drawing/2014/main" id="{C64AD37A-F4C0-984D-9E25-23A3F08DF97A}"/>
-              </a:ext>
-            </a:extLst>
-          </p:cNvPr>
-          <p:cNvSpPr/>
-          <p:nvPr/>
-        </p:nvSpPr>
-        <p:spPr>
-          <a:xfrm>
-            <a:off x="3384470" y="1805046"/>
-            <a:ext cx="7998029" cy="665018"/>
-          </a:xfrm>
-          <a:prstGeom prst="rect">
-            <a:avLst/>
-          </a:prstGeom>
-          <a:noFill/>
-          <a:ln w="38100"/>
-        </p:spPr>
-        <p:style>
-          <a:lnRef idx="2">
-            <a:schemeClr val="accent1">
-              <a:shade val="50000"/>
-            </a:schemeClr>
-          </a:lnRef>
-          <a:fillRef idx="1">
-            <a:schemeClr val="accent1"/>
-          </a:fillRef>
-          <a:effectRef idx="0">
-            <a:schemeClr val="accent1"/>
-          </a:effectRef>
-          <a:fontRef idx="minor">
-            <a:schemeClr val="lt1"/>
-          </a:fontRef>
-        </p:style>
-        <p:txBody>
-          <a:bodyPr rtlCol="0" anchor="ctr"/>
-          <a:lstStyle/>
-          <a:p>
-            <a:pPr algn="ctr"/>
-            <a:endParaRPr kumimoji="1" lang="ja-JP" altLang="en-US"/>
-          </a:p>
-        </p:txBody>
-      </p:sp>
-      <p:sp>
-        <p:nvSpPr>
-          <p:cNvPr id="8" name="正方形/長方形 7">
-            <a:extLst>
-              <a:ext uri="{FF2B5EF4-FFF2-40B4-BE49-F238E27FC236}">
-                <a16:creationId xmlns:a16="http://schemas.microsoft.com/office/drawing/2014/main" id="{A3172220-1232-5B41-AC89-FECDAD84BE99}"/>
-              </a:ext>
-            </a:extLst>
-          </p:cNvPr>
-          <p:cNvSpPr/>
-          <p:nvPr/>
-        </p:nvSpPr>
-        <p:spPr>
-          <a:xfrm>
-            <a:off x="838200" y="4874821"/>
-            <a:ext cx="10544293" cy="665018"/>
-          </a:xfrm>
-          <a:prstGeom prst="rect">
-            <a:avLst/>
-          </a:prstGeom>
-          <a:noFill/>
-          <a:ln w="38100">
-            <a:solidFill>
-              <a:schemeClr val="accent1">
-                <a:lumMod val="60000"/>
-                <a:lumOff val="40000"/>
-              </a:schemeClr>
-            </a:solidFill>
-          </a:ln>
-        </p:spPr>
-        <p:style>
-          <a:lnRef idx="2">
-            <a:schemeClr val="accent1">
-              <a:shade val="50000"/>
-            </a:schemeClr>
-          </a:lnRef>
-          <a:fillRef idx="1">
-            <a:schemeClr val="accent1"/>
-          </a:fillRef>
-          <a:effectRef idx="0">
-            <a:schemeClr val="accent1"/>
-          </a:effectRef>
-          <a:fontRef idx="minor">
-            <a:schemeClr val="lt1"/>
-          </a:fontRef>
-        </p:style>
-        <p:txBody>
-          <a:bodyPr rtlCol="0" anchor="ctr"/>
-          <a:lstStyle/>
-          <a:p>
-            <a:pPr algn="ctr"/>
-            <a:endParaRPr kumimoji="1" lang="ja-JP" altLang="en-US"/>
-          </a:p>
-        </p:txBody>
-      </p:sp>
-      <p:cxnSp>
-        <p:nvCxnSpPr>
           <p:cNvPr id="10" name="直線矢印コネクタ 9">
             <a:extLst>
               <a:ext uri="{FF2B5EF4-FFF2-40B4-BE49-F238E27FC236}">
@@ -5143,8 +5039,8 @@
         </p:nvCxnSpPr>
         <p:spPr>
           <a:xfrm>
-            <a:off x="838200" y="4272141"/>
-            <a:ext cx="4268190" cy="0"/>
+            <a:off x="2188564" y="4541961"/>
+            <a:ext cx="2917826" cy="0"/>
           </a:xfrm>
           <a:prstGeom prst="straightConnector1">
             <a:avLst/>
@@ -5188,7 +5084,7 @@
         </p:nvCxnSpPr>
         <p:spPr>
           <a:xfrm>
-            <a:off x="5106390" y="4272141"/>
+            <a:off x="5106390" y="4541961"/>
             <a:ext cx="6276103" cy="0"/>
           </a:xfrm>
           <a:prstGeom prst="straightConnector1">
@@ -5217,8 +5113,8 @@
           </a:fontRef>
         </p:style>
       </p:cxnSp>
-      <mc:AlternateContent xmlns:mc="http://schemas.openxmlformats.org/markup-compatibility/2006" xmlns:a14="http://schemas.microsoft.com/office/drawing/2010/main">
-        <mc:Choice Requires="a14">
+      <mc:AlternateContent xmlns:mc="http://schemas.openxmlformats.org/markup-compatibility/2006">
+        <mc:Choice xmlns:a14="http://schemas.microsoft.com/office/drawing/2010/main" Requires="a14">
           <p:sp>
             <p:nvSpPr>
               <p:cNvPr id="14" name="テキスト ボックス 13">
@@ -5233,7 +5129,7 @@
             </p:nvSpPr>
             <p:spPr>
               <a:xfrm>
-                <a:off x="6509030" y="1875945"/>
+                <a:off x="6509030" y="2364170"/>
                 <a:ext cx="1735411" cy="523220"/>
               </a:xfrm>
               <a:prstGeom prst="rect">
@@ -5313,7 +5209,7 @@
             </p:txBody>
           </p:sp>
         </mc:Choice>
-        <mc:Fallback xmlns="">
+        <mc:Fallback>
           <p:sp>
             <p:nvSpPr>
               <p:cNvPr id="14" name="テキスト ボックス 13">
@@ -5330,7 +5226,7 @@
             </p:nvSpPr>
             <p:spPr>
               <a:xfrm>
-                <a:off x="6509030" y="1875945"/>
+                <a:off x="6509030" y="2364170"/>
                 <a:ext cx="1735411" cy="523220"/>
               </a:xfrm>
               <a:prstGeom prst="rect">
@@ -5339,7 +5235,7 @@
               <a:blipFill>
                 <a:blip r:embed="rId3"/>
                 <a:stretch>
-                  <a:fillRect b="-16667"/>
+                  <a:fillRect b="-19048"/>
                 </a:stretch>
               </a:blipFill>
             </p:spPr>
@@ -5358,8 +5254,8 @@
           </p:sp>
         </mc:Fallback>
       </mc:AlternateContent>
-      <mc:AlternateContent xmlns:mc="http://schemas.openxmlformats.org/markup-compatibility/2006" xmlns:a14="http://schemas.microsoft.com/office/drawing/2010/main">
-        <mc:Choice Requires="a14">
+      <mc:AlternateContent xmlns:mc="http://schemas.openxmlformats.org/markup-compatibility/2006">
+        <mc:Choice xmlns:a14="http://schemas.microsoft.com/office/drawing/2010/main" Requires="a14">
           <p:sp>
             <p:nvSpPr>
               <p:cNvPr id="15" name="テキスト ボックス 14">
@@ -5374,7 +5270,7 @@
             </p:nvSpPr>
             <p:spPr>
               <a:xfrm>
-                <a:off x="5629253" y="4953921"/>
+                <a:off x="5546844" y="5115917"/>
                 <a:ext cx="962186" cy="523220"/>
               </a:xfrm>
               <a:prstGeom prst="rect">
@@ -5426,7 +5322,7 @@
             </p:txBody>
           </p:sp>
         </mc:Choice>
-        <mc:Fallback xmlns="">
+        <mc:Fallback>
           <p:sp>
             <p:nvSpPr>
               <p:cNvPr id="15" name="テキスト ボックス 14">
@@ -5443,7 +5339,7 @@
             </p:nvSpPr>
             <p:spPr>
               <a:xfrm>
-                <a:off x="5629253" y="4953921"/>
+                <a:off x="5546844" y="5115917"/>
                 <a:ext cx="962186" cy="523220"/>
               </a:xfrm>
               <a:prstGeom prst="rect">
@@ -5471,8 +5367,8 @@
           </p:sp>
         </mc:Fallback>
       </mc:AlternateContent>
-      <mc:AlternateContent xmlns:mc="http://schemas.openxmlformats.org/markup-compatibility/2006" xmlns:a14="http://schemas.microsoft.com/office/drawing/2010/main">
-        <mc:Choice Requires="a14">
+      <mc:AlternateContent xmlns:mc="http://schemas.openxmlformats.org/markup-compatibility/2006">
+        <mc:Choice xmlns:a14="http://schemas.microsoft.com/office/drawing/2010/main" Requires="a14">
           <p:sp>
             <p:nvSpPr>
               <p:cNvPr id="16" name="テキスト ボックス 15">
@@ -5487,7 +5383,7 @@
             </p:nvSpPr>
             <p:spPr>
               <a:xfrm>
-                <a:off x="2390584" y="4364174"/>
+                <a:off x="2870265" y="4574034"/>
                 <a:ext cx="780791" cy="557910"/>
               </a:xfrm>
               <a:prstGeom prst="rect">
@@ -5553,7 +5449,7 @@
             </p:txBody>
           </p:sp>
         </mc:Choice>
-        <mc:Fallback xmlns="">
+        <mc:Fallback>
           <p:sp>
             <p:nvSpPr>
               <p:cNvPr id="16" name="テキスト ボックス 15">
@@ -5570,7 +5466,7 @@
             </p:nvSpPr>
             <p:spPr>
               <a:xfrm>
-                <a:off x="2390584" y="4364174"/>
+                <a:off x="2870265" y="4574034"/>
                 <a:ext cx="780791" cy="557910"/>
               </a:xfrm>
               <a:prstGeom prst="rect">
@@ -5579,7 +5475,7 @@
               <a:blipFill>
                 <a:blip r:embed="rId5"/>
                 <a:stretch>
-                  <a:fillRect l="-1587" b="-11111"/>
+                  <a:fillRect l="-3226" b="-11364"/>
                 </a:stretch>
               </a:blipFill>
             </p:spPr>
@@ -5598,8 +5494,8 @@
           </p:sp>
         </mc:Fallback>
       </mc:AlternateContent>
-      <mc:AlternateContent xmlns:mc="http://schemas.openxmlformats.org/markup-compatibility/2006" xmlns:a14="http://schemas.microsoft.com/office/drawing/2010/main">
-        <mc:Choice Requires="a14">
+      <mc:AlternateContent xmlns:mc="http://schemas.openxmlformats.org/markup-compatibility/2006">
+        <mc:Choice xmlns:a14="http://schemas.microsoft.com/office/drawing/2010/main" Requires="a14">
           <p:sp>
             <p:nvSpPr>
               <p:cNvPr id="17" name="テキスト ボックス 16">
@@ -5614,7 +5510,7 @@
             </p:nvSpPr>
             <p:spPr>
               <a:xfrm>
-                <a:off x="7860794" y="4364174"/>
+                <a:off x="7860794" y="4604014"/>
                 <a:ext cx="1985544" cy="557910"/>
               </a:xfrm>
               <a:prstGeom prst="rect">
@@ -5716,7 +5612,7 @@
             </p:txBody>
           </p:sp>
         </mc:Choice>
-        <mc:Fallback xmlns="">
+        <mc:Fallback>
           <p:sp>
             <p:nvSpPr>
               <p:cNvPr id="17" name="テキスト ボックス 16">
@@ -5733,7 +5629,7 @@
             </p:nvSpPr>
             <p:spPr>
               <a:xfrm>
-                <a:off x="7860794" y="4364174"/>
+                <a:off x="7860794" y="4604014"/>
                 <a:ext cx="1985544" cy="557910"/>
               </a:xfrm>
               <a:prstGeom prst="rect">
@@ -5742,7 +5638,7 @@
               <a:blipFill>
                 <a:blip r:embed="rId6"/>
                 <a:stretch>
-                  <a:fillRect b="-15556"/>
+                  <a:fillRect b="-18182"/>
                 </a:stretch>
               </a:blipFill>
             </p:spPr>
@@ -5777,8 +5673,8 @@
         </p:nvCxnSpPr>
         <p:spPr>
           <a:xfrm>
-            <a:off x="3384470" y="2470064"/>
-            <a:ext cx="0" cy="582122"/>
+            <a:off x="3384470" y="2305174"/>
+            <a:ext cx="0" cy="747012"/>
           </a:xfrm>
           <a:prstGeom prst="line">
             <a:avLst/>
@@ -5821,8 +5717,8 @@
         </p:nvCxnSpPr>
         <p:spPr>
           <a:xfrm>
-            <a:off x="5106390" y="2470064"/>
-            <a:ext cx="0" cy="3069775"/>
+            <a:off x="5106390" y="3052186"/>
+            <a:ext cx="0" cy="2063731"/>
           </a:xfrm>
           <a:prstGeom prst="line">
             <a:avLst/>
@@ -6022,10 +5918,432 @@
           </a:fontRef>
         </p:style>
       </p:cxnSp>
+      <p:cxnSp>
+        <p:nvCxnSpPr>
+          <p:cNvPr id="18" name="直線矢印コネクタ 17">
+            <a:extLst>
+              <a:ext uri="{FF2B5EF4-FFF2-40B4-BE49-F238E27FC236}">
+                <a16:creationId xmlns:a16="http://schemas.microsoft.com/office/drawing/2014/main" id="{29A7AB01-4239-1246-A6B8-59F48A33B712}"/>
+              </a:ext>
+            </a:extLst>
+          </p:cNvPr>
+          <p:cNvCxnSpPr>
+            <a:cxnSpLocks/>
+          </p:cNvCxnSpPr>
+          <p:nvPr/>
+        </p:nvCxnSpPr>
+        <p:spPr>
+          <a:xfrm>
+            <a:off x="2188564" y="5115917"/>
+            <a:ext cx="9193929" cy="0"/>
+          </a:xfrm>
+          <a:prstGeom prst="straightConnector1">
+            <a:avLst/>
+          </a:prstGeom>
+          <a:ln w="38100">
+            <a:solidFill>
+              <a:schemeClr val="accent1">
+                <a:lumMod val="60000"/>
+                <a:lumOff val="40000"/>
+              </a:schemeClr>
+            </a:solidFill>
+            <a:headEnd type="triangle"/>
+            <a:tailEnd type="triangle"/>
+          </a:ln>
+        </p:spPr>
+        <p:style>
+          <a:lnRef idx="1">
+            <a:schemeClr val="accent1"/>
+          </a:lnRef>
+          <a:fillRef idx="0">
+            <a:schemeClr val="accent1"/>
+          </a:fillRef>
+          <a:effectRef idx="0">
+            <a:schemeClr val="accent1"/>
+          </a:effectRef>
+          <a:fontRef idx="minor">
+            <a:schemeClr val="tx1"/>
+          </a:fontRef>
+        </p:style>
+      </p:cxnSp>
+      <p:cxnSp>
+        <p:nvCxnSpPr>
+          <p:cNvPr id="21" name="直線矢印コネクタ 20">
+            <a:extLst>
+              <a:ext uri="{FF2B5EF4-FFF2-40B4-BE49-F238E27FC236}">
+                <a16:creationId xmlns:a16="http://schemas.microsoft.com/office/drawing/2014/main" id="{8175D4EC-5751-544D-A482-D6AB0EDD5415}"/>
+              </a:ext>
+            </a:extLst>
+          </p:cNvPr>
+          <p:cNvCxnSpPr>
+            <a:cxnSpLocks/>
+          </p:cNvCxnSpPr>
+          <p:nvPr/>
+        </p:nvCxnSpPr>
+        <p:spPr>
+          <a:xfrm>
+            <a:off x="3356783" y="2305174"/>
+            <a:ext cx="8025710" cy="0"/>
+          </a:xfrm>
+          <a:prstGeom prst="straightConnector1">
+            <a:avLst/>
+          </a:prstGeom>
+          <a:ln w="38100">
+            <a:solidFill>
+              <a:schemeClr val="accent1"/>
+            </a:solidFill>
+            <a:headEnd type="triangle"/>
+            <a:tailEnd type="triangle"/>
+          </a:ln>
+        </p:spPr>
+        <p:style>
+          <a:lnRef idx="1">
+            <a:schemeClr val="accent1"/>
+          </a:lnRef>
+          <a:fillRef idx="0">
+            <a:schemeClr val="accent1"/>
+          </a:fillRef>
+          <a:effectRef idx="0">
+            <a:schemeClr val="accent1"/>
+          </a:effectRef>
+          <a:fontRef idx="minor">
+            <a:schemeClr val="tx1"/>
+          </a:fontRef>
+        </p:style>
+      </p:cxnSp>
+      <p:cxnSp>
+        <p:nvCxnSpPr>
+          <p:cNvPr id="25" name="直線矢印コネクタ 24">
+            <a:extLst>
+              <a:ext uri="{FF2B5EF4-FFF2-40B4-BE49-F238E27FC236}">
+                <a16:creationId xmlns:a16="http://schemas.microsoft.com/office/drawing/2014/main" id="{CA193B10-849C-D347-A8B3-DEACFA372903}"/>
+              </a:ext>
+            </a:extLst>
+          </p:cNvPr>
+          <p:cNvCxnSpPr>
+            <a:cxnSpLocks/>
+          </p:cNvCxnSpPr>
+          <p:nvPr/>
+        </p:nvCxnSpPr>
+        <p:spPr>
+          <a:xfrm>
+            <a:off x="838200" y="5818627"/>
+            <a:ext cx="10544293" cy="0"/>
+          </a:xfrm>
+          <a:prstGeom prst="straightConnector1">
+            <a:avLst/>
+          </a:prstGeom>
+          <a:ln w="38100">
+            <a:solidFill>
+              <a:schemeClr val="tx1"/>
+            </a:solidFill>
+            <a:headEnd type="none"/>
+            <a:tailEnd type="triangle"/>
+          </a:ln>
+        </p:spPr>
+        <p:style>
+          <a:lnRef idx="1">
+            <a:schemeClr val="accent1"/>
+          </a:lnRef>
+          <a:fillRef idx="0">
+            <a:schemeClr val="accent1"/>
+          </a:fillRef>
+          <a:effectRef idx="0">
+            <a:schemeClr val="accent1"/>
+          </a:effectRef>
+          <a:fontRef idx="minor">
+            <a:schemeClr val="tx1"/>
+          </a:fontRef>
+        </p:style>
+      </p:cxnSp>
+      <p:sp>
+        <p:nvSpPr>
+          <p:cNvPr id="26" name="テキスト ボックス 25">
+            <a:extLst>
+              <a:ext uri="{FF2B5EF4-FFF2-40B4-BE49-F238E27FC236}">
+                <a16:creationId xmlns:a16="http://schemas.microsoft.com/office/drawing/2014/main" id="{00ABA0DD-107C-A648-B11C-8D2D09956640}"/>
+              </a:ext>
+            </a:extLst>
+          </p:cNvPr>
+          <p:cNvSpPr txBox="1"/>
+          <p:nvPr/>
+        </p:nvSpPr>
+        <p:spPr>
+          <a:xfrm>
+            <a:off x="10178320" y="5921117"/>
+            <a:ext cx="1127232" cy="400110"/>
+          </a:xfrm>
+          <a:prstGeom prst="rect">
+            <a:avLst/>
+          </a:prstGeom>
+          <a:noFill/>
+        </p:spPr>
+        <p:txBody>
+          <a:bodyPr wrap="none" rtlCol="0">
+            <a:spAutoFit/>
+          </a:bodyPr>
+          <a:lstStyle/>
+          <a:p>
+            <a:r>
+              <a:rPr lang="en" altLang="ja-JP" sz="2000" b="1" dirty="0"/>
+              <a:t>amount</a:t>
+            </a:r>
+            <a:endParaRPr kumimoji="1" lang="en-US" altLang="ja-JP" sz="2000" dirty="0"/>
+          </a:p>
+        </p:txBody>
+      </p:sp>
+      <mc:AlternateContent xmlns:mc="http://schemas.openxmlformats.org/markup-compatibility/2006">
+        <mc:Choice xmlns:a14="http://schemas.microsoft.com/office/drawing/2010/main" Requires="a14">
+          <p:sp>
+            <p:nvSpPr>
+              <p:cNvPr id="27" name="テキスト ボックス 26">
+                <a:extLst>
+                  <a:ext uri="{FF2B5EF4-FFF2-40B4-BE49-F238E27FC236}">
+                    <a16:creationId xmlns:a16="http://schemas.microsoft.com/office/drawing/2014/main" id="{4D497037-D710-1F44-A2F1-A31DFE17CDB2}"/>
+                  </a:ext>
+                </a:extLst>
+              </p:cNvPr>
+              <p:cNvSpPr txBox="1"/>
+              <p:nvPr/>
+            </p:nvSpPr>
+            <p:spPr>
+              <a:xfrm>
+                <a:off x="2986587" y="3871325"/>
+                <a:ext cx="757643" cy="557910"/>
+              </a:xfrm>
+              <a:prstGeom prst="rect">
+                <a:avLst/>
+              </a:prstGeom>
+              <a:noFill/>
+            </p:spPr>
+            <p:txBody>
+              <a:bodyPr wrap="none" rtlCol="0">
+                <a:spAutoFit/>
+              </a:bodyPr>
+              <a:lstStyle/>
+              <a:p>
+                <a14:m>
+                  <m:oMathPara xmlns:m="http://schemas.openxmlformats.org/officeDocument/2006/math">
+                    <m:oMathParaPr>
+                      <m:jc m:val="centerGroup"/>
+                    </m:oMathParaPr>
+                    <m:oMath xmlns:m="http://schemas.openxmlformats.org/officeDocument/2006/math">
+                      <m:sSub>
+                        <m:sSubPr>
+                          <m:ctrlPr>
+                            <a:rPr kumimoji="1" lang="en-US" altLang="ja-JP" sz="2800" b="0" i="1" dirty="0" smtClean="0">
+                              <a:solidFill>
+                                <a:schemeClr val="accent4">
+                                  <a:lumMod val="75000"/>
+                                </a:schemeClr>
+                              </a:solidFill>
+                              <a:latin typeface="Cambria Math" panose="02040503050406030204" pitchFamily="18" charset="0"/>
+                            </a:rPr>
+                          </m:ctrlPr>
+                        </m:sSubPr>
+                        <m:e>
+                          <m:r>
+                            <a:rPr kumimoji="1" lang="en-US" altLang="ja-JP" sz="2800" i="1" dirty="0" smtClean="0">
+                              <a:solidFill>
+                                <a:schemeClr val="accent4">
+                                  <a:lumMod val="75000"/>
+                                </a:schemeClr>
+                              </a:solidFill>
+                              <a:latin typeface="Cambria Math" panose="02040503050406030204" pitchFamily="18" charset="0"/>
+                            </a:rPr>
+                            <m:t>𝑡</m:t>
+                          </m:r>
+                        </m:e>
+                        <m:sub>
+                          <m:r>
+                            <a:rPr kumimoji="1" lang="en-US" altLang="ja-JP" sz="2800" b="0" i="1" dirty="0" smtClean="0">
+                              <a:solidFill>
+                                <a:schemeClr val="accent4">
+                                  <a:lumMod val="75000"/>
+                                </a:schemeClr>
+                              </a:solidFill>
+                              <a:latin typeface="Cambria Math" panose="02040503050406030204" pitchFamily="18" charset="0"/>
+                            </a:rPr>
+                            <m:t>𝑗</m:t>
+                          </m:r>
+                          <m:r>
+                            <a:rPr kumimoji="1" lang="en-US" altLang="ja-JP" sz="2800" b="0" i="1" dirty="0" smtClean="0">
+                              <a:solidFill>
+                                <a:schemeClr val="accent4">
+                                  <a:lumMod val="75000"/>
+                                </a:schemeClr>
+                              </a:solidFill>
+                              <a:latin typeface="Cambria Math" panose="02040503050406030204" pitchFamily="18" charset="0"/>
+                            </a:rPr>
+                            <m:t>,</m:t>
+                          </m:r>
+                          <m:r>
+                            <a:rPr kumimoji="1" lang="en-US" altLang="ja-JP" sz="2800" b="0" i="1" dirty="0" smtClean="0">
+                              <a:solidFill>
+                                <a:schemeClr val="accent4">
+                                  <a:lumMod val="75000"/>
+                                </a:schemeClr>
+                              </a:solidFill>
+                              <a:latin typeface="Cambria Math" panose="02040503050406030204" pitchFamily="18" charset="0"/>
+                            </a:rPr>
+                            <m:t>𝑛</m:t>
+                          </m:r>
+                        </m:sub>
+                      </m:sSub>
+                    </m:oMath>
+                  </m:oMathPara>
+                </a14:m>
+                <a:endParaRPr kumimoji="1" lang="ja-JP" altLang="en-US" sz="2800">
+                  <a:solidFill>
+                    <a:schemeClr val="accent4">
+                      <a:lumMod val="75000"/>
+                    </a:schemeClr>
+                  </a:solidFill>
+                </a:endParaRPr>
+              </a:p>
+            </p:txBody>
+          </p:sp>
+        </mc:Choice>
+        <mc:Fallback>
+          <p:sp>
+            <p:nvSpPr>
+              <p:cNvPr id="27" name="テキスト ボックス 26">
+                <a:extLst>
+                  <a:ext uri="{FF2B5EF4-FFF2-40B4-BE49-F238E27FC236}">
+                    <a16:creationId xmlns:a16="http://schemas.microsoft.com/office/drawing/2014/main" id="{4D497037-D710-1F44-A2F1-A31DFE17CDB2}"/>
+                  </a:ext>
+                </a:extLst>
+              </p:cNvPr>
+              <p:cNvSpPr txBox="1">
+                <a:spLocks noRot="1" noChangeAspect="1" noMove="1" noResize="1" noEditPoints="1" noAdjustHandles="1" noChangeArrowheads="1" noChangeShapeType="1" noTextEdit="1"/>
+              </p:cNvSpPr>
+              <p:nvPr/>
+            </p:nvSpPr>
+            <p:spPr>
+              <a:xfrm>
+                <a:off x="2986587" y="3871325"/>
+                <a:ext cx="757643" cy="557910"/>
+              </a:xfrm>
+              <a:prstGeom prst="rect">
+                <a:avLst/>
+              </a:prstGeom>
+              <a:blipFill>
+                <a:blip r:embed="rId8"/>
+                <a:stretch>
+                  <a:fillRect b="-11111"/>
+                </a:stretch>
+              </a:blipFill>
+            </p:spPr>
+            <p:txBody>
+              <a:bodyPr/>
+              <a:lstStyle/>
+              <a:p>
+                <a:r>
+                  <a:rPr lang="ja-JP" altLang="en-US">
+                    <a:noFill/>
+                  </a:rPr>
+                  <a:t> </a:t>
+                </a:r>
+              </a:p>
+            </p:txBody>
+          </p:sp>
+        </mc:Fallback>
+      </mc:AlternateContent>
+      <p:cxnSp>
+        <p:nvCxnSpPr>
+          <p:cNvPr id="28" name="直線矢印コネクタ 27">
+            <a:extLst>
+              <a:ext uri="{FF2B5EF4-FFF2-40B4-BE49-F238E27FC236}">
+                <a16:creationId xmlns:a16="http://schemas.microsoft.com/office/drawing/2014/main" id="{A4036CD2-683C-134D-B235-D9B53B2871CE}"/>
+              </a:ext>
+            </a:extLst>
+          </p:cNvPr>
+          <p:cNvCxnSpPr>
+            <a:cxnSpLocks/>
+          </p:cNvCxnSpPr>
+          <p:nvPr/>
+        </p:nvCxnSpPr>
+        <p:spPr>
+          <a:xfrm>
+            <a:off x="1558977" y="3928532"/>
+            <a:ext cx="3522520" cy="0"/>
+          </a:xfrm>
+          <a:prstGeom prst="straightConnector1">
+            <a:avLst/>
+          </a:prstGeom>
+          <a:ln w="38100">
+            <a:solidFill>
+              <a:schemeClr val="accent4">
+                <a:lumMod val="75000"/>
+              </a:schemeClr>
+            </a:solidFill>
+            <a:headEnd type="triangle"/>
+            <a:tailEnd type="triangle"/>
+          </a:ln>
+        </p:spPr>
+        <p:style>
+          <a:lnRef idx="1">
+            <a:schemeClr val="accent1"/>
+          </a:lnRef>
+          <a:fillRef idx="0">
+            <a:schemeClr val="accent1"/>
+          </a:fillRef>
+          <a:effectRef idx="0">
+            <a:schemeClr val="accent1"/>
+          </a:effectRef>
+          <a:fontRef idx="minor">
+            <a:schemeClr val="tx1"/>
+          </a:fontRef>
+        </p:style>
+      </p:cxnSp>
+      <p:cxnSp>
+        <p:nvCxnSpPr>
+          <p:cNvPr id="30" name="直線コネクタ 29">
+            <a:extLst>
+              <a:ext uri="{FF2B5EF4-FFF2-40B4-BE49-F238E27FC236}">
+                <a16:creationId xmlns:a16="http://schemas.microsoft.com/office/drawing/2014/main" id="{FCA66569-A101-254C-A1D7-F76DCA3C8C95}"/>
+              </a:ext>
+            </a:extLst>
+          </p:cNvPr>
+          <p:cNvCxnSpPr>
+            <a:cxnSpLocks/>
+          </p:cNvCxnSpPr>
+          <p:nvPr/>
+        </p:nvCxnSpPr>
+        <p:spPr>
+          <a:xfrm>
+            <a:off x="2188557" y="3925332"/>
+            <a:ext cx="0" cy="616629"/>
+          </a:xfrm>
+          <a:prstGeom prst="line">
+            <a:avLst/>
+          </a:prstGeom>
+          <a:ln w="38100">
+            <a:solidFill>
+              <a:schemeClr val="tx1"/>
+            </a:solidFill>
+            <a:prstDash val="sysDot"/>
+          </a:ln>
+        </p:spPr>
+        <p:style>
+          <a:lnRef idx="1">
+            <a:schemeClr val="accent1"/>
+          </a:lnRef>
+          <a:fillRef idx="0">
+            <a:schemeClr val="accent1"/>
+          </a:fillRef>
+          <a:effectRef idx="0">
+            <a:schemeClr val="accent1"/>
+          </a:effectRef>
+          <a:fontRef idx="minor">
+            <a:schemeClr val="tx1"/>
+          </a:fontRef>
+        </p:style>
+      </p:cxnSp>
     </p:spTree>
     <p:extLst>
       <p:ext uri="{BB962C8B-B14F-4D97-AF65-F5344CB8AC3E}">
-        <p14:creationId xmlns:p14="http://schemas.microsoft.com/office/powerpoint/2010/main" val="3095233599"/>
+        <p14:creationId xmlns:p14="http://schemas.microsoft.com/office/powerpoint/2010/main" val="2551431146"/>
       </p:ext>
     </p:extLst>
   </p:cSld>
@@ -6079,195 +6397,6 @@
       </p:sp>
       <p:cxnSp>
         <p:nvCxnSpPr>
-          <p:cNvPr id="4" name="直線コネクタ 3">
-            <a:extLst>
-              <a:ext uri="{FF2B5EF4-FFF2-40B4-BE49-F238E27FC236}">
-                <a16:creationId xmlns:a16="http://schemas.microsoft.com/office/drawing/2014/main" id="{29F07610-8B5C-D14A-9F11-16556EE785AC}"/>
-              </a:ext>
-            </a:extLst>
-          </p:cNvPr>
-          <p:cNvCxnSpPr>
-            <a:cxnSpLocks/>
-          </p:cNvCxnSpPr>
-          <p:nvPr/>
-        </p:nvCxnSpPr>
-        <p:spPr>
-          <a:xfrm>
-            <a:off x="838200" y="1558632"/>
-            <a:ext cx="0" cy="3960000"/>
-          </a:xfrm>
-          <a:prstGeom prst="line">
-            <a:avLst/>
-          </a:prstGeom>
-          <a:ln w="38100">
-            <a:solidFill>
-              <a:schemeClr val="tx1"/>
-            </a:solidFill>
-          </a:ln>
-        </p:spPr>
-        <p:style>
-          <a:lnRef idx="1">
-            <a:schemeClr val="accent1"/>
-          </a:lnRef>
-          <a:fillRef idx="0">
-            <a:schemeClr val="accent1"/>
-          </a:fillRef>
-          <a:effectRef idx="0">
-            <a:schemeClr val="accent1"/>
-          </a:effectRef>
-          <a:fontRef idx="minor">
-            <a:schemeClr val="tx1"/>
-          </a:fontRef>
-        </p:style>
-      </p:cxnSp>
-      <p:cxnSp>
-        <p:nvCxnSpPr>
-          <p:cNvPr id="6" name="直線コネクタ 5">
-            <a:extLst>
-              <a:ext uri="{FF2B5EF4-FFF2-40B4-BE49-F238E27FC236}">
-                <a16:creationId xmlns:a16="http://schemas.microsoft.com/office/drawing/2014/main" id="{427DBEB7-DFDA-B64F-BC2F-461A5BA450F0}"/>
-              </a:ext>
-            </a:extLst>
-          </p:cNvPr>
-          <p:cNvCxnSpPr>
-            <a:cxnSpLocks/>
-          </p:cNvCxnSpPr>
-          <p:nvPr/>
-        </p:nvCxnSpPr>
-        <p:spPr>
-          <a:xfrm>
-            <a:off x="11382499" y="1558632"/>
-            <a:ext cx="0" cy="3960000"/>
-          </a:xfrm>
-          <a:prstGeom prst="line">
-            <a:avLst/>
-          </a:prstGeom>
-          <a:ln w="38100">
-            <a:solidFill>
-              <a:schemeClr val="tx1"/>
-            </a:solidFill>
-          </a:ln>
-        </p:spPr>
-        <p:style>
-          <a:lnRef idx="1">
-            <a:schemeClr val="accent1"/>
-          </a:lnRef>
-          <a:fillRef idx="0">
-            <a:schemeClr val="accent1"/>
-          </a:fillRef>
-          <a:effectRef idx="0">
-            <a:schemeClr val="accent1"/>
-          </a:effectRef>
-          <a:fontRef idx="minor">
-            <a:schemeClr val="tx1"/>
-          </a:fontRef>
-        </p:style>
-      </p:cxnSp>
-      <p:sp>
-        <p:nvSpPr>
-          <p:cNvPr id="7" name="正方形/長方形 6">
-            <a:extLst>
-              <a:ext uri="{FF2B5EF4-FFF2-40B4-BE49-F238E27FC236}">
-                <a16:creationId xmlns:a16="http://schemas.microsoft.com/office/drawing/2014/main" id="{C64AD37A-F4C0-984D-9E25-23A3F08DF97A}"/>
-              </a:ext>
-            </a:extLst>
-          </p:cNvPr>
-          <p:cNvSpPr/>
-          <p:nvPr/>
-        </p:nvSpPr>
-        <p:spPr>
-          <a:xfrm>
-            <a:off x="2600702" y="1805046"/>
-            <a:ext cx="8781798" cy="665018"/>
-          </a:xfrm>
-          <a:prstGeom prst="rect">
-            <a:avLst/>
-          </a:prstGeom>
-          <a:noFill/>
-          <a:ln w="38100"/>
-        </p:spPr>
-        <p:style>
-          <a:lnRef idx="2">
-            <a:schemeClr val="accent1">
-              <a:shade val="50000"/>
-            </a:schemeClr>
-          </a:lnRef>
-          <a:fillRef idx="1">
-            <a:schemeClr val="accent1"/>
-          </a:fillRef>
-          <a:effectRef idx="0">
-            <a:schemeClr val="accent1"/>
-          </a:effectRef>
-          <a:fontRef idx="minor">
-            <a:schemeClr val="lt1"/>
-          </a:fontRef>
-        </p:style>
-        <p:txBody>
-          <a:bodyPr rtlCol="0" anchor="ctr"/>
-          <a:lstStyle/>
-          <a:p>
-            <a:pPr algn="ctr"/>
-            <a:endParaRPr kumimoji="1" lang="ja-JP" altLang="en-US"/>
-          </a:p>
-        </p:txBody>
-      </p:sp>
-      <p:sp>
-        <p:nvSpPr>
-          <p:cNvPr id="8" name="正方形/長方形 7">
-            <a:extLst>
-              <a:ext uri="{FF2B5EF4-FFF2-40B4-BE49-F238E27FC236}">
-                <a16:creationId xmlns:a16="http://schemas.microsoft.com/office/drawing/2014/main" id="{A3172220-1232-5B41-AC89-FECDAD84BE99}"/>
-              </a:ext>
-            </a:extLst>
-          </p:cNvPr>
-          <p:cNvSpPr/>
-          <p:nvPr/>
-        </p:nvSpPr>
-        <p:spPr>
-          <a:xfrm>
-            <a:off x="838200" y="4874821"/>
-            <a:ext cx="10544293" cy="665018"/>
-          </a:xfrm>
-          <a:prstGeom prst="rect">
-            <a:avLst/>
-          </a:prstGeom>
-          <a:noFill/>
-          <a:ln w="38100">
-            <a:solidFill>
-              <a:schemeClr val="accent1">
-                <a:lumMod val="60000"/>
-                <a:lumOff val="40000"/>
-              </a:schemeClr>
-            </a:solidFill>
-          </a:ln>
-        </p:spPr>
-        <p:style>
-          <a:lnRef idx="2">
-            <a:schemeClr val="accent1">
-              <a:shade val="50000"/>
-            </a:schemeClr>
-          </a:lnRef>
-          <a:fillRef idx="1">
-            <a:schemeClr val="accent1"/>
-          </a:fillRef>
-          <a:effectRef idx="0">
-            <a:schemeClr val="accent1"/>
-          </a:effectRef>
-          <a:fontRef idx="minor">
-            <a:schemeClr val="lt1"/>
-          </a:fontRef>
-        </p:style>
-        <p:txBody>
-          <a:bodyPr rtlCol="0" anchor="ctr"/>
-          <a:lstStyle/>
-          <a:p>
-            <a:pPr algn="ctr"/>
-            <a:endParaRPr kumimoji="1" lang="ja-JP" altLang="en-US"/>
-          </a:p>
-        </p:txBody>
-      </p:sp>
-      <p:cxnSp>
-        <p:nvCxnSpPr>
           <p:cNvPr id="10" name="直線矢印コネクタ 9">
             <a:extLst>
               <a:ext uri="{FF2B5EF4-FFF2-40B4-BE49-F238E27FC236}">
@@ -6282,7 +6411,7 @@
         </p:nvCxnSpPr>
         <p:spPr>
           <a:xfrm>
-            <a:off x="838200" y="4272141"/>
+            <a:off x="838200" y="4541961"/>
             <a:ext cx="4268190" cy="0"/>
           </a:xfrm>
           <a:prstGeom prst="straightConnector1">
@@ -6327,7 +6456,7 @@
         </p:nvCxnSpPr>
         <p:spPr>
           <a:xfrm>
-            <a:off x="5106390" y="4272141"/>
+            <a:off x="5106390" y="4541961"/>
             <a:ext cx="6276103" cy="0"/>
           </a:xfrm>
           <a:prstGeom prst="straightConnector1">
@@ -6356,8 +6485,8 @@
           </a:fontRef>
         </p:style>
       </p:cxnSp>
-      <mc:AlternateContent xmlns:mc="http://schemas.openxmlformats.org/markup-compatibility/2006" xmlns:a14="http://schemas.microsoft.com/office/drawing/2010/main">
-        <mc:Choice Requires="a14">
+      <mc:AlternateContent xmlns:mc="http://schemas.openxmlformats.org/markup-compatibility/2006">
+        <mc:Choice xmlns:a14="http://schemas.microsoft.com/office/drawing/2010/main" Requires="a14">
           <p:sp>
             <p:nvSpPr>
               <p:cNvPr id="14" name="テキスト ボックス 13">
@@ -6372,8 +6501,8 @@
             </p:nvSpPr>
             <p:spPr>
               <a:xfrm>
-                <a:off x="6509030" y="1875945"/>
-                <a:ext cx="1816971" cy="523220"/>
+                <a:off x="6509030" y="2364170"/>
+                <a:ext cx="1735411" cy="523220"/>
               </a:xfrm>
               <a:prstGeom prst="rect">
                 <a:avLst/>
@@ -6398,12 +6527,6 @@
                           <a:latin typeface="Cambria Math" panose="02040503050406030204" pitchFamily="18" charset="0"/>
                         </a:rPr>
                         <m:t>𝑉</m:t>
-                      </m:r>
-                      <m:r>
-                        <a:rPr lang="en-US" altLang="ja-JP" sz="2800" b="0" i="1" dirty="0" smtClean="0">
-                          <a:latin typeface="Cambria Math" panose="02040503050406030204" pitchFamily="18" charset="0"/>
-                        </a:rPr>
-                        <m:t>′</m:t>
                       </m:r>
                       <m:d>
                         <m:dPr>
@@ -6458,7 +6581,7 @@
             </p:txBody>
           </p:sp>
         </mc:Choice>
-        <mc:Fallback xmlns="">
+        <mc:Fallback>
           <p:sp>
             <p:nvSpPr>
               <p:cNvPr id="14" name="テキスト ボックス 13">
@@ -6475,8 +6598,8 @@
             </p:nvSpPr>
             <p:spPr>
               <a:xfrm>
-                <a:off x="6509030" y="1875945"/>
-                <a:ext cx="1816971" cy="523220"/>
+                <a:off x="6509030" y="2364170"/>
+                <a:ext cx="1735411" cy="523220"/>
               </a:xfrm>
               <a:prstGeom prst="rect">
                 <a:avLst/>
@@ -6484,7 +6607,7 @@
               <a:blipFill>
                 <a:blip r:embed="rId3"/>
                 <a:stretch>
-                  <a:fillRect b="-16667"/>
+                  <a:fillRect b="-19048"/>
                 </a:stretch>
               </a:blipFill>
             </p:spPr>
@@ -6503,8 +6626,8 @@
           </p:sp>
         </mc:Fallback>
       </mc:AlternateContent>
-      <mc:AlternateContent xmlns:mc="http://schemas.openxmlformats.org/markup-compatibility/2006" xmlns:a14="http://schemas.microsoft.com/office/drawing/2010/main">
-        <mc:Choice Requires="a14">
+      <mc:AlternateContent xmlns:mc="http://schemas.openxmlformats.org/markup-compatibility/2006">
+        <mc:Choice xmlns:a14="http://schemas.microsoft.com/office/drawing/2010/main" Requires="a14">
           <p:sp>
             <p:nvSpPr>
               <p:cNvPr id="15" name="テキスト ボックス 14">
@@ -6519,8 +6642,8 @@
             </p:nvSpPr>
             <p:spPr>
               <a:xfrm>
-                <a:off x="5629253" y="4953921"/>
-                <a:ext cx="1043747" cy="523220"/>
+                <a:off x="5546844" y="5115917"/>
+                <a:ext cx="962186" cy="523220"/>
               </a:xfrm>
               <a:prstGeom prst="rect">
                 <a:avLst/>
@@ -6545,12 +6668,6 @@
                           <a:latin typeface="Cambria Math" panose="02040503050406030204" pitchFamily="18" charset="0"/>
                         </a:rPr>
                         <m:t>𝑉</m:t>
-                      </m:r>
-                      <m:r>
-                        <a:rPr lang="en-US" altLang="ja-JP" sz="2800" b="0" i="1" dirty="0" smtClean="0">
-                          <a:latin typeface="Cambria Math" panose="02040503050406030204" pitchFamily="18" charset="0"/>
-                        </a:rPr>
-                        <m:t>′</m:t>
                       </m:r>
                       <m:d>
                         <m:dPr>
@@ -6577,7 +6694,7 @@
             </p:txBody>
           </p:sp>
         </mc:Choice>
-        <mc:Fallback xmlns="">
+        <mc:Fallback>
           <p:sp>
             <p:nvSpPr>
               <p:cNvPr id="15" name="テキスト ボックス 14">
@@ -6594,8 +6711,8 @@
             </p:nvSpPr>
             <p:spPr>
               <a:xfrm>
-                <a:off x="5629253" y="4953921"/>
-                <a:ext cx="1043747" cy="523220"/>
+                <a:off x="5546844" y="5115917"/>
+                <a:ext cx="962186" cy="523220"/>
               </a:xfrm>
               <a:prstGeom prst="rect">
                 <a:avLst/>
@@ -6622,8 +6739,8 @@
           </p:sp>
         </mc:Fallback>
       </mc:AlternateContent>
-      <mc:AlternateContent xmlns:mc="http://schemas.openxmlformats.org/markup-compatibility/2006" xmlns:a14="http://schemas.microsoft.com/office/drawing/2010/main">
-        <mc:Choice Requires="a14">
+      <mc:AlternateContent xmlns:mc="http://schemas.openxmlformats.org/markup-compatibility/2006">
+        <mc:Choice xmlns:a14="http://schemas.microsoft.com/office/drawing/2010/main" Requires="a14">
           <p:sp>
             <p:nvSpPr>
               <p:cNvPr id="16" name="テキスト ボックス 15">
@@ -6638,7 +6755,7 @@
             </p:nvSpPr>
             <p:spPr>
               <a:xfrm>
-                <a:off x="2390584" y="4364174"/>
+                <a:off x="2390584" y="4574034"/>
                 <a:ext cx="780791" cy="557910"/>
               </a:xfrm>
               <a:prstGeom prst="rect">
@@ -6704,7 +6821,7 @@
             </p:txBody>
           </p:sp>
         </mc:Choice>
-        <mc:Fallback xmlns="">
+        <mc:Fallback>
           <p:sp>
             <p:nvSpPr>
               <p:cNvPr id="16" name="テキスト ボックス 15">
@@ -6721,7 +6838,7 @@
             </p:nvSpPr>
             <p:spPr>
               <a:xfrm>
-                <a:off x="2390584" y="4364174"/>
+                <a:off x="2390584" y="4574034"/>
                 <a:ext cx="780791" cy="557910"/>
               </a:xfrm>
               <a:prstGeom prst="rect">
@@ -6730,7 +6847,7 @@
               <a:blipFill>
                 <a:blip r:embed="rId5"/>
                 <a:stretch>
-                  <a:fillRect l="-1587" b="-11111"/>
+                  <a:fillRect l="-1587" b="-11364"/>
                 </a:stretch>
               </a:blipFill>
             </p:spPr>
@@ -6749,8 +6866,8 @@
           </p:sp>
         </mc:Fallback>
       </mc:AlternateContent>
-      <mc:AlternateContent xmlns:mc="http://schemas.openxmlformats.org/markup-compatibility/2006" xmlns:a14="http://schemas.microsoft.com/office/drawing/2010/main">
-        <mc:Choice Requires="a14">
+      <mc:AlternateContent xmlns:mc="http://schemas.openxmlformats.org/markup-compatibility/2006">
+        <mc:Choice xmlns:a14="http://schemas.microsoft.com/office/drawing/2010/main" Requires="a14">
           <p:sp>
             <p:nvSpPr>
               <p:cNvPr id="17" name="テキスト ボックス 16">
@@ -6765,7 +6882,7 @@
             </p:nvSpPr>
             <p:spPr>
               <a:xfrm>
-                <a:off x="7860794" y="4364174"/>
+                <a:off x="7860794" y="4604014"/>
                 <a:ext cx="1985544" cy="557910"/>
               </a:xfrm>
               <a:prstGeom prst="rect">
@@ -6867,7 +6984,7 @@
             </p:txBody>
           </p:sp>
         </mc:Choice>
-        <mc:Fallback xmlns="">
+        <mc:Fallback>
           <p:sp>
             <p:nvSpPr>
               <p:cNvPr id="17" name="テキスト ボックス 16">
@@ -6884,7 +7001,7 @@
             </p:nvSpPr>
             <p:spPr>
               <a:xfrm>
-                <a:off x="7860794" y="4364174"/>
+                <a:off x="7860794" y="4604014"/>
                 <a:ext cx="1985544" cy="557910"/>
               </a:xfrm>
               <a:prstGeom prst="rect">
@@ -6893,7 +7010,7 @@
               <a:blipFill>
                 <a:blip r:embed="rId6"/>
                 <a:stretch>
-                  <a:fillRect b="-15556"/>
+                  <a:fillRect b="-18182"/>
                 </a:stretch>
               </a:blipFill>
             </p:spPr>
@@ -6928,8 +7045,8 @@
         </p:nvCxnSpPr>
         <p:spPr>
           <a:xfrm>
-            <a:off x="2600702" y="2470064"/>
-            <a:ext cx="0" cy="582122"/>
+            <a:off x="3384470" y="2305174"/>
+            <a:ext cx="0" cy="747012"/>
           </a:xfrm>
           <a:prstGeom prst="line">
             <a:avLst/>
@@ -6972,8 +7089,8 @@
         </p:nvCxnSpPr>
         <p:spPr>
           <a:xfrm>
-            <a:off x="5106390" y="2470064"/>
-            <a:ext cx="0" cy="3069775"/>
+            <a:off x="5106390" y="3052186"/>
+            <a:ext cx="0" cy="2063731"/>
           </a:xfrm>
           <a:prstGeom prst="line">
             <a:avLst/>
@@ -7016,7 +7133,7 @@
             </p:nvSpPr>
             <p:spPr>
               <a:xfrm>
-                <a:off x="3397479" y="2983712"/>
+                <a:off x="3766143" y="3052186"/>
                 <a:ext cx="994439" cy="557910"/>
               </a:xfrm>
               <a:prstGeom prst="rect">
@@ -7100,7 +7217,1427 @@
             </p:nvSpPr>
             <p:spPr>
               <a:xfrm>
-                <a:off x="3397479" y="2983712"/>
+                <a:off x="3766143" y="3052186"/>
+                <a:ext cx="994439" cy="557910"/>
+              </a:xfrm>
+              <a:prstGeom prst="rect">
+                <a:avLst/>
+              </a:prstGeom>
+              <a:blipFill>
+                <a:blip r:embed="rId7"/>
+                <a:stretch>
+                  <a:fillRect b="-11364"/>
+                </a:stretch>
+              </a:blipFill>
+            </p:spPr>
+            <p:txBody>
+              <a:bodyPr/>
+              <a:lstStyle/>
+              <a:p>
+                <a:r>
+                  <a:rPr lang="ja-JP" altLang="en-US">
+                    <a:noFill/>
+                  </a:rPr>
+                  <a:t> </a:t>
+                </a:r>
+              </a:p>
+            </p:txBody>
+          </p:sp>
+        </mc:Fallback>
+      </mc:AlternateContent>
+      <p:cxnSp>
+        <p:nvCxnSpPr>
+          <p:cNvPr id="24" name="直線矢印コネクタ 23">
+            <a:extLst>
+              <a:ext uri="{FF2B5EF4-FFF2-40B4-BE49-F238E27FC236}">
+                <a16:creationId xmlns:a16="http://schemas.microsoft.com/office/drawing/2014/main" id="{460561FE-CECC-9845-BFDC-B2F939673B70}"/>
+              </a:ext>
+            </a:extLst>
+          </p:cNvPr>
+          <p:cNvCxnSpPr>
+            <a:cxnSpLocks/>
+          </p:cNvCxnSpPr>
+          <p:nvPr/>
+        </p:nvCxnSpPr>
+        <p:spPr>
+          <a:xfrm>
+            <a:off x="3384470" y="3052186"/>
+            <a:ext cx="1721920" cy="0"/>
+          </a:xfrm>
+          <a:prstGeom prst="straightConnector1">
+            <a:avLst/>
+          </a:prstGeom>
+          <a:ln w="38100">
+            <a:solidFill>
+              <a:schemeClr val="accent2"/>
+            </a:solidFill>
+            <a:headEnd type="triangle"/>
+            <a:tailEnd type="triangle"/>
+          </a:ln>
+        </p:spPr>
+        <p:style>
+          <a:lnRef idx="1">
+            <a:schemeClr val="accent1"/>
+          </a:lnRef>
+          <a:fillRef idx="0">
+            <a:schemeClr val="accent1"/>
+          </a:fillRef>
+          <a:effectRef idx="0">
+            <a:schemeClr val="accent1"/>
+          </a:effectRef>
+          <a:fontRef idx="minor">
+            <a:schemeClr val="tx1"/>
+          </a:fontRef>
+        </p:style>
+      </p:cxnSp>
+      <p:cxnSp>
+        <p:nvCxnSpPr>
+          <p:cNvPr id="18" name="直線矢印コネクタ 17">
+            <a:extLst>
+              <a:ext uri="{FF2B5EF4-FFF2-40B4-BE49-F238E27FC236}">
+                <a16:creationId xmlns:a16="http://schemas.microsoft.com/office/drawing/2014/main" id="{29A7AB01-4239-1246-A6B8-59F48A33B712}"/>
+              </a:ext>
+            </a:extLst>
+          </p:cNvPr>
+          <p:cNvCxnSpPr>
+            <a:cxnSpLocks/>
+          </p:cNvCxnSpPr>
+          <p:nvPr/>
+        </p:nvCxnSpPr>
+        <p:spPr>
+          <a:xfrm>
+            <a:off x="838200" y="5115917"/>
+            <a:ext cx="10544293" cy="0"/>
+          </a:xfrm>
+          <a:prstGeom prst="straightConnector1">
+            <a:avLst/>
+          </a:prstGeom>
+          <a:ln w="38100">
+            <a:solidFill>
+              <a:schemeClr val="accent1">
+                <a:lumMod val="60000"/>
+                <a:lumOff val="40000"/>
+              </a:schemeClr>
+            </a:solidFill>
+            <a:headEnd type="triangle"/>
+            <a:tailEnd type="triangle"/>
+          </a:ln>
+        </p:spPr>
+        <p:style>
+          <a:lnRef idx="1">
+            <a:schemeClr val="accent1"/>
+          </a:lnRef>
+          <a:fillRef idx="0">
+            <a:schemeClr val="accent1"/>
+          </a:fillRef>
+          <a:effectRef idx="0">
+            <a:schemeClr val="accent1"/>
+          </a:effectRef>
+          <a:fontRef idx="minor">
+            <a:schemeClr val="tx1"/>
+          </a:fontRef>
+        </p:style>
+      </p:cxnSp>
+      <p:cxnSp>
+        <p:nvCxnSpPr>
+          <p:cNvPr id="21" name="直線矢印コネクタ 20">
+            <a:extLst>
+              <a:ext uri="{FF2B5EF4-FFF2-40B4-BE49-F238E27FC236}">
+                <a16:creationId xmlns:a16="http://schemas.microsoft.com/office/drawing/2014/main" id="{8175D4EC-5751-544D-A482-D6AB0EDD5415}"/>
+              </a:ext>
+            </a:extLst>
+          </p:cNvPr>
+          <p:cNvCxnSpPr>
+            <a:cxnSpLocks/>
+          </p:cNvCxnSpPr>
+          <p:nvPr/>
+        </p:nvCxnSpPr>
+        <p:spPr>
+          <a:xfrm>
+            <a:off x="3356783" y="2305174"/>
+            <a:ext cx="8025710" cy="0"/>
+          </a:xfrm>
+          <a:prstGeom prst="straightConnector1">
+            <a:avLst/>
+          </a:prstGeom>
+          <a:ln w="38100">
+            <a:solidFill>
+              <a:schemeClr val="accent1"/>
+            </a:solidFill>
+            <a:headEnd type="triangle"/>
+            <a:tailEnd type="triangle"/>
+          </a:ln>
+        </p:spPr>
+        <p:style>
+          <a:lnRef idx="1">
+            <a:schemeClr val="accent1"/>
+          </a:lnRef>
+          <a:fillRef idx="0">
+            <a:schemeClr val="accent1"/>
+          </a:fillRef>
+          <a:effectRef idx="0">
+            <a:schemeClr val="accent1"/>
+          </a:effectRef>
+          <a:fontRef idx="minor">
+            <a:schemeClr val="tx1"/>
+          </a:fontRef>
+        </p:style>
+      </p:cxnSp>
+      <p:cxnSp>
+        <p:nvCxnSpPr>
+          <p:cNvPr id="25" name="直線矢印コネクタ 24">
+            <a:extLst>
+              <a:ext uri="{FF2B5EF4-FFF2-40B4-BE49-F238E27FC236}">
+                <a16:creationId xmlns:a16="http://schemas.microsoft.com/office/drawing/2014/main" id="{CA193B10-849C-D347-A8B3-DEACFA372903}"/>
+              </a:ext>
+            </a:extLst>
+          </p:cNvPr>
+          <p:cNvCxnSpPr>
+            <a:cxnSpLocks/>
+          </p:cNvCxnSpPr>
+          <p:nvPr/>
+        </p:nvCxnSpPr>
+        <p:spPr>
+          <a:xfrm>
+            <a:off x="838200" y="5818627"/>
+            <a:ext cx="10544293" cy="0"/>
+          </a:xfrm>
+          <a:prstGeom prst="straightConnector1">
+            <a:avLst/>
+          </a:prstGeom>
+          <a:ln w="38100">
+            <a:solidFill>
+              <a:schemeClr val="tx1"/>
+            </a:solidFill>
+            <a:headEnd type="none"/>
+            <a:tailEnd type="triangle"/>
+          </a:ln>
+        </p:spPr>
+        <p:style>
+          <a:lnRef idx="1">
+            <a:schemeClr val="accent1"/>
+          </a:lnRef>
+          <a:fillRef idx="0">
+            <a:schemeClr val="accent1"/>
+          </a:fillRef>
+          <a:effectRef idx="0">
+            <a:schemeClr val="accent1"/>
+          </a:effectRef>
+          <a:fontRef idx="minor">
+            <a:schemeClr val="tx1"/>
+          </a:fontRef>
+        </p:style>
+      </p:cxnSp>
+      <p:sp>
+        <p:nvSpPr>
+          <p:cNvPr id="26" name="テキスト ボックス 25">
+            <a:extLst>
+              <a:ext uri="{FF2B5EF4-FFF2-40B4-BE49-F238E27FC236}">
+                <a16:creationId xmlns:a16="http://schemas.microsoft.com/office/drawing/2014/main" id="{00ABA0DD-107C-A648-B11C-8D2D09956640}"/>
+              </a:ext>
+            </a:extLst>
+          </p:cNvPr>
+          <p:cNvSpPr txBox="1"/>
+          <p:nvPr/>
+        </p:nvSpPr>
+        <p:spPr>
+          <a:xfrm>
+            <a:off x="10178320" y="5921117"/>
+            <a:ext cx="1127232" cy="400110"/>
+          </a:xfrm>
+          <a:prstGeom prst="rect">
+            <a:avLst/>
+          </a:prstGeom>
+          <a:noFill/>
+        </p:spPr>
+        <p:txBody>
+          <a:bodyPr wrap="none" rtlCol="0">
+            <a:spAutoFit/>
+          </a:bodyPr>
+          <a:lstStyle/>
+          <a:p>
+            <a:r>
+              <a:rPr lang="en" altLang="ja-JP" sz="2000" b="1" dirty="0"/>
+              <a:t>amount</a:t>
+            </a:r>
+            <a:endParaRPr kumimoji="1" lang="en-US" altLang="ja-JP" sz="2000" dirty="0"/>
+          </a:p>
+        </p:txBody>
+      </p:sp>
+      <mc:AlternateContent xmlns:mc="http://schemas.openxmlformats.org/markup-compatibility/2006">
+        <mc:Choice xmlns:a14="http://schemas.microsoft.com/office/drawing/2010/main" Requires="a14">
+          <p:sp>
+            <p:nvSpPr>
+              <p:cNvPr id="27" name="テキスト ボックス 26">
+                <a:extLst>
+                  <a:ext uri="{FF2B5EF4-FFF2-40B4-BE49-F238E27FC236}">
+                    <a16:creationId xmlns:a16="http://schemas.microsoft.com/office/drawing/2014/main" id="{4D497037-D710-1F44-A2F1-A31DFE17CDB2}"/>
+                  </a:ext>
+                </a:extLst>
+              </p:cNvPr>
+              <p:cNvSpPr txBox="1"/>
+              <p:nvPr/>
+            </p:nvSpPr>
+            <p:spPr>
+              <a:xfrm>
+                <a:off x="2701777" y="3871325"/>
+                <a:ext cx="757643" cy="557910"/>
+              </a:xfrm>
+              <a:prstGeom prst="rect">
+                <a:avLst/>
+              </a:prstGeom>
+              <a:noFill/>
+            </p:spPr>
+            <p:txBody>
+              <a:bodyPr wrap="none" rtlCol="0">
+                <a:spAutoFit/>
+              </a:bodyPr>
+              <a:lstStyle/>
+              <a:p>
+                <a14:m>
+                  <m:oMathPara xmlns:m="http://schemas.openxmlformats.org/officeDocument/2006/math">
+                    <m:oMathParaPr>
+                      <m:jc m:val="centerGroup"/>
+                    </m:oMathParaPr>
+                    <m:oMath xmlns:m="http://schemas.openxmlformats.org/officeDocument/2006/math">
+                      <m:sSub>
+                        <m:sSubPr>
+                          <m:ctrlPr>
+                            <a:rPr kumimoji="1" lang="en-US" altLang="ja-JP" sz="2800" b="0" i="1" dirty="0" smtClean="0">
+                              <a:solidFill>
+                                <a:schemeClr val="accent4">
+                                  <a:lumMod val="75000"/>
+                                </a:schemeClr>
+                              </a:solidFill>
+                              <a:latin typeface="Cambria Math" panose="02040503050406030204" pitchFamily="18" charset="0"/>
+                            </a:rPr>
+                          </m:ctrlPr>
+                        </m:sSubPr>
+                        <m:e>
+                          <m:r>
+                            <a:rPr kumimoji="1" lang="en-US" altLang="ja-JP" sz="2800" i="1" dirty="0" smtClean="0">
+                              <a:solidFill>
+                                <a:schemeClr val="accent4">
+                                  <a:lumMod val="75000"/>
+                                </a:schemeClr>
+                              </a:solidFill>
+                              <a:latin typeface="Cambria Math" panose="02040503050406030204" pitchFamily="18" charset="0"/>
+                            </a:rPr>
+                            <m:t>𝑡</m:t>
+                          </m:r>
+                        </m:e>
+                        <m:sub>
+                          <m:r>
+                            <a:rPr kumimoji="1" lang="en-US" altLang="ja-JP" sz="2800" b="0" i="1" dirty="0" smtClean="0">
+                              <a:solidFill>
+                                <a:schemeClr val="accent4">
+                                  <a:lumMod val="75000"/>
+                                </a:schemeClr>
+                              </a:solidFill>
+                              <a:latin typeface="Cambria Math" panose="02040503050406030204" pitchFamily="18" charset="0"/>
+                            </a:rPr>
+                            <m:t>𝑗</m:t>
+                          </m:r>
+                          <m:r>
+                            <a:rPr kumimoji="1" lang="en-US" altLang="ja-JP" sz="2800" b="0" i="1" dirty="0" smtClean="0">
+                              <a:solidFill>
+                                <a:schemeClr val="accent4">
+                                  <a:lumMod val="75000"/>
+                                </a:schemeClr>
+                              </a:solidFill>
+                              <a:latin typeface="Cambria Math" panose="02040503050406030204" pitchFamily="18" charset="0"/>
+                            </a:rPr>
+                            <m:t>,</m:t>
+                          </m:r>
+                          <m:r>
+                            <a:rPr kumimoji="1" lang="en-US" altLang="ja-JP" sz="2800" b="0" i="1" dirty="0" smtClean="0">
+                              <a:solidFill>
+                                <a:schemeClr val="accent4">
+                                  <a:lumMod val="75000"/>
+                                </a:schemeClr>
+                              </a:solidFill>
+                              <a:latin typeface="Cambria Math" panose="02040503050406030204" pitchFamily="18" charset="0"/>
+                            </a:rPr>
+                            <m:t>𝑛</m:t>
+                          </m:r>
+                        </m:sub>
+                      </m:sSub>
+                    </m:oMath>
+                  </m:oMathPara>
+                </a14:m>
+                <a:endParaRPr kumimoji="1" lang="ja-JP" altLang="en-US" sz="2800">
+                  <a:solidFill>
+                    <a:schemeClr val="accent4">
+                      <a:lumMod val="75000"/>
+                    </a:schemeClr>
+                  </a:solidFill>
+                </a:endParaRPr>
+              </a:p>
+            </p:txBody>
+          </p:sp>
+        </mc:Choice>
+        <mc:Fallback>
+          <p:sp>
+            <p:nvSpPr>
+              <p:cNvPr id="27" name="テキスト ボックス 26">
+                <a:extLst>
+                  <a:ext uri="{FF2B5EF4-FFF2-40B4-BE49-F238E27FC236}">
+                    <a16:creationId xmlns:a16="http://schemas.microsoft.com/office/drawing/2014/main" id="{4D497037-D710-1F44-A2F1-A31DFE17CDB2}"/>
+                  </a:ext>
+                </a:extLst>
+              </p:cNvPr>
+              <p:cNvSpPr txBox="1">
+                <a:spLocks noRot="1" noChangeAspect="1" noMove="1" noResize="1" noEditPoints="1" noAdjustHandles="1" noChangeArrowheads="1" noChangeShapeType="1" noTextEdit="1"/>
+              </p:cNvSpPr>
+              <p:nvPr/>
+            </p:nvSpPr>
+            <p:spPr>
+              <a:xfrm>
+                <a:off x="2701777" y="3871325"/>
+                <a:ext cx="757643" cy="557910"/>
+              </a:xfrm>
+              <a:prstGeom prst="rect">
+                <a:avLst/>
+              </a:prstGeom>
+              <a:blipFill>
+                <a:blip r:embed="rId8"/>
+                <a:stretch>
+                  <a:fillRect b="-11111"/>
+                </a:stretch>
+              </a:blipFill>
+            </p:spPr>
+            <p:txBody>
+              <a:bodyPr/>
+              <a:lstStyle/>
+              <a:p>
+                <a:r>
+                  <a:rPr lang="ja-JP" altLang="en-US">
+                    <a:noFill/>
+                  </a:rPr>
+                  <a:t> </a:t>
+                </a:r>
+              </a:p>
+            </p:txBody>
+          </p:sp>
+        </mc:Fallback>
+      </mc:AlternateContent>
+      <p:cxnSp>
+        <p:nvCxnSpPr>
+          <p:cNvPr id="28" name="直線矢印コネクタ 27">
+            <a:extLst>
+              <a:ext uri="{FF2B5EF4-FFF2-40B4-BE49-F238E27FC236}">
+                <a16:creationId xmlns:a16="http://schemas.microsoft.com/office/drawing/2014/main" id="{A4036CD2-683C-134D-B235-D9B53B2871CE}"/>
+              </a:ext>
+            </a:extLst>
+          </p:cNvPr>
+          <p:cNvCxnSpPr>
+            <a:cxnSpLocks/>
+          </p:cNvCxnSpPr>
+          <p:nvPr/>
+        </p:nvCxnSpPr>
+        <p:spPr>
+          <a:xfrm>
+            <a:off x="1558977" y="3928532"/>
+            <a:ext cx="3522520" cy="0"/>
+          </a:xfrm>
+          <a:prstGeom prst="straightConnector1">
+            <a:avLst/>
+          </a:prstGeom>
+          <a:ln w="38100">
+            <a:solidFill>
+              <a:schemeClr val="accent4">
+                <a:lumMod val="75000"/>
+              </a:schemeClr>
+            </a:solidFill>
+            <a:headEnd type="triangle"/>
+            <a:tailEnd type="triangle"/>
+          </a:ln>
+        </p:spPr>
+        <p:style>
+          <a:lnRef idx="1">
+            <a:schemeClr val="accent1"/>
+          </a:lnRef>
+          <a:fillRef idx="0">
+            <a:schemeClr val="accent1"/>
+          </a:fillRef>
+          <a:effectRef idx="0">
+            <a:schemeClr val="accent1"/>
+          </a:effectRef>
+          <a:fontRef idx="minor">
+            <a:schemeClr val="tx1"/>
+          </a:fontRef>
+        </p:style>
+      </p:cxnSp>
+      <p:cxnSp>
+        <p:nvCxnSpPr>
+          <p:cNvPr id="30" name="直線コネクタ 29">
+            <a:extLst>
+              <a:ext uri="{FF2B5EF4-FFF2-40B4-BE49-F238E27FC236}">
+                <a16:creationId xmlns:a16="http://schemas.microsoft.com/office/drawing/2014/main" id="{FCA66569-A101-254C-A1D7-F76DCA3C8C95}"/>
+              </a:ext>
+            </a:extLst>
+          </p:cNvPr>
+          <p:cNvCxnSpPr>
+            <a:cxnSpLocks/>
+          </p:cNvCxnSpPr>
+          <p:nvPr/>
+        </p:nvCxnSpPr>
+        <p:spPr>
+          <a:xfrm>
+            <a:off x="1558977" y="3925332"/>
+            <a:ext cx="0" cy="616629"/>
+          </a:xfrm>
+          <a:prstGeom prst="line">
+            <a:avLst/>
+          </a:prstGeom>
+          <a:ln w="38100">
+            <a:solidFill>
+              <a:schemeClr val="tx1"/>
+            </a:solidFill>
+            <a:prstDash val="sysDot"/>
+          </a:ln>
+        </p:spPr>
+        <p:style>
+          <a:lnRef idx="1">
+            <a:schemeClr val="accent1"/>
+          </a:lnRef>
+          <a:fillRef idx="0">
+            <a:schemeClr val="accent1"/>
+          </a:fillRef>
+          <a:effectRef idx="0">
+            <a:schemeClr val="accent1"/>
+          </a:effectRef>
+          <a:fontRef idx="minor">
+            <a:schemeClr val="tx1"/>
+          </a:fontRef>
+        </p:style>
+      </p:cxnSp>
+    </p:spTree>
+    <p:extLst>
+      <p:ext uri="{BB962C8B-B14F-4D97-AF65-F5344CB8AC3E}">
+        <p14:creationId xmlns:p14="http://schemas.microsoft.com/office/powerpoint/2010/main" val="2557752236"/>
+      </p:ext>
+    </p:extLst>
+  </p:cSld>
+  <p:clrMapOvr>
+    <a:masterClrMapping/>
+  </p:clrMapOvr>
+</p:sld>
+</file>
+
+<file path=ppt/slides/slide3.xml><?xml version="1.0" encoding="utf-8"?>
+<p:sld xmlns:a="http://schemas.openxmlformats.org/drawingml/2006/main" xmlns:r="http://schemas.openxmlformats.org/officeDocument/2006/relationships" xmlns:p="http://schemas.openxmlformats.org/presentationml/2006/main">
+  <p:cSld>
+    <p:spTree>
+      <p:nvGrpSpPr>
+        <p:cNvPr id="1" name=""/>
+        <p:cNvGrpSpPr/>
+        <p:nvPr/>
+      </p:nvGrpSpPr>
+      <p:grpSpPr>
+        <a:xfrm>
+          <a:off x="0" y="0"/>
+          <a:ext cx="0" cy="0"/>
+          <a:chOff x="0" y="0"/>
+          <a:chExt cx="0" cy="0"/>
+        </a:xfrm>
+      </p:grpSpPr>
+      <p:sp>
+        <p:nvSpPr>
+          <p:cNvPr id="2" name="タイトル 1">
+            <a:extLst>
+              <a:ext uri="{FF2B5EF4-FFF2-40B4-BE49-F238E27FC236}">
+                <a16:creationId xmlns:a16="http://schemas.microsoft.com/office/drawing/2014/main" id="{C8A9C4F2-BA94-084F-9A52-A057055D2CDE}"/>
+              </a:ext>
+            </a:extLst>
+          </p:cNvPr>
+          <p:cNvSpPr>
+            <a:spLocks noGrp="1"/>
+          </p:cNvSpPr>
+          <p:nvPr>
+            <p:ph type="title"/>
+          </p:nvPr>
+        </p:nvSpPr>
+        <p:spPr/>
+        <p:txBody>
+          <a:bodyPr/>
+          <a:lstStyle/>
+          <a:p>
+            <a:endParaRPr kumimoji="1" lang="ja-JP" altLang="en-US"/>
+          </a:p>
+        </p:txBody>
+      </p:sp>
+      <p:cxnSp>
+        <p:nvCxnSpPr>
+          <p:cNvPr id="10" name="直線矢印コネクタ 9">
+            <a:extLst>
+              <a:ext uri="{FF2B5EF4-FFF2-40B4-BE49-F238E27FC236}">
+                <a16:creationId xmlns:a16="http://schemas.microsoft.com/office/drawing/2014/main" id="{2E2863EC-C204-C84D-99FF-C34EE3CABFD7}"/>
+              </a:ext>
+            </a:extLst>
+          </p:cNvPr>
+          <p:cNvCxnSpPr>
+            <a:cxnSpLocks/>
+          </p:cNvCxnSpPr>
+          <p:nvPr/>
+        </p:nvCxnSpPr>
+        <p:spPr>
+          <a:xfrm>
+            <a:off x="838200" y="4392061"/>
+            <a:ext cx="4268190" cy="0"/>
+          </a:xfrm>
+          <a:prstGeom prst="straightConnector1">
+            <a:avLst/>
+          </a:prstGeom>
+          <a:ln w="38100">
+            <a:solidFill>
+              <a:schemeClr val="tx1"/>
+            </a:solidFill>
+            <a:headEnd type="triangle"/>
+            <a:tailEnd type="triangle"/>
+          </a:ln>
+        </p:spPr>
+        <p:style>
+          <a:lnRef idx="1">
+            <a:schemeClr val="accent1"/>
+          </a:lnRef>
+          <a:fillRef idx="0">
+            <a:schemeClr val="accent1"/>
+          </a:fillRef>
+          <a:effectRef idx="0">
+            <a:schemeClr val="accent1"/>
+          </a:effectRef>
+          <a:fontRef idx="minor">
+            <a:schemeClr val="tx1"/>
+          </a:fontRef>
+        </p:style>
+      </p:cxnSp>
+      <p:cxnSp>
+        <p:nvCxnSpPr>
+          <p:cNvPr id="11" name="直線矢印コネクタ 10">
+            <a:extLst>
+              <a:ext uri="{FF2B5EF4-FFF2-40B4-BE49-F238E27FC236}">
+                <a16:creationId xmlns:a16="http://schemas.microsoft.com/office/drawing/2014/main" id="{524ADA8B-457C-B148-8EFE-8DF54201561D}"/>
+              </a:ext>
+            </a:extLst>
+          </p:cNvPr>
+          <p:cNvCxnSpPr>
+            <a:cxnSpLocks/>
+          </p:cNvCxnSpPr>
+          <p:nvPr/>
+        </p:nvCxnSpPr>
+        <p:spPr>
+          <a:xfrm>
+            <a:off x="5106390" y="4392061"/>
+            <a:ext cx="6276103" cy="0"/>
+          </a:xfrm>
+          <a:prstGeom prst="straightConnector1">
+            <a:avLst/>
+          </a:prstGeom>
+          <a:ln w="38100">
+            <a:solidFill>
+              <a:schemeClr val="tx1"/>
+            </a:solidFill>
+            <a:headEnd type="triangle"/>
+            <a:tailEnd type="triangle"/>
+          </a:ln>
+        </p:spPr>
+        <p:style>
+          <a:lnRef idx="1">
+            <a:schemeClr val="accent1"/>
+          </a:lnRef>
+          <a:fillRef idx="0">
+            <a:schemeClr val="accent1"/>
+          </a:fillRef>
+          <a:effectRef idx="0">
+            <a:schemeClr val="accent1"/>
+          </a:effectRef>
+          <a:fontRef idx="minor">
+            <a:schemeClr val="tx1"/>
+          </a:fontRef>
+        </p:style>
+      </p:cxnSp>
+      <mc:AlternateContent xmlns:mc="http://schemas.openxmlformats.org/markup-compatibility/2006">
+        <mc:Choice xmlns:a14="http://schemas.microsoft.com/office/drawing/2010/main" Requires="a14">
+          <p:sp>
+            <p:nvSpPr>
+              <p:cNvPr id="14" name="テキスト ボックス 13">
+                <a:extLst>
+                  <a:ext uri="{FF2B5EF4-FFF2-40B4-BE49-F238E27FC236}">
+                    <a16:creationId xmlns:a16="http://schemas.microsoft.com/office/drawing/2014/main" id="{B60980E0-DB40-974D-9784-864CFE9E177E}"/>
+                  </a:ext>
+                </a:extLst>
+              </p:cNvPr>
+              <p:cNvSpPr txBox="1"/>
+              <p:nvPr/>
+            </p:nvSpPr>
+            <p:spPr>
+              <a:xfrm>
+                <a:off x="5849464" y="1786005"/>
+                <a:ext cx="2788264" cy="523220"/>
+              </a:xfrm>
+              <a:prstGeom prst="rect">
+                <a:avLst/>
+              </a:prstGeom>
+              <a:noFill/>
+            </p:spPr>
+            <p:txBody>
+              <a:bodyPr wrap="none" rtlCol="0">
+                <a:spAutoFit/>
+              </a:bodyPr>
+              <a:lstStyle/>
+              <a:p>
+                <a:pPr/>
+                <a14:m>
+                  <m:oMath xmlns:m="http://schemas.openxmlformats.org/officeDocument/2006/math">
+                    <m:r>
+                      <a:rPr lang="en-US" altLang="ja-JP" sz="2800" i="1" dirty="0" smtClean="0">
+                        <a:latin typeface="Cambria Math" panose="02040503050406030204" pitchFamily="18" charset="0"/>
+                      </a:rPr>
+                      <m:t>𝑉</m:t>
+                    </m:r>
+                    <m:r>
+                      <a:rPr lang="en-US" altLang="ja-JP" sz="2800" b="0" i="1" dirty="0" smtClean="0">
+                        <a:latin typeface="Cambria Math" panose="02040503050406030204" pitchFamily="18" charset="0"/>
+                      </a:rPr>
+                      <m:t>′</m:t>
+                    </m:r>
+                    <m:d>
+                      <m:dPr>
+                        <m:ctrlPr>
+                          <a:rPr lang="en-US" altLang="ja-JP" sz="2800" b="0" i="1" dirty="0" smtClean="0">
+                            <a:latin typeface="Cambria Math" panose="02040503050406030204" pitchFamily="18" charset="0"/>
+                          </a:rPr>
+                        </m:ctrlPr>
+                      </m:dPr>
+                      <m:e>
+                        <m:r>
+                          <a:rPr lang="en-US" altLang="ja-JP" sz="2800" b="1" i="1" dirty="0" smtClean="0">
+                            <a:latin typeface="Cambria Math" panose="02040503050406030204" pitchFamily="18" charset="0"/>
+                          </a:rPr>
+                          <m:t>𝑱</m:t>
+                        </m:r>
+                        <m:r>
+                          <a:rPr lang="en-US" altLang="ja-JP" sz="2800" i="1" dirty="0">
+                            <a:latin typeface="Cambria Math" panose="02040503050406030204" pitchFamily="18" charset="0"/>
+                            <a:ea typeface="Cambria Math" panose="02040503050406030204" pitchFamily="18" charset="0"/>
+                          </a:rPr>
+                          <m:t>∖</m:t>
+                        </m:r>
+                        <m:r>
+                          <a:rPr lang="en-US" altLang="ja-JP" sz="2800" b="0" i="1" dirty="0" smtClean="0">
+                            <a:latin typeface="Cambria Math" panose="02040503050406030204" pitchFamily="18" charset="0"/>
+                            <a:ea typeface="Cambria Math" panose="02040503050406030204" pitchFamily="18" charset="0"/>
+                          </a:rPr>
+                          <m:t>{</m:t>
+                        </m:r>
+                        <m:r>
+                          <a:rPr lang="en-US" altLang="ja-JP" sz="2800" b="0" i="1" dirty="0" smtClean="0">
+                            <a:latin typeface="Cambria Math" panose="02040503050406030204" pitchFamily="18" charset="0"/>
+                            <a:ea typeface="Cambria Math" panose="02040503050406030204" pitchFamily="18" charset="0"/>
+                          </a:rPr>
+                          <m:t>𝑗</m:t>
+                        </m:r>
+                        <m:r>
+                          <a:rPr lang="en-US" altLang="ja-JP" sz="2800" b="0" i="1" dirty="0" smtClean="0">
+                            <a:latin typeface="Cambria Math" panose="02040503050406030204" pitchFamily="18" charset="0"/>
+                            <a:ea typeface="Cambria Math" panose="02040503050406030204" pitchFamily="18" charset="0"/>
+                          </a:rPr>
+                          <m:t>}</m:t>
+                        </m:r>
+                      </m:e>
+                    </m:d>
+                  </m:oMath>
+                </a14:m>
+                <a:r>
+                  <a:rPr kumimoji="1" lang="en-US" altLang="ja-JP" sz="2800" dirty="0"/>
+                  <a:t>=</a:t>
+                </a:r>
+                <a:r>
+                  <a:rPr lang="en-US" altLang="ja-JP" sz="2800" dirty="0"/>
+                  <a:t> </a:t>
+                </a:r>
+                <a14:m>
+                  <m:oMath xmlns:m="http://schemas.openxmlformats.org/officeDocument/2006/math">
+                    <m:r>
+                      <a:rPr lang="en-US" altLang="ja-JP" sz="2800" i="1" dirty="0">
+                        <a:latin typeface="Cambria Math" panose="02040503050406030204" pitchFamily="18" charset="0"/>
+                      </a:rPr>
+                      <m:t>𝑉</m:t>
+                    </m:r>
+                    <m:d>
+                      <m:dPr>
+                        <m:ctrlPr>
+                          <a:rPr lang="en-US" altLang="ja-JP" sz="2800" i="1" dirty="0">
+                            <a:latin typeface="Cambria Math" panose="02040503050406030204" pitchFamily="18" charset="0"/>
+                          </a:rPr>
+                        </m:ctrlPr>
+                      </m:dPr>
+                      <m:e>
+                        <m:r>
+                          <a:rPr lang="en-US" altLang="ja-JP" sz="2800" b="1" i="1" dirty="0">
+                            <a:latin typeface="Cambria Math" panose="02040503050406030204" pitchFamily="18" charset="0"/>
+                          </a:rPr>
+                          <m:t>𝑱</m:t>
+                        </m:r>
+                      </m:e>
+                    </m:d>
+                  </m:oMath>
+                </a14:m>
+                <a:endParaRPr kumimoji="1" lang="ja-JP" altLang="en-US" sz="2800"/>
+              </a:p>
+            </p:txBody>
+          </p:sp>
+        </mc:Choice>
+        <mc:Fallback>
+          <p:sp>
+            <p:nvSpPr>
+              <p:cNvPr id="14" name="テキスト ボックス 13">
+                <a:extLst>
+                  <a:ext uri="{FF2B5EF4-FFF2-40B4-BE49-F238E27FC236}">
+                    <a16:creationId xmlns:a16="http://schemas.microsoft.com/office/drawing/2014/main" id="{B60980E0-DB40-974D-9784-864CFE9E177E}"/>
+                  </a:ext>
+                </a:extLst>
+              </p:cNvPr>
+              <p:cNvSpPr txBox="1">
+                <a:spLocks noRot="1" noChangeAspect="1" noMove="1" noResize="1" noEditPoints="1" noAdjustHandles="1" noChangeArrowheads="1" noChangeShapeType="1" noTextEdit="1"/>
+              </p:cNvSpPr>
+              <p:nvPr/>
+            </p:nvSpPr>
+            <p:spPr>
+              <a:xfrm>
+                <a:off x="5849464" y="1786005"/>
+                <a:ext cx="2788264" cy="523220"/>
+              </a:xfrm>
+              <a:prstGeom prst="rect">
+                <a:avLst/>
+              </a:prstGeom>
+              <a:blipFill>
+                <a:blip r:embed="rId3"/>
+                <a:stretch>
+                  <a:fillRect l="-1364" t="-11905" b="-30952"/>
+                </a:stretch>
+              </a:blipFill>
+            </p:spPr>
+            <p:txBody>
+              <a:bodyPr/>
+              <a:lstStyle/>
+              <a:p>
+                <a:r>
+                  <a:rPr lang="ja-JP" altLang="en-US">
+                    <a:noFill/>
+                  </a:rPr>
+                  <a:t> </a:t>
+                </a:r>
+              </a:p>
+            </p:txBody>
+          </p:sp>
+        </mc:Fallback>
+      </mc:AlternateContent>
+      <mc:AlternateContent xmlns:mc="http://schemas.openxmlformats.org/markup-compatibility/2006">
+        <mc:Choice xmlns:a14="http://schemas.microsoft.com/office/drawing/2010/main" Requires="a14">
+          <p:sp>
+            <p:nvSpPr>
+              <p:cNvPr id="15" name="テキスト ボックス 14">
+                <a:extLst>
+                  <a:ext uri="{FF2B5EF4-FFF2-40B4-BE49-F238E27FC236}">
+                    <a16:creationId xmlns:a16="http://schemas.microsoft.com/office/drawing/2014/main" id="{DE09E170-4010-DF4D-8285-62160D978371}"/>
+                  </a:ext>
+                </a:extLst>
+              </p:cNvPr>
+              <p:cNvSpPr txBox="1"/>
+              <p:nvPr/>
+            </p:nvSpPr>
+            <p:spPr>
+              <a:xfrm>
+                <a:off x="5629253" y="5118811"/>
+                <a:ext cx="1043747" cy="523220"/>
+              </a:xfrm>
+              <a:prstGeom prst="rect">
+                <a:avLst/>
+              </a:prstGeom>
+              <a:noFill/>
+            </p:spPr>
+            <p:txBody>
+              <a:bodyPr wrap="none" rtlCol="0">
+                <a:spAutoFit/>
+              </a:bodyPr>
+              <a:lstStyle/>
+              <a:p>
+                <a:pPr/>
+                <a14:m>
+                  <m:oMathPara xmlns:m="http://schemas.openxmlformats.org/officeDocument/2006/math">
+                    <m:oMathParaPr>
+                      <m:jc m:val="centerGroup"/>
+                    </m:oMathParaPr>
+                    <m:oMath xmlns:m="http://schemas.openxmlformats.org/officeDocument/2006/math">
+                      <m:r>
+                        <a:rPr lang="en-US" altLang="ja-JP" sz="2800" i="1" dirty="0" smtClean="0">
+                          <a:latin typeface="Cambria Math" panose="02040503050406030204" pitchFamily="18" charset="0"/>
+                        </a:rPr>
+                        <m:t>𝑉</m:t>
+                      </m:r>
+                      <m:r>
+                        <a:rPr lang="en-US" altLang="ja-JP" sz="2800" b="0" i="1" dirty="0" smtClean="0">
+                          <a:latin typeface="Cambria Math" panose="02040503050406030204" pitchFamily="18" charset="0"/>
+                        </a:rPr>
+                        <m:t>′</m:t>
+                      </m:r>
+                      <m:d>
+                        <m:dPr>
+                          <m:ctrlPr>
+                            <a:rPr lang="en-US" altLang="ja-JP" sz="2800" b="0" i="1" dirty="0" smtClean="0">
+                              <a:latin typeface="Cambria Math" panose="02040503050406030204" pitchFamily="18" charset="0"/>
+                            </a:rPr>
+                          </m:ctrlPr>
+                        </m:dPr>
+                        <m:e>
+                          <m:r>
+                            <a:rPr lang="en-US" altLang="ja-JP" sz="2800" b="1" i="1" dirty="0" smtClean="0">
+                              <a:latin typeface="Cambria Math" panose="02040503050406030204" pitchFamily="18" charset="0"/>
+                            </a:rPr>
+                            <m:t>𝑱</m:t>
+                          </m:r>
+                        </m:e>
+                      </m:d>
+                    </m:oMath>
+                  </m:oMathPara>
+                </a14:m>
+                <a:endParaRPr kumimoji="1" lang="ja-JP" altLang="en-US" sz="2800"/>
+              </a:p>
+            </p:txBody>
+          </p:sp>
+        </mc:Choice>
+        <mc:Fallback>
+          <p:sp>
+            <p:nvSpPr>
+              <p:cNvPr id="15" name="テキスト ボックス 14">
+                <a:extLst>
+                  <a:ext uri="{FF2B5EF4-FFF2-40B4-BE49-F238E27FC236}">
+                    <a16:creationId xmlns:a16="http://schemas.microsoft.com/office/drawing/2014/main" id="{DE09E170-4010-DF4D-8285-62160D978371}"/>
+                  </a:ext>
+                </a:extLst>
+              </p:cNvPr>
+              <p:cNvSpPr txBox="1">
+                <a:spLocks noRot="1" noChangeAspect="1" noMove="1" noResize="1" noEditPoints="1" noAdjustHandles="1" noChangeArrowheads="1" noChangeShapeType="1" noTextEdit="1"/>
+              </p:cNvSpPr>
+              <p:nvPr/>
+            </p:nvSpPr>
+            <p:spPr>
+              <a:xfrm>
+                <a:off x="5629253" y="5118811"/>
+                <a:ext cx="1043747" cy="523220"/>
+              </a:xfrm>
+              <a:prstGeom prst="rect">
+                <a:avLst/>
+              </a:prstGeom>
+              <a:blipFill>
+                <a:blip r:embed="rId4"/>
+                <a:stretch>
+                  <a:fillRect b="-11905"/>
+                </a:stretch>
+              </a:blipFill>
+            </p:spPr>
+            <p:txBody>
+              <a:bodyPr/>
+              <a:lstStyle/>
+              <a:p>
+                <a:r>
+                  <a:rPr lang="ja-JP" altLang="en-US">
+                    <a:noFill/>
+                  </a:rPr>
+                  <a:t> </a:t>
+                </a:r>
+              </a:p>
+            </p:txBody>
+          </p:sp>
+        </mc:Fallback>
+      </mc:AlternateContent>
+      <mc:AlternateContent xmlns:mc="http://schemas.openxmlformats.org/markup-compatibility/2006">
+        <mc:Choice xmlns:a14="http://schemas.microsoft.com/office/drawing/2010/main" Requires="a14">
+          <p:sp>
+            <p:nvSpPr>
+              <p:cNvPr id="16" name="テキスト ボックス 15">
+                <a:extLst>
+                  <a:ext uri="{FF2B5EF4-FFF2-40B4-BE49-F238E27FC236}">
+                    <a16:creationId xmlns:a16="http://schemas.microsoft.com/office/drawing/2014/main" id="{DB3884C4-0261-574B-955C-FE0F6B4CB198}"/>
+                  </a:ext>
+                </a:extLst>
+              </p:cNvPr>
+              <p:cNvSpPr txBox="1"/>
+              <p:nvPr/>
+            </p:nvSpPr>
+            <p:spPr>
+              <a:xfrm>
+                <a:off x="2390584" y="4394154"/>
+                <a:ext cx="780791" cy="557910"/>
+              </a:xfrm>
+              <a:prstGeom prst="rect">
+                <a:avLst/>
+              </a:prstGeom>
+              <a:noFill/>
+            </p:spPr>
+            <p:txBody>
+              <a:bodyPr wrap="none" rtlCol="0">
+                <a:spAutoFit/>
+              </a:bodyPr>
+              <a:lstStyle/>
+              <a:p>
+                <a:pPr/>
+                <a14:m>
+                  <m:oMathPara xmlns:m="http://schemas.openxmlformats.org/officeDocument/2006/math">
+                    <m:oMathParaPr>
+                      <m:jc m:val="centerGroup"/>
+                    </m:oMathParaPr>
+                    <m:oMath xmlns:m="http://schemas.openxmlformats.org/officeDocument/2006/math">
+                      <m:sSub>
+                        <m:sSubPr>
+                          <m:ctrlPr>
+                            <a:rPr lang="en-US" altLang="ja-JP" sz="2800" b="0" i="1" dirty="0" smtClean="0">
+                              <a:latin typeface="Cambria Math" panose="02040503050406030204" pitchFamily="18" charset="0"/>
+                            </a:rPr>
+                          </m:ctrlPr>
+                        </m:sSubPr>
+                        <m:e>
+                          <m:r>
+                            <a:rPr lang="en-US" altLang="ja-JP" sz="2800" i="1" dirty="0" smtClean="0">
+                              <a:latin typeface="Cambria Math" panose="02040503050406030204" pitchFamily="18" charset="0"/>
+                            </a:rPr>
+                            <m:t>𝑓</m:t>
+                          </m:r>
+                        </m:e>
+                        <m:sub>
+                          <m:r>
+                            <a:rPr lang="en-US" altLang="ja-JP" sz="2800" b="0" i="1" dirty="0" smtClean="0">
+                              <a:latin typeface="Cambria Math" panose="02040503050406030204" pitchFamily="18" charset="0"/>
+                            </a:rPr>
+                            <m:t>𝑗</m:t>
+                          </m:r>
+                          <m:r>
+                            <a:rPr lang="en-US" altLang="ja-JP" sz="2800" b="0" i="1" dirty="0" smtClean="0">
+                              <a:latin typeface="Cambria Math" panose="02040503050406030204" pitchFamily="18" charset="0"/>
+                            </a:rPr>
+                            <m:t>,</m:t>
+                          </m:r>
+                          <m:r>
+                            <a:rPr lang="en-US" altLang="ja-JP" sz="2800" b="0" i="1" dirty="0" smtClean="0">
+                              <a:latin typeface="Cambria Math" panose="02040503050406030204" pitchFamily="18" charset="0"/>
+                            </a:rPr>
+                            <m:t>𝑛</m:t>
+                          </m:r>
+                        </m:sub>
+                      </m:sSub>
+                    </m:oMath>
+                  </m:oMathPara>
+                </a14:m>
+                <a:endParaRPr kumimoji="1" lang="ja-JP" altLang="en-US" sz="2800"/>
+              </a:p>
+            </p:txBody>
+          </p:sp>
+        </mc:Choice>
+        <mc:Fallback>
+          <p:sp>
+            <p:nvSpPr>
+              <p:cNvPr id="16" name="テキスト ボックス 15">
+                <a:extLst>
+                  <a:ext uri="{FF2B5EF4-FFF2-40B4-BE49-F238E27FC236}">
+                    <a16:creationId xmlns:a16="http://schemas.microsoft.com/office/drawing/2014/main" id="{DB3884C4-0261-574B-955C-FE0F6B4CB198}"/>
+                  </a:ext>
+                </a:extLst>
+              </p:cNvPr>
+              <p:cNvSpPr txBox="1">
+                <a:spLocks noRot="1" noChangeAspect="1" noMove="1" noResize="1" noEditPoints="1" noAdjustHandles="1" noChangeArrowheads="1" noChangeShapeType="1" noTextEdit="1"/>
+              </p:cNvSpPr>
+              <p:nvPr/>
+            </p:nvSpPr>
+            <p:spPr>
+              <a:xfrm>
+                <a:off x="2390584" y="4394154"/>
+                <a:ext cx="780791" cy="557910"/>
+              </a:xfrm>
+              <a:prstGeom prst="rect">
+                <a:avLst/>
+              </a:prstGeom>
+              <a:blipFill>
+                <a:blip r:embed="rId5"/>
+                <a:stretch>
+                  <a:fillRect l="-1587" b="-13333"/>
+                </a:stretch>
+              </a:blipFill>
+            </p:spPr>
+            <p:txBody>
+              <a:bodyPr/>
+              <a:lstStyle/>
+              <a:p>
+                <a:r>
+                  <a:rPr lang="ja-JP" altLang="en-US">
+                    <a:noFill/>
+                  </a:rPr>
+                  <a:t> </a:t>
+                </a:r>
+              </a:p>
+            </p:txBody>
+          </p:sp>
+        </mc:Fallback>
+      </mc:AlternateContent>
+      <mc:AlternateContent xmlns:mc="http://schemas.openxmlformats.org/markup-compatibility/2006">
+        <mc:Choice xmlns:a14="http://schemas.microsoft.com/office/drawing/2010/main" Requires="a14">
+          <p:sp>
+            <p:nvSpPr>
+              <p:cNvPr id="17" name="テキスト ボックス 16">
+                <a:extLst>
+                  <a:ext uri="{FF2B5EF4-FFF2-40B4-BE49-F238E27FC236}">
+                    <a16:creationId xmlns:a16="http://schemas.microsoft.com/office/drawing/2014/main" id="{366C2510-76CD-2849-97A5-EE439CE92496}"/>
+                  </a:ext>
+                </a:extLst>
+              </p:cNvPr>
+              <p:cNvSpPr txBox="1"/>
+              <p:nvPr/>
+            </p:nvSpPr>
+            <p:spPr>
+              <a:xfrm>
+                <a:off x="7860794" y="4394154"/>
+                <a:ext cx="2067104" cy="557910"/>
+              </a:xfrm>
+              <a:prstGeom prst="rect">
+                <a:avLst/>
+              </a:prstGeom>
+              <a:noFill/>
+            </p:spPr>
+            <p:txBody>
+              <a:bodyPr wrap="none" rtlCol="0">
+                <a:spAutoFit/>
+              </a:bodyPr>
+              <a:lstStyle/>
+              <a:p>
+                <a:pPr/>
+                <a14:m>
+                  <m:oMathPara xmlns:m="http://schemas.openxmlformats.org/officeDocument/2006/math">
+                    <m:oMathParaPr>
+                      <m:jc m:val="centerGroup"/>
+                    </m:oMathParaPr>
+                    <m:oMath xmlns:m="http://schemas.openxmlformats.org/officeDocument/2006/math">
+                      <m:sSub>
+                        <m:sSubPr>
+                          <m:ctrlPr>
+                            <a:rPr lang="en-US" altLang="ja-JP" sz="2800" b="0" i="1" dirty="0" smtClean="0">
+                              <a:latin typeface="Cambria Math" panose="02040503050406030204" pitchFamily="18" charset="0"/>
+                            </a:rPr>
+                          </m:ctrlPr>
+                        </m:sSubPr>
+                        <m:e>
+                          <m:r>
+                            <a:rPr lang="en-US" altLang="ja-JP" sz="2800" i="1" dirty="0">
+                              <a:latin typeface="Cambria Math" panose="02040503050406030204" pitchFamily="18" charset="0"/>
+                            </a:rPr>
+                            <m:t>𝑉</m:t>
+                          </m:r>
+                          <m:r>
+                            <a:rPr lang="en-US" altLang="ja-JP" sz="2800" b="0" i="1" dirty="0" smtClean="0">
+                              <a:latin typeface="Cambria Math" panose="02040503050406030204" pitchFamily="18" charset="0"/>
+                            </a:rPr>
+                            <m:t>′</m:t>
+                          </m:r>
+                          <m:d>
+                            <m:dPr>
+                              <m:ctrlPr>
+                                <a:rPr lang="en-US" altLang="ja-JP" sz="2800" i="1" dirty="0">
+                                  <a:latin typeface="Cambria Math" panose="02040503050406030204" pitchFamily="18" charset="0"/>
+                                </a:rPr>
+                              </m:ctrlPr>
+                            </m:dPr>
+                            <m:e>
+                              <m:r>
+                                <a:rPr lang="en-US" altLang="ja-JP" sz="2800" b="1" i="1" dirty="0">
+                                  <a:latin typeface="Cambria Math" panose="02040503050406030204" pitchFamily="18" charset="0"/>
+                                </a:rPr>
+                                <m:t>𝑱</m:t>
+                              </m:r>
+                            </m:e>
+                          </m:d>
+                          <m:r>
+                            <m:rPr>
+                              <m:nor/>
+                            </m:rPr>
+                            <a:rPr lang="ja-JP" altLang="en-US" sz="2800"/>
+                            <m:t> </m:t>
+                          </m:r>
+                          <m:r>
+                            <a:rPr lang="en-US" altLang="ja-JP" sz="2800" b="0" i="1" smtClean="0">
+                              <a:latin typeface="Cambria Math" panose="02040503050406030204" pitchFamily="18" charset="0"/>
+                            </a:rPr>
+                            <m:t>−</m:t>
+                          </m:r>
+                          <m:r>
+                            <a:rPr lang="en-US" altLang="ja-JP" sz="2800" i="1" dirty="0" smtClean="0">
+                              <a:latin typeface="Cambria Math" panose="02040503050406030204" pitchFamily="18" charset="0"/>
+                            </a:rPr>
+                            <m:t>𝑓</m:t>
+                          </m:r>
+                        </m:e>
+                        <m:sub>
+                          <m:r>
+                            <a:rPr lang="en-US" altLang="ja-JP" sz="2800" b="0" i="1" dirty="0" smtClean="0">
+                              <a:latin typeface="Cambria Math" panose="02040503050406030204" pitchFamily="18" charset="0"/>
+                            </a:rPr>
+                            <m:t>𝑗</m:t>
+                          </m:r>
+                          <m:r>
+                            <a:rPr lang="en-US" altLang="ja-JP" sz="2800" b="0" i="1" dirty="0" smtClean="0">
+                              <a:latin typeface="Cambria Math" panose="02040503050406030204" pitchFamily="18" charset="0"/>
+                            </a:rPr>
+                            <m:t>,</m:t>
+                          </m:r>
+                          <m:r>
+                            <a:rPr lang="en-US" altLang="ja-JP" sz="2800" b="0" i="1" dirty="0" smtClean="0">
+                              <a:latin typeface="Cambria Math" panose="02040503050406030204" pitchFamily="18" charset="0"/>
+                            </a:rPr>
+                            <m:t>𝑛</m:t>
+                          </m:r>
+                        </m:sub>
+                      </m:sSub>
+                    </m:oMath>
+                  </m:oMathPara>
+                </a14:m>
+                <a:endParaRPr kumimoji="1" lang="ja-JP" altLang="en-US" sz="2800"/>
+              </a:p>
+            </p:txBody>
+          </p:sp>
+        </mc:Choice>
+        <mc:Fallback>
+          <p:sp>
+            <p:nvSpPr>
+              <p:cNvPr id="17" name="テキスト ボックス 16">
+                <a:extLst>
+                  <a:ext uri="{FF2B5EF4-FFF2-40B4-BE49-F238E27FC236}">
+                    <a16:creationId xmlns:a16="http://schemas.microsoft.com/office/drawing/2014/main" id="{366C2510-76CD-2849-97A5-EE439CE92496}"/>
+                  </a:ext>
+                </a:extLst>
+              </p:cNvPr>
+              <p:cNvSpPr txBox="1">
+                <a:spLocks noRot="1" noChangeAspect="1" noMove="1" noResize="1" noEditPoints="1" noAdjustHandles="1" noChangeArrowheads="1" noChangeShapeType="1" noTextEdit="1"/>
+              </p:cNvSpPr>
+              <p:nvPr/>
+            </p:nvSpPr>
+            <p:spPr>
+              <a:xfrm>
+                <a:off x="7860794" y="4394154"/>
+                <a:ext cx="2067104" cy="557910"/>
+              </a:xfrm>
+              <a:prstGeom prst="rect">
+                <a:avLst/>
+              </a:prstGeom>
+              <a:blipFill>
+                <a:blip r:embed="rId6"/>
+                <a:stretch>
+                  <a:fillRect b="-15556"/>
+                </a:stretch>
+              </a:blipFill>
+            </p:spPr>
+            <p:txBody>
+              <a:bodyPr/>
+              <a:lstStyle/>
+              <a:p>
+                <a:r>
+                  <a:rPr lang="ja-JP" altLang="en-US">
+                    <a:noFill/>
+                  </a:rPr>
+                  <a:t> </a:t>
+                </a:r>
+              </a:p>
+            </p:txBody>
+          </p:sp>
+        </mc:Fallback>
+      </mc:AlternateContent>
+      <p:cxnSp>
+        <p:nvCxnSpPr>
+          <p:cNvPr id="19" name="直線コネクタ 18">
+            <a:extLst>
+              <a:ext uri="{FF2B5EF4-FFF2-40B4-BE49-F238E27FC236}">
+                <a16:creationId xmlns:a16="http://schemas.microsoft.com/office/drawing/2014/main" id="{819CAC9F-DA84-D24E-B88D-897E16099C16}"/>
+              </a:ext>
+            </a:extLst>
+          </p:cNvPr>
+          <p:cNvCxnSpPr>
+            <a:cxnSpLocks/>
+          </p:cNvCxnSpPr>
+          <p:nvPr/>
+        </p:nvCxnSpPr>
+        <p:spPr>
+          <a:xfrm>
+            <a:off x="2600702" y="2305174"/>
+            <a:ext cx="0" cy="642082"/>
+          </a:xfrm>
+          <a:prstGeom prst="line">
+            <a:avLst/>
+          </a:prstGeom>
+          <a:ln w="38100">
+            <a:solidFill>
+              <a:schemeClr val="tx1"/>
+            </a:solidFill>
+            <a:prstDash val="sysDot"/>
+          </a:ln>
+        </p:spPr>
+        <p:style>
+          <a:lnRef idx="1">
+            <a:schemeClr val="accent1"/>
+          </a:lnRef>
+          <a:fillRef idx="0">
+            <a:schemeClr val="accent1"/>
+          </a:fillRef>
+          <a:effectRef idx="0">
+            <a:schemeClr val="accent1"/>
+          </a:effectRef>
+          <a:fontRef idx="minor">
+            <a:schemeClr val="tx1"/>
+          </a:fontRef>
+        </p:style>
+      </p:cxnSp>
+      <p:cxnSp>
+        <p:nvCxnSpPr>
+          <p:cNvPr id="22" name="直線コネクタ 21">
+            <a:extLst>
+              <a:ext uri="{FF2B5EF4-FFF2-40B4-BE49-F238E27FC236}">
+                <a16:creationId xmlns:a16="http://schemas.microsoft.com/office/drawing/2014/main" id="{003B9062-1255-A942-B2D6-E85379B883D3}"/>
+              </a:ext>
+            </a:extLst>
+          </p:cNvPr>
+          <p:cNvCxnSpPr>
+            <a:cxnSpLocks/>
+          </p:cNvCxnSpPr>
+          <p:nvPr/>
+        </p:nvCxnSpPr>
+        <p:spPr>
+          <a:xfrm>
+            <a:off x="5122193" y="2947256"/>
+            <a:ext cx="0" cy="2168661"/>
+          </a:xfrm>
+          <a:prstGeom prst="line">
+            <a:avLst/>
+          </a:prstGeom>
+          <a:ln w="38100">
+            <a:solidFill>
+              <a:schemeClr val="tx1"/>
+            </a:solidFill>
+            <a:prstDash val="sysDot"/>
+          </a:ln>
+        </p:spPr>
+        <p:style>
+          <a:lnRef idx="1">
+            <a:schemeClr val="accent1"/>
+          </a:lnRef>
+          <a:fillRef idx="0">
+            <a:schemeClr val="accent1"/>
+          </a:fillRef>
+          <a:effectRef idx="0">
+            <a:schemeClr val="accent1"/>
+          </a:effectRef>
+          <a:fontRef idx="minor">
+            <a:schemeClr val="tx1"/>
+          </a:fontRef>
+        </p:style>
+      </p:cxnSp>
+      <mc:AlternateContent xmlns:mc="http://schemas.openxmlformats.org/markup-compatibility/2006">
+        <mc:Choice xmlns:a14="http://schemas.microsoft.com/office/drawing/2010/main" Requires="a14">
+          <p:sp>
+            <p:nvSpPr>
+              <p:cNvPr id="23" name="テキスト ボックス 22">
+                <a:extLst>
+                  <a:ext uri="{FF2B5EF4-FFF2-40B4-BE49-F238E27FC236}">
+                    <a16:creationId xmlns:a16="http://schemas.microsoft.com/office/drawing/2014/main" id="{02D0105D-9F90-EF41-AAD7-97ABDB942654}"/>
+                  </a:ext>
+                </a:extLst>
+              </p:cNvPr>
+              <p:cNvSpPr txBox="1"/>
+              <p:nvPr/>
+            </p:nvSpPr>
+            <p:spPr>
+              <a:xfrm>
+                <a:off x="3397479" y="2878782"/>
+                <a:ext cx="994439" cy="557910"/>
+              </a:xfrm>
+              <a:prstGeom prst="rect">
+                <a:avLst/>
+              </a:prstGeom>
+              <a:noFill/>
+            </p:spPr>
+            <p:txBody>
+              <a:bodyPr wrap="none" rtlCol="0">
+                <a:spAutoFit/>
+              </a:bodyPr>
+              <a:lstStyle/>
+              <a:p>
+                <a:pPr/>
+                <a14:m>
+                  <m:oMathPara xmlns:m="http://schemas.openxmlformats.org/officeDocument/2006/math">
+                    <m:oMathParaPr>
+                      <m:jc m:val="centerGroup"/>
+                    </m:oMathParaPr>
+                    <m:oMath xmlns:m="http://schemas.openxmlformats.org/officeDocument/2006/math">
+                      <m:sSub>
+                        <m:sSubPr>
+                          <m:ctrlPr>
+                            <a:rPr lang="en-US" altLang="ja-JP" sz="2800" b="0" i="1" dirty="0" smtClean="0">
+                              <a:solidFill>
+                                <a:schemeClr val="accent2"/>
+                              </a:solidFill>
+                              <a:latin typeface="Cambria Math" panose="02040503050406030204" pitchFamily="18" charset="0"/>
+                            </a:rPr>
+                          </m:ctrlPr>
+                        </m:sSubPr>
+                        <m:e>
+                          <m:r>
+                            <a:rPr lang="en-US" altLang="ja-JP" sz="2800" b="0" i="1" dirty="0" smtClean="0">
+                              <a:solidFill>
+                                <a:schemeClr val="accent2"/>
+                              </a:solidFill>
+                              <a:latin typeface="Cambria Math" panose="02040503050406030204" pitchFamily="18" charset="0"/>
+                            </a:rPr>
+                            <m:t>𝑝𝑎𝑦</m:t>
+                          </m:r>
+                        </m:e>
+                        <m:sub>
+                          <m:r>
+                            <a:rPr lang="en-US" altLang="ja-JP" sz="2800" b="0" i="1" dirty="0" smtClean="0">
+                              <a:solidFill>
+                                <a:schemeClr val="accent2"/>
+                              </a:solidFill>
+                              <a:latin typeface="Cambria Math" panose="02040503050406030204" pitchFamily="18" charset="0"/>
+                            </a:rPr>
+                            <m:t>𝑗</m:t>
+                          </m:r>
+                        </m:sub>
+                      </m:sSub>
+                    </m:oMath>
+                  </m:oMathPara>
+                </a14:m>
+                <a:endParaRPr kumimoji="1" lang="ja-JP" altLang="en-US" sz="2800">
+                  <a:solidFill>
+                    <a:schemeClr val="accent2"/>
+                  </a:solidFill>
+                </a:endParaRPr>
+              </a:p>
+            </p:txBody>
+          </p:sp>
+        </mc:Choice>
+        <mc:Fallback>
+          <p:sp>
+            <p:nvSpPr>
+              <p:cNvPr id="23" name="テキスト ボックス 22">
+                <a:extLst>
+                  <a:ext uri="{FF2B5EF4-FFF2-40B4-BE49-F238E27FC236}">
+                    <a16:creationId xmlns:a16="http://schemas.microsoft.com/office/drawing/2014/main" id="{02D0105D-9F90-EF41-AAD7-97ABDB942654}"/>
+                  </a:ext>
+                </a:extLst>
+              </p:cNvPr>
+              <p:cNvSpPr txBox="1">
+                <a:spLocks noRot="1" noChangeAspect="1" noMove="1" noResize="1" noEditPoints="1" noAdjustHandles="1" noChangeArrowheads="1" noChangeShapeType="1" noTextEdit="1"/>
+              </p:cNvSpPr>
+              <p:nvPr/>
+            </p:nvSpPr>
+            <p:spPr>
+              <a:xfrm>
+                <a:off x="3397479" y="2878782"/>
                 <a:ext cx="994439" cy="557910"/>
               </a:xfrm>
               <a:prstGeom prst="rect">
@@ -7144,7 +8681,7 @@
         </p:nvCxnSpPr>
         <p:spPr>
           <a:xfrm>
-            <a:off x="2600702" y="3052186"/>
+            <a:off x="2600702" y="2947256"/>
             <a:ext cx="2505688" cy="0"/>
           </a:xfrm>
           <a:prstGeom prst="straightConnector1">
@@ -7394,8 +8931,8 @@
         </p:nvCxnSpPr>
         <p:spPr>
           <a:xfrm>
-            <a:off x="3407381" y="3052186"/>
-            <a:ext cx="0" cy="1219955"/>
+            <a:off x="3407381" y="2947256"/>
+            <a:ext cx="0" cy="1384845"/>
           </a:xfrm>
           <a:prstGeom prst="line">
             <a:avLst/>
@@ -7422,6 +8959,180 @@
           </a:fontRef>
         </p:style>
       </p:cxnSp>
+      <p:cxnSp>
+        <p:nvCxnSpPr>
+          <p:cNvPr id="21" name="直線矢印コネクタ 20">
+            <a:extLst>
+              <a:ext uri="{FF2B5EF4-FFF2-40B4-BE49-F238E27FC236}">
+                <a16:creationId xmlns:a16="http://schemas.microsoft.com/office/drawing/2014/main" id="{8CF5A00E-4947-6445-93A3-AD47D3B61E31}"/>
+              </a:ext>
+            </a:extLst>
+          </p:cNvPr>
+          <p:cNvCxnSpPr>
+            <a:cxnSpLocks/>
+          </p:cNvCxnSpPr>
+          <p:nvPr/>
+        </p:nvCxnSpPr>
+        <p:spPr>
+          <a:xfrm>
+            <a:off x="2600702" y="2305174"/>
+            <a:ext cx="8781791" cy="0"/>
+          </a:xfrm>
+          <a:prstGeom prst="straightConnector1">
+            <a:avLst/>
+          </a:prstGeom>
+          <a:ln w="38100">
+            <a:solidFill>
+              <a:schemeClr val="accent1"/>
+            </a:solidFill>
+            <a:headEnd type="triangle"/>
+            <a:tailEnd type="triangle"/>
+          </a:ln>
+        </p:spPr>
+        <p:style>
+          <a:lnRef idx="1">
+            <a:schemeClr val="accent1"/>
+          </a:lnRef>
+          <a:fillRef idx="0">
+            <a:schemeClr val="accent1"/>
+          </a:fillRef>
+          <a:effectRef idx="0">
+            <a:schemeClr val="accent1"/>
+          </a:effectRef>
+          <a:fontRef idx="minor">
+            <a:schemeClr val="tx1"/>
+          </a:fontRef>
+        </p:style>
+      </p:cxnSp>
+      <p:cxnSp>
+        <p:nvCxnSpPr>
+          <p:cNvPr id="27" name="直線矢印コネクタ 26">
+            <a:extLst>
+              <a:ext uri="{FF2B5EF4-FFF2-40B4-BE49-F238E27FC236}">
+                <a16:creationId xmlns:a16="http://schemas.microsoft.com/office/drawing/2014/main" id="{CD16B97A-C7A2-BB4C-847D-63BC6B6C5545}"/>
+              </a:ext>
+            </a:extLst>
+          </p:cNvPr>
+          <p:cNvCxnSpPr>
+            <a:cxnSpLocks/>
+          </p:cNvCxnSpPr>
+          <p:nvPr/>
+        </p:nvCxnSpPr>
+        <p:spPr>
+          <a:xfrm>
+            <a:off x="838200" y="5115917"/>
+            <a:ext cx="10544293" cy="0"/>
+          </a:xfrm>
+          <a:prstGeom prst="straightConnector1">
+            <a:avLst/>
+          </a:prstGeom>
+          <a:ln w="38100">
+            <a:solidFill>
+              <a:schemeClr val="accent1">
+                <a:lumMod val="60000"/>
+                <a:lumOff val="40000"/>
+              </a:schemeClr>
+            </a:solidFill>
+            <a:headEnd type="triangle"/>
+            <a:tailEnd type="triangle"/>
+          </a:ln>
+        </p:spPr>
+        <p:style>
+          <a:lnRef idx="1">
+            <a:schemeClr val="accent1"/>
+          </a:lnRef>
+          <a:fillRef idx="0">
+            <a:schemeClr val="accent1"/>
+          </a:fillRef>
+          <a:effectRef idx="0">
+            <a:schemeClr val="accent1"/>
+          </a:effectRef>
+          <a:fontRef idx="minor">
+            <a:schemeClr val="tx1"/>
+          </a:fontRef>
+        </p:style>
+      </p:cxnSp>
+      <p:cxnSp>
+        <p:nvCxnSpPr>
+          <p:cNvPr id="30" name="直線矢印コネクタ 29">
+            <a:extLst>
+              <a:ext uri="{FF2B5EF4-FFF2-40B4-BE49-F238E27FC236}">
+                <a16:creationId xmlns:a16="http://schemas.microsoft.com/office/drawing/2014/main" id="{60E80F59-3DBB-914A-B157-2FBFD5EBB723}"/>
+              </a:ext>
+            </a:extLst>
+          </p:cNvPr>
+          <p:cNvCxnSpPr>
+            <a:cxnSpLocks/>
+          </p:cNvCxnSpPr>
+          <p:nvPr/>
+        </p:nvCxnSpPr>
+        <p:spPr>
+          <a:xfrm>
+            <a:off x="838200" y="5818627"/>
+            <a:ext cx="10544293" cy="0"/>
+          </a:xfrm>
+          <a:prstGeom prst="straightConnector1">
+            <a:avLst/>
+          </a:prstGeom>
+          <a:ln w="38100">
+            <a:solidFill>
+              <a:schemeClr val="tx1"/>
+            </a:solidFill>
+            <a:headEnd type="none"/>
+            <a:tailEnd type="triangle"/>
+          </a:ln>
+        </p:spPr>
+        <p:style>
+          <a:lnRef idx="1">
+            <a:schemeClr val="accent1"/>
+          </a:lnRef>
+          <a:fillRef idx="0">
+            <a:schemeClr val="accent1"/>
+          </a:fillRef>
+          <a:effectRef idx="0">
+            <a:schemeClr val="accent1"/>
+          </a:effectRef>
+          <a:fontRef idx="minor">
+            <a:schemeClr val="tx1"/>
+          </a:fontRef>
+        </p:style>
+      </p:cxnSp>
+      <p:sp>
+        <p:nvSpPr>
+          <p:cNvPr id="31" name="テキスト ボックス 30">
+            <a:extLst>
+              <a:ext uri="{FF2B5EF4-FFF2-40B4-BE49-F238E27FC236}">
+                <a16:creationId xmlns:a16="http://schemas.microsoft.com/office/drawing/2014/main" id="{02FE4E11-1139-CA43-8CE1-4786B580A3FD}"/>
+              </a:ext>
+            </a:extLst>
+          </p:cNvPr>
+          <p:cNvSpPr txBox="1"/>
+          <p:nvPr/>
+        </p:nvSpPr>
+        <p:spPr>
+          <a:xfrm>
+            <a:off x="10178320" y="5921117"/>
+            <a:ext cx="1127232" cy="400110"/>
+          </a:xfrm>
+          <a:prstGeom prst="rect">
+            <a:avLst/>
+          </a:prstGeom>
+          <a:noFill/>
+        </p:spPr>
+        <p:txBody>
+          <a:bodyPr wrap="none" rtlCol="0">
+            <a:spAutoFit/>
+          </a:bodyPr>
+          <a:lstStyle/>
+          <a:p>
+            <a:r>
+              <a:rPr lang="en" altLang="ja-JP" sz="2000" b="1" dirty="0"/>
+              <a:t>amount</a:t>
+            </a:r>
+            <a:endParaRPr kumimoji="1" lang="en-US" altLang="ja-JP" sz="2000" dirty="0"/>
+          </a:p>
+        </p:txBody>
+      </p:sp>
     </p:spTree>
     <p:extLst>
       <p:ext uri="{BB962C8B-B14F-4D97-AF65-F5344CB8AC3E}">
@@ -7435,7 +9146,7 @@
 </p:sld>
 </file>
 
-<file path=ppt/slides/slide3.xml><?xml version="1.0" encoding="utf-8"?>
+<file path=ppt/slides/slide4.xml><?xml version="1.0" encoding="utf-8"?>
 <p:sld xmlns:a="http://schemas.openxmlformats.org/drawingml/2006/main" xmlns:r="http://schemas.openxmlformats.org/officeDocument/2006/relationships" xmlns:p="http://schemas.openxmlformats.org/presentationml/2006/main">
   <p:cSld>
     <p:spTree>
@@ -7597,7 +9308,7 @@
 </p:sld>
 </file>
 
-<file path=ppt/slides/slide4.xml><?xml version="1.0" encoding="utf-8"?>
+<file path=ppt/slides/slide5.xml><?xml version="1.0" encoding="utf-8"?>
 <p:sld xmlns:a="http://schemas.openxmlformats.org/drawingml/2006/main" xmlns:r="http://schemas.openxmlformats.org/officeDocument/2006/relationships" xmlns:p="http://schemas.openxmlformats.org/presentationml/2006/main">
   <p:cSld>
     <p:spTree>
@@ -8699,7 +10410,7 @@
 </p:sld>
 </file>
 
-<file path=ppt/slides/slide5.xml><?xml version="1.0" encoding="utf-8"?>
+<file path=ppt/slides/slide6.xml><?xml version="1.0" encoding="utf-8"?>
 <p:sld xmlns:a="http://schemas.openxmlformats.org/drawingml/2006/main" xmlns:r="http://schemas.openxmlformats.org/officeDocument/2006/relationships" xmlns:p="http://schemas.openxmlformats.org/presentationml/2006/main">
   <p:cSld>
     <p:spTree>

--- a/Paper/master-thesis/src/img/chapter-2/図.pptx
+++ b/Paper/master-thesis/src/img/chapter-2/図.pptx
@@ -5,15 +5,17 @@
     <p:sldMasterId id="2147483660" r:id="rId1"/>
   </p:sldMasterIdLst>
   <p:notesMasterIdLst>
-    <p:notesMasterId r:id="rId8"/>
+    <p:notesMasterId r:id="rId10"/>
   </p:notesMasterIdLst>
   <p:sldIdLst>
     <p:sldId id="263" r:id="rId2"/>
-    <p:sldId id="264" r:id="rId3"/>
-    <p:sldId id="258" r:id="rId4"/>
-    <p:sldId id="262" r:id="rId5"/>
-    <p:sldId id="259" r:id="rId6"/>
-    <p:sldId id="261" r:id="rId7"/>
+    <p:sldId id="265" r:id="rId3"/>
+    <p:sldId id="264" r:id="rId4"/>
+    <p:sldId id="258" r:id="rId5"/>
+    <p:sldId id="262" r:id="rId6"/>
+    <p:sldId id="259" r:id="rId7"/>
+    <p:sldId id="261" r:id="rId8"/>
+    <p:sldId id="266" r:id="rId9"/>
   </p:sldIdLst>
   <p:sldSz cx="12192000" cy="6858000"/>
   <p:notesSz cx="6858000" cy="9144000"/>
@@ -115,7 +117,7 @@
   <p:extLst>
     <p:ext uri="{EFAFB233-063F-42B5-8137-9DF3F51BA10A}">
       <p15:sldGuideLst xmlns:p15="http://schemas.microsoft.com/office/powerpoint/2012/main">
-        <p15:guide id="1" orient="horz" pos="2183" userDrawn="1">
+        <p15:guide id="1" orient="horz" pos="2432" userDrawn="1">
           <p15:clr>
             <a:srgbClr val="A4A3A4"/>
           </p15:clr>
@@ -670,7 +672,7 @@
     </p:spTree>
     <p:extLst>
       <p:ext uri="{BB962C8B-B14F-4D97-AF65-F5344CB8AC3E}">
-        <p14:creationId xmlns:p14="http://schemas.microsoft.com/office/powerpoint/2010/main" val="4284471269"/>
+        <p14:creationId xmlns:p14="http://schemas.microsoft.com/office/powerpoint/2010/main" val="1986351366"/>
       </p:ext>
     </p:extLst>
   </p:cSld>
@@ -754,7 +756,7 @@
     </p:spTree>
     <p:extLst>
       <p:ext uri="{BB962C8B-B14F-4D97-AF65-F5344CB8AC3E}">
-        <p14:creationId xmlns:p14="http://schemas.microsoft.com/office/powerpoint/2010/main" val="2087152173"/>
+        <p14:creationId xmlns:p14="http://schemas.microsoft.com/office/powerpoint/2010/main" val="4284471269"/>
       </p:ext>
     </p:extLst>
   </p:cSld>
@@ -829,7 +831,91 @@
           <a:p>
             <a:fld id="{B6517DEF-6BFE-A84E-8F87-C3C1DB451AB8}" type="slidenum">
               <a:rPr kumimoji="1" lang="ja-JP" altLang="en-US" smtClean="0"/>
-              <a:t>5</a:t>
+              <a:t>4</a:t>
+            </a:fld>
+            <a:endParaRPr kumimoji="1" lang="ja-JP" altLang="en-US"/>
+          </a:p>
+        </p:txBody>
+      </p:sp>
+    </p:spTree>
+    <p:extLst>
+      <p:ext uri="{BB962C8B-B14F-4D97-AF65-F5344CB8AC3E}">
+        <p14:creationId xmlns:p14="http://schemas.microsoft.com/office/powerpoint/2010/main" val="2087152173"/>
+      </p:ext>
+    </p:extLst>
+  </p:cSld>
+  <p:clrMapOvr>
+    <a:masterClrMapping/>
+  </p:clrMapOvr>
+</p:notes>
+</file>
+
+<file path=ppt/notesSlides/notesSlide5.xml><?xml version="1.0" encoding="utf-8"?>
+<p:notes xmlns:a="http://schemas.openxmlformats.org/drawingml/2006/main" xmlns:r="http://schemas.openxmlformats.org/officeDocument/2006/relationships" xmlns:p="http://schemas.openxmlformats.org/presentationml/2006/main">
+  <p:cSld>
+    <p:spTree>
+      <p:nvGrpSpPr>
+        <p:cNvPr id="1" name=""/>
+        <p:cNvGrpSpPr/>
+        <p:nvPr/>
+      </p:nvGrpSpPr>
+      <p:grpSpPr>
+        <a:xfrm>
+          <a:off x="0" y="0"/>
+          <a:ext cx="0" cy="0"/>
+          <a:chOff x="0" y="0"/>
+          <a:chExt cx="0" cy="0"/>
+        </a:xfrm>
+      </p:grpSpPr>
+      <p:sp>
+        <p:nvSpPr>
+          <p:cNvPr id="2" name="スライド イメージ プレースホルダー 1"/>
+          <p:cNvSpPr>
+            <a:spLocks noGrp="1" noRot="1" noChangeAspect="1"/>
+          </p:cNvSpPr>
+          <p:nvPr>
+            <p:ph type="sldImg"/>
+          </p:nvPr>
+        </p:nvSpPr>
+        <p:spPr/>
+      </p:sp>
+      <p:sp>
+        <p:nvSpPr>
+          <p:cNvPr id="3" name="ノート プレースホルダー 2"/>
+          <p:cNvSpPr>
+            <a:spLocks noGrp="1"/>
+          </p:cNvSpPr>
+          <p:nvPr>
+            <p:ph type="body" idx="1"/>
+          </p:nvPr>
+        </p:nvSpPr>
+        <p:spPr/>
+        <p:txBody>
+          <a:bodyPr/>
+          <a:lstStyle/>
+          <a:p>
+            <a:endParaRPr kumimoji="1" lang="ja-JP" altLang="en-US"/>
+          </a:p>
+        </p:txBody>
+      </p:sp>
+      <p:sp>
+        <p:nvSpPr>
+          <p:cNvPr id="4" name="スライド番号プレースホルダー 3"/>
+          <p:cNvSpPr>
+            <a:spLocks noGrp="1"/>
+          </p:cNvSpPr>
+          <p:nvPr>
+            <p:ph type="sldNum" sz="quarter" idx="5"/>
+          </p:nvPr>
+        </p:nvSpPr>
+        <p:spPr/>
+        <p:txBody>
+          <a:bodyPr/>
+          <a:lstStyle/>
+          <a:p>
+            <a:fld id="{B6517DEF-6BFE-A84E-8F87-C3C1DB451AB8}" type="slidenum">
+              <a:rPr kumimoji="1" lang="ja-JP" altLang="en-US" smtClean="0"/>
+              <a:t>6</a:t>
             </a:fld>
             <a:endParaRPr kumimoji="1" lang="ja-JP" altLang="en-US"/>
           </a:p>
@@ -6411,6 +6497,1378 @@
         </p:nvCxnSpPr>
         <p:spPr>
           <a:xfrm>
+            <a:off x="3964547" y="4541961"/>
+            <a:ext cx="1141843" cy="0"/>
+          </a:xfrm>
+          <a:prstGeom prst="straightConnector1">
+            <a:avLst/>
+          </a:prstGeom>
+          <a:ln w="38100">
+            <a:solidFill>
+              <a:schemeClr val="tx1"/>
+            </a:solidFill>
+            <a:headEnd type="triangle"/>
+            <a:tailEnd type="triangle"/>
+          </a:ln>
+        </p:spPr>
+        <p:style>
+          <a:lnRef idx="1">
+            <a:schemeClr val="accent1"/>
+          </a:lnRef>
+          <a:fillRef idx="0">
+            <a:schemeClr val="accent1"/>
+          </a:fillRef>
+          <a:effectRef idx="0">
+            <a:schemeClr val="accent1"/>
+          </a:effectRef>
+          <a:fontRef idx="minor">
+            <a:schemeClr val="tx1"/>
+          </a:fontRef>
+        </p:style>
+      </p:cxnSp>
+      <p:cxnSp>
+        <p:nvCxnSpPr>
+          <p:cNvPr id="11" name="直線矢印コネクタ 10">
+            <a:extLst>
+              <a:ext uri="{FF2B5EF4-FFF2-40B4-BE49-F238E27FC236}">
+                <a16:creationId xmlns:a16="http://schemas.microsoft.com/office/drawing/2014/main" id="{524ADA8B-457C-B148-8EFE-8DF54201561D}"/>
+              </a:ext>
+            </a:extLst>
+          </p:cNvPr>
+          <p:cNvCxnSpPr>
+            <a:cxnSpLocks/>
+          </p:cNvCxnSpPr>
+          <p:nvPr/>
+        </p:nvCxnSpPr>
+        <p:spPr>
+          <a:xfrm>
+            <a:off x="5106390" y="4541961"/>
+            <a:ext cx="6276103" cy="0"/>
+          </a:xfrm>
+          <a:prstGeom prst="straightConnector1">
+            <a:avLst/>
+          </a:prstGeom>
+          <a:ln w="38100">
+            <a:solidFill>
+              <a:schemeClr val="tx1"/>
+            </a:solidFill>
+            <a:headEnd type="triangle"/>
+            <a:tailEnd type="triangle"/>
+          </a:ln>
+        </p:spPr>
+        <p:style>
+          <a:lnRef idx="1">
+            <a:schemeClr val="accent1"/>
+          </a:lnRef>
+          <a:fillRef idx="0">
+            <a:schemeClr val="accent1"/>
+          </a:fillRef>
+          <a:effectRef idx="0">
+            <a:schemeClr val="accent1"/>
+          </a:effectRef>
+          <a:fontRef idx="minor">
+            <a:schemeClr val="tx1"/>
+          </a:fontRef>
+        </p:style>
+      </p:cxnSp>
+      <mc:AlternateContent xmlns:mc="http://schemas.openxmlformats.org/markup-compatibility/2006">
+        <mc:Choice xmlns:a14="http://schemas.microsoft.com/office/drawing/2010/main" Requires="a14">
+          <p:sp>
+            <p:nvSpPr>
+              <p:cNvPr id="14" name="テキスト ボックス 13">
+                <a:extLst>
+                  <a:ext uri="{FF2B5EF4-FFF2-40B4-BE49-F238E27FC236}">
+                    <a16:creationId xmlns:a16="http://schemas.microsoft.com/office/drawing/2014/main" id="{B60980E0-DB40-974D-9784-864CFE9E177E}"/>
+                  </a:ext>
+                </a:extLst>
+              </p:cNvPr>
+              <p:cNvSpPr txBox="1"/>
+              <p:nvPr/>
+            </p:nvSpPr>
+            <p:spPr>
+              <a:xfrm>
+                <a:off x="6509030" y="2364170"/>
+                <a:ext cx="1735411" cy="523220"/>
+              </a:xfrm>
+              <a:prstGeom prst="rect">
+                <a:avLst/>
+              </a:prstGeom>
+              <a:noFill/>
+            </p:spPr>
+            <p:txBody>
+              <a:bodyPr wrap="none" rtlCol="0">
+                <a:spAutoFit/>
+              </a:bodyPr>
+              <a:lstStyle/>
+              <a:p>
+                <a:pPr/>
+                <a14:m>
+                  <m:oMathPara xmlns:m="http://schemas.openxmlformats.org/officeDocument/2006/math">
+                    <m:oMathParaPr>
+                      <m:jc m:val="centerGroup"/>
+                    </m:oMathParaPr>
+                    <m:oMath xmlns:m="http://schemas.openxmlformats.org/officeDocument/2006/math">
+                      <m:r>
+                        <a:rPr lang="en-US" altLang="ja-JP" sz="2800" i="1" dirty="0" smtClean="0">
+                          <a:latin typeface="Cambria Math" panose="02040503050406030204" pitchFamily="18" charset="0"/>
+                        </a:rPr>
+                        <m:t>𝑉</m:t>
+                      </m:r>
+                      <m:d>
+                        <m:dPr>
+                          <m:ctrlPr>
+                            <a:rPr lang="en-US" altLang="ja-JP" sz="2800" b="0" i="1" dirty="0" smtClean="0">
+                              <a:latin typeface="Cambria Math" panose="02040503050406030204" pitchFamily="18" charset="0"/>
+                            </a:rPr>
+                          </m:ctrlPr>
+                        </m:dPr>
+                        <m:e>
+                          <m:r>
+                            <a:rPr lang="en-US" altLang="ja-JP" sz="2800" b="1" i="1" dirty="0" smtClean="0">
+                              <a:latin typeface="Cambria Math" panose="02040503050406030204" pitchFamily="18" charset="0"/>
+                            </a:rPr>
+                            <m:t>𝑱</m:t>
+                          </m:r>
+                          <m:r>
+                            <a:rPr lang="en-US" altLang="ja-JP" sz="2800" i="1" dirty="0">
+                              <a:latin typeface="Cambria Math" panose="02040503050406030204" pitchFamily="18" charset="0"/>
+                              <a:ea typeface="Cambria Math" panose="02040503050406030204" pitchFamily="18" charset="0"/>
+                            </a:rPr>
+                            <m:t>∖</m:t>
+                          </m:r>
+                          <m:r>
+                            <a:rPr lang="en-US" altLang="ja-JP" sz="2800" b="0" i="1" dirty="0" smtClean="0">
+                              <a:latin typeface="Cambria Math" panose="02040503050406030204" pitchFamily="18" charset="0"/>
+                              <a:ea typeface="Cambria Math" panose="02040503050406030204" pitchFamily="18" charset="0"/>
+                            </a:rPr>
+                            <m:t>{</m:t>
+                          </m:r>
+                          <m:r>
+                            <a:rPr lang="en-US" altLang="ja-JP" sz="2800" b="0" i="1" dirty="0" smtClean="0">
+                              <a:latin typeface="Cambria Math" panose="02040503050406030204" pitchFamily="18" charset="0"/>
+                              <a:ea typeface="Cambria Math" panose="02040503050406030204" pitchFamily="18" charset="0"/>
+                            </a:rPr>
+                            <m:t>𝑗</m:t>
+                          </m:r>
+                          <m:r>
+                            <a:rPr lang="en-US" altLang="ja-JP" sz="2800" b="0" i="1" dirty="0" smtClean="0">
+                              <a:latin typeface="Cambria Math" panose="02040503050406030204" pitchFamily="18" charset="0"/>
+                              <a:ea typeface="Cambria Math" panose="02040503050406030204" pitchFamily="18" charset="0"/>
+                            </a:rPr>
+                            <m:t>}</m:t>
+                          </m:r>
+                        </m:e>
+                      </m:d>
+                    </m:oMath>
+                  </m:oMathPara>
+                </a14:m>
+                <a:endParaRPr kumimoji="1" lang="ja-JP" altLang="en-US" sz="2800"/>
+              </a:p>
+            </p:txBody>
+          </p:sp>
+        </mc:Choice>
+        <mc:Fallback>
+          <p:sp>
+            <p:nvSpPr>
+              <p:cNvPr id="14" name="テキスト ボックス 13">
+                <a:extLst>
+                  <a:ext uri="{FF2B5EF4-FFF2-40B4-BE49-F238E27FC236}">
+                    <a16:creationId xmlns:a16="http://schemas.microsoft.com/office/drawing/2014/main" id="{B60980E0-DB40-974D-9784-864CFE9E177E}"/>
+                  </a:ext>
+                </a:extLst>
+              </p:cNvPr>
+              <p:cNvSpPr txBox="1">
+                <a:spLocks noRot="1" noChangeAspect="1" noMove="1" noResize="1" noEditPoints="1" noAdjustHandles="1" noChangeArrowheads="1" noChangeShapeType="1" noTextEdit="1"/>
+              </p:cNvSpPr>
+              <p:nvPr/>
+            </p:nvSpPr>
+            <p:spPr>
+              <a:xfrm>
+                <a:off x="6509030" y="2364170"/>
+                <a:ext cx="1735411" cy="523220"/>
+              </a:xfrm>
+              <a:prstGeom prst="rect">
+                <a:avLst/>
+              </a:prstGeom>
+              <a:blipFill>
+                <a:blip r:embed="rId3"/>
+                <a:stretch>
+                  <a:fillRect b="-19048"/>
+                </a:stretch>
+              </a:blipFill>
+            </p:spPr>
+            <p:txBody>
+              <a:bodyPr/>
+              <a:lstStyle/>
+              <a:p>
+                <a:r>
+                  <a:rPr lang="ja-JP" altLang="en-US">
+                    <a:noFill/>
+                  </a:rPr>
+                  <a:t> </a:t>
+                </a:r>
+              </a:p>
+            </p:txBody>
+          </p:sp>
+        </mc:Fallback>
+      </mc:AlternateContent>
+      <mc:AlternateContent xmlns:mc="http://schemas.openxmlformats.org/markup-compatibility/2006">
+        <mc:Choice xmlns:a14="http://schemas.microsoft.com/office/drawing/2010/main" Requires="a14">
+          <p:sp>
+            <p:nvSpPr>
+              <p:cNvPr id="15" name="テキスト ボックス 14">
+                <a:extLst>
+                  <a:ext uri="{FF2B5EF4-FFF2-40B4-BE49-F238E27FC236}">
+                    <a16:creationId xmlns:a16="http://schemas.microsoft.com/office/drawing/2014/main" id="{DE09E170-4010-DF4D-8285-62160D978371}"/>
+                  </a:ext>
+                </a:extLst>
+              </p:cNvPr>
+              <p:cNvSpPr txBox="1"/>
+              <p:nvPr/>
+            </p:nvSpPr>
+            <p:spPr>
+              <a:xfrm>
+                <a:off x="5546844" y="5115917"/>
+                <a:ext cx="962186" cy="523220"/>
+              </a:xfrm>
+              <a:prstGeom prst="rect">
+                <a:avLst/>
+              </a:prstGeom>
+              <a:noFill/>
+            </p:spPr>
+            <p:txBody>
+              <a:bodyPr wrap="none" rtlCol="0">
+                <a:spAutoFit/>
+              </a:bodyPr>
+              <a:lstStyle/>
+              <a:p>
+                <a:pPr/>
+                <a14:m>
+                  <m:oMathPara xmlns:m="http://schemas.openxmlformats.org/officeDocument/2006/math">
+                    <m:oMathParaPr>
+                      <m:jc m:val="centerGroup"/>
+                    </m:oMathParaPr>
+                    <m:oMath xmlns:m="http://schemas.openxmlformats.org/officeDocument/2006/math">
+                      <m:r>
+                        <a:rPr lang="en-US" altLang="ja-JP" sz="2800" i="1" dirty="0" smtClean="0">
+                          <a:latin typeface="Cambria Math" panose="02040503050406030204" pitchFamily="18" charset="0"/>
+                        </a:rPr>
+                        <m:t>𝑉</m:t>
+                      </m:r>
+                      <m:d>
+                        <m:dPr>
+                          <m:ctrlPr>
+                            <a:rPr lang="en-US" altLang="ja-JP" sz="2800" b="0" i="1" dirty="0" smtClean="0">
+                              <a:latin typeface="Cambria Math" panose="02040503050406030204" pitchFamily="18" charset="0"/>
+                            </a:rPr>
+                          </m:ctrlPr>
+                        </m:dPr>
+                        <m:e>
+                          <m:r>
+                            <a:rPr lang="en-US" altLang="ja-JP" sz="2800" b="1" i="1" dirty="0" smtClean="0">
+                              <a:latin typeface="Cambria Math" panose="02040503050406030204" pitchFamily="18" charset="0"/>
+                            </a:rPr>
+                            <m:t>𝑱</m:t>
+                          </m:r>
+                        </m:e>
+                      </m:d>
+                    </m:oMath>
+                  </m:oMathPara>
+                </a14:m>
+                <a:endParaRPr kumimoji="1" lang="ja-JP" altLang="en-US" sz="2800"/>
+              </a:p>
+            </p:txBody>
+          </p:sp>
+        </mc:Choice>
+        <mc:Fallback>
+          <p:sp>
+            <p:nvSpPr>
+              <p:cNvPr id="15" name="テキスト ボックス 14">
+                <a:extLst>
+                  <a:ext uri="{FF2B5EF4-FFF2-40B4-BE49-F238E27FC236}">
+                    <a16:creationId xmlns:a16="http://schemas.microsoft.com/office/drawing/2014/main" id="{DE09E170-4010-DF4D-8285-62160D978371}"/>
+                  </a:ext>
+                </a:extLst>
+              </p:cNvPr>
+              <p:cNvSpPr txBox="1">
+                <a:spLocks noRot="1" noChangeAspect="1" noMove="1" noResize="1" noEditPoints="1" noAdjustHandles="1" noChangeArrowheads="1" noChangeShapeType="1" noTextEdit="1"/>
+              </p:cNvSpPr>
+              <p:nvPr/>
+            </p:nvSpPr>
+            <p:spPr>
+              <a:xfrm>
+                <a:off x="5546844" y="5115917"/>
+                <a:ext cx="962186" cy="523220"/>
+              </a:xfrm>
+              <a:prstGeom prst="rect">
+                <a:avLst/>
+              </a:prstGeom>
+              <a:blipFill>
+                <a:blip r:embed="rId4"/>
+                <a:stretch>
+                  <a:fillRect b="-11905"/>
+                </a:stretch>
+              </a:blipFill>
+            </p:spPr>
+            <p:txBody>
+              <a:bodyPr/>
+              <a:lstStyle/>
+              <a:p>
+                <a:r>
+                  <a:rPr lang="ja-JP" altLang="en-US">
+                    <a:noFill/>
+                  </a:rPr>
+                  <a:t> </a:t>
+                </a:r>
+              </a:p>
+            </p:txBody>
+          </p:sp>
+        </mc:Fallback>
+      </mc:AlternateContent>
+      <mc:AlternateContent xmlns:mc="http://schemas.openxmlformats.org/markup-compatibility/2006">
+        <mc:Choice xmlns:a14="http://schemas.microsoft.com/office/drawing/2010/main" Requires="a14">
+          <p:sp>
+            <p:nvSpPr>
+              <p:cNvPr id="16" name="テキスト ボックス 15">
+                <a:extLst>
+                  <a:ext uri="{FF2B5EF4-FFF2-40B4-BE49-F238E27FC236}">
+                    <a16:creationId xmlns:a16="http://schemas.microsoft.com/office/drawing/2014/main" id="{DB3884C4-0261-574B-955C-FE0F6B4CB198}"/>
+                  </a:ext>
+                </a:extLst>
+              </p:cNvPr>
+              <p:cNvSpPr txBox="1"/>
+              <p:nvPr/>
+            </p:nvSpPr>
+            <p:spPr>
+              <a:xfrm>
+                <a:off x="4159417" y="4574034"/>
+                <a:ext cx="780791" cy="557910"/>
+              </a:xfrm>
+              <a:prstGeom prst="rect">
+                <a:avLst/>
+              </a:prstGeom>
+              <a:noFill/>
+            </p:spPr>
+            <p:txBody>
+              <a:bodyPr wrap="none" rtlCol="0">
+                <a:spAutoFit/>
+              </a:bodyPr>
+              <a:lstStyle/>
+              <a:p>
+                <a:pPr/>
+                <a14:m>
+                  <m:oMathPara xmlns:m="http://schemas.openxmlformats.org/officeDocument/2006/math">
+                    <m:oMathParaPr>
+                      <m:jc m:val="centerGroup"/>
+                    </m:oMathParaPr>
+                    <m:oMath xmlns:m="http://schemas.openxmlformats.org/officeDocument/2006/math">
+                      <m:sSub>
+                        <m:sSubPr>
+                          <m:ctrlPr>
+                            <a:rPr lang="en-US" altLang="ja-JP" sz="2800" b="0" i="1" dirty="0" smtClean="0">
+                              <a:latin typeface="Cambria Math" panose="02040503050406030204" pitchFamily="18" charset="0"/>
+                            </a:rPr>
+                          </m:ctrlPr>
+                        </m:sSubPr>
+                        <m:e>
+                          <m:r>
+                            <a:rPr lang="en-US" altLang="ja-JP" sz="2800" i="1" dirty="0" smtClean="0">
+                              <a:latin typeface="Cambria Math" panose="02040503050406030204" pitchFamily="18" charset="0"/>
+                            </a:rPr>
+                            <m:t>𝑓</m:t>
+                          </m:r>
+                        </m:e>
+                        <m:sub>
+                          <m:r>
+                            <a:rPr lang="en-US" altLang="ja-JP" sz="2800" b="0" i="1" dirty="0" smtClean="0">
+                              <a:latin typeface="Cambria Math" panose="02040503050406030204" pitchFamily="18" charset="0"/>
+                            </a:rPr>
+                            <m:t>𝑗</m:t>
+                          </m:r>
+                          <m:r>
+                            <a:rPr lang="en-US" altLang="ja-JP" sz="2800" b="0" i="1" dirty="0" smtClean="0">
+                              <a:latin typeface="Cambria Math" panose="02040503050406030204" pitchFamily="18" charset="0"/>
+                            </a:rPr>
+                            <m:t>,</m:t>
+                          </m:r>
+                          <m:r>
+                            <a:rPr lang="en-US" altLang="ja-JP" sz="2800" b="0" i="1" dirty="0" smtClean="0">
+                              <a:latin typeface="Cambria Math" panose="02040503050406030204" pitchFamily="18" charset="0"/>
+                            </a:rPr>
+                            <m:t>𝑛</m:t>
+                          </m:r>
+                        </m:sub>
+                      </m:sSub>
+                    </m:oMath>
+                  </m:oMathPara>
+                </a14:m>
+                <a:endParaRPr kumimoji="1" lang="ja-JP" altLang="en-US" sz="2800"/>
+              </a:p>
+            </p:txBody>
+          </p:sp>
+        </mc:Choice>
+        <mc:Fallback>
+          <p:sp>
+            <p:nvSpPr>
+              <p:cNvPr id="16" name="テキスト ボックス 15">
+                <a:extLst>
+                  <a:ext uri="{FF2B5EF4-FFF2-40B4-BE49-F238E27FC236}">
+                    <a16:creationId xmlns:a16="http://schemas.microsoft.com/office/drawing/2014/main" id="{DB3884C4-0261-574B-955C-FE0F6B4CB198}"/>
+                  </a:ext>
+                </a:extLst>
+              </p:cNvPr>
+              <p:cNvSpPr txBox="1">
+                <a:spLocks noRot="1" noChangeAspect="1" noMove="1" noResize="1" noEditPoints="1" noAdjustHandles="1" noChangeArrowheads="1" noChangeShapeType="1" noTextEdit="1"/>
+              </p:cNvSpPr>
+              <p:nvPr/>
+            </p:nvSpPr>
+            <p:spPr>
+              <a:xfrm>
+                <a:off x="4159417" y="4574034"/>
+                <a:ext cx="780791" cy="557910"/>
+              </a:xfrm>
+              <a:prstGeom prst="rect">
+                <a:avLst/>
+              </a:prstGeom>
+              <a:blipFill>
+                <a:blip r:embed="rId5"/>
+                <a:stretch>
+                  <a:fillRect l="-3226" b="-11364"/>
+                </a:stretch>
+              </a:blipFill>
+            </p:spPr>
+            <p:txBody>
+              <a:bodyPr/>
+              <a:lstStyle/>
+              <a:p>
+                <a:r>
+                  <a:rPr lang="ja-JP" altLang="en-US">
+                    <a:noFill/>
+                  </a:rPr>
+                  <a:t> </a:t>
+                </a:r>
+              </a:p>
+            </p:txBody>
+          </p:sp>
+        </mc:Fallback>
+      </mc:AlternateContent>
+      <mc:AlternateContent xmlns:mc="http://schemas.openxmlformats.org/markup-compatibility/2006">
+        <mc:Choice xmlns:a14="http://schemas.microsoft.com/office/drawing/2010/main" Requires="a14">
+          <p:sp>
+            <p:nvSpPr>
+              <p:cNvPr id="17" name="テキスト ボックス 16">
+                <a:extLst>
+                  <a:ext uri="{FF2B5EF4-FFF2-40B4-BE49-F238E27FC236}">
+                    <a16:creationId xmlns:a16="http://schemas.microsoft.com/office/drawing/2014/main" id="{366C2510-76CD-2849-97A5-EE439CE92496}"/>
+                  </a:ext>
+                </a:extLst>
+              </p:cNvPr>
+              <p:cNvSpPr txBox="1"/>
+              <p:nvPr/>
+            </p:nvSpPr>
+            <p:spPr>
+              <a:xfrm>
+                <a:off x="7860794" y="4604014"/>
+                <a:ext cx="1985544" cy="557910"/>
+              </a:xfrm>
+              <a:prstGeom prst="rect">
+                <a:avLst/>
+              </a:prstGeom>
+              <a:noFill/>
+            </p:spPr>
+            <p:txBody>
+              <a:bodyPr wrap="none" rtlCol="0">
+                <a:spAutoFit/>
+              </a:bodyPr>
+              <a:lstStyle/>
+              <a:p>
+                <a:pPr/>
+                <a14:m>
+                  <m:oMathPara xmlns:m="http://schemas.openxmlformats.org/officeDocument/2006/math">
+                    <m:oMathParaPr>
+                      <m:jc m:val="centerGroup"/>
+                    </m:oMathParaPr>
+                    <m:oMath xmlns:m="http://schemas.openxmlformats.org/officeDocument/2006/math">
+                      <m:sSub>
+                        <m:sSubPr>
+                          <m:ctrlPr>
+                            <a:rPr lang="en-US" altLang="ja-JP" sz="2800" b="0" i="1" dirty="0" smtClean="0">
+                              <a:latin typeface="Cambria Math" panose="02040503050406030204" pitchFamily="18" charset="0"/>
+                            </a:rPr>
+                          </m:ctrlPr>
+                        </m:sSubPr>
+                        <m:e>
+                          <m:r>
+                            <a:rPr lang="en-US" altLang="ja-JP" sz="2800" i="1" dirty="0">
+                              <a:latin typeface="Cambria Math" panose="02040503050406030204" pitchFamily="18" charset="0"/>
+                            </a:rPr>
+                            <m:t>𝑉</m:t>
+                          </m:r>
+                          <m:d>
+                            <m:dPr>
+                              <m:ctrlPr>
+                                <a:rPr lang="en-US" altLang="ja-JP" sz="2800" i="1" dirty="0">
+                                  <a:latin typeface="Cambria Math" panose="02040503050406030204" pitchFamily="18" charset="0"/>
+                                </a:rPr>
+                              </m:ctrlPr>
+                            </m:dPr>
+                            <m:e>
+                              <m:r>
+                                <a:rPr lang="en-US" altLang="ja-JP" sz="2800" b="1" i="1" dirty="0">
+                                  <a:latin typeface="Cambria Math" panose="02040503050406030204" pitchFamily="18" charset="0"/>
+                                </a:rPr>
+                                <m:t>𝑱</m:t>
+                              </m:r>
+                            </m:e>
+                          </m:d>
+                          <m:r>
+                            <m:rPr>
+                              <m:nor/>
+                            </m:rPr>
+                            <a:rPr lang="ja-JP" altLang="en-US" sz="2800"/>
+                            <m:t> </m:t>
+                          </m:r>
+                          <m:r>
+                            <a:rPr lang="en-US" altLang="ja-JP" sz="2800" b="0" i="1" smtClean="0">
+                              <a:latin typeface="Cambria Math" panose="02040503050406030204" pitchFamily="18" charset="0"/>
+                            </a:rPr>
+                            <m:t>−</m:t>
+                          </m:r>
+                          <m:r>
+                            <a:rPr lang="en-US" altLang="ja-JP" sz="2800" i="1" dirty="0" smtClean="0">
+                              <a:latin typeface="Cambria Math" panose="02040503050406030204" pitchFamily="18" charset="0"/>
+                            </a:rPr>
+                            <m:t>𝑓</m:t>
+                          </m:r>
+                        </m:e>
+                        <m:sub>
+                          <m:r>
+                            <a:rPr lang="en-US" altLang="ja-JP" sz="2800" b="0" i="1" dirty="0" smtClean="0">
+                              <a:latin typeface="Cambria Math" panose="02040503050406030204" pitchFamily="18" charset="0"/>
+                            </a:rPr>
+                            <m:t>𝑗</m:t>
+                          </m:r>
+                          <m:r>
+                            <a:rPr lang="en-US" altLang="ja-JP" sz="2800" b="0" i="1" dirty="0" smtClean="0">
+                              <a:latin typeface="Cambria Math" panose="02040503050406030204" pitchFamily="18" charset="0"/>
+                            </a:rPr>
+                            <m:t>,</m:t>
+                          </m:r>
+                          <m:r>
+                            <a:rPr lang="en-US" altLang="ja-JP" sz="2800" b="0" i="1" dirty="0" smtClean="0">
+                              <a:latin typeface="Cambria Math" panose="02040503050406030204" pitchFamily="18" charset="0"/>
+                            </a:rPr>
+                            <m:t>𝑛</m:t>
+                          </m:r>
+                        </m:sub>
+                      </m:sSub>
+                    </m:oMath>
+                  </m:oMathPara>
+                </a14:m>
+                <a:endParaRPr kumimoji="1" lang="ja-JP" altLang="en-US" sz="2800"/>
+              </a:p>
+            </p:txBody>
+          </p:sp>
+        </mc:Choice>
+        <mc:Fallback>
+          <p:sp>
+            <p:nvSpPr>
+              <p:cNvPr id="17" name="テキスト ボックス 16">
+                <a:extLst>
+                  <a:ext uri="{FF2B5EF4-FFF2-40B4-BE49-F238E27FC236}">
+                    <a16:creationId xmlns:a16="http://schemas.microsoft.com/office/drawing/2014/main" id="{366C2510-76CD-2849-97A5-EE439CE92496}"/>
+                  </a:ext>
+                </a:extLst>
+              </p:cNvPr>
+              <p:cNvSpPr txBox="1">
+                <a:spLocks noRot="1" noChangeAspect="1" noMove="1" noResize="1" noEditPoints="1" noAdjustHandles="1" noChangeArrowheads="1" noChangeShapeType="1" noTextEdit="1"/>
+              </p:cNvSpPr>
+              <p:nvPr/>
+            </p:nvSpPr>
+            <p:spPr>
+              <a:xfrm>
+                <a:off x="7860794" y="4604014"/>
+                <a:ext cx="1985544" cy="557910"/>
+              </a:xfrm>
+              <a:prstGeom prst="rect">
+                <a:avLst/>
+              </a:prstGeom>
+              <a:blipFill>
+                <a:blip r:embed="rId6"/>
+                <a:stretch>
+                  <a:fillRect b="-18182"/>
+                </a:stretch>
+              </a:blipFill>
+            </p:spPr>
+            <p:txBody>
+              <a:bodyPr/>
+              <a:lstStyle/>
+              <a:p>
+                <a:r>
+                  <a:rPr lang="ja-JP" altLang="en-US">
+                    <a:noFill/>
+                  </a:rPr>
+                  <a:t> </a:t>
+                </a:r>
+              </a:p>
+            </p:txBody>
+          </p:sp>
+        </mc:Fallback>
+      </mc:AlternateContent>
+      <p:cxnSp>
+        <p:nvCxnSpPr>
+          <p:cNvPr id="19" name="直線コネクタ 18">
+            <a:extLst>
+              <a:ext uri="{FF2B5EF4-FFF2-40B4-BE49-F238E27FC236}">
+                <a16:creationId xmlns:a16="http://schemas.microsoft.com/office/drawing/2014/main" id="{819CAC9F-DA84-D24E-B88D-897E16099C16}"/>
+              </a:ext>
+            </a:extLst>
+          </p:cNvPr>
+          <p:cNvCxnSpPr>
+            <a:cxnSpLocks/>
+          </p:cNvCxnSpPr>
+          <p:nvPr/>
+        </p:nvCxnSpPr>
+        <p:spPr>
+          <a:xfrm>
+            <a:off x="3384470" y="2305174"/>
+            <a:ext cx="0" cy="747012"/>
+          </a:xfrm>
+          <a:prstGeom prst="line">
+            <a:avLst/>
+          </a:prstGeom>
+          <a:ln w="38100">
+            <a:solidFill>
+              <a:schemeClr val="tx1"/>
+            </a:solidFill>
+            <a:prstDash val="sysDot"/>
+          </a:ln>
+        </p:spPr>
+        <p:style>
+          <a:lnRef idx="1">
+            <a:schemeClr val="accent1"/>
+          </a:lnRef>
+          <a:fillRef idx="0">
+            <a:schemeClr val="accent1"/>
+          </a:fillRef>
+          <a:effectRef idx="0">
+            <a:schemeClr val="accent1"/>
+          </a:effectRef>
+          <a:fontRef idx="minor">
+            <a:schemeClr val="tx1"/>
+          </a:fontRef>
+        </p:style>
+      </p:cxnSp>
+      <p:cxnSp>
+        <p:nvCxnSpPr>
+          <p:cNvPr id="22" name="直線コネクタ 21">
+            <a:extLst>
+              <a:ext uri="{FF2B5EF4-FFF2-40B4-BE49-F238E27FC236}">
+                <a16:creationId xmlns:a16="http://schemas.microsoft.com/office/drawing/2014/main" id="{003B9062-1255-A942-B2D6-E85379B883D3}"/>
+              </a:ext>
+            </a:extLst>
+          </p:cNvPr>
+          <p:cNvCxnSpPr>
+            <a:cxnSpLocks/>
+          </p:cNvCxnSpPr>
+          <p:nvPr/>
+        </p:nvCxnSpPr>
+        <p:spPr>
+          <a:xfrm>
+            <a:off x="5106390" y="3052186"/>
+            <a:ext cx="0" cy="2063731"/>
+          </a:xfrm>
+          <a:prstGeom prst="line">
+            <a:avLst/>
+          </a:prstGeom>
+          <a:ln w="38100">
+            <a:solidFill>
+              <a:schemeClr val="tx1"/>
+            </a:solidFill>
+            <a:prstDash val="sysDot"/>
+          </a:ln>
+        </p:spPr>
+        <p:style>
+          <a:lnRef idx="1">
+            <a:schemeClr val="accent1"/>
+          </a:lnRef>
+          <a:fillRef idx="0">
+            <a:schemeClr val="accent1"/>
+          </a:fillRef>
+          <a:effectRef idx="0">
+            <a:schemeClr val="accent1"/>
+          </a:effectRef>
+          <a:fontRef idx="minor">
+            <a:schemeClr val="tx1"/>
+          </a:fontRef>
+        </p:style>
+      </p:cxnSp>
+      <mc:AlternateContent xmlns:mc="http://schemas.openxmlformats.org/markup-compatibility/2006" xmlns:a14="http://schemas.microsoft.com/office/drawing/2010/main">
+        <mc:Choice Requires="a14">
+          <p:sp>
+            <p:nvSpPr>
+              <p:cNvPr id="23" name="テキスト ボックス 22">
+                <a:extLst>
+                  <a:ext uri="{FF2B5EF4-FFF2-40B4-BE49-F238E27FC236}">
+                    <a16:creationId xmlns:a16="http://schemas.microsoft.com/office/drawing/2014/main" id="{02D0105D-9F90-EF41-AAD7-97ABDB942654}"/>
+                  </a:ext>
+                </a:extLst>
+              </p:cNvPr>
+              <p:cNvSpPr txBox="1"/>
+              <p:nvPr/>
+            </p:nvSpPr>
+            <p:spPr>
+              <a:xfrm>
+                <a:off x="3766143" y="3052186"/>
+                <a:ext cx="994439" cy="557910"/>
+              </a:xfrm>
+              <a:prstGeom prst="rect">
+                <a:avLst/>
+              </a:prstGeom>
+              <a:noFill/>
+            </p:spPr>
+            <p:txBody>
+              <a:bodyPr wrap="none" rtlCol="0">
+                <a:spAutoFit/>
+              </a:bodyPr>
+              <a:lstStyle/>
+              <a:p>
+                <a:pPr/>
+                <a14:m>
+                  <m:oMathPara xmlns:m="http://schemas.openxmlformats.org/officeDocument/2006/math">
+                    <m:oMathParaPr>
+                      <m:jc m:val="centerGroup"/>
+                    </m:oMathParaPr>
+                    <m:oMath xmlns:m="http://schemas.openxmlformats.org/officeDocument/2006/math">
+                      <m:sSub>
+                        <m:sSubPr>
+                          <m:ctrlPr>
+                            <a:rPr lang="en-US" altLang="ja-JP" sz="2800" b="0" i="1" dirty="0" smtClean="0">
+                              <a:solidFill>
+                                <a:schemeClr val="accent2"/>
+                              </a:solidFill>
+                              <a:latin typeface="Cambria Math" panose="02040503050406030204" pitchFamily="18" charset="0"/>
+                            </a:rPr>
+                          </m:ctrlPr>
+                        </m:sSubPr>
+                        <m:e>
+                          <m:r>
+                            <a:rPr lang="en-US" altLang="ja-JP" sz="2800" b="0" i="1" dirty="0" smtClean="0">
+                              <a:solidFill>
+                                <a:schemeClr val="accent2"/>
+                              </a:solidFill>
+                              <a:latin typeface="Cambria Math" panose="02040503050406030204" pitchFamily="18" charset="0"/>
+                            </a:rPr>
+                            <m:t>𝑝𝑎𝑦</m:t>
+                          </m:r>
+                        </m:e>
+                        <m:sub>
+                          <m:r>
+                            <a:rPr lang="en-US" altLang="ja-JP" sz="2800" b="0" i="1" dirty="0" smtClean="0">
+                              <a:solidFill>
+                                <a:schemeClr val="accent2"/>
+                              </a:solidFill>
+                              <a:latin typeface="Cambria Math" panose="02040503050406030204" pitchFamily="18" charset="0"/>
+                            </a:rPr>
+                            <m:t>𝑗</m:t>
+                          </m:r>
+                        </m:sub>
+                      </m:sSub>
+                    </m:oMath>
+                  </m:oMathPara>
+                </a14:m>
+                <a:endParaRPr kumimoji="1" lang="ja-JP" altLang="en-US" sz="2800">
+                  <a:solidFill>
+                    <a:schemeClr val="accent2"/>
+                  </a:solidFill>
+                </a:endParaRPr>
+              </a:p>
+            </p:txBody>
+          </p:sp>
+        </mc:Choice>
+        <mc:Fallback xmlns="">
+          <p:sp>
+            <p:nvSpPr>
+              <p:cNvPr id="23" name="テキスト ボックス 22">
+                <a:extLst>
+                  <a:ext uri="{FF2B5EF4-FFF2-40B4-BE49-F238E27FC236}">
+                    <a16:creationId xmlns:a16="http://schemas.microsoft.com/office/drawing/2014/main" id="{02D0105D-9F90-EF41-AAD7-97ABDB942654}"/>
+                  </a:ext>
+                </a:extLst>
+              </p:cNvPr>
+              <p:cNvSpPr txBox="1">
+                <a:spLocks noRot="1" noChangeAspect="1" noMove="1" noResize="1" noEditPoints="1" noAdjustHandles="1" noChangeArrowheads="1" noChangeShapeType="1" noTextEdit="1"/>
+              </p:cNvSpPr>
+              <p:nvPr/>
+            </p:nvSpPr>
+            <p:spPr>
+              <a:xfrm>
+                <a:off x="3766143" y="3052186"/>
+                <a:ext cx="994439" cy="557910"/>
+              </a:xfrm>
+              <a:prstGeom prst="rect">
+                <a:avLst/>
+              </a:prstGeom>
+              <a:blipFill>
+                <a:blip r:embed="rId7"/>
+                <a:stretch>
+                  <a:fillRect b="-11364"/>
+                </a:stretch>
+              </a:blipFill>
+            </p:spPr>
+            <p:txBody>
+              <a:bodyPr/>
+              <a:lstStyle/>
+              <a:p>
+                <a:r>
+                  <a:rPr lang="ja-JP" altLang="en-US">
+                    <a:noFill/>
+                  </a:rPr>
+                  <a:t> </a:t>
+                </a:r>
+              </a:p>
+            </p:txBody>
+          </p:sp>
+        </mc:Fallback>
+      </mc:AlternateContent>
+      <p:cxnSp>
+        <p:nvCxnSpPr>
+          <p:cNvPr id="24" name="直線矢印コネクタ 23">
+            <a:extLst>
+              <a:ext uri="{FF2B5EF4-FFF2-40B4-BE49-F238E27FC236}">
+                <a16:creationId xmlns:a16="http://schemas.microsoft.com/office/drawing/2014/main" id="{460561FE-CECC-9845-BFDC-B2F939673B70}"/>
+              </a:ext>
+            </a:extLst>
+          </p:cNvPr>
+          <p:cNvCxnSpPr>
+            <a:cxnSpLocks/>
+          </p:cNvCxnSpPr>
+          <p:nvPr/>
+        </p:nvCxnSpPr>
+        <p:spPr>
+          <a:xfrm>
+            <a:off x="3384470" y="3052186"/>
+            <a:ext cx="1721920" cy="0"/>
+          </a:xfrm>
+          <a:prstGeom prst="straightConnector1">
+            <a:avLst/>
+          </a:prstGeom>
+          <a:ln w="38100">
+            <a:solidFill>
+              <a:schemeClr val="accent2"/>
+            </a:solidFill>
+            <a:headEnd type="triangle"/>
+            <a:tailEnd type="triangle"/>
+          </a:ln>
+        </p:spPr>
+        <p:style>
+          <a:lnRef idx="1">
+            <a:schemeClr val="accent1"/>
+          </a:lnRef>
+          <a:fillRef idx="0">
+            <a:schemeClr val="accent1"/>
+          </a:fillRef>
+          <a:effectRef idx="0">
+            <a:schemeClr val="accent1"/>
+          </a:effectRef>
+          <a:fontRef idx="minor">
+            <a:schemeClr val="tx1"/>
+          </a:fontRef>
+        </p:style>
+      </p:cxnSp>
+      <p:cxnSp>
+        <p:nvCxnSpPr>
+          <p:cNvPr id="18" name="直線矢印コネクタ 17">
+            <a:extLst>
+              <a:ext uri="{FF2B5EF4-FFF2-40B4-BE49-F238E27FC236}">
+                <a16:creationId xmlns:a16="http://schemas.microsoft.com/office/drawing/2014/main" id="{29A7AB01-4239-1246-A6B8-59F48A33B712}"/>
+              </a:ext>
+            </a:extLst>
+          </p:cNvPr>
+          <p:cNvCxnSpPr>
+            <a:cxnSpLocks/>
+          </p:cNvCxnSpPr>
+          <p:nvPr/>
+        </p:nvCxnSpPr>
+        <p:spPr>
+          <a:xfrm>
+            <a:off x="3964547" y="5115917"/>
+            <a:ext cx="7417946" cy="0"/>
+          </a:xfrm>
+          <a:prstGeom prst="straightConnector1">
+            <a:avLst/>
+          </a:prstGeom>
+          <a:ln w="38100">
+            <a:solidFill>
+              <a:schemeClr val="accent1">
+                <a:lumMod val="60000"/>
+                <a:lumOff val="40000"/>
+              </a:schemeClr>
+            </a:solidFill>
+            <a:headEnd type="triangle"/>
+            <a:tailEnd type="triangle"/>
+          </a:ln>
+        </p:spPr>
+        <p:style>
+          <a:lnRef idx="1">
+            <a:schemeClr val="accent1"/>
+          </a:lnRef>
+          <a:fillRef idx="0">
+            <a:schemeClr val="accent1"/>
+          </a:fillRef>
+          <a:effectRef idx="0">
+            <a:schemeClr val="accent1"/>
+          </a:effectRef>
+          <a:fontRef idx="minor">
+            <a:schemeClr val="tx1"/>
+          </a:fontRef>
+        </p:style>
+      </p:cxnSp>
+      <p:cxnSp>
+        <p:nvCxnSpPr>
+          <p:cNvPr id="21" name="直線矢印コネクタ 20">
+            <a:extLst>
+              <a:ext uri="{FF2B5EF4-FFF2-40B4-BE49-F238E27FC236}">
+                <a16:creationId xmlns:a16="http://schemas.microsoft.com/office/drawing/2014/main" id="{8175D4EC-5751-544D-A482-D6AB0EDD5415}"/>
+              </a:ext>
+            </a:extLst>
+          </p:cNvPr>
+          <p:cNvCxnSpPr>
+            <a:cxnSpLocks/>
+          </p:cNvCxnSpPr>
+          <p:nvPr/>
+        </p:nvCxnSpPr>
+        <p:spPr>
+          <a:xfrm>
+            <a:off x="3356783" y="2305174"/>
+            <a:ext cx="8025710" cy="0"/>
+          </a:xfrm>
+          <a:prstGeom prst="straightConnector1">
+            <a:avLst/>
+          </a:prstGeom>
+          <a:ln w="38100">
+            <a:solidFill>
+              <a:schemeClr val="accent1"/>
+            </a:solidFill>
+            <a:headEnd type="triangle"/>
+            <a:tailEnd type="triangle"/>
+          </a:ln>
+        </p:spPr>
+        <p:style>
+          <a:lnRef idx="1">
+            <a:schemeClr val="accent1"/>
+          </a:lnRef>
+          <a:fillRef idx="0">
+            <a:schemeClr val="accent1"/>
+          </a:fillRef>
+          <a:effectRef idx="0">
+            <a:schemeClr val="accent1"/>
+          </a:effectRef>
+          <a:fontRef idx="minor">
+            <a:schemeClr val="tx1"/>
+          </a:fontRef>
+        </p:style>
+      </p:cxnSp>
+      <p:cxnSp>
+        <p:nvCxnSpPr>
+          <p:cNvPr id="25" name="直線矢印コネクタ 24">
+            <a:extLst>
+              <a:ext uri="{FF2B5EF4-FFF2-40B4-BE49-F238E27FC236}">
+                <a16:creationId xmlns:a16="http://schemas.microsoft.com/office/drawing/2014/main" id="{CA193B10-849C-D347-A8B3-DEACFA372903}"/>
+              </a:ext>
+            </a:extLst>
+          </p:cNvPr>
+          <p:cNvCxnSpPr>
+            <a:cxnSpLocks/>
+          </p:cNvCxnSpPr>
+          <p:nvPr/>
+        </p:nvCxnSpPr>
+        <p:spPr>
+          <a:xfrm>
+            <a:off x="838200" y="5818627"/>
+            <a:ext cx="10544293" cy="0"/>
+          </a:xfrm>
+          <a:prstGeom prst="straightConnector1">
+            <a:avLst/>
+          </a:prstGeom>
+          <a:ln w="38100">
+            <a:solidFill>
+              <a:schemeClr val="tx1"/>
+            </a:solidFill>
+            <a:headEnd type="none"/>
+            <a:tailEnd type="triangle"/>
+          </a:ln>
+        </p:spPr>
+        <p:style>
+          <a:lnRef idx="1">
+            <a:schemeClr val="accent1"/>
+          </a:lnRef>
+          <a:fillRef idx="0">
+            <a:schemeClr val="accent1"/>
+          </a:fillRef>
+          <a:effectRef idx="0">
+            <a:schemeClr val="accent1"/>
+          </a:effectRef>
+          <a:fontRef idx="minor">
+            <a:schemeClr val="tx1"/>
+          </a:fontRef>
+        </p:style>
+      </p:cxnSp>
+      <p:sp>
+        <p:nvSpPr>
+          <p:cNvPr id="26" name="テキスト ボックス 25">
+            <a:extLst>
+              <a:ext uri="{FF2B5EF4-FFF2-40B4-BE49-F238E27FC236}">
+                <a16:creationId xmlns:a16="http://schemas.microsoft.com/office/drawing/2014/main" id="{00ABA0DD-107C-A648-B11C-8D2D09956640}"/>
+              </a:ext>
+            </a:extLst>
+          </p:cNvPr>
+          <p:cNvSpPr txBox="1"/>
+          <p:nvPr/>
+        </p:nvSpPr>
+        <p:spPr>
+          <a:xfrm>
+            <a:off x="10178320" y="5921117"/>
+            <a:ext cx="1127232" cy="400110"/>
+          </a:xfrm>
+          <a:prstGeom prst="rect">
+            <a:avLst/>
+          </a:prstGeom>
+          <a:noFill/>
+        </p:spPr>
+        <p:txBody>
+          <a:bodyPr wrap="none" rtlCol="0">
+            <a:spAutoFit/>
+          </a:bodyPr>
+          <a:lstStyle/>
+          <a:p>
+            <a:r>
+              <a:rPr lang="en" altLang="ja-JP" sz="2000" b="1" dirty="0"/>
+              <a:t>amount</a:t>
+            </a:r>
+            <a:endParaRPr kumimoji="1" lang="en-US" altLang="ja-JP" sz="2000" dirty="0"/>
+          </a:p>
+        </p:txBody>
+      </p:sp>
+      <mc:AlternateContent xmlns:mc="http://schemas.openxmlformats.org/markup-compatibility/2006">
+        <mc:Choice xmlns:a14="http://schemas.microsoft.com/office/drawing/2010/main" Requires="a14">
+          <p:sp>
+            <p:nvSpPr>
+              <p:cNvPr id="27" name="テキスト ボックス 26">
+                <a:extLst>
+                  <a:ext uri="{FF2B5EF4-FFF2-40B4-BE49-F238E27FC236}">
+                    <a16:creationId xmlns:a16="http://schemas.microsoft.com/office/drawing/2014/main" id="{4D497037-D710-1F44-A2F1-A31DFE17CDB2}"/>
+                  </a:ext>
+                </a:extLst>
+              </p:cNvPr>
+              <p:cNvSpPr txBox="1"/>
+              <p:nvPr/>
+            </p:nvSpPr>
+            <p:spPr>
+              <a:xfrm>
+                <a:off x="2986587" y="3871325"/>
+                <a:ext cx="757643" cy="557910"/>
+              </a:xfrm>
+              <a:prstGeom prst="rect">
+                <a:avLst/>
+              </a:prstGeom>
+              <a:noFill/>
+            </p:spPr>
+            <p:txBody>
+              <a:bodyPr wrap="none" rtlCol="0">
+                <a:spAutoFit/>
+              </a:bodyPr>
+              <a:lstStyle/>
+              <a:p>
+                <a14:m>
+                  <m:oMathPara xmlns:m="http://schemas.openxmlformats.org/officeDocument/2006/math">
+                    <m:oMathParaPr>
+                      <m:jc m:val="centerGroup"/>
+                    </m:oMathParaPr>
+                    <m:oMath xmlns:m="http://schemas.openxmlformats.org/officeDocument/2006/math">
+                      <m:sSub>
+                        <m:sSubPr>
+                          <m:ctrlPr>
+                            <a:rPr kumimoji="1" lang="en-US" altLang="ja-JP" sz="2800" b="0" i="1" dirty="0" smtClean="0">
+                              <a:solidFill>
+                                <a:schemeClr val="accent4">
+                                  <a:lumMod val="75000"/>
+                                </a:schemeClr>
+                              </a:solidFill>
+                              <a:latin typeface="Cambria Math" panose="02040503050406030204" pitchFamily="18" charset="0"/>
+                            </a:rPr>
+                          </m:ctrlPr>
+                        </m:sSubPr>
+                        <m:e>
+                          <m:r>
+                            <a:rPr kumimoji="1" lang="en-US" altLang="ja-JP" sz="2800" i="1" dirty="0" smtClean="0">
+                              <a:solidFill>
+                                <a:schemeClr val="accent4">
+                                  <a:lumMod val="75000"/>
+                                </a:schemeClr>
+                              </a:solidFill>
+                              <a:latin typeface="Cambria Math" panose="02040503050406030204" pitchFamily="18" charset="0"/>
+                            </a:rPr>
+                            <m:t>𝑡</m:t>
+                          </m:r>
+                        </m:e>
+                        <m:sub>
+                          <m:r>
+                            <a:rPr kumimoji="1" lang="en-US" altLang="ja-JP" sz="2800" b="0" i="1" dirty="0" smtClean="0">
+                              <a:solidFill>
+                                <a:schemeClr val="accent4">
+                                  <a:lumMod val="75000"/>
+                                </a:schemeClr>
+                              </a:solidFill>
+                              <a:latin typeface="Cambria Math" panose="02040503050406030204" pitchFamily="18" charset="0"/>
+                            </a:rPr>
+                            <m:t>𝑗</m:t>
+                          </m:r>
+                          <m:r>
+                            <a:rPr kumimoji="1" lang="en-US" altLang="ja-JP" sz="2800" b="0" i="1" dirty="0" smtClean="0">
+                              <a:solidFill>
+                                <a:schemeClr val="accent4">
+                                  <a:lumMod val="75000"/>
+                                </a:schemeClr>
+                              </a:solidFill>
+                              <a:latin typeface="Cambria Math" panose="02040503050406030204" pitchFamily="18" charset="0"/>
+                            </a:rPr>
+                            <m:t>,</m:t>
+                          </m:r>
+                          <m:r>
+                            <a:rPr kumimoji="1" lang="en-US" altLang="ja-JP" sz="2800" b="0" i="1" dirty="0" smtClean="0">
+                              <a:solidFill>
+                                <a:schemeClr val="accent4">
+                                  <a:lumMod val="75000"/>
+                                </a:schemeClr>
+                              </a:solidFill>
+                              <a:latin typeface="Cambria Math" panose="02040503050406030204" pitchFamily="18" charset="0"/>
+                            </a:rPr>
+                            <m:t>𝑛</m:t>
+                          </m:r>
+                        </m:sub>
+                      </m:sSub>
+                    </m:oMath>
+                  </m:oMathPara>
+                </a14:m>
+                <a:endParaRPr kumimoji="1" lang="ja-JP" altLang="en-US" sz="2800">
+                  <a:solidFill>
+                    <a:schemeClr val="accent4">
+                      <a:lumMod val="75000"/>
+                    </a:schemeClr>
+                  </a:solidFill>
+                </a:endParaRPr>
+              </a:p>
+            </p:txBody>
+          </p:sp>
+        </mc:Choice>
+        <mc:Fallback>
+          <p:sp>
+            <p:nvSpPr>
+              <p:cNvPr id="27" name="テキスト ボックス 26">
+                <a:extLst>
+                  <a:ext uri="{FF2B5EF4-FFF2-40B4-BE49-F238E27FC236}">
+                    <a16:creationId xmlns:a16="http://schemas.microsoft.com/office/drawing/2014/main" id="{4D497037-D710-1F44-A2F1-A31DFE17CDB2}"/>
+                  </a:ext>
+                </a:extLst>
+              </p:cNvPr>
+              <p:cNvSpPr txBox="1">
+                <a:spLocks noRot="1" noChangeAspect="1" noMove="1" noResize="1" noEditPoints="1" noAdjustHandles="1" noChangeArrowheads="1" noChangeShapeType="1" noTextEdit="1"/>
+              </p:cNvSpPr>
+              <p:nvPr/>
+            </p:nvSpPr>
+            <p:spPr>
+              <a:xfrm>
+                <a:off x="2986587" y="3871325"/>
+                <a:ext cx="757643" cy="557910"/>
+              </a:xfrm>
+              <a:prstGeom prst="rect">
+                <a:avLst/>
+              </a:prstGeom>
+              <a:blipFill>
+                <a:blip r:embed="rId8"/>
+                <a:stretch>
+                  <a:fillRect b="-11111"/>
+                </a:stretch>
+              </a:blipFill>
+            </p:spPr>
+            <p:txBody>
+              <a:bodyPr/>
+              <a:lstStyle/>
+              <a:p>
+                <a:r>
+                  <a:rPr lang="ja-JP" altLang="en-US">
+                    <a:noFill/>
+                  </a:rPr>
+                  <a:t> </a:t>
+                </a:r>
+              </a:p>
+            </p:txBody>
+          </p:sp>
+        </mc:Fallback>
+      </mc:AlternateContent>
+      <p:cxnSp>
+        <p:nvCxnSpPr>
+          <p:cNvPr id="28" name="直線矢印コネクタ 27">
+            <a:extLst>
+              <a:ext uri="{FF2B5EF4-FFF2-40B4-BE49-F238E27FC236}">
+                <a16:creationId xmlns:a16="http://schemas.microsoft.com/office/drawing/2014/main" id="{A4036CD2-683C-134D-B235-D9B53B2871CE}"/>
+              </a:ext>
+            </a:extLst>
+          </p:cNvPr>
+          <p:cNvCxnSpPr>
+            <a:cxnSpLocks/>
+          </p:cNvCxnSpPr>
+          <p:nvPr/>
+        </p:nvCxnSpPr>
+        <p:spPr>
+          <a:xfrm>
+            <a:off x="1558977" y="3928532"/>
+            <a:ext cx="3522520" cy="0"/>
+          </a:xfrm>
+          <a:prstGeom prst="straightConnector1">
+            <a:avLst/>
+          </a:prstGeom>
+          <a:ln w="38100">
+            <a:solidFill>
+              <a:schemeClr val="accent4">
+                <a:lumMod val="75000"/>
+              </a:schemeClr>
+            </a:solidFill>
+            <a:headEnd type="triangle"/>
+            <a:tailEnd type="triangle"/>
+          </a:ln>
+        </p:spPr>
+        <p:style>
+          <a:lnRef idx="1">
+            <a:schemeClr val="accent1"/>
+          </a:lnRef>
+          <a:fillRef idx="0">
+            <a:schemeClr val="accent1"/>
+          </a:fillRef>
+          <a:effectRef idx="0">
+            <a:schemeClr val="accent1"/>
+          </a:effectRef>
+          <a:fontRef idx="minor">
+            <a:schemeClr val="tx1"/>
+          </a:fontRef>
+        </p:style>
+      </p:cxnSp>
+      <p:cxnSp>
+        <p:nvCxnSpPr>
+          <p:cNvPr id="30" name="直線コネクタ 29">
+            <a:extLst>
+              <a:ext uri="{FF2B5EF4-FFF2-40B4-BE49-F238E27FC236}">
+                <a16:creationId xmlns:a16="http://schemas.microsoft.com/office/drawing/2014/main" id="{FCA66569-A101-254C-A1D7-F76DCA3C8C95}"/>
+              </a:ext>
+            </a:extLst>
+          </p:cNvPr>
+          <p:cNvCxnSpPr>
+            <a:cxnSpLocks/>
+          </p:cNvCxnSpPr>
+          <p:nvPr/>
+        </p:nvCxnSpPr>
+        <p:spPr>
+          <a:xfrm>
+            <a:off x="3972392" y="3957405"/>
+            <a:ext cx="0" cy="616629"/>
+          </a:xfrm>
+          <a:prstGeom prst="line">
+            <a:avLst/>
+          </a:prstGeom>
+          <a:ln w="38100">
+            <a:solidFill>
+              <a:schemeClr val="tx1"/>
+            </a:solidFill>
+            <a:prstDash val="sysDot"/>
+          </a:ln>
+        </p:spPr>
+        <p:style>
+          <a:lnRef idx="1">
+            <a:schemeClr val="accent1"/>
+          </a:lnRef>
+          <a:fillRef idx="0">
+            <a:schemeClr val="accent1"/>
+          </a:fillRef>
+          <a:effectRef idx="0">
+            <a:schemeClr val="accent1"/>
+          </a:effectRef>
+          <a:fontRef idx="minor">
+            <a:schemeClr val="tx1"/>
+          </a:fontRef>
+        </p:style>
+      </p:cxnSp>
+    </p:spTree>
+    <p:extLst>
+      <p:ext uri="{BB962C8B-B14F-4D97-AF65-F5344CB8AC3E}">
+        <p14:creationId xmlns:p14="http://schemas.microsoft.com/office/powerpoint/2010/main" val="1013319839"/>
+      </p:ext>
+    </p:extLst>
+  </p:cSld>
+  <p:clrMapOvr>
+    <a:masterClrMapping/>
+  </p:clrMapOvr>
+</p:sld>
+</file>
+
+<file path=ppt/slides/slide3.xml><?xml version="1.0" encoding="utf-8"?>
+<p:sld xmlns:a="http://schemas.openxmlformats.org/drawingml/2006/main" xmlns:r="http://schemas.openxmlformats.org/officeDocument/2006/relationships" xmlns:p="http://schemas.openxmlformats.org/presentationml/2006/main">
+  <p:cSld>
+    <p:spTree>
+      <p:nvGrpSpPr>
+        <p:cNvPr id="1" name=""/>
+        <p:cNvGrpSpPr/>
+        <p:nvPr/>
+      </p:nvGrpSpPr>
+      <p:grpSpPr>
+        <a:xfrm>
+          <a:off x="0" y="0"/>
+          <a:ext cx="0" cy="0"/>
+          <a:chOff x="0" y="0"/>
+          <a:chExt cx="0" cy="0"/>
+        </a:xfrm>
+      </p:grpSpPr>
+      <p:sp>
+        <p:nvSpPr>
+          <p:cNvPr id="2" name="タイトル 1">
+            <a:extLst>
+              <a:ext uri="{FF2B5EF4-FFF2-40B4-BE49-F238E27FC236}">
+                <a16:creationId xmlns:a16="http://schemas.microsoft.com/office/drawing/2014/main" id="{C8A9C4F2-BA94-084F-9A52-A057055D2CDE}"/>
+              </a:ext>
+            </a:extLst>
+          </p:cNvPr>
+          <p:cNvSpPr>
+            <a:spLocks noGrp="1"/>
+          </p:cNvSpPr>
+          <p:nvPr>
+            <p:ph type="title"/>
+          </p:nvPr>
+        </p:nvSpPr>
+        <p:spPr/>
+        <p:txBody>
+          <a:bodyPr/>
+          <a:lstStyle/>
+          <a:p>
+            <a:endParaRPr kumimoji="1" lang="ja-JP" altLang="en-US"/>
+          </a:p>
+        </p:txBody>
+      </p:sp>
+      <p:cxnSp>
+        <p:nvCxnSpPr>
+          <p:cNvPr id="10" name="直線矢印コネクタ 9">
+            <a:extLst>
+              <a:ext uri="{FF2B5EF4-FFF2-40B4-BE49-F238E27FC236}">
+                <a16:creationId xmlns:a16="http://schemas.microsoft.com/office/drawing/2014/main" id="{2E2863EC-C204-C84D-99FF-C34EE3CABFD7}"/>
+              </a:ext>
+            </a:extLst>
+          </p:cNvPr>
+          <p:cNvCxnSpPr>
+            <a:cxnSpLocks/>
+          </p:cNvCxnSpPr>
+          <p:nvPr/>
+        </p:nvCxnSpPr>
+        <p:spPr>
+          <a:xfrm>
             <a:off x="838200" y="4541961"/>
             <a:ext cx="4268190" cy="0"/>
           </a:xfrm>
@@ -7725,7 +9183,7 @@
 </p:sld>
 </file>
 
-<file path=ppt/slides/slide3.xml><?xml version="1.0" encoding="utf-8"?>
+<file path=ppt/slides/slide4.xml><?xml version="1.0" encoding="utf-8"?>
 <p:sld xmlns:a="http://schemas.openxmlformats.org/drawingml/2006/main" xmlns:r="http://schemas.openxmlformats.org/officeDocument/2006/relationships" xmlns:p="http://schemas.openxmlformats.org/presentationml/2006/main">
   <p:cSld>
     <p:spTree>
@@ -9146,7 +10604,7 @@
 </p:sld>
 </file>
 
-<file path=ppt/slides/slide4.xml><?xml version="1.0" encoding="utf-8"?>
+<file path=ppt/slides/slide5.xml><?xml version="1.0" encoding="utf-8"?>
 <p:sld xmlns:a="http://schemas.openxmlformats.org/drawingml/2006/main" xmlns:r="http://schemas.openxmlformats.org/officeDocument/2006/relationships" xmlns:p="http://schemas.openxmlformats.org/presentationml/2006/main">
   <p:cSld>
     <p:spTree>
@@ -9308,7 +10766,7 @@
 </p:sld>
 </file>
 
-<file path=ppt/slides/slide5.xml><?xml version="1.0" encoding="utf-8"?>
+<file path=ppt/slides/slide6.xml><?xml version="1.0" encoding="utf-8"?>
 <p:sld xmlns:a="http://schemas.openxmlformats.org/drawingml/2006/main" xmlns:r="http://schemas.openxmlformats.org/officeDocument/2006/relationships" xmlns:p="http://schemas.openxmlformats.org/presentationml/2006/main">
   <p:cSld>
     <p:spTree>
@@ -10410,7 +11868,7 @@
 </p:sld>
 </file>
 
-<file path=ppt/slides/slide6.xml><?xml version="1.0" encoding="utf-8"?>
+<file path=ppt/slides/slide7.xml><?xml version="1.0" encoding="utf-8"?>
 <p:sld xmlns:a="http://schemas.openxmlformats.org/drawingml/2006/main" xmlns:r="http://schemas.openxmlformats.org/officeDocument/2006/relationships" xmlns:p="http://schemas.openxmlformats.org/presentationml/2006/main">
   <p:cSld>
     <p:spTree>
@@ -10486,6 +11944,1999 @@
     <p:extLst>
       <p:ext uri="{BB962C8B-B14F-4D97-AF65-F5344CB8AC3E}">
         <p14:creationId xmlns:p14="http://schemas.microsoft.com/office/powerpoint/2010/main" val="3214145451"/>
+      </p:ext>
+    </p:extLst>
+  </p:cSld>
+  <p:clrMapOvr>
+    <a:masterClrMapping/>
+  </p:clrMapOvr>
+</p:sld>
+</file>
+
+<file path=ppt/slides/slide8.xml><?xml version="1.0" encoding="utf-8"?>
+<p:sld xmlns:a="http://schemas.openxmlformats.org/drawingml/2006/main" xmlns:r="http://schemas.openxmlformats.org/officeDocument/2006/relationships" xmlns:p="http://schemas.openxmlformats.org/presentationml/2006/main">
+  <p:cSld>
+    <p:spTree>
+      <p:nvGrpSpPr>
+        <p:cNvPr id="1" name=""/>
+        <p:cNvGrpSpPr/>
+        <p:nvPr/>
+      </p:nvGrpSpPr>
+      <p:grpSpPr>
+        <a:xfrm>
+          <a:off x="0" y="0"/>
+          <a:ext cx="0" cy="0"/>
+          <a:chOff x="0" y="0"/>
+          <a:chExt cx="0" cy="0"/>
+        </a:xfrm>
+      </p:grpSpPr>
+      <p:sp>
+        <p:nvSpPr>
+          <p:cNvPr id="2" name="タイトル 1">
+            <a:extLst>
+              <a:ext uri="{FF2B5EF4-FFF2-40B4-BE49-F238E27FC236}">
+                <a16:creationId xmlns:a16="http://schemas.microsoft.com/office/drawing/2014/main" id="{34FBA70E-D536-C44D-B622-3FAFBE7DAF14}"/>
+              </a:ext>
+            </a:extLst>
+          </p:cNvPr>
+          <p:cNvSpPr>
+            <a:spLocks noGrp="1"/>
+          </p:cNvSpPr>
+          <p:nvPr>
+            <p:ph type="title"/>
+          </p:nvPr>
+        </p:nvSpPr>
+        <p:spPr/>
+        <p:txBody>
+          <a:bodyPr/>
+          <a:lstStyle/>
+          <a:p>
+            <a:endParaRPr kumimoji="1" lang="ja-JP" altLang="en-US"/>
+          </a:p>
+        </p:txBody>
+      </p:sp>
+      <p:pic>
+        <p:nvPicPr>
+          <p:cNvPr id="3" name="図 2">
+            <a:extLst>
+              <a:ext uri="{FF2B5EF4-FFF2-40B4-BE49-F238E27FC236}">
+                <a16:creationId xmlns:a16="http://schemas.microsoft.com/office/drawing/2014/main" id="{8DFB8DE3-66AE-164E-A3C3-210FD901CB11}"/>
+              </a:ext>
+            </a:extLst>
+          </p:cNvPr>
+          <p:cNvPicPr>
+            <a:picLocks noChangeAspect="1"/>
+          </p:cNvPicPr>
+          <p:nvPr/>
+        </p:nvPicPr>
+        <p:blipFill>
+          <a:blip r:embed="rId2" cstate="print">
+            <a:extLst>
+              <a:ext uri="{28A0092B-C50C-407E-A947-70E740481C1C}">
+                <a14:useLocalDpi xmlns:a14="http://schemas.microsoft.com/office/drawing/2010/main" val="0"/>
+              </a:ext>
+            </a:extLst>
+          </a:blip>
+          <a:stretch>
+            <a:fillRect/>
+          </a:stretch>
+        </p:blipFill>
+        <p:spPr>
+          <a:xfrm>
+            <a:off x="4167025" y="1671512"/>
+            <a:ext cx="765601" cy="765601"/>
+          </a:xfrm>
+          <a:prstGeom prst="rect">
+            <a:avLst/>
+          </a:prstGeom>
+        </p:spPr>
+      </p:pic>
+      <p:pic>
+        <p:nvPicPr>
+          <p:cNvPr id="4" name="図 3">
+            <a:extLst>
+              <a:ext uri="{FF2B5EF4-FFF2-40B4-BE49-F238E27FC236}">
+                <a16:creationId xmlns:a16="http://schemas.microsoft.com/office/drawing/2014/main" id="{8CE6E550-40C8-E14C-87BF-7289209959FD}"/>
+              </a:ext>
+            </a:extLst>
+          </p:cNvPr>
+          <p:cNvPicPr>
+            <a:picLocks noChangeAspect="1"/>
+          </p:cNvPicPr>
+          <p:nvPr/>
+        </p:nvPicPr>
+        <p:blipFill>
+          <a:blip r:embed="rId2" cstate="print">
+            <a:extLst>
+              <a:ext uri="{28A0092B-C50C-407E-A947-70E740481C1C}">
+                <a14:useLocalDpi xmlns:a14="http://schemas.microsoft.com/office/drawing/2010/main" val="0"/>
+              </a:ext>
+            </a:extLst>
+          </a:blip>
+          <a:stretch>
+            <a:fillRect/>
+          </a:stretch>
+        </p:blipFill>
+        <p:spPr>
+          <a:xfrm>
+            <a:off x="7322753" y="4553124"/>
+            <a:ext cx="765601" cy="765601"/>
+          </a:xfrm>
+          <a:prstGeom prst="rect">
+            <a:avLst/>
+          </a:prstGeom>
+        </p:spPr>
+      </p:pic>
+      <p:pic>
+        <p:nvPicPr>
+          <p:cNvPr id="5" name="図 4">
+            <a:extLst>
+              <a:ext uri="{FF2B5EF4-FFF2-40B4-BE49-F238E27FC236}">
+                <a16:creationId xmlns:a16="http://schemas.microsoft.com/office/drawing/2014/main" id="{4EC27CBB-4547-694F-8A0E-0169E8E906D1}"/>
+              </a:ext>
+            </a:extLst>
+          </p:cNvPr>
+          <p:cNvPicPr>
+            <a:picLocks noChangeAspect="1"/>
+          </p:cNvPicPr>
+          <p:nvPr/>
+        </p:nvPicPr>
+        <p:blipFill>
+          <a:blip r:embed="rId2" cstate="print">
+            <a:extLst>
+              <a:ext uri="{28A0092B-C50C-407E-A947-70E740481C1C}">
+                <a14:useLocalDpi xmlns:a14="http://schemas.microsoft.com/office/drawing/2010/main" val="0"/>
+              </a:ext>
+            </a:extLst>
+          </a:blip>
+          <a:stretch>
+            <a:fillRect/>
+          </a:stretch>
+        </p:blipFill>
+        <p:spPr>
+          <a:xfrm>
+            <a:off x="4186654" y="4553124"/>
+            <a:ext cx="765601" cy="765601"/>
+          </a:xfrm>
+          <a:prstGeom prst="rect">
+            <a:avLst/>
+          </a:prstGeom>
+        </p:spPr>
+      </p:pic>
+      <p:sp>
+        <p:nvSpPr>
+          <p:cNvPr id="6" name="正方形/長方形 5">
+            <a:extLst>
+              <a:ext uri="{FF2B5EF4-FFF2-40B4-BE49-F238E27FC236}">
+                <a16:creationId xmlns:a16="http://schemas.microsoft.com/office/drawing/2014/main" id="{72A0C822-96DD-8F41-A8B4-CB3C0F011A29}"/>
+              </a:ext>
+            </a:extLst>
+          </p:cNvPr>
+          <p:cNvSpPr/>
+          <p:nvPr/>
+        </p:nvSpPr>
+        <p:spPr>
+          <a:xfrm>
+            <a:off x="2428377" y="2415378"/>
+            <a:ext cx="7027857" cy="2065334"/>
+          </a:xfrm>
+          <a:prstGeom prst="rect">
+            <a:avLst/>
+          </a:prstGeom>
+          <a:noFill/>
+          <a:ln w="44450">
+            <a:solidFill>
+              <a:schemeClr val="accent2">
+                <a:alpha val="50000"/>
+              </a:schemeClr>
+            </a:solidFill>
+          </a:ln>
+        </p:spPr>
+        <p:style>
+          <a:lnRef idx="2">
+            <a:schemeClr val="accent2"/>
+          </a:lnRef>
+          <a:fillRef idx="1">
+            <a:schemeClr val="lt1"/>
+          </a:fillRef>
+          <a:effectRef idx="0">
+            <a:schemeClr val="accent2"/>
+          </a:effectRef>
+          <a:fontRef idx="minor">
+            <a:schemeClr val="dk1"/>
+          </a:fontRef>
+        </p:style>
+        <p:txBody>
+          <a:bodyPr rtlCol="0" anchor="ctr"/>
+          <a:lstStyle/>
+          <a:p>
+            <a:pPr algn="ctr"/>
+            <a:endParaRPr lang="ja-JP" altLang="en-US"/>
+          </a:p>
+        </p:txBody>
+      </p:sp>
+      <p:sp>
+        <p:nvSpPr>
+          <p:cNvPr id="7" name="テキスト ボックス 6">
+            <a:extLst>
+              <a:ext uri="{FF2B5EF4-FFF2-40B4-BE49-F238E27FC236}">
+                <a16:creationId xmlns:a16="http://schemas.microsoft.com/office/drawing/2014/main" id="{5EDD24A5-F4CC-A845-AA8B-CFD09805232A}"/>
+              </a:ext>
+            </a:extLst>
+          </p:cNvPr>
+          <p:cNvSpPr txBox="1"/>
+          <p:nvPr/>
+        </p:nvSpPr>
+        <p:spPr>
+          <a:xfrm>
+            <a:off x="3850271" y="5391137"/>
+            <a:ext cx="1438366" cy="369332"/>
+          </a:xfrm>
+          <a:prstGeom prst="rect">
+            <a:avLst/>
+          </a:prstGeom>
+          <a:noFill/>
+        </p:spPr>
+        <p:txBody>
+          <a:bodyPr wrap="square" rtlCol="0">
+            <a:spAutoFit/>
+          </a:bodyPr>
+          <a:lstStyle/>
+          <a:p>
+            <a:pPr algn="ctr"/>
+            <a:r>
+              <a:rPr lang="en-US" altLang="ja-JP" dirty="0"/>
+              <a:t>Requester1</a:t>
+            </a:r>
+            <a:endParaRPr lang="ja-JP" altLang="en-US" dirty="0"/>
+          </a:p>
+        </p:txBody>
+      </p:sp>
+      <mc:AlternateContent xmlns:mc="http://schemas.openxmlformats.org/markup-compatibility/2006">
+        <mc:Choice xmlns:a14="http://schemas.microsoft.com/office/drawing/2010/main" Requires="a14">
+          <p:sp>
+            <p:nvSpPr>
+              <p:cNvPr id="8" name="テキスト ボックス 7">
+                <a:extLst>
+                  <a:ext uri="{FF2B5EF4-FFF2-40B4-BE49-F238E27FC236}">
+                    <a16:creationId xmlns:a16="http://schemas.microsoft.com/office/drawing/2014/main" id="{4301DEC2-10BE-9B4A-BCE5-2769A4043B84}"/>
+                  </a:ext>
+                </a:extLst>
+              </p:cNvPr>
+              <p:cNvSpPr txBox="1"/>
+              <p:nvPr/>
+            </p:nvSpPr>
+            <p:spPr>
+              <a:xfrm>
+                <a:off x="2348333" y="2659079"/>
+                <a:ext cx="3832441" cy="616515"/>
+              </a:xfrm>
+              <a:prstGeom prst="rect">
+                <a:avLst/>
+              </a:prstGeom>
+              <a:noFill/>
+            </p:spPr>
+            <p:txBody>
+              <a:bodyPr wrap="square" rtlCol="0">
+                <a:spAutoFit/>
+              </a:bodyPr>
+              <a:lstStyle/>
+              <a:p>
+                <a:pPr/>
+                <a14:m>
+                  <m:oMathPara xmlns:m="http://schemas.openxmlformats.org/officeDocument/2006/math">
+                    <m:oMathParaPr>
+                      <m:jc m:val="centerGroup"/>
+                    </m:oMathParaPr>
+                    <m:oMath xmlns:m="http://schemas.openxmlformats.org/officeDocument/2006/math">
+                      <m:d>
+                        <m:dPr>
+                          <m:begChr m:val="["/>
+                          <m:endChr m:val="]"/>
+                          <m:ctrlPr>
+                            <a:rPr lang="en-US" altLang="ja-JP" sz="1600" i="1" dirty="0" smtClean="0">
+                              <a:latin typeface="Cambria Math" panose="02040503050406030204" pitchFamily="18" charset="0"/>
+                            </a:rPr>
+                          </m:ctrlPr>
+                        </m:dPr>
+                        <m:e>
+                          <m:d>
+                            <m:dPr>
+                              <m:ctrlPr>
+                                <a:rPr lang="en-US" altLang="ja-JP" sz="1600" i="1" dirty="0">
+                                  <a:latin typeface="Cambria Math" panose="02040503050406030204" pitchFamily="18" charset="0"/>
+                                </a:rPr>
+                              </m:ctrlPr>
+                            </m:dPr>
+                            <m:e>
+                              <m:sSub>
+                                <m:sSubPr>
+                                  <m:ctrlPr>
+                                    <a:rPr lang="en-US" altLang="ja-JP" sz="1600" i="1" dirty="0">
+                                      <a:latin typeface="Cambria Math" panose="02040503050406030204" pitchFamily="18" charset="0"/>
+                                    </a:rPr>
+                                  </m:ctrlPr>
+                                </m:sSubPr>
+                                <m:e>
+                                  <m:sSub>
+                                    <m:sSubPr>
+                                      <m:ctrlPr>
+                                        <a:rPr lang="en-US" altLang="ja-JP" sz="1600" i="1" dirty="0">
+                                          <a:latin typeface="Cambria Math" panose="02040503050406030204" pitchFamily="18" charset="0"/>
+                                        </a:rPr>
+                                      </m:ctrlPr>
+                                    </m:sSubPr>
+                                    <m:e>
+                                      <m:r>
+                                        <a:rPr lang="en-US" altLang="ja-JP" sz="1600" i="1" dirty="0">
+                                          <a:latin typeface="Cambria Math" panose="02040503050406030204" pitchFamily="18" charset="0"/>
+                                        </a:rPr>
+                                        <m:t>𝑐</m:t>
+                                      </m:r>
+                                    </m:e>
+                                    <m:sub>
+                                      <m:r>
+                                        <a:rPr lang="en-US" altLang="ja-JP" sz="1600" b="0" i="1" dirty="0" smtClean="0">
+                                          <a:latin typeface="Cambria Math" panose="02040503050406030204" pitchFamily="18" charset="0"/>
+                                        </a:rPr>
+                                        <m:t>1</m:t>
+                                      </m:r>
+                                      <m:r>
+                                        <a:rPr lang="en-US" altLang="ja-JP" sz="1600" i="1" dirty="0">
+                                          <a:latin typeface="Cambria Math" panose="02040503050406030204" pitchFamily="18" charset="0"/>
+                                        </a:rPr>
+                                        <m:t>,</m:t>
+                                      </m:r>
+                                      <m:r>
+                                        <a:rPr lang="en-US" altLang="ja-JP" sz="1600" b="0" i="1" dirty="0" smtClean="0">
+                                          <a:latin typeface="Cambria Math" panose="02040503050406030204" pitchFamily="18" charset="0"/>
+                                        </a:rPr>
+                                        <m:t>1</m:t>
+                                      </m:r>
+                                    </m:sub>
+                                  </m:sSub>
+                                  <m:r>
+                                    <a:rPr lang="en-US" altLang="ja-JP" sz="1600" i="1" dirty="0">
+                                      <a:latin typeface="Cambria Math" panose="02040503050406030204" pitchFamily="18" charset="0"/>
+                                    </a:rPr>
+                                    <m:t>, </m:t>
+                                  </m:r>
+                                  <m:r>
+                                    <a:rPr lang="en-US" altLang="ja-JP" sz="1600" i="1">
+                                      <a:latin typeface="Cambria Math" panose="02040503050406030204" pitchFamily="18" charset="0"/>
+                                    </a:rPr>
+                                    <m:t>𝑇𝑃</m:t>
+                                  </m:r>
+                                </m:e>
+                                <m:sub>
+                                  <m:r>
+                                    <a:rPr lang="en-US" altLang="ja-JP" sz="1600" b="0" i="1" smtClean="0">
+                                      <a:latin typeface="Cambria Math" panose="02040503050406030204" pitchFamily="18" charset="0"/>
+                                    </a:rPr>
+                                    <m:t>1</m:t>
+                                  </m:r>
+                                  <m:r>
+                                    <a:rPr lang="en-US" altLang="ja-JP" sz="1600" i="1" dirty="0">
+                                      <a:latin typeface="Cambria Math" panose="02040503050406030204" pitchFamily="18" charset="0"/>
+                                    </a:rPr>
+                                    <m:t>,</m:t>
+                                  </m:r>
+                                  <m:r>
+                                    <a:rPr lang="en-US" altLang="ja-JP" sz="1600" b="0" i="1" dirty="0" smtClean="0">
+                                      <a:latin typeface="Cambria Math" panose="02040503050406030204" pitchFamily="18" charset="0"/>
+                                    </a:rPr>
+                                    <m:t>1</m:t>
+                                  </m:r>
+                                </m:sub>
+                              </m:sSub>
+                              <m:r>
+                                <a:rPr lang="en-US" altLang="ja-JP" sz="1600" b="0" i="1" dirty="0" smtClean="0">
+                                  <a:latin typeface="Cambria Math" panose="02040503050406030204" pitchFamily="18" charset="0"/>
+                                </a:rPr>
+                                <m:t>,</m:t>
+                              </m:r>
+                              <m:r>
+                                <a:rPr lang="en-US" altLang="ja-JP" sz="1600" b="0" i="1" dirty="0" smtClean="0">
+                                  <a:latin typeface="Cambria Math" panose="02040503050406030204" pitchFamily="18" charset="0"/>
+                                </a:rPr>
+                                <m:t>𝑇</m:t>
+                              </m:r>
+                              <m:sSub>
+                                <m:sSubPr>
+                                  <m:ctrlPr>
+                                    <a:rPr lang="en-US" altLang="ja-JP" sz="1600" b="0" i="1" dirty="0" smtClean="0">
+                                      <a:latin typeface="Cambria Math" panose="02040503050406030204" pitchFamily="18" charset="0"/>
+                                    </a:rPr>
+                                  </m:ctrlPr>
+                                </m:sSubPr>
+                                <m:e>
+                                  <m:r>
+                                    <a:rPr lang="en-US" altLang="ja-JP" sz="1600" b="0" i="1" dirty="0" smtClean="0">
+                                      <a:latin typeface="Cambria Math" panose="02040503050406030204" pitchFamily="18" charset="0"/>
+                                    </a:rPr>
+                                    <m:t>𝑃</m:t>
+                                  </m:r>
+                                </m:e>
+                                <m:sub>
+                                  <m:r>
+                                    <a:rPr lang="en-US" altLang="ja-JP" sz="1600" b="0" i="1" dirty="0" smtClean="0">
+                                      <a:latin typeface="Cambria Math" panose="02040503050406030204" pitchFamily="18" charset="0"/>
+                                    </a:rPr>
+                                    <m:t>1,2</m:t>
+                                  </m:r>
+                                </m:sub>
+                              </m:sSub>
+                            </m:e>
+                          </m:d>
+                          <m:r>
+                            <a:rPr lang="en-US" altLang="ja-JP" sz="1600" i="1" dirty="0">
+                              <a:latin typeface="Cambria Math" panose="02040503050406030204" pitchFamily="18" charset="0"/>
+                            </a:rPr>
+                            <m:t>, </m:t>
+                          </m:r>
+                          <m:d>
+                            <m:dPr>
+                              <m:ctrlPr>
+                                <a:rPr lang="en-US" altLang="ja-JP" sz="1600" i="1" dirty="0">
+                                  <a:latin typeface="Cambria Math" panose="02040503050406030204" pitchFamily="18" charset="0"/>
+                                </a:rPr>
+                              </m:ctrlPr>
+                            </m:dPr>
+                            <m:e>
+                              <m:sSub>
+                                <m:sSubPr>
+                                  <m:ctrlPr>
+                                    <a:rPr lang="en-US" altLang="ja-JP" sz="1600" i="1" dirty="0">
+                                      <a:latin typeface="Cambria Math" panose="02040503050406030204" pitchFamily="18" charset="0"/>
+                                    </a:rPr>
+                                  </m:ctrlPr>
+                                </m:sSubPr>
+                                <m:e>
+                                  <m:r>
+                                    <a:rPr lang="en-US" altLang="ja-JP" sz="1600" i="1" dirty="0">
+                                      <a:latin typeface="Cambria Math" panose="02040503050406030204" pitchFamily="18" charset="0"/>
+                                    </a:rPr>
+                                    <m:t>𝑐</m:t>
+                                  </m:r>
+                                </m:e>
+                                <m:sub>
+                                  <m:r>
+                                    <a:rPr lang="en-US" altLang="ja-JP" sz="1600" b="0" i="1" dirty="0" smtClean="0">
+                                      <a:latin typeface="Cambria Math" panose="02040503050406030204" pitchFamily="18" charset="0"/>
+                                    </a:rPr>
+                                    <m:t>1</m:t>
+                                  </m:r>
+                                  <m:r>
+                                    <a:rPr lang="en-US" altLang="ja-JP" sz="1600" i="1" dirty="0">
+                                      <a:latin typeface="Cambria Math" panose="02040503050406030204" pitchFamily="18" charset="0"/>
+                                    </a:rPr>
+                                    <m:t>,</m:t>
+                                  </m:r>
+                                  <m:r>
+                                    <a:rPr lang="en-US" altLang="ja-JP" sz="1600" b="0" i="1" dirty="0" smtClean="0">
+                                      <a:latin typeface="Cambria Math" panose="02040503050406030204" pitchFamily="18" charset="0"/>
+                                    </a:rPr>
+                                    <m:t>2</m:t>
+                                  </m:r>
+                                </m:sub>
+                              </m:sSub>
+                              <m:r>
+                                <a:rPr lang="en-US" altLang="ja-JP" sz="1600" i="1" dirty="0">
+                                  <a:latin typeface="Cambria Math" panose="02040503050406030204" pitchFamily="18" charset="0"/>
+                                </a:rPr>
+                                <m:t>, </m:t>
+                              </m:r>
+                              <m:sSub>
+                                <m:sSubPr>
+                                  <m:ctrlPr>
+                                    <a:rPr lang="en-US" altLang="ja-JP" sz="1600" i="1" dirty="0">
+                                      <a:latin typeface="Cambria Math" panose="02040503050406030204" pitchFamily="18" charset="0"/>
+                                    </a:rPr>
+                                  </m:ctrlPr>
+                                </m:sSubPr>
+                                <m:e>
+                                  <m:r>
+                                    <a:rPr lang="en-US" altLang="ja-JP" sz="1600" i="1">
+                                      <a:latin typeface="Cambria Math" panose="02040503050406030204" pitchFamily="18" charset="0"/>
+                                    </a:rPr>
+                                    <m:t>𝑇𝑃</m:t>
+                                  </m:r>
+                                </m:e>
+                                <m:sub>
+                                  <m:r>
+                                    <a:rPr lang="en-US" altLang="ja-JP" sz="1600" b="0" i="1" smtClean="0">
+                                      <a:latin typeface="Cambria Math" panose="02040503050406030204" pitchFamily="18" charset="0"/>
+                                    </a:rPr>
+                                    <m:t>1</m:t>
+                                  </m:r>
+                                  <m:r>
+                                    <a:rPr lang="en-US" altLang="ja-JP" sz="1600" i="1" dirty="0">
+                                      <a:latin typeface="Cambria Math" panose="02040503050406030204" pitchFamily="18" charset="0"/>
+                                    </a:rPr>
+                                    <m:t>,1</m:t>
+                                  </m:r>
+                                </m:sub>
+                              </m:sSub>
+                              <m:r>
+                                <a:rPr lang="en-US" altLang="ja-JP" sz="1600" b="0" i="1" dirty="0" smtClean="0">
+                                  <a:latin typeface="Cambria Math" panose="02040503050406030204" pitchFamily="18" charset="0"/>
+                                </a:rPr>
+                                <m:t>,</m:t>
+                              </m:r>
+                              <m:sSub>
+                                <m:sSubPr>
+                                  <m:ctrlPr>
+                                    <a:rPr lang="en-US" altLang="ja-JP" sz="1600" i="1" dirty="0">
+                                      <a:latin typeface="Cambria Math" panose="02040503050406030204" pitchFamily="18" charset="0"/>
+                                    </a:rPr>
+                                  </m:ctrlPr>
+                                </m:sSubPr>
+                                <m:e>
+                                  <m:r>
+                                    <a:rPr lang="en-US" altLang="ja-JP" sz="1600" i="1">
+                                      <a:latin typeface="Cambria Math" panose="02040503050406030204" pitchFamily="18" charset="0"/>
+                                    </a:rPr>
+                                    <m:t>𝑇𝑃</m:t>
+                                  </m:r>
+                                </m:e>
+                                <m:sub>
+                                  <m:r>
+                                    <a:rPr lang="en-US" altLang="ja-JP" sz="1600" i="1">
+                                      <a:latin typeface="Cambria Math" panose="02040503050406030204" pitchFamily="18" charset="0"/>
+                                    </a:rPr>
+                                    <m:t>1</m:t>
+                                  </m:r>
+                                  <m:r>
+                                    <a:rPr lang="en-US" altLang="ja-JP" sz="1600" i="1" dirty="0">
+                                      <a:latin typeface="Cambria Math" panose="02040503050406030204" pitchFamily="18" charset="0"/>
+                                    </a:rPr>
+                                    <m:t>,</m:t>
+                                  </m:r>
+                                  <m:r>
+                                    <a:rPr lang="en-US" altLang="ja-JP" sz="1600" b="0" i="1" dirty="0" smtClean="0">
+                                      <a:latin typeface="Cambria Math" panose="02040503050406030204" pitchFamily="18" charset="0"/>
+                                    </a:rPr>
+                                    <m:t>2</m:t>
+                                  </m:r>
+                                </m:sub>
+                              </m:sSub>
+                            </m:e>
+                          </m:d>
+                        </m:e>
+                      </m:d>
+                      <m:r>
+                        <a:rPr lang="en-US" altLang="ja-JP" sz="1600" i="1" dirty="0">
+                          <a:latin typeface="Cambria Math" panose="02040503050406030204" pitchFamily="18" charset="0"/>
+                        </a:rPr>
+                        <m:t>=[</m:t>
+                      </m:r>
+                      <m:r>
+                        <a:rPr lang="en-US" altLang="ja-JP" sz="1600" dirty="0">
+                          <a:latin typeface="Cambria Math" panose="02040503050406030204" pitchFamily="18" charset="0"/>
+                        </a:rPr>
+                        <m:t>(</m:t>
+                      </m:r>
+                      <m:r>
+                        <a:rPr lang="en-US" altLang="ja-JP" sz="1600" b="0" i="0" dirty="0" smtClean="0">
+                          <a:latin typeface="Cambria Math" panose="02040503050406030204" pitchFamily="18" charset="0"/>
+                        </a:rPr>
+                        <m:t>0.</m:t>
+                      </m:r>
+                      <m:r>
+                        <a:rPr lang="en-US" altLang="ja-JP" sz="1600" dirty="0">
+                          <a:latin typeface="Cambria Math" panose="02040503050406030204" pitchFamily="18" charset="0"/>
+                        </a:rPr>
+                        <m:t>1, 125</m:t>
+                      </m:r>
+                      <m:r>
+                        <a:rPr lang="en-US" altLang="ja-JP" sz="1600" b="0" i="0" dirty="0" smtClean="0">
+                          <a:latin typeface="Cambria Math" panose="02040503050406030204" pitchFamily="18" charset="0"/>
+                        </a:rPr>
+                        <m:t>,0</m:t>
+                      </m:r>
+                      <m:r>
+                        <a:rPr lang="en-US" altLang="ja-JP" sz="1600" dirty="0">
+                          <a:latin typeface="Cambria Math" panose="02040503050406030204" pitchFamily="18" charset="0"/>
+                        </a:rPr>
+                        <m:t>),(</m:t>
+                      </m:r>
+                      <m:r>
+                        <a:rPr lang="en-US" altLang="ja-JP" sz="1600" b="0" i="0" dirty="0" smtClean="0">
+                          <a:latin typeface="Cambria Math" panose="02040503050406030204" pitchFamily="18" charset="0"/>
+                        </a:rPr>
+                        <m:t>0.</m:t>
+                      </m:r>
+                      <m:r>
+                        <a:rPr lang="en-US" altLang="ja-JP" sz="1600" dirty="0">
+                          <a:latin typeface="Cambria Math" panose="02040503050406030204" pitchFamily="18" charset="0"/>
+                        </a:rPr>
+                        <m:t>2</m:t>
+                      </m:r>
+                      <m:r>
+                        <a:rPr lang="en-US" altLang="ja-JP" sz="1600" b="0" i="0" dirty="0" smtClean="0">
+                          <a:latin typeface="Cambria Math" panose="02040503050406030204" pitchFamily="18" charset="0"/>
+                        </a:rPr>
+                        <m:t>, </m:t>
+                      </m:r>
+                      <m:r>
+                        <a:rPr lang="en-US" altLang="ja-JP" sz="1600" b="0" i="0" dirty="0" smtClean="0">
+                          <a:latin typeface="Cambria Math" panose="02040503050406030204" pitchFamily="18" charset="0"/>
+                        </a:rPr>
+                        <m:t>0,</m:t>
+                      </m:r>
+                      <m:r>
+                        <a:rPr lang="en-US" altLang="ja-JP" sz="1600" dirty="0">
+                          <a:latin typeface="Cambria Math" panose="02040503050406030204" pitchFamily="18" charset="0"/>
+                        </a:rPr>
+                        <m:t>100)</m:t>
+                      </m:r>
+                      <m:r>
+                        <a:rPr lang="en-US" altLang="ja-JP" sz="1600" i="1" dirty="0">
+                          <a:latin typeface="Cambria Math" panose="02040503050406030204" pitchFamily="18" charset="0"/>
+                        </a:rPr>
+                        <m:t>]</m:t>
+                      </m:r>
+                    </m:oMath>
+                  </m:oMathPara>
+                </a14:m>
+                <a:endParaRPr lang="ja-JP" altLang="en-US" sz="1600" dirty="0"/>
+              </a:p>
+            </p:txBody>
+          </p:sp>
+        </mc:Choice>
+        <mc:Fallback>
+          <p:sp>
+            <p:nvSpPr>
+              <p:cNvPr id="8" name="テキスト ボックス 7">
+                <a:extLst>
+                  <a:ext uri="{FF2B5EF4-FFF2-40B4-BE49-F238E27FC236}">
+                    <a16:creationId xmlns:a16="http://schemas.microsoft.com/office/drawing/2014/main" id="{4301DEC2-10BE-9B4A-BCE5-2769A4043B84}"/>
+                  </a:ext>
+                </a:extLst>
+              </p:cNvPr>
+              <p:cNvSpPr txBox="1">
+                <a:spLocks noRot="1" noChangeAspect="1" noMove="1" noResize="1" noEditPoints="1" noAdjustHandles="1" noChangeArrowheads="1" noChangeShapeType="1" noTextEdit="1"/>
+              </p:cNvSpPr>
+              <p:nvPr/>
+            </p:nvSpPr>
+            <p:spPr>
+              <a:xfrm>
+                <a:off x="2348333" y="2659079"/>
+                <a:ext cx="3832441" cy="616515"/>
+              </a:xfrm>
+              <a:prstGeom prst="rect">
+                <a:avLst/>
+              </a:prstGeom>
+              <a:blipFill>
+                <a:blip r:embed="rId3"/>
+                <a:stretch>
+                  <a:fillRect b="-4000"/>
+                </a:stretch>
+              </a:blipFill>
+            </p:spPr>
+            <p:txBody>
+              <a:bodyPr/>
+              <a:lstStyle/>
+              <a:p>
+                <a:r>
+                  <a:rPr lang="ja-JP" altLang="en-US">
+                    <a:noFill/>
+                  </a:rPr>
+                  <a:t> </a:t>
+                </a:r>
+              </a:p>
+            </p:txBody>
+          </p:sp>
+        </mc:Fallback>
+      </mc:AlternateContent>
+      <mc:AlternateContent xmlns:mc="http://schemas.openxmlformats.org/markup-compatibility/2006">
+        <mc:Choice xmlns:a14="http://schemas.microsoft.com/office/drawing/2010/main" Requires="a14">
+          <p:sp>
+            <p:nvSpPr>
+              <p:cNvPr id="9" name="テキスト ボックス 8">
+                <a:extLst>
+                  <a:ext uri="{FF2B5EF4-FFF2-40B4-BE49-F238E27FC236}">
+                    <a16:creationId xmlns:a16="http://schemas.microsoft.com/office/drawing/2014/main" id="{F045AD70-5CB9-B740-AB03-115360DC66E3}"/>
+                  </a:ext>
+                </a:extLst>
+              </p:cNvPr>
+              <p:cNvSpPr txBox="1"/>
+              <p:nvPr/>
+            </p:nvSpPr>
+            <p:spPr>
+              <a:xfrm>
+                <a:off x="3486098" y="3828277"/>
+                <a:ext cx="2191068" cy="616515"/>
+              </a:xfrm>
+              <a:prstGeom prst="rect">
+                <a:avLst/>
+              </a:prstGeom>
+              <a:noFill/>
+            </p:spPr>
+            <p:txBody>
+              <a:bodyPr wrap="square" rtlCol="0">
+                <a:spAutoFit/>
+              </a:bodyPr>
+              <a:lstStyle/>
+              <a:p>
+                <a:pPr/>
+                <a14:m>
+                  <m:oMathPara xmlns:m="http://schemas.openxmlformats.org/officeDocument/2006/math">
+                    <m:oMathParaPr>
+                      <m:jc m:val="centerGroup"/>
+                    </m:oMathParaPr>
+                    <m:oMath xmlns:m="http://schemas.openxmlformats.org/officeDocument/2006/math">
+                      <m:r>
+                        <a:rPr lang="en-US" altLang="ja-JP" sz="1600" b="0" i="1" dirty="0" smtClean="0">
+                          <a:latin typeface="Cambria Math" panose="02040503050406030204" pitchFamily="18" charset="0"/>
+                        </a:rPr>
+                        <m:t>[</m:t>
+                      </m:r>
+                      <m:d>
+                        <m:dPr>
+                          <m:ctrlPr>
+                            <a:rPr lang="en-US" altLang="ja-JP" sz="1600" i="1" dirty="0" smtClean="0">
+                              <a:latin typeface="Cambria Math" panose="02040503050406030204" pitchFamily="18" charset="0"/>
+                            </a:rPr>
+                          </m:ctrlPr>
+                        </m:dPr>
+                        <m:e>
+                          <m:sSub>
+                            <m:sSubPr>
+                              <m:ctrlPr>
+                                <a:rPr lang="en-US" altLang="ja-JP" sz="1600" i="1" dirty="0">
+                                  <a:latin typeface="Cambria Math" panose="02040503050406030204" pitchFamily="18" charset="0"/>
+                                </a:rPr>
+                              </m:ctrlPr>
+                            </m:sSubPr>
+                            <m:e>
+                              <m:sSub>
+                                <m:sSubPr>
+                                  <m:ctrlPr>
+                                    <a:rPr lang="en-US" altLang="ja-JP" sz="1600" i="1" dirty="0">
+                                      <a:latin typeface="Cambria Math" panose="02040503050406030204" pitchFamily="18" charset="0"/>
+                                    </a:rPr>
+                                  </m:ctrlPr>
+                                </m:sSubPr>
+                                <m:e>
+                                  <m:r>
+                                    <a:rPr lang="en-US" altLang="ja-JP" sz="1600" i="1" dirty="0">
+                                      <a:latin typeface="Cambria Math" panose="02040503050406030204" pitchFamily="18" charset="0"/>
+                                    </a:rPr>
+                                    <m:t>𝑣</m:t>
+                                  </m:r>
+                                </m:e>
+                                <m:sub>
+                                  <m:r>
+                                    <a:rPr lang="en-US" altLang="ja-JP" sz="1600" b="0" i="1" dirty="0" smtClean="0">
+                                      <a:latin typeface="Cambria Math" panose="02040503050406030204" pitchFamily="18" charset="0"/>
+                                    </a:rPr>
+                                    <m:t>1</m:t>
+                                  </m:r>
+                                  <m:r>
+                                    <a:rPr lang="en-US" altLang="ja-JP" sz="1600" b="0" i="1" dirty="0" smtClean="0">
+                                      <a:latin typeface="Cambria Math" panose="02040503050406030204" pitchFamily="18" charset="0"/>
+                                    </a:rPr>
+                                    <m:t>,1</m:t>
+                                  </m:r>
+                                </m:sub>
+                              </m:sSub>
+                              <m:r>
+                                <a:rPr lang="en-US" altLang="ja-JP" sz="1600" i="1" dirty="0">
+                                  <a:latin typeface="Cambria Math" panose="02040503050406030204" pitchFamily="18" charset="0"/>
+                                </a:rPr>
+                                <m:t> ,</m:t>
+                              </m:r>
+                              <m:r>
+                                <a:rPr lang="en-US" altLang="ja-JP" sz="1600" i="1" dirty="0">
+                                  <a:latin typeface="Cambria Math" panose="02040503050406030204" pitchFamily="18" charset="0"/>
+                                </a:rPr>
+                                <m:t>𝑇𝑅</m:t>
+                              </m:r>
+                            </m:e>
+                            <m:sub>
+                              <m:r>
+                                <a:rPr lang="en-US" altLang="ja-JP" sz="1600" b="0" i="1" dirty="0" smtClean="0">
+                                  <a:latin typeface="Cambria Math" panose="02040503050406030204" pitchFamily="18" charset="0"/>
+                                </a:rPr>
+                                <m:t>1</m:t>
+                              </m:r>
+                              <m:r>
+                                <a:rPr lang="en-US" altLang="ja-JP" sz="1600" i="1" dirty="0">
+                                  <a:latin typeface="Cambria Math" panose="02040503050406030204" pitchFamily="18" charset="0"/>
+                                </a:rPr>
+                                <m:t>,</m:t>
+                              </m:r>
+                              <m:r>
+                                <a:rPr lang="en-US" altLang="ja-JP" sz="1600" b="0" i="1" dirty="0" smtClean="0">
+                                  <a:latin typeface="Cambria Math" panose="02040503050406030204" pitchFamily="18" charset="0"/>
+                                </a:rPr>
+                                <m:t>1</m:t>
+                              </m:r>
+                            </m:sub>
+                          </m:sSub>
+                          <m:r>
+                            <a:rPr lang="en-US" altLang="ja-JP" sz="1600" i="1" dirty="0">
+                              <a:latin typeface="Cambria Math" panose="02040503050406030204" pitchFamily="18" charset="0"/>
+                            </a:rPr>
+                            <m:t> , </m:t>
+                          </m:r>
+                          <m:sSub>
+                            <m:sSubPr>
+                              <m:ctrlPr>
+                                <a:rPr lang="en-US" altLang="ja-JP" sz="1600" i="1" dirty="0">
+                                  <a:latin typeface="Cambria Math" panose="02040503050406030204" pitchFamily="18" charset="0"/>
+                                </a:rPr>
+                              </m:ctrlPr>
+                            </m:sSubPr>
+                            <m:e>
+                              <m:r>
+                                <a:rPr lang="en-US" altLang="ja-JP" sz="1600" i="1" dirty="0">
+                                  <a:latin typeface="Cambria Math" panose="02040503050406030204" pitchFamily="18" charset="0"/>
+                                </a:rPr>
+                                <m:t>𝑇𝑅</m:t>
+                              </m:r>
+                            </m:e>
+                            <m:sub>
+                              <m:r>
+                                <a:rPr lang="en-US" altLang="ja-JP" sz="1600" b="0" i="1" dirty="0" smtClean="0">
+                                  <a:latin typeface="Cambria Math" panose="02040503050406030204" pitchFamily="18" charset="0"/>
+                                </a:rPr>
+                                <m:t>1</m:t>
+                              </m:r>
+                              <m:r>
+                                <a:rPr lang="en-US" altLang="ja-JP" sz="1600" i="1" dirty="0">
+                                  <a:latin typeface="Cambria Math" panose="02040503050406030204" pitchFamily="18" charset="0"/>
+                                </a:rPr>
+                                <m:t>,</m:t>
+                              </m:r>
+                              <m:r>
+                                <a:rPr lang="en-US" altLang="ja-JP" sz="1600" b="0" i="1" dirty="0" smtClean="0">
+                                  <a:latin typeface="Cambria Math" panose="02040503050406030204" pitchFamily="18" charset="0"/>
+                                </a:rPr>
+                                <m:t>2</m:t>
+                              </m:r>
+                            </m:sub>
+                          </m:sSub>
+                        </m:e>
+                      </m:d>
+                      <m:r>
+                        <a:rPr lang="en-US" altLang="ja-JP" sz="1600" b="0" i="1" dirty="0" smtClean="0">
+                          <a:latin typeface="Cambria Math" panose="02040503050406030204" pitchFamily="18" charset="0"/>
+                        </a:rPr>
+                        <m:t>]</m:t>
+                      </m:r>
+                      <m:r>
+                        <a:rPr lang="en-US" altLang="ja-JP" sz="1600" i="1" dirty="0">
+                          <a:latin typeface="Cambria Math" panose="02040503050406030204" pitchFamily="18" charset="0"/>
+                        </a:rPr>
+                        <m:t>=(</m:t>
+                      </m:r>
+                      <m:r>
+                        <a:rPr lang="en-US" altLang="ja-JP" sz="1600" b="0" i="1" dirty="0" smtClean="0">
+                          <a:latin typeface="Cambria Math" panose="02040503050406030204" pitchFamily="18" charset="0"/>
+                        </a:rPr>
+                        <m:t>10</m:t>
+                      </m:r>
+                      <m:r>
+                        <a:rPr lang="en-US" altLang="ja-JP" sz="1600" i="1" dirty="0">
+                          <a:latin typeface="Cambria Math" panose="02040503050406030204" pitchFamily="18" charset="0"/>
+                        </a:rPr>
+                        <m:t>0, 150 , </m:t>
+                      </m:r>
+                      <m:r>
+                        <a:rPr lang="en-US" altLang="ja-JP" sz="1600" b="0" i="1" dirty="0" smtClean="0">
+                          <a:latin typeface="Cambria Math" panose="02040503050406030204" pitchFamily="18" charset="0"/>
+                        </a:rPr>
+                        <m:t>5</m:t>
+                      </m:r>
+                      <m:r>
+                        <a:rPr lang="en-US" altLang="ja-JP" sz="1600" i="1" dirty="0">
+                          <a:latin typeface="Cambria Math" panose="02040503050406030204" pitchFamily="18" charset="0"/>
+                        </a:rPr>
+                        <m:t>0)</m:t>
+                      </m:r>
+                    </m:oMath>
+                  </m:oMathPara>
+                </a14:m>
+                <a:endParaRPr lang="ja-JP" altLang="en-US" dirty="0"/>
+              </a:p>
+            </p:txBody>
+          </p:sp>
+        </mc:Choice>
+        <mc:Fallback>
+          <p:sp>
+            <p:nvSpPr>
+              <p:cNvPr id="9" name="テキスト ボックス 8">
+                <a:extLst>
+                  <a:ext uri="{FF2B5EF4-FFF2-40B4-BE49-F238E27FC236}">
+                    <a16:creationId xmlns:a16="http://schemas.microsoft.com/office/drawing/2014/main" id="{F045AD70-5CB9-B740-AB03-115360DC66E3}"/>
+                  </a:ext>
+                </a:extLst>
+              </p:cNvPr>
+              <p:cNvSpPr txBox="1">
+                <a:spLocks noRot="1" noChangeAspect="1" noMove="1" noResize="1" noEditPoints="1" noAdjustHandles="1" noChangeArrowheads="1" noChangeShapeType="1" noTextEdit="1"/>
+              </p:cNvSpPr>
+              <p:nvPr/>
+            </p:nvSpPr>
+            <p:spPr>
+              <a:xfrm>
+                <a:off x="3486098" y="3828277"/>
+                <a:ext cx="2191068" cy="616515"/>
+              </a:xfrm>
+              <a:prstGeom prst="rect">
+                <a:avLst/>
+              </a:prstGeom>
+              <a:blipFill>
+                <a:blip r:embed="rId4"/>
+                <a:stretch>
+                  <a:fillRect b="-4000"/>
+                </a:stretch>
+              </a:blipFill>
+            </p:spPr>
+            <p:txBody>
+              <a:bodyPr/>
+              <a:lstStyle/>
+              <a:p>
+                <a:r>
+                  <a:rPr lang="ja-JP" altLang="en-US">
+                    <a:noFill/>
+                  </a:rPr>
+                  <a:t> </a:t>
+                </a:r>
+              </a:p>
+            </p:txBody>
+          </p:sp>
+        </mc:Fallback>
+      </mc:AlternateContent>
+      <mc:AlternateContent xmlns:mc="http://schemas.openxmlformats.org/markup-compatibility/2006">
+        <mc:Choice xmlns:a14="http://schemas.microsoft.com/office/drawing/2010/main" Requires="a14">
+          <p:sp>
+            <p:nvSpPr>
+              <p:cNvPr id="10" name="テキスト ボックス 9">
+                <a:extLst>
+                  <a:ext uri="{FF2B5EF4-FFF2-40B4-BE49-F238E27FC236}">
+                    <a16:creationId xmlns:a16="http://schemas.microsoft.com/office/drawing/2014/main" id="{AAAF0646-1E41-3445-A4E1-E0E0C23909B1}"/>
+                  </a:ext>
+                </a:extLst>
+              </p:cNvPr>
+              <p:cNvSpPr txBox="1"/>
+              <p:nvPr/>
+            </p:nvSpPr>
+            <p:spPr>
+              <a:xfrm>
+                <a:off x="6725539" y="3783599"/>
+                <a:ext cx="2191068" cy="616515"/>
+              </a:xfrm>
+              <a:prstGeom prst="rect">
+                <a:avLst/>
+              </a:prstGeom>
+              <a:noFill/>
+            </p:spPr>
+            <p:txBody>
+              <a:bodyPr wrap="square" rtlCol="0">
+                <a:spAutoFit/>
+              </a:bodyPr>
+              <a:lstStyle/>
+              <a:p>
+                <a:pPr/>
+                <a14:m>
+                  <m:oMathPara xmlns:m="http://schemas.openxmlformats.org/officeDocument/2006/math">
+                    <m:oMathParaPr>
+                      <m:jc m:val="centerGroup"/>
+                    </m:oMathParaPr>
+                    <m:oMath xmlns:m="http://schemas.openxmlformats.org/officeDocument/2006/math">
+                      <m:r>
+                        <a:rPr lang="en-US" altLang="ja-JP" sz="1600" b="0" i="1" dirty="0" smtClean="0">
+                          <a:latin typeface="Cambria Math" panose="02040503050406030204" pitchFamily="18" charset="0"/>
+                        </a:rPr>
+                        <m:t>[</m:t>
+                      </m:r>
+                      <m:d>
+                        <m:dPr>
+                          <m:ctrlPr>
+                            <a:rPr lang="en-US" altLang="ja-JP" sz="1600" i="1" dirty="0" smtClean="0">
+                              <a:latin typeface="Cambria Math" panose="02040503050406030204" pitchFamily="18" charset="0"/>
+                            </a:rPr>
+                          </m:ctrlPr>
+                        </m:dPr>
+                        <m:e>
+                          <m:sSub>
+                            <m:sSubPr>
+                              <m:ctrlPr>
+                                <a:rPr lang="en-US" altLang="ja-JP" sz="1600" i="1" dirty="0">
+                                  <a:latin typeface="Cambria Math" panose="02040503050406030204" pitchFamily="18" charset="0"/>
+                                </a:rPr>
+                              </m:ctrlPr>
+                            </m:sSubPr>
+                            <m:e>
+                              <m:sSub>
+                                <m:sSubPr>
+                                  <m:ctrlPr>
+                                    <a:rPr lang="en-US" altLang="ja-JP" sz="1600" i="1" dirty="0">
+                                      <a:latin typeface="Cambria Math" panose="02040503050406030204" pitchFamily="18" charset="0"/>
+                                    </a:rPr>
+                                  </m:ctrlPr>
+                                </m:sSubPr>
+                                <m:e>
+                                  <m:r>
+                                    <a:rPr lang="en-US" altLang="ja-JP" sz="1600" i="1" dirty="0">
+                                      <a:latin typeface="Cambria Math" panose="02040503050406030204" pitchFamily="18" charset="0"/>
+                                    </a:rPr>
+                                    <m:t>𝑣</m:t>
+                                  </m:r>
+                                </m:e>
+                                <m:sub>
+                                  <m:r>
+                                    <a:rPr lang="en-US" altLang="ja-JP" sz="1600" b="0" i="1" dirty="0" smtClean="0">
+                                      <a:latin typeface="Cambria Math" panose="02040503050406030204" pitchFamily="18" charset="0"/>
+                                    </a:rPr>
+                                    <m:t>2</m:t>
+                                  </m:r>
+                                  <m:r>
+                                    <a:rPr lang="en-US" altLang="ja-JP" sz="1600" b="0" i="1" dirty="0" smtClean="0">
+                                      <a:latin typeface="Cambria Math" panose="02040503050406030204" pitchFamily="18" charset="0"/>
+                                    </a:rPr>
+                                    <m:t>,1</m:t>
+                                  </m:r>
+                                </m:sub>
+                              </m:sSub>
+                              <m:r>
+                                <a:rPr lang="en-US" altLang="ja-JP" sz="1600" i="1" dirty="0">
+                                  <a:latin typeface="Cambria Math" panose="02040503050406030204" pitchFamily="18" charset="0"/>
+                                </a:rPr>
+                                <m:t>,</m:t>
+                              </m:r>
+                              <m:r>
+                                <a:rPr lang="en-US" altLang="ja-JP" sz="1600" i="1" dirty="0">
+                                  <a:latin typeface="Cambria Math" panose="02040503050406030204" pitchFamily="18" charset="0"/>
+                                </a:rPr>
+                                <m:t>𝑇𝑅</m:t>
+                              </m:r>
+                            </m:e>
+                            <m:sub>
+                              <m:r>
+                                <a:rPr lang="en-US" altLang="ja-JP" sz="1600" b="0" i="1" dirty="0" smtClean="0">
+                                  <a:latin typeface="Cambria Math" panose="02040503050406030204" pitchFamily="18" charset="0"/>
+                                </a:rPr>
+                                <m:t>2</m:t>
+                              </m:r>
+                              <m:r>
+                                <a:rPr lang="en-US" altLang="ja-JP" sz="1600" i="1" dirty="0">
+                                  <a:latin typeface="Cambria Math" panose="02040503050406030204" pitchFamily="18" charset="0"/>
+                                </a:rPr>
+                                <m:t>,</m:t>
+                              </m:r>
+                              <m:r>
+                                <a:rPr lang="en-US" altLang="ja-JP" sz="1600" b="0" i="1" dirty="0" smtClean="0">
+                                  <a:latin typeface="Cambria Math" panose="02040503050406030204" pitchFamily="18" charset="0"/>
+                                </a:rPr>
+                                <m:t>1</m:t>
+                              </m:r>
+                            </m:sub>
+                          </m:sSub>
+                          <m:r>
+                            <a:rPr lang="en-US" altLang="ja-JP" sz="1600" i="1" dirty="0">
+                              <a:latin typeface="Cambria Math" panose="02040503050406030204" pitchFamily="18" charset="0"/>
+                            </a:rPr>
+                            <m:t> , </m:t>
+                          </m:r>
+                          <m:sSub>
+                            <m:sSubPr>
+                              <m:ctrlPr>
+                                <a:rPr lang="en-US" altLang="ja-JP" sz="1600" i="1" dirty="0">
+                                  <a:latin typeface="Cambria Math" panose="02040503050406030204" pitchFamily="18" charset="0"/>
+                                </a:rPr>
+                              </m:ctrlPr>
+                            </m:sSubPr>
+                            <m:e>
+                              <m:r>
+                                <a:rPr lang="en-US" altLang="ja-JP" sz="1600" i="1" dirty="0">
+                                  <a:latin typeface="Cambria Math" panose="02040503050406030204" pitchFamily="18" charset="0"/>
+                                </a:rPr>
+                                <m:t>𝑇𝑅</m:t>
+                              </m:r>
+                            </m:e>
+                            <m:sub>
+                              <m:r>
+                                <a:rPr lang="en-US" altLang="ja-JP" sz="1600" b="0" i="1" dirty="0" smtClean="0">
+                                  <a:latin typeface="Cambria Math" panose="02040503050406030204" pitchFamily="18" charset="0"/>
+                                </a:rPr>
+                                <m:t>2,2</m:t>
+                              </m:r>
+                            </m:sub>
+                          </m:sSub>
+                        </m:e>
+                      </m:d>
+                      <m:r>
+                        <a:rPr lang="en-US" altLang="ja-JP" sz="1600" b="0" i="1" dirty="0" smtClean="0">
+                          <a:latin typeface="Cambria Math" panose="02040503050406030204" pitchFamily="18" charset="0"/>
+                        </a:rPr>
+                        <m:t>]</m:t>
+                      </m:r>
+                      <m:r>
+                        <a:rPr lang="en-US" altLang="ja-JP" sz="1600" i="1" dirty="0">
+                          <a:latin typeface="Cambria Math" panose="02040503050406030204" pitchFamily="18" charset="0"/>
+                        </a:rPr>
+                        <m:t>=(200, 10, 5</m:t>
+                      </m:r>
+                      <m:r>
+                        <a:rPr lang="en-US" altLang="ja-JP" sz="1600" b="0" i="1" dirty="0" smtClean="0">
+                          <a:latin typeface="Cambria Math" panose="02040503050406030204" pitchFamily="18" charset="0"/>
+                        </a:rPr>
+                        <m:t>0</m:t>
+                      </m:r>
+                      <m:r>
+                        <a:rPr lang="en-US" altLang="ja-JP" sz="1600" i="1" dirty="0">
+                          <a:latin typeface="Cambria Math" panose="02040503050406030204" pitchFamily="18" charset="0"/>
+                        </a:rPr>
+                        <m:t>)</m:t>
+                      </m:r>
+                    </m:oMath>
+                  </m:oMathPara>
+                </a14:m>
+                <a:endParaRPr lang="ja-JP" altLang="en-US" sz="1600" dirty="0"/>
+              </a:p>
+            </p:txBody>
+          </p:sp>
+        </mc:Choice>
+        <mc:Fallback>
+          <p:sp>
+            <p:nvSpPr>
+              <p:cNvPr id="10" name="テキスト ボックス 9">
+                <a:extLst>
+                  <a:ext uri="{FF2B5EF4-FFF2-40B4-BE49-F238E27FC236}">
+                    <a16:creationId xmlns:a16="http://schemas.microsoft.com/office/drawing/2014/main" id="{AAAF0646-1E41-3445-A4E1-E0E0C23909B1}"/>
+                  </a:ext>
+                </a:extLst>
+              </p:cNvPr>
+              <p:cNvSpPr txBox="1">
+                <a:spLocks noRot="1" noChangeAspect="1" noMove="1" noResize="1" noEditPoints="1" noAdjustHandles="1" noChangeArrowheads="1" noChangeShapeType="1" noTextEdit="1"/>
+              </p:cNvSpPr>
+              <p:nvPr/>
+            </p:nvSpPr>
+            <p:spPr>
+              <a:xfrm>
+                <a:off x="6725539" y="3783599"/>
+                <a:ext cx="2191068" cy="616515"/>
+              </a:xfrm>
+              <a:prstGeom prst="rect">
+                <a:avLst/>
+              </a:prstGeom>
+              <a:blipFill>
+                <a:blip r:embed="rId5"/>
+                <a:stretch>
+                  <a:fillRect b="-6122"/>
+                </a:stretch>
+              </a:blipFill>
+            </p:spPr>
+            <p:txBody>
+              <a:bodyPr/>
+              <a:lstStyle/>
+              <a:p>
+                <a:r>
+                  <a:rPr lang="ja-JP" altLang="en-US">
+                    <a:noFill/>
+                  </a:rPr>
+                  <a:t> </a:t>
+                </a:r>
+              </a:p>
+            </p:txBody>
+          </p:sp>
+        </mc:Fallback>
+      </mc:AlternateContent>
+      <p:sp>
+        <p:nvSpPr>
+          <p:cNvPr id="11" name="下矢印 10">
+            <a:extLst>
+              <a:ext uri="{FF2B5EF4-FFF2-40B4-BE49-F238E27FC236}">
+                <a16:creationId xmlns:a16="http://schemas.microsoft.com/office/drawing/2014/main" id="{5BD54F71-E9BE-DC44-AA2D-6ED01332CC8A}"/>
+              </a:ext>
+            </a:extLst>
+          </p:cNvPr>
+          <p:cNvSpPr/>
+          <p:nvPr/>
+        </p:nvSpPr>
+        <p:spPr>
+          <a:xfrm>
+            <a:off x="4392061" y="2326281"/>
+            <a:ext cx="315527" cy="324410"/>
+          </a:xfrm>
+          <a:prstGeom prst="downArrow">
+            <a:avLst/>
+          </a:prstGeom>
+          <a:ln>
+            <a:noFill/>
+          </a:ln>
+        </p:spPr>
+        <p:style>
+          <a:lnRef idx="2">
+            <a:schemeClr val="accent1">
+              <a:shade val="50000"/>
+            </a:schemeClr>
+          </a:lnRef>
+          <a:fillRef idx="1">
+            <a:schemeClr val="accent1"/>
+          </a:fillRef>
+          <a:effectRef idx="0">
+            <a:schemeClr val="accent1"/>
+          </a:effectRef>
+          <a:fontRef idx="minor">
+            <a:schemeClr val="lt1"/>
+          </a:fontRef>
+        </p:style>
+        <p:txBody>
+          <a:bodyPr rtlCol="0" anchor="ctr"/>
+          <a:lstStyle/>
+          <a:p>
+            <a:pPr algn="ctr"/>
+            <a:endParaRPr lang="ja-JP" altLang="en-US"/>
+          </a:p>
+        </p:txBody>
+      </p:sp>
+      <p:sp>
+        <p:nvSpPr>
+          <p:cNvPr id="12" name="下矢印 11">
+            <a:extLst>
+              <a:ext uri="{FF2B5EF4-FFF2-40B4-BE49-F238E27FC236}">
+                <a16:creationId xmlns:a16="http://schemas.microsoft.com/office/drawing/2014/main" id="{3C26E602-5CE6-3F49-97F7-92BDD01467DA}"/>
+              </a:ext>
+            </a:extLst>
+          </p:cNvPr>
+          <p:cNvSpPr/>
+          <p:nvPr/>
+        </p:nvSpPr>
+        <p:spPr>
+          <a:xfrm rot="10800000">
+            <a:off x="4441299" y="4442663"/>
+            <a:ext cx="315527" cy="324410"/>
+          </a:xfrm>
+          <a:prstGeom prst="downArrow">
+            <a:avLst/>
+          </a:prstGeom>
+          <a:ln>
+            <a:noFill/>
+          </a:ln>
+        </p:spPr>
+        <p:style>
+          <a:lnRef idx="2">
+            <a:schemeClr val="accent1">
+              <a:shade val="50000"/>
+            </a:schemeClr>
+          </a:lnRef>
+          <a:fillRef idx="1">
+            <a:schemeClr val="accent1"/>
+          </a:fillRef>
+          <a:effectRef idx="0">
+            <a:schemeClr val="accent1"/>
+          </a:effectRef>
+          <a:fontRef idx="minor">
+            <a:schemeClr val="lt1"/>
+          </a:fontRef>
+        </p:style>
+        <p:txBody>
+          <a:bodyPr rtlCol="0" anchor="ctr"/>
+          <a:lstStyle/>
+          <a:p>
+            <a:pPr algn="ctr"/>
+            <a:endParaRPr lang="ja-JP" altLang="en-US"/>
+          </a:p>
+        </p:txBody>
+      </p:sp>
+      <p:sp>
+        <p:nvSpPr>
+          <p:cNvPr id="13" name="下矢印 12">
+            <a:extLst>
+              <a:ext uri="{FF2B5EF4-FFF2-40B4-BE49-F238E27FC236}">
+                <a16:creationId xmlns:a16="http://schemas.microsoft.com/office/drawing/2014/main" id="{CD4C6FAC-F743-4B4A-B396-95A157409537}"/>
+              </a:ext>
+            </a:extLst>
+          </p:cNvPr>
+          <p:cNvSpPr/>
+          <p:nvPr/>
+        </p:nvSpPr>
+        <p:spPr>
+          <a:xfrm rot="10800000">
+            <a:off x="7547789" y="4442665"/>
+            <a:ext cx="315527" cy="324410"/>
+          </a:xfrm>
+          <a:prstGeom prst="downArrow">
+            <a:avLst/>
+          </a:prstGeom>
+          <a:ln>
+            <a:noFill/>
+          </a:ln>
+        </p:spPr>
+        <p:style>
+          <a:lnRef idx="2">
+            <a:schemeClr val="accent1">
+              <a:shade val="50000"/>
+            </a:schemeClr>
+          </a:lnRef>
+          <a:fillRef idx="1">
+            <a:schemeClr val="accent1"/>
+          </a:fillRef>
+          <a:effectRef idx="0">
+            <a:schemeClr val="accent1"/>
+          </a:effectRef>
+          <a:fontRef idx="minor">
+            <a:schemeClr val="lt1"/>
+          </a:fontRef>
+        </p:style>
+        <p:txBody>
+          <a:bodyPr rtlCol="0" anchor="ctr"/>
+          <a:lstStyle/>
+          <a:p>
+            <a:pPr algn="ctr"/>
+            <a:endParaRPr lang="ja-JP" altLang="en-US"/>
+          </a:p>
+        </p:txBody>
+      </p:sp>
+      <p:pic>
+        <p:nvPicPr>
+          <p:cNvPr id="14" name="図 13">
+            <a:extLst>
+              <a:ext uri="{FF2B5EF4-FFF2-40B4-BE49-F238E27FC236}">
+                <a16:creationId xmlns:a16="http://schemas.microsoft.com/office/drawing/2014/main" id="{A9960674-9B4A-A146-BD25-F610FABC3984}"/>
+              </a:ext>
+            </a:extLst>
+          </p:cNvPr>
+          <p:cNvPicPr>
+            <a:picLocks noChangeAspect="1"/>
+          </p:cNvPicPr>
+          <p:nvPr/>
+        </p:nvPicPr>
+        <p:blipFill>
+          <a:blip r:embed="rId2" cstate="print">
+            <a:extLst>
+              <a:ext uri="{28A0092B-C50C-407E-A947-70E740481C1C}">
+                <a14:useLocalDpi xmlns:a14="http://schemas.microsoft.com/office/drawing/2010/main" val="0"/>
+              </a:ext>
+            </a:extLst>
+          </a:blip>
+          <a:stretch>
+            <a:fillRect/>
+          </a:stretch>
+        </p:blipFill>
+        <p:spPr>
+          <a:xfrm>
+            <a:off x="7289367" y="1671512"/>
+            <a:ext cx="765601" cy="765601"/>
+          </a:xfrm>
+          <a:prstGeom prst="rect">
+            <a:avLst/>
+          </a:prstGeom>
+        </p:spPr>
+      </p:pic>
+      <mc:AlternateContent xmlns:mc="http://schemas.openxmlformats.org/markup-compatibility/2006">
+        <mc:Choice xmlns:a14="http://schemas.microsoft.com/office/drawing/2010/main" Requires="a14">
+          <p:sp>
+            <p:nvSpPr>
+              <p:cNvPr id="15" name="テキスト ボックス 14">
+                <a:extLst>
+                  <a:ext uri="{FF2B5EF4-FFF2-40B4-BE49-F238E27FC236}">
+                    <a16:creationId xmlns:a16="http://schemas.microsoft.com/office/drawing/2014/main" id="{B1F7A134-19A2-9044-B6C8-7A845CAC97BE}"/>
+                  </a:ext>
+                </a:extLst>
+              </p:cNvPr>
+              <p:cNvSpPr txBox="1"/>
+              <p:nvPr/>
+            </p:nvSpPr>
+            <p:spPr>
+              <a:xfrm>
+                <a:off x="6011240" y="2656557"/>
+                <a:ext cx="2586571" cy="616515"/>
+              </a:xfrm>
+              <a:prstGeom prst="rect">
+                <a:avLst/>
+              </a:prstGeom>
+              <a:noFill/>
+            </p:spPr>
+            <p:txBody>
+              <a:bodyPr wrap="square" rtlCol="0">
+                <a:spAutoFit/>
+              </a:bodyPr>
+              <a:lstStyle/>
+              <a:p>
+                <a:pPr/>
+                <a14:m>
+                  <m:oMathPara xmlns:m="http://schemas.openxmlformats.org/officeDocument/2006/math">
+                    <m:oMathParaPr>
+                      <m:jc m:val="centerGroup"/>
+                    </m:oMathParaPr>
+                    <m:oMath xmlns:m="http://schemas.openxmlformats.org/officeDocument/2006/math">
+                      <m:d>
+                        <m:dPr>
+                          <m:begChr m:val="["/>
+                          <m:endChr m:val="]"/>
+                          <m:ctrlPr>
+                            <a:rPr lang="en-US" altLang="ja-JP" sz="1600" i="1" dirty="0" smtClean="0">
+                              <a:latin typeface="Cambria Math" panose="02040503050406030204" pitchFamily="18" charset="0"/>
+                            </a:rPr>
+                          </m:ctrlPr>
+                        </m:dPr>
+                        <m:e>
+                          <m:d>
+                            <m:dPr>
+                              <m:ctrlPr>
+                                <a:rPr lang="en-US" altLang="ja-JP" sz="1600" i="1" dirty="0">
+                                  <a:latin typeface="Cambria Math" panose="02040503050406030204" pitchFamily="18" charset="0"/>
+                                </a:rPr>
+                              </m:ctrlPr>
+                            </m:dPr>
+                            <m:e>
+                              <m:sSub>
+                                <m:sSubPr>
+                                  <m:ctrlPr>
+                                    <a:rPr lang="en-US" altLang="ja-JP" sz="1600" i="1" dirty="0">
+                                      <a:latin typeface="Cambria Math" panose="02040503050406030204" pitchFamily="18" charset="0"/>
+                                    </a:rPr>
+                                  </m:ctrlPr>
+                                </m:sSubPr>
+                                <m:e>
+                                  <m:sSub>
+                                    <m:sSubPr>
+                                      <m:ctrlPr>
+                                        <a:rPr lang="en-US" altLang="ja-JP" sz="1600" i="1" dirty="0">
+                                          <a:latin typeface="Cambria Math" panose="02040503050406030204" pitchFamily="18" charset="0"/>
+                                        </a:rPr>
+                                      </m:ctrlPr>
+                                    </m:sSubPr>
+                                    <m:e>
+                                      <m:r>
+                                        <a:rPr lang="en-US" altLang="ja-JP" sz="1600" i="1" dirty="0">
+                                          <a:latin typeface="Cambria Math" panose="02040503050406030204" pitchFamily="18" charset="0"/>
+                                        </a:rPr>
+                                        <m:t>𝑐</m:t>
+                                      </m:r>
+                                    </m:e>
+                                    <m:sub>
+                                      <m:r>
+                                        <a:rPr lang="en-US" altLang="ja-JP" sz="1600" b="0" i="1" dirty="0" smtClean="0">
+                                          <a:latin typeface="Cambria Math" panose="02040503050406030204" pitchFamily="18" charset="0"/>
+                                        </a:rPr>
+                                        <m:t>2</m:t>
+                                      </m:r>
+                                      <m:r>
+                                        <a:rPr lang="en-US" altLang="ja-JP" sz="1600" i="1" dirty="0">
+                                          <a:latin typeface="Cambria Math" panose="02040503050406030204" pitchFamily="18" charset="0"/>
+                                        </a:rPr>
+                                        <m:t>,</m:t>
+                                      </m:r>
+                                      <m:r>
+                                        <a:rPr lang="en-US" altLang="ja-JP" sz="1600" b="0" i="1" dirty="0" smtClean="0">
+                                          <a:latin typeface="Cambria Math" panose="02040503050406030204" pitchFamily="18" charset="0"/>
+                                        </a:rPr>
+                                        <m:t>1</m:t>
+                                      </m:r>
+                                    </m:sub>
+                                  </m:sSub>
+                                  <m:r>
+                                    <a:rPr lang="en-US" altLang="ja-JP" sz="1600" i="1" dirty="0">
+                                      <a:latin typeface="Cambria Math" panose="02040503050406030204" pitchFamily="18" charset="0"/>
+                                    </a:rPr>
+                                    <m:t>, </m:t>
+                                  </m:r>
+                                  <m:r>
+                                    <a:rPr lang="en-US" altLang="ja-JP" sz="1600" i="1">
+                                      <a:latin typeface="Cambria Math" panose="02040503050406030204" pitchFamily="18" charset="0"/>
+                                    </a:rPr>
+                                    <m:t>𝑇𝑃</m:t>
+                                  </m:r>
+                                </m:e>
+                                <m:sub>
+                                  <m:r>
+                                    <a:rPr lang="en-US" altLang="ja-JP" sz="1600" b="0" i="1" smtClean="0">
+                                      <a:latin typeface="Cambria Math" panose="02040503050406030204" pitchFamily="18" charset="0"/>
+                                    </a:rPr>
+                                    <m:t>2</m:t>
+                                  </m:r>
+                                  <m:r>
+                                    <a:rPr lang="en-US" altLang="ja-JP" sz="1600" i="1" dirty="0">
+                                      <a:latin typeface="Cambria Math" panose="02040503050406030204" pitchFamily="18" charset="0"/>
+                                    </a:rPr>
+                                    <m:t>,</m:t>
+                                  </m:r>
+                                  <m:r>
+                                    <a:rPr lang="en-US" altLang="ja-JP" sz="1600" b="0" i="1" dirty="0" smtClean="0">
+                                      <a:latin typeface="Cambria Math" panose="02040503050406030204" pitchFamily="18" charset="0"/>
+                                    </a:rPr>
+                                    <m:t>1</m:t>
+                                  </m:r>
+                                </m:sub>
+                              </m:sSub>
+                              <m:r>
+                                <a:rPr lang="en-US" altLang="ja-JP" sz="1600" b="0" i="1" dirty="0" smtClean="0">
+                                  <a:latin typeface="Cambria Math" panose="02040503050406030204" pitchFamily="18" charset="0"/>
+                                </a:rPr>
+                                <m:t>,</m:t>
+                              </m:r>
+                              <m:r>
+                                <a:rPr lang="en-US" altLang="ja-JP" sz="1600" i="1">
+                                  <a:latin typeface="Cambria Math" panose="02040503050406030204" pitchFamily="18" charset="0"/>
+                                </a:rPr>
+                                <m:t>𝑇</m:t>
+                              </m:r>
+                              <m:sSub>
+                                <m:sSubPr>
+                                  <m:ctrlPr>
+                                    <a:rPr lang="en-US" altLang="ja-JP" sz="1600" b="0" i="1" smtClean="0">
+                                      <a:latin typeface="Cambria Math" panose="02040503050406030204" pitchFamily="18" charset="0"/>
+                                    </a:rPr>
+                                  </m:ctrlPr>
+                                </m:sSubPr>
+                                <m:e>
+                                  <m:r>
+                                    <a:rPr lang="en-US" altLang="ja-JP" sz="1600" i="1">
+                                      <a:latin typeface="Cambria Math" panose="02040503050406030204" pitchFamily="18" charset="0"/>
+                                    </a:rPr>
+                                    <m:t>𝑃</m:t>
+                                  </m:r>
+                                </m:e>
+                                <m:sub>
+                                  <m:r>
+                                    <a:rPr lang="en-US" altLang="ja-JP" sz="1600" b="0" i="1" smtClean="0">
+                                      <a:latin typeface="Cambria Math" panose="02040503050406030204" pitchFamily="18" charset="0"/>
+                                    </a:rPr>
+                                    <m:t>2,2</m:t>
+                                  </m:r>
+                                </m:sub>
+                              </m:sSub>
+                            </m:e>
+                          </m:d>
+                          <m:r>
+                            <a:rPr lang="en-US" altLang="ja-JP" sz="1600" i="1" dirty="0">
+                              <a:latin typeface="Cambria Math" panose="02040503050406030204" pitchFamily="18" charset="0"/>
+                            </a:rPr>
+                            <m:t>, </m:t>
+                          </m:r>
+                          <m:d>
+                            <m:dPr>
+                              <m:ctrlPr>
+                                <a:rPr lang="en-US" altLang="ja-JP" sz="1600" i="1" dirty="0">
+                                  <a:latin typeface="Cambria Math" panose="02040503050406030204" pitchFamily="18" charset="0"/>
+                                </a:rPr>
+                              </m:ctrlPr>
+                            </m:dPr>
+                            <m:e>
+                              <m:sSub>
+                                <m:sSubPr>
+                                  <m:ctrlPr>
+                                    <a:rPr lang="en-US" altLang="ja-JP" sz="1600" i="1" dirty="0">
+                                      <a:latin typeface="Cambria Math" panose="02040503050406030204" pitchFamily="18" charset="0"/>
+                                    </a:rPr>
+                                  </m:ctrlPr>
+                                </m:sSubPr>
+                                <m:e>
+                                  <m:r>
+                                    <a:rPr lang="en-US" altLang="ja-JP" sz="1600" i="1" dirty="0">
+                                      <a:latin typeface="Cambria Math" panose="02040503050406030204" pitchFamily="18" charset="0"/>
+                                    </a:rPr>
+                                    <m:t>𝑐</m:t>
+                                  </m:r>
+                                </m:e>
+                                <m:sub>
+                                  <m:r>
+                                    <a:rPr lang="en-US" altLang="ja-JP" sz="1600" b="0" i="1" dirty="0" smtClean="0">
+                                      <a:latin typeface="Cambria Math" panose="02040503050406030204" pitchFamily="18" charset="0"/>
+                                    </a:rPr>
+                                    <m:t>2</m:t>
+                                  </m:r>
+                                  <m:r>
+                                    <a:rPr lang="en-US" altLang="ja-JP" sz="1600" i="1" dirty="0">
+                                      <a:latin typeface="Cambria Math" panose="02040503050406030204" pitchFamily="18" charset="0"/>
+                                    </a:rPr>
+                                    <m:t>,</m:t>
+                                  </m:r>
+                                  <m:r>
+                                    <a:rPr lang="en-US" altLang="ja-JP" sz="1600" b="0" i="1" dirty="0" smtClean="0">
+                                      <a:latin typeface="Cambria Math" panose="02040503050406030204" pitchFamily="18" charset="0"/>
+                                    </a:rPr>
+                                    <m:t>2</m:t>
+                                  </m:r>
+                                </m:sub>
+                              </m:sSub>
+                              <m:r>
+                                <a:rPr lang="en-US" altLang="ja-JP" sz="1600" i="1" dirty="0">
+                                  <a:latin typeface="Cambria Math" panose="02040503050406030204" pitchFamily="18" charset="0"/>
+                                </a:rPr>
+                                <m:t>,</m:t>
+                              </m:r>
+                              <m:sSub>
+                                <m:sSubPr>
+                                  <m:ctrlPr>
+                                    <a:rPr lang="en-US" altLang="ja-JP" sz="1600" i="1" dirty="0">
+                                      <a:latin typeface="Cambria Math" panose="02040503050406030204" pitchFamily="18" charset="0"/>
+                                    </a:rPr>
+                                  </m:ctrlPr>
+                                </m:sSubPr>
+                                <m:e>
+                                  <m:r>
+                                    <a:rPr lang="en-US" altLang="ja-JP" sz="1600" i="1">
+                                      <a:latin typeface="Cambria Math" panose="02040503050406030204" pitchFamily="18" charset="0"/>
+                                    </a:rPr>
+                                    <m:t>𝑇𝑃</m:t>
+                                  </m:r>
+                                </m:e>
+                                <m:sub>
+                                  <m:r>
+                                    <a:rPr lang="en-US" altLang="ja-JP" sz="1600" i="1">
+                                      <a:latin typeface="Cambria Math" panose="02040503050406030204" pitchFamily="18" charset="0"/>
+                                    </a:rPr>
+                                    <m:t>2</m:t>
+                                  </m:r>
+                                  <m:r>
+                                    <a:rPr lang="en-US" altLang="ja-JP" sz="1600" i="1" dirty="0">
+                                      <a:latin typeface="Cambria Math" panose="02040503050406030204" pitchFamily="18" charset="0"/>
+                                    </a:rPr>
+                                    <m:t>,</m:t>
+                                  </m:r>
+                                  <m:r>
+                                    <a:rPr lang="en-US" altLang="ja-JP" sz="1600" b="0" i="1" dirty="0" smtClean="0">
+                                      <a:latin typeface="Cambria Math" panose="02040503050406030204" pitchFamily="18" charset="0"/>
+                                    </a:rPr>
+                                    <m:t>1</m:t>
+                                  </m:r>
+                                </m:sub>
+                              </m:sSub>
+                              <m:r>
+                                <a:rPr lang="en-US" altLang="ja-JP" sz="1600" b="0" i="1" dirty="0" smtClean="0">
+                                  <a:latin typeface="Cambria Math" panose="02040503050406030204" pitchFamily="18" charset="0"/>
+                                </a:rPr>
+                                <m:t>,</m:t>
+                              </m:r>
+                              <m:sSub>
+                                <m:sSubPr>
+                                  <m:ctrlPr>
+                                    <a:rPr lang="en-US" altLang="ja-JP" sz="1600" i="1" dirty="0">
+                                      <a:latin typeface="Cambria Math" panose="02040503050406030204" pitchFamily="18" charset="0"/>
+                                    </a:rPr>
+                                  </m:ctrlPr>
+                                </m:sSubPr>
+                                <m:e>
+                                  <m:r>
+                                    <a:rPr lang="en-US" altLang="ja-JP" sz="1600" i="1">
+                                      <a:latin typeface="Cambria Math" panose="02040503050406030204" pitchFamily="18" charset="0"/>
+                                    </a:rPr>
+                                    <m:t>𝑇𝑃</m:t>
+                                  </m:r>
+                                </m:e>
+                                <m:sub>
+                                  <m:r>
+                                    <a:rPr lang="en-US" altLang="ja-JP" sz="1600" b="0" i="1" smtClean="0">
+                                      <a:latin typeface="Cambria Math" panose="02040503050406030204" pitchFamily="18" charset="0"/>
+                                    </a:rPr>
+                                    <m:t>2</m:t>
+                                  </m:r>
+                                  <m:r>
+                                    <a:rPr lang="en-US" altLang="ja-JP" sz="1600" i="1" dirty="0">
+                                      <a:latin typeface="Cambria Math" panose="02040503050406030204" pitchFamily="18" charset="0"/>
+                                    </a:rPr>
+                                    <m:t>,</m:t>
+                                  </m:r>
+                                  <m:r>
+                                    <a:rPr lang="en-US" altLang="ja-JP" sz="1600" b="0" i="1" dirty="0" smtClean="0">
+                                      <a:latin typeface="Cambria Math" panose="02040503050406030204" pitchFamily="18" charset="0"/>
+                                    </a:rPr>
+                                    <m:t>2</m:t>
+                                  </m:r>
+                                </m:sub>
+                              </m:sSub>
+                            </m:e>
+                          </m:d>
+                        </m:e>
+                      </m:d>
+                      <m:r>
+                        <a:rPr lang="en-US" altLang="ja-JP" sz="1600" i="1" dirty="0">
+                          <a:latin typeface="Cambria Math" panose="02040503050406030204" pitchFamily="18" charset="0"/>
+                        </a:rPr>
+                        <m:t>=[</m:t>
+                      </m:r>
+                      <m:r>
+                        <a:rPr lang="en-US" altLang="ja-JP" sz="1600" dirty="0">
+                          <a:latin typeface="Cambria Math" panose="02040503050406030204" pitchFamily="18" charset="0"/>
+                        </a:rPr>
+                        <m:t>(0, 0</m:t>
+                      </m:r>
+                      <m:r>
+                        <a:rPr lang="en-US" altLang="ja-JP" sz="1600" b="0" i="0" dirty="0" smtClean="0">
+                          <a:latin typeface="Cambria Math" panose="02040503050406030204" pitchFamily="18" charset="0"/>
+                        </a:rPr>
+                        <m:t>,0</m:t>
+                      </m:r>
+                      <m:r>
+                        <a:rPr lang="en-US" altLang="ja-JP" sz="1600" dirty="0">
+                          <a:latin typeface="Cambria Math" panose="02040503050406030204" pitchFamily="18" charset="0"/>
+                        </a:rPr>
+                        <m:t>),(</m:t>
+                      </m:r>
+                      <m:r>
+                        <a:rPr lang="en-US" altLang="ja-JP" sz="1600" b="0" i="0" dirty="0" smtClean="0">
+                          <a:latin typeface="Cambria Math" panose="02040503050406030204" pitchFamily="18" charset="0"/>
+                        </a:rPr>
+                        <m:t>0.</m:t>
+                      </m:r>
+                      <m:r>
+                        <a:rPr lang="en-US" altLang="ja-JP" sz="1600" dirty="0">
+                          <a:latin typeface="Cambria Math" panose="02040503050406030204" pitchFamily="18" charset="0"/>
+                        </a:rPr>
+                        <m:t>5, </m:t>
+                      </m:r>
+                      <m:r>
+                        <a:rPr lang="en-US" altLang="ja-JP" sz="1600" b="0" i="0" dirty="0" smtClean="0">
+                          <a:latin typeface="Cambria Math" panose="02040503050406030204" pitchFamily="18" charset="0"/>
+                        </a:rPr>
+                        <m:t>0,</m:t>
+                      </m:r>
+                      <m:r>
+                        <a:rPr lang="en-US" altLang="ja-JP" sz="1600" dirty="0">
+                          <a:latin typeface="Cambria Math" panose="02040503050406030204" pitchFamily="18" charset="0"/>
+                        </a:rPr>
+                        <m:t>200)</m:t>
+                      </m:r>
+                      <m:r>
+                        <a:rPr lang="en-US" altLang="ja-JP" sz="1600" i="1" dirty="0">
+                          <a:latin typeface="Cambria Math" panose="02040503050406030204" pitchFamily="18" charset="0"/>
+                        </a:rPr>
+                        <m:t>]</m:t>
+                      </m:r>
+                    </m:oMath>
+                  </m:oMathPara>
+                </a14:m>
+                <a:endParaRPr lang="ja-JP" altLang="en-US" sz="1600" dirty="0"/>
+              </a:p>
+            </p:txBody>
+          </p:sp>
+        </mc:Choice>
+        <mc:Fallback>
+          <p:sp>
+            <p:nvSpPr>
+              <p:cNvPr id="15" name="テキスト ボックス 14">
+                <a:extLst>
+                  <a:ext uri="{FF2B5EF4-FFF2-40B4-BE49-F238E27FC236}">
+                    <a16:creationId xmlns:a16="http://schemas.microsoft.com/office/drawing/2014/main" id="{B1F7A134-19A2-9044-B6C8-7A845CAC97BE}"/>
+                  </a:ext>
+                </a:extLst>
+              </p:cNvPr>
+              <p:cNvSpPr txBox="1">
+                <a:spLocks noRot="1" noChangeAspect="1" noMove="1" noResize="1" noEditPoints="1" noAdjustHandles="1" noChangeArrowheads="1" noChangeShapeType="1" noTextEdit="1"/>
+              </p:cNvSpPr>
+              <p:nvPr/>
+            </p:nvSpPr>
+            <p:spPr>
+              <a:xfrm>
+                <a:off x="6011240" y="2656557"/>
+                <a:ext cx="2586571" cy="616515"/>
+              </a:xfrm>
+              <a:prstGeom prst="rect">
+                <a:avLst/>
+              </a:prstGeom>
+              <a:blipFill>
+                <a:blip r:embed="rId6"/>
+                <a:stretch>
+                  <a:fillRect r="-26829" b="-4000"/>
+                </a:stretch>
+              </a:blipFill>
+            </p:spPr>
+            <p:txBody>
+              <a:bodyPr/>
+              <a:lstStyle/>
+              <a:p>
+                <a:r>
+                  <a:rPr lang="ja-JP" altLang="en-US">
+                    <a:noFill/>
+                  </a:rPr>
+                  <a:t> </a:t>
+                </a:r>
+              </a:p>
+            </p:txBody>
+          </p:sp>
+        </mc:Fallback>
+      </mc:AlternateContent>
+      <p:sp>
+        <p:nvSpPr>
+          <p:cNvPr id="16" name="下矢印 15">
+            <a:extLst>
+              <a:ext uri="{FF2B5EF4-FFF2-40B4-BE49-F238E27FC236}">
+                <a16:creationId xmlns:a16="http://schemas.microsoft.com/office/drawing/2014/main" id="{7BF50770-4C22-E94B-993F-9AB7541C3ABE}"/>
+              </a:ext>
+            </a:extLst>
+          </p:cNvPr>
+          <p:cNvSpPr/>
+          <p:nvPr/>
+        </p:nvSpPr>
+        <p:spPr>
+          <a:xfrm>
+            <a:off x="7515981" y="2321051"/>
+            <a:ext cx="315527" cy="324410"/>
+          </a:xfrm>
+          <a:prstGeom prst="downArrow">
+            <a:avLst/>
+          </a:prstGeom>
+          <a:ln>
+            <a:noFill/>
+          </a:ln>
+        </p:spPr>
+        <p:style>
+          <a:lnRef idx="2">
+            <a:schemeClr val="accent1">
+              <a:shade val="50000"/>
+            </a:schemeClr>
+          </a:lnRef>
+          <a:fillRef idx="1">
+            <a:schemeClr val="accent1"/>
+          </a:fillRef>
+          <a:effectRef idx="0">
+            <a:schemeClr val="accent1"/>
+          </a:effectRef>
+          <a:fontRef idx="minor">
+            <a:schemeClr val="lt1"/>
+          </a:fontRef>
+        </p:style>
+        <p:txBody>
+          <a:bodyPr rtlCol="0" anchor="ctr"/>
+          <a:lstStyle/>
+          <a:p>
+            <a:pPr algn="ctr"/>
+            <a:endParaRPr lang="ja-JP" altLang="en-US"/>
+          </a:p>
+        </p:txBody>
+      </p:sp>
+      <p:sp>
+        <p:nvSpPr>
+          <p:cNvPr id="17" name="テキスト ボックス 16">
+            <a:extLst>
+              <a:ext uri="{FF2B5EF4-FFF2-40B4-BE49-F238E27FC236}">
+                <a16:creationId xmlns:a16="http://schemas.microsoft.com/office/drawing/2014/main" id="{BCCB84E8-ECEB-6840-B013-3D747D435688}"/>
+              </a:ext>
+            </a:extLst>
+          </p:cNvPr>
+          <p:cNvSpPr txBox="1"/>
+          <p:nvPr/>
+        </p:nvSpPr>
+        <p:spPr>
+          <a:xfrm>
+            <a:off x="6986369" y="5385772"/>
+            <a:ext cx="1438366" cy="369332"/>
+          </a:xfrm>
+          <a:prstGeom prst="rect">
+            <a:avLst/>
+          </a:prstGeom>
+          <a:noFill/>
+        </p:spPr>
+        <p:txBody>
+          <a:bodyPr wrap="square" rtlCol="0">
+            <a:spAutoFit/>
+          </a:bodyPr>
+          <a:lstStyle/>
+          <a:p>
+            <a:pPr algn="ctr"/>
+            <a:r>
+              <a:rPr lang="en-US" altLang="ja-JP" dirty="0"/>
+              <a:t>Requester2</a:t>
+            </a:r>
+            <a:endParaRPr lang="ja-JP" altLang="en-US" dirty="0"/>
+          </a:p>
+        </p:txBody>
+      </p:sp>
+      <p:sp>
+        <p:nvSpPr>
+          <p:cNvPr id="18" name="テキスト ボックス 17">
+            <a:extLst>
+              <a:ext uri="{FF2B5EF4-FFF2-40B4-BE49-F238E27FC236}">
+                <a16:creationId xmlns:a16="http://schemas.microsoft.com/office/drawing/2014/main" id="{9FAD5C6F-A895-1E46-9D24-DF39D56F2B50}"/>
+              </a:ext>
+            </a:extLst>
+          </p:cNvPr>
+          <p:cNvSpPr txBox="1"/>
+          <p:nvPr/>
+        </p:nvSpPr>
+        <p:spPr>
+          <a:xfrm>
+            <a:off x="3830876" y="1358183"/>
+            <a:ext cx="1438366" cy="369332"/>
+          </a:xfrm>
+          <a:prstGeom prst="rect">
+            <a:avLst/>
+          </a:prstGeom>
+          <a:noFill/>
+        </p:spPr>
+        <p:txBody>
+          <a:bodyPr wrap="square" rtlCol="0">
+            <a:spAutoFit/>
+          </a:bodyPr>
+          <a:lstStyle/>
+          <a:p>
+            <a:pPr algn="ctr"/>
+            <a:r>
+              <a:rPr lang="en-US" altLang="ja-JP" dirty="0"/>
+              <a:t>Provider1</a:t>
+            </a:r>
+            <a:endParaRPr lang="ja-JP" altLang="en-US" dirty="0"/>
+          </a:p>
+        </p:txBody>
+      </p:sp>
+      <p:sp>
+        <p:nvSpPr>
+          <p:cNvPr id="19" name="テキスト ボックス 18">
+            <a:extLst>
+              <a:ext uri="{FF2B5EF4-FFF2-40B4-BE49-F238E27FC236}">
+                <a16:creationId xmlns:a16="http://schemas.microsoft.com/office/drawing/2014/main" id="{1FD87CF1-9FF8-EA42-9A07-C06767949A49}"/>
+              </a:ext>
+            </a:extLst>
+          </p:cNvPr>
+          <p:cNvSpPr txBox="1"/>
+          <p:nvPr/>
+        </p:nvSpPr>
+        <p:spPr>
+          <a:xfrm>
+            <a:off x="6912319" y="1358183"/>
+            <a:ext cx="1438366" cy="369332"/>
+          </a:xfrm>
+          <a:prstGeom prst="rect">
+            <a:avLst/>
+          </a:prstGeom>
+          <a:noFill/>
+        </p:spPr>
+        <p:txBody>
+          <a:bodyPr wrap="square" rtlCol="0">
+            <a:spAutoFit/>
+          </a:bodyPr>
+          <a:lstStyle/>
+          <a:p>
+            <a:pPr algn="ctr"/>
+            <a:r>
+              <a:rPr lang="en-US" altLang="ja-JP" dirty="0"/>
+              <a:t>Provider2</a:t>
+            </a:r>
+            <a:endParaRPr lang="ja-JP" altLang="en-US" dirty="0"/>
+          </a:p>
+        </p:txBody>
+      </p:sp>
+      <p:sp>
+        <p:nvSpPr>
+          <p:cNvPr id="22" name="テキスト ボックス 21">
+            <a:extLst>
+              <a:ext uri="{FF2B5EF4-FFF2-40B4-BE49-F238E27FC236}">
+                <a16:creationId xmlns:a16="http://schemas.microsoft.com/office/drawing/2014/main" id="{3E24BF48-B526-CC4E-8FCF-FFA0C82DC33B}"/>
+              </a:ext>
+            </a:extLst>
+          </p:cNvPr>
+          <p:cNvSpPr txBox="1"/>
+          <p:nvPr/>
+        </p:nvSpPr>
+        <p:spPr>
+          <a:xfrm>
+            <a:off x="5264747" y="3333304"/>
+            <a:ext cx="1355115" cy="369332"/>
+          </a:xfrm>
+          <a:prstGeom prst="rect">
+            <a:avLst/>
+          </a:prstGeom>
+          <a:noFill/>
+          <a:ln>
+            <a:solidFill>
+              <a:schemeClr val="tx1"/>
+            </a:solidFill>
+          </a:ln>
+        </p:spPr>
+        <p:txBody>
+          <a:bodyPr wrap="none" rtlCol="0">
+            <a:spAutoFit/>
+          </a:bodyPr>
+          <a:lstStyle/>
+          <a:p>
+            <a:r>
+              <a:rPr kumimoji="1" lang="en-US" altLang="ja-JP" dirty="0"/>
+              <a:t>Auctioneer</a:t>
+            </a:r>
+          </a:p>
+        </p:txBody>
+      </p:sp>
+    </p:spTree>
+    <p:extLst>
+      <p:ext uri="{BB962C8B-B14F-4D97-AF65-F5344CB8AC3E}">
+        <p14:creationId xmlns:p14="http://schemas.microsoft.com/office/powerpoint/2010/main" val="375497518"/>
       </p:ext>
     </p:extLst>
   </p:cSld>

--- a/Paper/master-thesis/src/img/chapter-2/図.pptx
+++ b/Paper/master-thesis/src/img/chapter-2/図.pptx
@@ -10808,154 +10808,8 @@
           </a:p>
         </p:txBody>
       </p:sp>
-      <p:cxnSp>
-        <p:nvCxnSpPr>
-          <p:cNvPr id="6" name="直線コネクタ 5">
-            <a:extLst>
-              <a:ext uri="{FF2B5EF4-FFF2-40B4-BE49-F238E27FC236}">
-                <a16:creationId xmlns:a16="http://schemas.microsoft.com/office/drawing/2014/main" id="{427DBEB7-DFDA-B64F-BC2F-461A5BA450F0}"/>
-              </a:ext>
-            </a:extLst>
-          </p:cNvPr>
-          <p:cNvCxnSpPr>
-            <a:cxnSpLocks/>
-          </p:cNvCxnSpPr>
-          <p:nvPr/>
-        </p:nvCxnSpPr>
-        <p:spPr>
-          <a:xfrm>
-            <a:off x="11382499" y="1558632"/>
-            <a:ext cx="0" cy="3960000"/>
-          </a:xfrm>
-          <a:prstGeom prst="line">
-            <a:avLst/>
-          </a:prstGeom>
-          <a:ln w="38100">
-            <a:solidFill>
-              <a:schemeClr val="tx1"/>
-            </a:solidFill>
-          </a:ln>
-        </p:spPr>
-        <p:style>
-          <a:lnRef idx="1">
-            <a:schemeClr val="accent1"/>
-          </a:lnRef>
-          <a:fillRef idx="0">
-            <a:schemeClr val="accent1"/>
-          </a:fillRef>
-          <a:effectRef idx="0">
-            <a:schemeClr val="accent1"/>
-          </a:effectRef>
-          <a:fontRef idx="minor">
-            <a:schemeClr val="tx1"/>
-          </a:fontRef>
-        </p:style>
-      </p:cxnSp>
-      <p:sp>
-        <p:nvSpPr>
-          <p:cNvPr id="7" name="正方形/長方形 6">
-            <a:extLst>
-              <a:ext uri="{FF2B5EF4-FFF2-40B4-BE49-F238E27FC236}">
-                <a16:creationId xmlns:a16="http://schemas.microsoft.com/office/drawing/2014/main" id="{C64AD37A-F4C0-984D-9E25-23A3F08DF97A}"/>
-              </a:ext>
-            </a:extLst>
-          </p:cNvPr>
-          <p:cNvSpPr/>
-          <p:nvPr/>
-        </p:nvSpPr>
-        <p:spPr>
-          <a:xfrm>
-            <a:off x="5416942" y="1805046"/>
-            <a:ext cx="5965557" cy="665018"/>
-          </a:xfrm>
-          <a:prstGeom prst="rect">
-            <a:avLst/>
-          </a:prstGeom>
-          <a:noFill/>
-          <a:ln w="38100"/>
-        </p:spPr>
-        <p:style>
-          <a:lnRef idx="2">
-            <a:schemeClr val="accent1">
-              <a:shade val="50000"/>
-            </a:schemeClr>
-          </a:lnRef>
-          <a:fillRef idx="1">
-            <a:schemeClr val="accent1"/>
-          </a:fillRef>
-          <a:effectRef idx="0">
-            <a:schemeClr val="accent1"/>
-          </a:effectRef>
-          <a:fontRef idx="minor">
-            <a:schemeClr val="lt1"/>
-          </a:fontRef>
-        </p:style>
-        <p:txBody>
-          <a:bodyPr rtlCol="0" anchor="ctr"/>
-          <a:lstStyle/>
-          <a:p>
-            <a:pPr algn="ctr"/>
-            <a:endParaRPr kumimoji="1" lang="ja-JP" altLang="en-US"/>
-          </a:p>
-        </p:txBody>
-      </p:sp>
-      <p:sp>
-        <p:nvSpPr>
-          <p:cNvPr id="8" name="正方形/長方形 7">
-            <a:extLst>
-              <a:ext uri="{FF2B5EF4-FFF2-40B4-BE49-F238E27FC236}">
-                <a16:creationId xmlns:a16="http://schemas.microsoft.com/office/drawing/2014/main" id="{A3172220-1232-5B41-AC89-FECDAD84BE99}"/>
-              </a:ext>
-            </a:extLst>
-          </p:cNvPr>
-          <p:cNvSpPr/>
-          <p:nvPr/>
-        </p:nvSpPr>
-        <p:spPr>
-          <a:xfrm>
-            <a:off x="4291106" y="4542313"/>
-            <a:ext cx="7091387" cy="665018"/>
-          </a:xfrm>
-          <a:prstGeom prst="rect">
-            <a:avLst/>
-          </a:prstGeom>
-          <a:noFill/>
-          <a:ln w="38100">
-            <a:solidFill>
-              <a:schemeClr val="accent1">
-                <a:lumMod val="60000"/>
-                <a:lumOff val="40000"/>
-              </a:schemeClr>
-            </a:solidFill>
-          </a:ln>
-        </p:spPr>
-        <p:style>
-          <a:lnRef idx="2">
-            <a:schemeClr val="accent1">
-              <a:shade val="50000"/>
-            </a:schemeClr>
-          </a:lnRef>
-          <a:fillRef idx="1">
-            <a:schemeClr val="accent1"/>
-          </a:fillRef>
-          <a:effectRef idx="0">
-            <a:schemeClr val="accent1"/>
-          </a:effectRef>
-          <a:fontRef idx="minor">
-            <a:schemeClr val="lt1"/>
-          </a:fontRef>
-        </p:style>
-        <p:txBody>
-          <a:bodyPr rtlCol="0" anchor="ctr"/>
-          <a:lstStyle/>
-          <a:p>
-            <a:pPr algn="ctr"/>
-            <a:endParaRPr kumimoji="1" lang="ja-JP" altLang="en-US"/>
-          </a:p>
-        </p:txBody>
-      </p:sp>
-      <mc:AlternateContent xmlns:mc="http://schemas.openxmlformats.org/markup-compatibility/2006" xmlns:a14="http://schemas.microsoft.com/office/drawing/2010/main">
-        <mc:Choice Requires="a14">
+      <mc:AlternateContent xmlns:mc="http://schemas.openxmlformats.org/markup-compatibility/2006">
+        <mc:Choice xmlns:a14="http://schemas.microsoft.com/office/drawing/2010/main" Requires="a14">
           <p:sp>
             <p:nvSpPr>
               <p:cNvPr id="14" name="テキスト ボックス 13">
@@ -10970,7 +10824,7 @@
             </p:nvSpPr>
             <p:spPr>
               <a:xfrm>
-                <a:off x="6509030" y="1875945"/>
+                <a:off x="6577068" y="3046238"/>
                 <a:ext cx="2852832" cy="578685"/>
               </a:xfrm>
               <a:prstGeom prst="rect">
@@ -11107,7 +10961,7 @@
             </p:txBody>
           </p:sp>
         </mc:Choice>
-        <mc:Fallback xmlns="">
+        <mc:Fallback>
           <p:sp>
             <p:nvSpPr>
               <p:cNvPr id="14" name="テキスト ボックス 13">
@@ -11124,7 +10978,7 @@
             </p:nvSpPr>
             <p:spPr>
               <a:xfrm>
-                <a:off x="6509030" y="1875945"/>
+                <a:off x="6577068" y="3046238"/>
                 <a:ext cx="2852832" cy="578685"/>
               </a:xfrm>
               <a:prstGeom prst="rect">
@@ -11133,7 +10987,7 @@
               <a:blipFill>
                 <a:blip r:embed="rId3"/>
                 <a:stretch>
-                  <a:fillRect b="-13043"/>
+                  <a:fillRect b="-13333"/>
                 </a:stretch>
               </a:blipFill>
             </p:spPr>
@@ -11152,8 +11006,8 @@
           </p:sp>
         </mc:Fallback>
       </mc:AlternateContent>
-      <mc:AlternateContent xmlns:mc="http://schemas.openxmlformats.org/markup-compatibility/2006" xmlns:a14="http://schemas.microsoft.com/office/drawing/2010/main">
-        <mc:Choice Requires="a14">
+      <mc:AlternateContent xmlns:mc="http://schemas.openxmlformats.org/markup-compatibility/2006">
+        <mc:Choice xmlns:a14="http://schemas.microsoft.com/office/drawing/2010/main" Requires="a14">
           <p:sp>
             <p:nvSpPr>
               <p:cNvPr id="15" name="テキスト ボックス 14">
@@ -11168,7 +11022,7 @@
             </p:nvSpPr>
             <p:spPr>
               <a:xfrm>
-                <a:off x="7198065" y="4599102"/>
+                <a:off x="7198065" y="4866730"/>
                 <a:ext cx="1277466" cy="578685"/>
               </a:xfrm>
               <a:prstGeom prst="rect">
@@ -11244,7 +11098,7 @@
             </p:txBody>
           </p:sp>
         </mc:Choice>
-        <mc:Fallback xmlns="">
+        <mc:Fallback>
           <p:sp>
             <p:nvSpPr>
               <p:cNvPr id="15" name="テキスト ボックス 14">
@@ -11261,7 +11115,7 @@
             </p:nvSpPr>
             <p:spPr>
               <a:xfrm>
-                <a:off x="7198065" y="4599102"/>
+                <a:off x="7198065" y="4866730"/>
                 <a:ext cx="1277466" cy="578685"/>
               </a:xfrm>
               <a:prstGeom prst="rect">
@@ -11304,9 +11158,9 @@
           <p:nvPr/>
         </p:nvCxnSpPr>
         <p:spPr>
-          <a:xfrm flipH="1">
-            <a:off x="847167" y="1698171"/>
-            <a:ext cx="14023" cy="3820461"/>
+          <a:xfrm>
+            <a:off x="847167" y="3565315"/>
+            <a:ext cx="0" cy="1370948"/>
           </a:xfrm>
           <a:prstGeom prst="line">
             <a:avLst/>
@@ -11333,8 +11187,8 @@
           </a:fontRef>
         </p:style>
       </p:cxnSp>
-      <mc:AlternateContent xmlns:mc="http://schemas.openxmlformats.org/markup-compatibility/2006" xmlns:a14="http://schemas.microsoft.com/office/drawing/2010/main">
-        <mc:Choice Requires="a14">
+      <mc:AlternateContent xmlns:mc="http://schemas.openxmlformats.org/markup-compatibility/2006">
+        <mc:Choice xmlns:a14="http://schemas.microsoft.com/office/drawing/2010/main" Requires="a14">
           <p:sp>
             <p:nvSpPr>
               <p:cNvPr id="23" name="テキスト ボックス 22">
@@ -11349,7 +11203,7 @@
             </p:nvSpPr>
             <p:spPr>
               <a:xfrm>
-                <a:off x="2386822" y="3009862"/>
+                <a:off x="2132355" y="3565315"/>
                 <a:ext cx="1890261" cy="542136"/>
               </a:xfrm>
               <a:prstGeom prst="rect">
@@ -11443,7 +11297,7 @@
             </p:txBody>
           </p:sp>
         </mc:Choice>
-        <mc:Fallback xmlns="">
+        <mc:Fallback>
           <p:sp>
             <p:nvSpPr>
               <p:cNvPr id="23" name="テキスト ボックス 22">
@@ -11460,7 +11314,7 @@
             </p:nvSpPr>
             <p:spPr>
               <a:xfrm>
-                <a:off x="2386822" y="3009862"/>
+                <a:off x="2132355" y="3565315"/>
                 <a:ext cx="1890261" cy="542136"/>
               </a:xfrm>
               <a:prstGeom prst="rect">
@@ -11469,7 +11323,7 @@
               <a:blipFill>
                 <a:blip r:embed="rId5"/>
                 <a:stretch>
-                  <a:fillRect/>
+                  <a:fillRect b="-2326"/>
                 </a:stretch>
               </a:blipFill>
             </p:spPr>
@@ -11782,7 +11636,7 @@
         </p:nvCxnSpPr>
         <p:spPr>
           <a:xfrm>
-            <a:off x="838200" y="3046238"/>
+            <a:off x="847167" y="3565315"/>
             <a:ext cx="4585051" cy="0"/>
           </a:xfrm>
           <a:prstGeom prst="straightConnector1">
@@ -11827,8 +11681,8 @@
         </p:nvCxnSpPr>
         <p:spPr>
           <a:xfrm>
-            <a:off x="5418735" y="2470064"/>
-            <a:ext cx="0" cy="1056907"/>
+            <a:off x="5418735" y="3046238"/>
+            <a:ext cx="0" cy="480733"/>
           </a:xfrm>
           <a:prstGeom prst="line">
             <a:avLst/>
@@ -11838,6 +11692,180 @@
               <a:schemeClr val="tx1"/>
             </a:solidFill>
             <a:prstDash val="sysDot"/>
+          </a:ln>
+        </p:spPr>
+        <p:style>
+          <a:lnRef idx="1">
+            <a:schemeClr val="accent1"/>
+          </a:lnRef>
+          <a:fillRef idx="0">
+            <a:schemeClr val="accent1"/>
+          </a:fillRef>
+          <a:effectRef idx="0">
+            <a:schemeClr val="accent1"/>
+          </a:effectRef>
+          <a:fontRef idx="minor">
+            <a:schemeClr val="tx1"/>
+          </a:fontRef>
+        </p:style>
+      </p:cxnSp>
+      <p:cxnSp>
+        <p:nvCxnSpPr>
+          <p:cNvPr id="16" name="直線矢印コネクタ 15">
+            <a:extLst>
+              <a:ext uri="{FF2B5EF4-FFF2-40B4-BE49-F238E27FC236}">
+                <a16:creationId xmlns:a16="http://schemas.microsoft.com/office/drawing/2014/main" id="{B954AB21-31CB-0F4A-9B4B-2DD7460F00DD}"/>
+              </a:ext>
+            </a:extLst>
+          </p:cNvPr>
+          <p:cNvCxnSpPr>
+            <a:cxnSpLocks/>
+          </p:cNvCxnSpPr>
+          <p:nvPr/>
+        </p:nvCxnSpPr>
+        <p:spPr>
+          <a:xfrm>
+            <a:off x="838200" y="5818627"/>
+            <a:ext cx="10544293" cy="0"/>
+          </a:xfrm>
+          <a:prstGeom prst="straightConnector1">
+            <a:avLst/>
+          </a:prstGeom>
+          <a:ln w="38100">
+            <a:solidFill>
+              <a:schemeClr val="tx1"/>
+            </a:solidFill>
+            <a:headEnd type="none"/>
+            <a:tailEnd type="triangle"/>
+          </a:ln>
+        </p:spPr>
+        <p:style>
+          <a:lnRef idx="1">
+            <a:schemeClr val="accent1"/>
+          </a:lnRef>
+          <a:fillRef idx="0">
+            <a:schemeClr val="accent1"/>
+          </a:fillRef>
+          <a:effectRef idx="0">
+            <a:schemeClr val="accent1"/>
+          </a:effectRef>
+          <a:fontRef idx="minor">
+            <a:schemeClr val="tx1"/>
+          </a:fontRef>
+        </p:style>
+      </p:cxnSp>
+      <p:sp>
+        <p:nvSpPr>
+          <p:cNvPr id="17" name="テキスト ボックス 16">
+            <a:extLst>
+              <a:ext uri="{FF2B5EF4-FFF2-40B4-BE49-F238E27FC236}">
+                <a16:creationId xmlns:a16="http://schemas.microsoft.com/office/drawing/2014/main" id="{DB44F217-B095-CA46-AAA5-2154BA104255}"/>
+              </a:ext>
+            </a:extLst>
+          </p:cNvPr>
+          <p:cNvSpPr txBox="1"/>
+          <p:nvPr/>
+        </p:nvSpPr>
+        <p:spPr>
+          <a:xfrm>
+            <a:off x="10178320" y="5921117"/>
+            <a:ext cx="1127232" cy="400110"/>
+          </a:xfrm>
+          <a:prstGeom prst="rect">
+            <a:avLst/>
+          </a:prstGeom>
+          <a:noFill/>
+        </p:spPr>
+        <p:txBody>
+          <a:bodyPr wrap="none" rtlCol="0">
+            <a:spAutoFit/>
+          </a:bodyPr>
+          <a:lstStyle/>
+          <a:p>
+            <a:r>
+              <a:rPr lang="en" altLang="ja-JP" sz="2000" b="1" dirty="0"/>
+              <a:t>amount</a:t>
+            </a:r>
+            <a:endParaRPr kumimoji="1" lang="en-US" altLang="ja-JP" sz="2000" dirty="0"/>
+          </a:p>
+        </p:txBody>
+      </p:sp>
+      <p:cxnSp>
+        <p:nvCxnSpPr>
+          <p:cNvPr id="18" name="直線矢印コネクタ 17">
+            <a:extLst>
+              <a:ext uri="{FF2B5EF4-FFF2-40B4-BE49-F238E27FC236}">
+                <a16:creationId xmlns:a16="http://schemas.microsoft.com/office/drawing/2014/main" id="{69E303AC-8402-7947-94D0-0BA16A9E56B9}"/>
+              </a:ext>
+            </a:extLst>
+          </p:cNvPr>
+          <p:cNvCxnSpPr>
+            <a:cxnSpLocks/>
+          </p:cNvCxnSpPr>
+          <p:nvPr/>
+        </p:nvCxnSpPr>
+        <p:spPr>
+          <a:xfrm>
+            <a:off x="5418735" y="3031958"/>
+            <a:ext cx="5963758" cy="0"/>
+          </a:xfrm>
+          <a:prstGeom prst="straightConnector1">
+            <a:avLst/>
+          </a:prstGeom>
+          <a:ln w="38100">
+            <a:solidFill>
+              <a:schemeClr val="accent1"/>
+            </a:solidFill>
+            <a:headEnd type="triangle"/>
+            <a:tailEnd type="triangle"/>
+          </a:ln>
+        </p:spPr>
+        <p:style>
+          <a:lnRef idx="1">
+            <a:schemeClr val="accent1"/>
+          </a:lnRef>
+          <a:fillRef idx="0">
+            <a:schemeClr val="accent1"/>
+          </a:fillRef>
+          <a:effectRef idx="0">
+            <a:schemeClr val="accent1"/>
+          </a:effectRef>
+          <a:fontRef idx="minor">
+            <a:schemeClr val="tx1"/>
+          </a:fontRef>
+        </p:style>
+      </p:cxnSp>
+      <p:cxnSp>
+        <p:nvCxnSpPr>
+          <p:cNvPr id="24" name="直線矢印コネクタ 23">
+            <a:extLst>
+              <a:ext uri="{FF2B5EF4-FFF2-40B4-BE49-F238E27FC236}">
+                <a16:creationId xmlns:a16="http://schemas.microsoft.com/office/drawing/2014/main" id="{75B28FC2-3D9B-9F4D-9853-7418662B052E}"/>
+              </a:ext>
+            </a:extLst>
+          </p:cNvPr>
+          <p:cNvCxnSpPr>
+            <a:cxnSpLocks/>
+          </p:cNvCxnSpPr>
+          <p:nvPr/>
+        </p:nvCxnSpPr>
+        <p:spPr>
+          <a:xfrm>
+            <a:off x="4277083" y="4848286"/>
+            <a:ext cx="7105410" cy="0"/>
+          </a:xfrm>
+          <a:prstGeom prst="straightConnector1">
+            <a:avLst/>
+          </a:prstGeom>
+          <a:ln w="38100">
+            <a:solidFill>
+              <a:schemeClr val="accent1">
+                <a:lumMod val="60000"/>
+                <a:lumOff val="40000"/>
+              </a:schemeClr>
+            </a:solidFill>
+            <a:headEnd type="triangle"/>
+            <a:tailEnd type="triangle"/>
           </a:ln>
         </p:spPr>
         <p:style>
@@ -13926,6 +13954,7 @@
           </a:bodyPr>
           <a:lstStyle/>
           <a:p>
+            <a:pPr algn="ctr"/>
             <a:r>
               <a:rPr kumimoji="1" lang="en-US" altLang="ja-JP" dirty="0"/>
               <a:t>Auctioneer</a:t>

--- a/Paper/master-thesis/src/img/chapter-2/図.pptx
+++ b/Paper/master-thesis/src/img/chapter-2/図.pptx
@@ -215,7 +215,7 @@
           <a:p>
             <a:fld id="{897832C7-1618-EE41-8284-0D326C91B4F7}" type="datetimeFigureOut">
               <a:rPr kumimoji="1" lang="ja-JP" altLang="en-US" smtClean="0"/>
-              <a:t>2020/1/28</a:t>
+              <a:t>2020/2/2</a:t>
             </a:fld>
             <a:endParaRPr kumimoji="1" lang="ja-JP" altLang="en-US"/>
           </a:p>
@@ -5125,7 +5125,7 @@
         </p:nvCxnSpPr>
         <p:spPr>
           <a:xfrm>
-            <a:off x="2188564" y="4541961"/>
+            <a:off x="2179442" y="4776914"/>
             <a:ext cx="2917826" cy="0"/>
           </a:xfrm>
           <a:prstGeom prst="straightConnector1">
@@ -5170,7 +5170,7 @@
         </p:nvCxnSpPr>
         <p:spPr>
           <a:xfrm>
-            <a:off x="5106390" y="4541961"/>
+            <a:off x="5097268" y="4776914"/>
             <a:ext cx="6276103" cy="0"/>
           </a:xfrm>
           <a:prstGeom prst="straightConnector1">
@@ -5199,8 +5199,8 @@
           </a:fontRef>
         </p:style>
       </p:cxnSp>
-      <mc:AlternateContent xmlns:mc="http://schemas.openxmlformats.org/markup-compatibility/2006">
-        <mc:Choice xmlns:a14="http://schemas.microsoft.com/office/drawing/2010/main" Requires="a14">
+      <mc:AlternateContent xmlns:mc="http://schemas.openxmlformats.org/markup-compatibility/2006" xmlns:a14="http://schemas.microsoft.com/office/drawing/2010/main">
+        <mc:Choice Requires="a14">
           <p:sp>
             <p:nvSpPr>
               <p:cNvPr id="14" name="テキスト ボックス 13">
@@ -5295,7 +5295,7 @@
             </p:txBody>
           </p:sp>
         </mc:Choice>
-        <mc:Fallback>
+        <mc:Fallback xmlns="">
           <p:sp>
             <p:nvSpPr>
               <p:cNvPr id="14" name="テキスト ボックス 13">
@@ -5356,7 +5356,7 @@
             </p:nvSpPr>
             <p:spPr>
               <a:xfrm>
-                <a:off x="5546844" y="5115917"/>
+                <a:off x="6000216" y="5193700"/>
                 <a:ext cx="962186" cy="523220"/>
               </a:xfrm>
               <a:prstGeom prst="rect">
@@ -5425,7 +5425,7 @@
             </p:nvSpPr>
             <p:spPr>
               <a:xfrm>
-                <a:off x="5546844" y="5115917"/>
+                <a:off x="6000216" y="5193700"/>
                 <a:ext cx="962186" cy="523220"/>
               </a:xfrm>
               <a:prstGeom prst="rect">
@@ -5434,7 +5434,7 @@
               <a:blipFill>
                 <a:blip r:embed="rId4"/>
                 <a:stretch>
-                  <a:fillRect b="-11905"/>
+                  <a:fillRect b="-14286"/>
                 </a:stretch>
               </a:blipFill>
             </p:spPr>
@@ -5469,7 +5469,7 @@
             </p:nvSpPr>
             <p:spPr>
               <a:xfrm>
-                <a:off x="2870265" y="4574034"/>
+                <a:off x="3189720" y="4688739"/>
                 <a:ext cx="780791" cy="557910"/>
               </a:xfrm>
               <a:prstGeom prst="rect">
@@ -5552,7 +5552,7 @@
             </p:nvSpPr>
             <p:spPr>
               <a:xfrm>
-                <a:off x="2870265" y="4574034"/>
+                <a:off x="3189720" y="4688739"/>
                 <a:ext cx="780791" cy="557910"/>
               </a:xfrm>
               <a:prstGeom prst="rect">
@@ -5561,7 +5561,7 @@
               <a:blipFill>
                 <a:blip r:embed="rId5"/>
                 <a:stretch>
-                  <a:fillRect l="-3226" b="-11364"/>
+                  <a:fillRect l="-1587" b="-13333"/>
                 </a:stretch>
               </a:blipFill>
             </p:spPr>
@@ -5596,7 +5596,7 @@
             </p:nvSpPr>
             <p:spPr>
               <a:xfrm>
-                <a:off x="7860794" y="4604014"/>
+                <a:off x="7536131" y="4696217"/>
                 <a:ext cx="1985544" cy="557910"/>
               </a:xfrm>
               <a:prstGeom prst="rect">
@@ -5715,7 +5715,7 @@
             </p:nvSpPr>
             <p:spPr>
               <a:xfrm>
-                <a:off x="7860794" y="4604014"/>
+                <a:off x="7536131" y="4696217"/>
                 <a:ext cx="1985544" cy="557910"/>
               </a:xfrm>
               <a:prstGeom prst="rect">
@@ -5724,7 +5724,7 @@
               <a:blipFill>
                 <a:blip r:embed="rId6"/>
                 <a:stretch>
-                  <a:fillRect b="-18182"/>
+                  <a:fillRect b="-15556"/>
                 </a:stretch>
               </a:blipFill>
             </p:spPr>
@@ -5804,7 +5804,7 @@
         <p:spPr>
           <a:xfrm>
             <a:off x="5106390" y="3052186"/>
-            <a:ext cx="0" cy="2063731"/>
+            <a:ext cx="0" cy="1724728"/>
           </a:xfrm>
           <a:prstGeom prst="line">
             <a:avLst/>
@@ -6006,54 +6006,6 @@
       </p:cxnSp>
       <p:cxnSp>
         <p:nvCxnSpPr>
-          <p:cNvPr id="18" name="直線矢印コネクタ 17">
-            <a:extLst>
-              <a:ext uri="{FF2B5EF4-FFF2-40B4-BE49-F238E27FC236}">
-                <a16:creationId xmlns:a16="http://schemas.microsoft.com/office/drawing/2014/main" id="{29A7AB01-4239-1246-A6B8-59F48A33B712}"/>
-              </a:ext>
-            </a:extLst>
-          </p:cNvPr>
-          <p:cNvCxnSpPr>
-            <a:cxnSpLocks/>
-          </p:cNvCxnSpPr>
-          <p:nvPr/>
-        </p:nvCxnSpPr>
-        <p:spPr>
-          <a:xfrm>
-            <a:off x="2188564" y="5115917"/>
-            <a:ext cx="9193929" cy="0"/>
-          </a:xfrm>
-          <a:prstGeom prst="straightConnector1">
-            <a:avLst/>
-          </a:prstGeom>
-          <a:ln w="38100">
-            <a:solidFill>
-              <a:schemeClr val="accent1">
-                <a:lumMod val="60000"/>
-                <a:lumOff val="40000"/>
-              </a:schemeClr>
-            </a:solidFill>
-            <a:headEnd type="triangle"/>
-            <a:tailEnd type="triangle"/>
-          </a:ln>
-        </p:spPr>
-        <p:style>
-          <a:lnRef idx="1">
-            <a:schemeClr val="accent1"/>
-          </a:lnRef>
-          <a:fillRef idx="0">
-            <a:schemeClr val="accent1"/>
-          </a:fillRef>
-          <a:effectRef idx="0">
-            <a:schemeClr val="accent1"/>
-          </a:effectRef>
-          <a:fontRef idx="minor">
-            <a:schemeClr val="tx1"/>
-          </a:fontRef>
-        </p:style>
-      </p:cxnSp>
-      <p:cxnSp>
-        <p:nvCxnSpPr>
           <p:cNvPr id="21" name="直線矢印コネクタ 20">
             <a:extLst>
               <a:ext uri="{FF2B5EF4-FFF2-40B4-BE49-F238E27FC236}">
@@ -6097,89 +6049,8 @@
           </a:fontRef>
         </p:style>
       </p:cxnSp>
-      <p:cxnSp>
-        <p:nvCxnSpPr>
-          <p:cNvPr id="25" name="直線矢印コネクタ 24">
-            <a:extLst>
-              <a:ext uri="{FF2B5EF4-FFF2-40B4-BE49-F238E27FC236}">
-                <a16:creationId xmlns:a16="http://schemas.microsoft.com/office/drawing/2014/main" id="{CA193B10-849C-D347-A8B3-DEACFA372903}"/>
-              </a:ext>
-            </a:extLst>
-          </p:cNvPr>
-          <p:cNvCxnSpPr>
-            <a:cxnSpLocks/>
-          </p:cNvCxnSpPr>
-          <p:nvPr/>
-        </p:nvCxnSpPr>
-        <p:spPr>
-          <a:xfrm>
-            <a:off x="838200" y="5818627"/>
-            <a:ext cx="10544293" cy="0"/>
-          </a:xfrm>
-          <a:prstGeom prst="straightConnector1">
-            <a:avLst/>
-          </a:prstGeom>
-          <a:ln w="38100">
-            <a:solidFill>
-              <a:schemeClr val="tx1"/>
-            </a:solidFill>
-            <a:headEnd type="none"/>
-            <a:tailEnd type="triangle"/>
-          </a:ln>
-        </p:spPr>
-        <p:style>
-          <a:lnRef idx="1">
-            <a:schemeClr val="accent1"/>
-          </a:lnRef>
-          <a:fillRef idx="0">
-            <a:schemeClr val="accent1"/>
-          </a:fillRef>
-          <a:effectRef idx="0">
-            <a:schemeClr val="accent1"/>
-          </a:effectRef>
-          <a:fontRef idx="minor">
-            <a:schemeClr val="tx1"/>
-          </a:fontRef>
-        </p:style>
-      </p:cxnSp>
-      <p:sp>
-        <p:nvSpPr>
-          <p:cNvPr id="26" name="テキスト ボックス 25">
-            <a:extLst>
-              <a:ext uri="{FF2B5EF4-FFF2-40B4-BE49-F238E27FC236}">
-                <a16:creationId xmlns:a16="http://schemas.microsoft.com/office/drawing/2014/main" id="{00ABA0DD-107C-A648-B11C-8D2D09956640}"/>
-              </a:ext>
-            </a:extLst>
-          </p:cNvPr>
-          <p:cNvSpPr txBox="1"/>
-          <p:nvPr/>
-        </p:nvSpPr>
-        <p:spPr>
-          <a:xfrm>
-            <a:off x="10178320" y="5921117"/>
-            <a:ext cx="1127232" cy="400110"/>
-          </a:xfrm>
-          <a:prstGeom prst="rect">
-            <a:avLst/>
-          </a:prstGeom>
-          <a:noFill/>
-        </p:spPr>
-        <p:txBody>
-          <a:bodyPr wrap="none" rtlCol="0">
-            <a:spAutoFit/>
-          </a:bodyPr>
-          <a:lstStyle/>
-          <a:p>
-            <a:r>
-              <a:rPr lang="en" altLang="ja-JP" sz="2000" b="1" dirty="0"/>
-              <a:t>amount</a:t>
-            </a:r>
-            <a:endParaRPr kumimoji="1" lang="en-US" altLang="ja-JP" sz="2000" dirty="0"/>
-          </a:p>
-        </p:txBody>
-      </p:sp>
-      <mc:AlternateContent xmlns:mc="http://schemas.openxmlformats.org/markup-compatibility/2006">
-        <mc:Choice xmlns:a14="http://schemas.microsoft.com/office/drawing/2010/main" Requires="a14">
+      <mc:AlternateContent xmlns:mc="http://schemas.openxmlformats.org/markup-compatibility/2006" xmlns:a14="http://schemas.microsoft.com/office/drawing/2010/main">
+        <mc:Choice Requires="a14">
           <p:sp>
             <p:nvSpPr>
               <p:cNvPr id="27" name="テキスト ボックス 26">
@@ -6208,6 +6079,7 @@
               </a:bodyPr>
               <a:lstStyle/>
               <a:p>
+                <a:pPr/>
                 <a14:m>
                   <m:oMathPara xmlns:m="http://schemas.openxmlformats.org/officeDocument/2006/math">
                     <m:oMathParaPr>
@@ -6290,7 +6162,7 @@
             </p:txBody>
           </p:sp>
         </mc:Choice>
-        <mc:Fallback>
+        <mc:Fallback xmlns="">
           <p:sp>
             <p:nvSpPr>
               <p:cNvPr id="27" name="テキスト ボックス 26">
@@ -6397,9 +6269,9 @@
           <p:nvPr/>
         </p:nvCxnSpPr>
         <p:spPr>
-          <a:xfrm>
-            <a:off x="2188557" y="3925332"/>
-            <a:ext cx="0" cy="616629"/>
+          <a:xfrm flipH="1">
+            <a:off x="2206763" y="3915707"/>
+            <a:ext cx="0" cy="864000"/>
           </a:xfrm>
           <a:prstGeom prst="line">
             <a:avLst/>
@@ -6426,6 +6298,63 @@
           </a:fontRef>
         </p:style>
       </p:cxnSp>
+      <p:sp>
+        <p:nvSpPr>
+          <p:cNvPr id="3" name="正方形/長方形 2">
+            <a:extLst>
+              <a:ext uri="{FF2B5EF4-FFF2-40B4-BE49-F238E27FC236}">
+                <a16:creationId xmlns:a16="http://schemas.microsoft.com/office/drawing/2014/main" id="{82404C1C-D045-FE40-8EAA-9F6BE33982FF}"/>
+              </a:ext>
+            </a:extLst>
+          </p:cNvPr>
+          <p:cNvSpPr/>
+          <p:nvPr/>
+        </p:nvSpPr>
+        <p:spPr>
+          <a:xfrm>
+            <a:off x="2179442" y="4499638"/>
+            <a:ext cx="9195483" cy="732689"/>
+          </a:xfrm>
+          <a:prstGeom prst="rect">
+            <a:avLst/>
+          </a:prstGeom>
+          <a:noFill/>
+          <a:ln w="38100" cap="flat" cmpd="sng" algn="ctr">
+            <a:solidFill>
+              <a:schemeClr val="accent1">
+                <a:lumMod val="60000"/>
+                <a:lumOff val="40000"/>
+              </a:schemeClr>
+            </a:solidFill>
+            <a:prstDash val="solid"/>
+            <a:round/>
+            <a:headEnd type="none" w="med" len="med"/>
+            <a:tailEnd type="none" w="med" len="med"/>
+          </a:ln>
+        </p:spPr>
+        <p:style>
+          <a:lnRef idx="0">
+            <a:scrgbClr r="0" g="0" b="0"/>
+          </a:lnRef>
+          <a:fillRef idx="0">
+            <a:scrgbClr r="0" g="0" b="0"/>
+          </a:fillRef>
+          <a:effectRef idx="0">
+            <a:scrgbClr r="0" g="0" b="0"/>
+          </a:effectRef>
+          <a:fontRef idx="minor">
+            <a:schemeClr val="accent1"/>
+          </a:fontRef>
+        </p:style>
+        <p:txBody>
+          <a:bodyPr rtlCol="0" anchor="ctr"/>
+          <a:lstStyle/>
+          <a:p>
+            <a:pPr algn="ctr"/>
+            <a:endParaRPr kumimoji="1" lang="ja-JP" altLang="en-US"/>
+          </a:p>
+        </p:txBody>
+      </p:sp>
     </p:spTree>
     <p:extLst>
       <p:ext uri="{BB962C8B-B14F-4D97-AF65-F5344CB8AC3E}">
@@ -6571,8 +6500,8 @@
           </a:fontRef>
         </p:style>
       </p:cxnSp>
-      <mc:AlternateContent xmlns:mc="http://schemas.openxmlformats.org/markup-compatibility/2006">
-        <mc:Choice xmlns:a14="http://schemas.microsoft.com/office/drawing/2010/main" Requires="a14">
+      <mc:AlternateContent xmlns:mc="http://schemas.openxmlformats.org/markup-compatibility/2006" xmlns:a14="http://schemas.microsoft.com/office/drawing/2010/main">
+        <mc:Choice Requires="a14">
           <p:sp>
             <p:nvSpPr>
               <p:cNvPr id="14" name="テキスト ボックス 13">
@@ -6667,7 +6596,7 @@
             </p:txBody>
           </p:sp>
         </mc:Choice>
-        <mc:Fallback>
+        <mc:Fallback xmlns="">
           <p:sp>
             <p:nvSpPr>
               <p:cNvPr id="14" name="テキスト ボックス 13">
@@ -6712,8 +6641,8 @@
           </p:sp>
         </mc:Fallback>
       </mc:AlternateContent>
-      <mc:AlternateContent xmlns:mc="http://schemas.openxmlformats.org/markup-compatibility/2006">
-        <mc:Choice xmlns:a14="http://schemas.microsoft.com/office/drawing/2010/main" Requires="a14">
+      <mc:AlternateContent xmlns:mc="http://schemas.openxmlformats.org/markup-compatibility/2006" xmlns:a14="http://schemas.microsoft.com/office/drawing/2010/main">
+        <mc:Choice Requires="a14">
           <p:sp>
             <p:nvSpPr>
               <p:cNvPr id="15" name="テキスト ボックス 14">
@@ -6780,7 +6709,7 @@
             </p:txBody>
           </p:sp>
         </mc:Choice>
-        <mc:Fallback>
+        <mc:Fallback xmlns="">
           <p:sp>
             <p:nvSpPr>
               <p:cNvPr id="15" name="テキスト ボックス 14">
@@ -6825,8 +6754,8 @@
           </p:sp>
         </mc:Fallback>
       </mc:AlternateContent>
-      <mc:AlternateContent xmlns:mc="http://schemas.openxmlformats.org/markup-compatibility/2006">
-        <mc:Choice xmlns:a14="http://schemas.microsoft.com/office/drawing/2010/main" Requires="a14">
+      <mc:AlternateContent xmlns:mc="http://schemas.openxmlformats.org/markup-compatibility/2006" xmlns:a14="http://schemas.microsoft.com/office/drawing/2010/main">
+        <mc:Choice Requires="a14">
           <p:sp>
             <p:nvSpPr>
               <p:cNvPr id="16" name="テキスト ボックス 15">
@@ -6907,7 +6836,7 @@
             </p:txBody>
           </p:sp>
         </mc:Choice>
-        <mc:Fallback>
+        <mc:Fallback xmlns="">
           <p:sp>
             <p:nvSpPr>
               <p:cNvPr id="16" name="テキスト ボックス 15">
@@ -6952,8 +6881,8 @@
           </p:sp>
         </mc:Fallback>
       </mc:AlternateContent>
-      <mc:AlternateContent xmlns:mc="http://schemas.openxmlformats.org/markup-compatibility/2006">
-        <mc:Choice xmlns:a14="http://schemas.microsoft.com/office/drawing/2010/main" Requires="a14">
+      <mc:AlternateContent xmlns:mc="http://schemas.openxmlformats.org/markup-compatibility/2006" xmlns:a14="http://schemas.microsoft.com/office/drawing/2010/main">
+        <mc:Choice Requires="a14">
           <p:sp>
             <p:nvSpPr>
               <p:cNvPr id="17" name="テキスト ボックス 16">
@@ -7070,7 +6999,7 @@
             </p:txBody>
           </p:sp>
         </mc:Choice>
-        <mc:Fallback>
+        <mc:Fallback xmlns="">
           <p:sp>
             <p:nvSpPr>
               <p:cNvPr id="17" name="テキスト ボックス 16">
@@ -7550,8 +7479,8 @@
           </a:p>
         </p:txBody>
       </p:sp>
-      <mc:AlternateContent xmlns:mc="http://schemas.openxmlformats.org/markup-compatibility/2006">
-        <mc:Choice xmlns:a14="http://schemas.microsoft.com/office/drawing/2010/main" Requires="a14">
+      <mc:AlternateContent xmlns:mc="http://schemas.openxmlformats.org/markup-compatibility/2006" xmlns:a14="http://schemas.microsoft.com/office/drawing/2010/main">
+        <mc:Choice Requires="a14">
           <p:sp>
             <p:nvSpPr>
               <p:cNvPr id="27" name="テキスト ボックス 26">
@@ -7580,6 +7509,7 @@
               </a:bodyPr>
               <a:lstStyle/>
               <a:p>
+                <a:pPr/>
                 <a14:m>
                   <m:oMathPara xmlns:m="http://schemas.openxmlformats.org/officeDocument/2006/math">
                     <m:oMathParaPr>
@@ -7662,7 +7592,7 @@
             </p:txBody>
           </p:sp>
         </mc:Choice>
-        <mc:Fallback>
+        <mc:Fallback xmlns="">
           <p:sp>
             <p:nvSpPr>
               <p:cNvPr id="27" name="テキスト ボックス 26">
@@ -7943,8 +7873,8 @@
           </a:fontRef>
         </p:style>
       </p:cxnSp>
-      <mc:AlternateContent xmlns:mc="http://schemas.openxmlformats.org/markup-compatibility/2006">
-        <mc:Choice xmlns:a14="http://schemas.microsoft.com/office/drawing/2010/main" Requires="a14">
+      <mc:AlternateContent xmlns:mc="http://schemas.openxmlformats.org/markup-compatibility/2006" xmlns:a14="http://schemas.microsoft.com/office/drawing/2010/main">
+        <mc:Choice Requires="a14">
           <p:sp>
             <p:nvSpPr>
               <p:cNvPr id="14" name="テキスト ボックス 13">
@@ -8039,7 +7969,7 @@
             </p:txBody>
           </p:sp>
         </mc:Choice>
-        <mc:Fallback>
+        <mc:Fallback xmlns="">
           <p:sp>
             <p:nvSpPr>
               <p:cNvPr id="14" name="テキスト ボックス 13">
@@ -8084,8 +8014,8 @@
           </p:sp>
         </mc:Fallback>
       </mc:AlternateContent>
-      <mc:AlternateContent xmlns:mc="http://schemas.openxmlformats.org/markup-compatibility/2006">
-        <mc:Choice xmlns:a14="http://schemas.microsoft.com/office/drawing/2010/main" Requires="a14">
+      <mc:AlternateContent xmlns:mc="http://schemas.openxmlformats.org/markup-compatibility/2006" xmlns:a14="http://schemas.microsoft.com/office/drawing/2010/main">
+        <mc:Choice Requires="a14">
           <p:sp>
             <p:nvSpPr>
               <p:cNvPr id="15" name="テキスト ボックス 14">
@@ -8152,7 +8082,7 @@
             </p:txBody>
           </p:sp>
         </mc:Choice>
-        <mc:Fallback>
+        <mc:Fallback xmlns="">
           <p:sp>
             <p:nvSpPr>
               <p:cNvPr id="15" name="テキスト ボックス 14">
@@ -8197,8 +8127,8 @@
           </p:sp>
         </mc:Fallback>
       </mc:AlternateContent>
-      <mc:AlternateContent xmlns:mc="http://schemas.openxmlformats.org/markup-compatibility/2006">
-        <mc:Choice xmlns:a14="http://schemas.microsoft.com/office/drawing/2010/main" Requires="a14">
+      <mc:AlternateContent xmlns:mc="http://schemas.openxmlformats.org/markup-compatibility/2006" xmlns:a14="http://schemas.microsoft.com/office/drawing/2010/main">
+        <mc:Choice Requires="a14">
           <p:sp>
             <p:nvSpPr>
               <p:cNvPr id="16" name="テキスト ボックス 15">
@@ -8279,7 +8209,7 @@
             </p:txBody>
           </p:sp>
         </mc:Choice>
-        <mc:Fallback>
+        <mc:Fallback xmlns="">
           <p:sp>
             <p:nvSpPr>
               <p:cNvPr id="16" name="テキスト ボックス 15">
@@ -8324,8 +8254,8 @@
           </p:sp>
         </mc:Fallback>
       </mc:AlternateContent>
-      <mc:AlternateContent xmlns:mc="http://schemas.openxmlformats.org/markup-compatibility/2006">
-        <mc:Choice xmlns:a14="http://schemas.microsoft.com/office/drawing/2010/main" Requires="a14">
+      <mc:AlternateContent xmlns:mc="http://schemas.openxmlformats.org/markup-compatibility/2006" xmlns:a14="http://schemas.microsoft.com/office/drawing/2010/main">
+        <mc:Choice Requires="a14">
           <p:sp>
             <p:nvSpPr>
               <p:cNvPr id="17" name="テキスト ボックス 16">
@@ -8442,7 +8372,7 @@
             </p:txBody>
           </p:sp>
         </mc:Choice>
-        <mc:Fallback>
+        <mc:Fallback xmlns="">
           <p:sp>
             <p:nvSpPr>
               <p:cNvPr id="17" name="テキスト ボックス 16">
@@ -8922,8 +8852,8 @@
           </a:p>
         </p:txBody>
       </p:sp>
-      <mc:AlternateContent xmlns:mc="http://schemas.openxmlformats.org/markup-compatibility/2006">
-        <mc:Choice xmlns:a14="http://schemas.microsoft.com/office/drawing/2010/main" Requires="a14">
+      <mc:AlternateContent xmlns:mc="http://schemas.openxmlformats.org/markup-compatibility/2006" xmlns:a14="http://schemas.microsoft.com/office/drawing/2010/main">
+        <mc:Choice Requires="a14">
           <p:sp>
             <p:nvSpPr>
               <p:cNvPr id="27" name="テキスト ボックス 26">
@@ -8952,6 +8882,7 @@
               </a:bodyPr>
               <a:lstStyle/>
               <a:p>
+                <a:pPr/>
                 <a14:m>
                   <m:oMathPara xmlns:m="http://schemas.openxmlformats.org/officeDocument/2006/math">
                     <m:oMathParaPr>
@@ -9034,7 +8965,7 @@
             </p:txBody>
           </p:sp>
         </mc:Choice>
-        <mc:Fallback>
+        <mc:Fallback xmlns="">
           <p:sp>
             <p:nvSpPr>
               <p:cNvPr id="27" name="テキスト ボックス 26">
@@ -9315,8 +9246,8 @@
           </a:fontRef>
         </p:style>
       </p:cxnSp>
-      <mc:AlternateContent xmlns:mc="http://schemas.openxmlformats.org/markup-compatibility/2006">
-        <mc:Choice xmlns:a14="http://schemas.microsoft.com/office/drawing/2010/main" Requires="a14">
+      <mc:AlternateContent xmlns:mc="http://schemas.openxmlformats.org/markup-compatibility/2006" xmlns:a14="http://schemas.microsoft.com/office/drawing/2010/main">
+        <mc:Choice Requires="a14">
           <p:sp>
             <p:nvSpPr>
               <p:cNvPr id="14" name="テキスト ボックス 13">
@@ -9345,7 +9276,6 @@
               </a:bodyPr>
               <a:lstStyle/>
               <a:p>
-                <a:pPr/>
                 <a14:m>
                   <m:oMath xmlns:m="http://schemas.openxmlformats.org/officeDocument/2006/math">
                     <m:r>
@@ -9447,7 +9377,7 @@
             </p:txBody>
           </p:sp>
         </mc:Choice>
-        <mc:Fallback>
+        <mc:Fallback xmlns="">
           <p:sp>
             <p:nvSpPr>
               <p:cNvPr id="14" name="テキスト ボックス 13">
@@ -9492,8 +9422,8 @@
           </p:sp>
         </mc:Fallback>
       </mc:AlternateContent>
-      <mc:AlternateContent xmlns:mc="http://schemas.openxmlformats.org/markup-compatibility/2006">
-        <mc:Choice xmlns:a14="http://schemas.microsoft.com/office/drawing/2010/main" Requires="a14">
+      <mc:AlternateContent xmlns:mc="http://schemas.openxmlformats.org/markup-compatibility/2006" xmlns:a14="http://schemas.microsoft.com/office/drawing/2010/main">
+        <mc:Choice Requires="a14">
           <p:sp>
             <p:nvSpPr>
               <p:cNvPr id="15" name="テキスト ボックス 14">
@@ -9566,7 +9496,7 @@
             </p:txBody>
           </p:sp>
         </mc:Choice>
-        <mc:Fallback>
+        <mc:Fallback xmlns="">
           <p:sp>
             <p:nvSpPr>
               <p:cNvPr id="15" name="テキスト ボックス 14">
@@ -9611,8 +9541,8 @@
           </p:sp>
         </mc:Fallback>
       </mc:AlternateContent>
-      <mc:AlternateContent xmlns:mc="http://schemas.openxmlformats.org/markup-compatibility/2006">
-        <mc:Choice xmlns:a14="http://schemas.microsoft.com/office/drawing/2010/main" Requires="a14">
+      <mc:AlternateContent xmlns:mc="http://schemas.openxmlformats.org/markup-compatibility/2006" xmlns:a14="http://schemas.microsoft.com/office/drawing/2010/main">
+        <mc:Choice Requires="a14">
           <p:sp>
             <p:nvSpPr>
               <p:cNvPr id="16" name="テキスト ボックス 15">
@@ -9693,7 +9623,7 @@
             </p:txBody>
           </p:sp>
         </mc:Choice>
-        <mc:Fallback>
+        <mc:Fallback xmlns="">
           <p:sp>
             <p:nvSpPr>
               <p:cNvPr id="16" name="テキスト ボックス 15">
@@ -9738,8 +9668,8 @@
           </p:sp>
         </mc:Fallback>
       </mc:AlternateContent>
-      <mc:AlternateContent xmlns:mc="http://schemas.openxmlformats.org/markup-compatibility/2006">
-        <mc:Choice xmlns:a14="http://schemas.microsoft.com/office/drawing/2010/main" Requires="a14">
+      <mc:AlternateContent xmlns:mc="http://schemas.openxmlformats.org/markup-compatibility/2006" xmlns:a14="http://schemas.microsoft.com/office/drawing/2010/main">
+        <mc:Choice Requires="a14">
           <p:sp>
             <p:nvSpPr>
               <p:cNvPr id="17" name="テキスト ボックス 16">
@@ -9862,7 +9792,7 @@
             </p:txBody>
           </p:sp>
         </mc:Choice>
-        <mc:Fallback>
+        <mc:Fallback xmlns="">
           <p:sp>
             <p:nvSpPr>
               <p:cNvPr id="17" name="テキスト ボックス 16">
@@ -9995,8 +9925,8 @@
           </a:fontRef>
         </p:style>
       </p:cxnSp>
-      <mc:AlternateContent xmlns:mc="http://schemas.openxmlformats.org/markup-compatibility/2006">
-        <mc:Choice xmlns:a14="http://schemas.microsoft.com/office/drawing/2010/main" Requires="a14">
+      <mc:AlternateContent xmlns:mc="http://schemas.openxmlformats.org/markup-compatibility/2006" xmlns:a14="http://schemas.microsoft.com/office/drawing/2010/main">
+        <mc:Choice Requires="a14">
           <p:sp>
             <p:nvSpPr>
               <p:cNvPr id="23" name="テキスト ボックス 22">
@@ -10078,7 +10008,7 @@
             </p:txBody>
           </p:sp>
         </mc:Choice>
-        <mc:Fallback>
+        <mc:Fallback xmlns="">
           <p:sp>
             <p:nvSpPr>
               <p:cNvPr id="23" name="テキスト ボックス 22">
@@ -10808,8 +10738,8 @@
           </a:p>
         </p:txBody>
       </p:sp>
-      <mc:AlternateContent xmlns:mc="http://schemas.openxmlformats.org/markup-compatibility/2006">
-        <mc:Choice xmlns:a14="http://schemas.microsoft.com/office/drawing/2010/main" Requires="a14">
+      <mc:AlternateContent xmlns:mc="http://schemas.openxmlformats.org/markup-compatibility/2006" xmlns:a14="http://schemas.microsoft.com/office/drawing/2010/main">
+        <mc:Choice Requires="a14">
           <p:sp>
             <p:nvSpPr>
               <p:cNvPr id="14" name="テキスト ボックス 13">
@@ -10961,7 +10891,7 @@
             </p:txBody>
           </p:sp>
         </mc:Choice>
-        <mc:Fallback>
+        <mc:Fallback xmlns="">
           <p:sp>
             <p:nvSpPr>
               <p:cNvPr id="14" name="テキスト ボックス 13">
@@ -11006,8 +10936,8 @@
           </p:sp>
         </mc:Fallback>
       </mc:AlternateContent>
-      <mc:AlternateContent xmlns:mc="http://schemas.openxmlformats.org/markup-compatibility/2006">
-        <mc:Choice xmlns:a14="http://schemas.microsoft.com/office/drawing/2010/main" Requires="a14">
+      <mc:AlternateContent xmlns:mc="http://schemas.openxmlformats.org/markup-compatibility/2006" xmlns:a14="http://schemas.microsoft.com/office/drawing/2010/main">
+        <mc:Choice Requires="a14">
           <p:sp>
             <p:nvSpPr>
               <p:cNvPr id="15" name="テキスト ボックス 14">
@@ -11098,7 +11028,7 @@
             </p:txBody>
           </p:sp>
         </mc:Choice>
-        <mc:Fallback>
+        <mc:Fallback xmlns="">
           <p:sp>
             <p:nvSpPr>
               <p:cNvPr id="15" name="テキスト ボックス 14">
@@ -11187,8 +11117,8 @@
           </a:fontRef>
         </p:style>
       </p:cxnSp>
-      <mc:AlternateContent xmlns:mc="http://schemas.openxmlformats.org/markup-compatibility/2006">
-        <mc:Choice xmlns:a14="http://schemas.microsoft.com/office/drawing/2010/main" Requires="a14">
+      <mc:AlternateContent xmlns:mc="http://schemas.openxmlformats.org/markup-compatibility/2006" xmlns:a14="http://schemas.microsoft.com/office/drawing/2010/main">
+        <mc:Choice Requires="a14">
           <p:sp>
             <p:nvSpPr>
               <p:cNvPr id="23" name="テキスト ボックス 22">
@@ -11297,7 +11227,7 @@
             </p:txBody>
           </p:sp>
         </mc:Choice>
-        <mc:Fallback>
+        <mc:Fallback xmlns="">
           <p:sp>
             <p:nvSpPr>
               <p:cNvPr id="23" name="テキスト ボックス 22">
@@ -12220,8 +12150,8 @@
           </a:p>
         </p:txBody>
       </p:sp>
-      <mc:AlternateContent xmlns:mc="http://schemas.openxmlformats.org/markup-compatibility/2006">
-        <mc:Choice xmlns:a14="http://schemas.microsoft.com/office/drawing/2010/main" Requires="a14">
+      <mc:AlternateContent xmlns:mc="http://schemas.openxmlformats.org/markup-compatibility/2006" xmlns:a14="http://schemas.microsoft.com/office/drawing/2010/main">
+        <mc:Choice Requires="a14">
           <p:sp>
             <p:nvSpPr>
               <p:cNvPr id="8" name="テキスト ボックス 7">
@@ -12584,13 +12514,7 @@
                         <a:rPr lang="en-US" altLang="ja-JP" sz="1600" b="0" i="0" dirty="0" smtClean="0">
                           <a:latin typeface="Cambria Math" panose="02040503050406030204" pitchFamily="18" charset="0"/>
                         </a:rPr>
-                        <m:t>, </m:t>
-                      </m:r>
-                      <m:r>
-                        <a:rPr lang="en-US" altLang="ja-JP" sz="1600" b="0" i="0" dirty="0" smtClean="0">
-                          <a:latin typeface="Cambria Math" panose="02040503050406030204" pitchFamily="18" charset="0"/>
-                        </a:rPr>
-                        <m:t>0,</m:t>
+                        <m:t>, 0,</m:t>
                       </m:r>
                       <m:r>
                         <a:rPr lang="en-US" altLang="ja-JP" sz="1600" dirty="0">
@@ -12612,7 +12536,7 @@
             </p:txBody>
           </p:sp>
         </mc:Choice>
-        <mc:Fallback>
+        <mc:Fallback xmlns="">
           <p:sp>
             <p:nvSpPr>
               <p:cNvPr id="8" name="テキスト ボックス 7">
@@ -12657,8 +12581,8 @@
           </p:sp>
         </mc:Fallback>
       </mc:AlternateContent>
-      <mc:AlternateContent xmlns:mc="http://schemas.openxmlformats.org/markup-compatibility/2006">
-        <mc:Choice xmlns:a14="http://schemas.microsoft.com/office/drawing/2010/main" Requires="a14">
+      <mc:AlternateContent xmlns:mc="http://schemas.openxmlformats.org/markup-compatibility/2006" xmlns:a14="http://schemas.microsoft.com/office/drawing/2010/main">
+        <mc:Choice Requires="a14">
           <p:sp>
             <p:nvSpPr>
               <p:cNvPr id="9" name="テキスト ボックス 8">
@@ -12739,13 +12663,7 @@
                                     <a:rPr lang="en-US" altLang="ja-JP" sz="1600" b="0" i="1" dirty="0" smtClean="0">
                                       <a:latin typeface="Cambria Math" panose="02040503050406030204" pitchFamily="18" charset="0"/>
                                     </a:rPr>
-                                    <m:t>1</m:t>
-                                  </m:r>
-                                  <m:r>
-                                    <a:rPr lang="en-US" altLang="ja-JP" sz="1600" b="0" i="1" dirty="0" smtClean="0">
-                                      <a:latin typeface="Cambria Math" panose="02040503050406030204" pitchFamily="18" charset="0"/>
-                                    </a:rPr>
-                                    <m:t>,1</m:t>
+                                    <m:t>1,1</m:t>
                                   </m:r>
                                 </m:sub>
                               </m:sSub>
@@ -12872,7 +12790,7 @@
             </p:txBody>
           </p:sp>
         </mc:Choice>
-        <mc:Fallback>
+        <mc:Fallback xmlns="">
           <p:sp>
             <p:nvSpPr>
               <p:cNvPr id="9" name="テキスト ボックス 8">
@@ -12917,8 +12835,8 @@
           </p:sp>
         </mc:Fallback>
       </mc:AlternateContent>
-      <mc:AlternateContent xmlns:mc="http://schemas.openxmlformats.org/markup-compatibility/2006">
-        <mc:Choice xmlns:a14="http://schemas.microsoft.com/office/drawing/2010/main" Requires="a14">
+      <mc:AlternateContent xmlns:mc="http://schemas.openxmlformats.org/markup-compatibility/2006" xmlns:a14="http://schemas.microsoft.com/office/drawing/2010/main">
+        <mc:Choice Requires="a14">
           <p:sp>
             <p:nvSpPr>
               <p:cNvPr id="10" name="テキスト ボックス 9">
@@ -12999,13 +12917,7 @@
                                     <a:rPr lang="en-US" altLang="ja-JP" sz="1600" b="0" i="1" dirty="0" smtClean="0">
                                       <a:latin typeface="Cambria Math" panose="02040503050406030204" pitchFamily="18" charset="0"/>
                                     </a:rPr>
-                                    <m:t>2</m:t>
-                                  </m:r>
-                                  <m:r>
-                                    <a:rPr lang="en-US" altLang="ja-JP" sz="1600" b="0" i="1" dirty="0" smtClean="0">
-                                      <a:latin typeface="Cambria Math" panose="02040503050406030204" pitchFamily="18" charset="0"/>
-                                    </a:rPr>
-                                    <m:t>,1</m:t>
+                                    <m:t>2,1</m:t>
                                   </m:r>
                                 </m:sub>
                               </m:sSub>
@@ -13108,7 +13020,7 @@
             </p:txBody>
           </p:sp>
         </mc:Choice>
-        <mc:Fallback>
+        <mc:Fallback xmlns="">
           <p:sp>
             <p:nvSpPr>
               <p:cNvPr id="10" name="テキスト ボックス 9">
@@ -13336,8 +13248,8 @@
           </a:prstGeom>
         </p:spPr>
       </p:pic>
-      <mc:AlternateContent xmlns:mc="http://schemas.openxmlformats.org/markup-compatibility/2006">
-        <mc:Choice xmlns:a14="http://schemas.microsoft.com/office/drawing/2010/main" Requires="a14">
+      <mc:AlternateContent xmlns:mc="http://schemas.openxmlformats.org/markup-compatibility/2006" xmlns:a14="http://schemas.microsoft.com/office/drawing/2010/main">
+        <mc:Choice Requires="a14">
           <p:sp>
             <p:nvSpPr>
               <p:cNvPr id="15" name="テキスト ボックス 14">
@@ -13716,7 +13628,7 @@
             </p:txBody>
           </p:sp>
         </mc:Choice>
-        <mc:Fallback>
+        <mc:Fallback xmlns="">
           <p:sp>
             <p:nvSpPr>
               <p:cNvPr id="15" name="テキスト ボックス 14">

--- a/Paper/master-thesis/src/img/chapter-2/図.pptx
+++ b/Paper/master-thesis/src/img/chapter-2/図.pptx
@@ -5125,7 +5125,7 @@
         </p:nvCxnSpPr>
         <p:spPr>
           <a:xfrm>
-            <a:off x="2179442" y="4776914"/>
+            <a:off x="2179442" y="4825039"/>
             <a:ext cx="2917826" cy="0"/>
           </a:xfrm>
           <a:prstGeom prst="straightConnector1">
@@ -5135,6 +5135,7 @@
             <a:solidFill>
               <a:schemeClr val="tx1"/>
             </a:solidFill>
+            <a:prstDash val="dash"/>
             <a:headEnd type="triangle"/>
             <a:tailEnd type="triangle"/>
           </a:ln>
@@ -5170,7 +5171,7 @@
         </p:nvCxnSpPr>
         <p:spPr>
           <a:xfrm>
-            <a:off x="5097268" y="4776914"/>
+            <a:off x="5097268" y="4825039"/>
             <a:ext cx="6276103" cy="0"/>
           </a:xfrm>
           <a:prstGeom prst="straightConnector1">
@@ -5180,6 +5181,7 @@
             <a:solidFill>
               <a:schemeClr val="tx1"/>
             </a:solidFill>
+            <a:prstDash val="dash"/>
             <a:headEnd type="triangle"/>
             <a:tailEnd type="triangle"/>
           </a:ln>
@@ -5469,7 +5471,7 @@
             </p:nvSpPr>
             <p:spPr>
               <a:xfrm>
-                <a:off x="3189720" y="4688739"/>
+                <a:off x="3189720" y="4736864"/>
                 <a:ext cx="780791" cy="557910"/>
               </a:xfrm>
               <a:prstGeom prst="rect">
@@ -5552,7 +5554,7 @@
             </p:nvSpPr>
             <p:spPr>
               <a:xfrm>
-                <a:off x="3189720" y="4688739"/>
+                <a:off x="3189720" y="4736864"/>
                 <a:ext cx="780791" cy="557910"/>
               </a:xfrm>
               <a:prstGeom prst="rect">
@@ -5561,7 +5563,7 @@
               <a:blipFill>
                 <a:blip r:embed="rId5"/>
                 <a:stretch>
-                  <a:fillRect l="-1587" b="-13333"/>
+                  <a:fillRect l="-1587" b="-11111"/>
                 </a:stretch>
               </a:blipFill>
             </p:spPr>
@@ -5596,7 +5598,7 @@
             </p:nvSpPr>
             <p:spPr>
               <a:xfrm>
-                <a:off x="7536131" y="4696217"/>
+                <a:off x="7536131" y="4744342"/>
                 <a:ext cx="1985544" cy="557910"/>
               </a:xfrm>
               <a:prstGeom prst="rect">
@@ -5715,7 +5717,7 @@
             </p:nvSpPr>
             <p:spPr>
               <a:xfrm>
-                <a:off x="7536131" y="4696217"/>
+                <a:off x="7536131" y="4744342"/>
                 <a:ext cx="1985544" cy="557910"/>
               </a:xfrm>
               <a:prstGeom prst="rect">
@@ -6426,7 +6428,7 @@
         </p:nvCxnSpPr>
         <p:spPr>
           <a:xfrm>
-            <a:off x="3964547" y="4541961"/>
+            <a:off x="3964547" y="4782595"/>
             <a:ext cx="1141843" cy="0"/>
           </a:xfrm>
           <a:prstGeom prst="straightConnector1">
@@ -6436,6 +6438,7 @@
             <a:solidFill>
               <a:schemeClr val="tx1"/>
             </a:solidFill>
+            <a:prstDash val="dash"/>
             <a:headEnd type="triangle"/>
             <a:tailEnd type="triangle"/>
           </a:ln>
@@ -6471,7 +6474,7 @@
         </p:nvCxnSpPr>
         <p:spPr>
           <a:xfrm>
-            <a:off x="5106390" y="4541961"/>
+            <a:off x="5106390" y="4782595"/>
             <a:ext cx="6276103" cy="0"/>
           </a:xfrm>
           <a:prstGeom prst="straightConnector1">
@@ -6481,6 +6484,7 @@
             <a:solidFill>
               <a:schemeClr val="tx1"/>
             </a:solidFill>
+            <a:prstDash val="dash"/>
             <a:headEnd type="triangle"/>
             <a:tailEnd type="triangle"/>
           </a:ln>
@@ -6641,8 +6645,8 @@
           </p:sp>
         </mc:Fallback>
       </mc:AlternateContent>
-      <mc:AlternateContent xmlns:mc="http://schemas.openxmlformats.org/markup-compatibility/2006" xmlns:a14="http://schemas.microsoft.com/office/drawing/2010/main">
-        <mc:Choice Requires="a14">
+      <mc:AlternateContent xmlns:mc="http://schemas.openxmlformats.org/markup-compatibility/2006">
+        <mc:Choice xmlns:a14="http://schemas.microsoft.com/office/drawing/2010/main" Requires="a14">
           <p:sp>
             <p:nvSpPr>
               <p:cNvPr id="15" name="テキスト ボックス 14">
@@ -6657,7 +6661,7 @@
             </p:nvSpPr>
             <p:spPr>
               <a:xfrm>
-                <a:off x="5546844" y="5115917"/>
+                <a:off x="7013674" y="5218378"/>
                 <a:ext cx="962186" cy="523220"/>
               </a:xfrm>
               <a:prstGeom prst="rect">
@@ -6709,7 +6713,7 @@
             </p:txBody>
           </p:sp>
         </mc:Choice>
-        <mc:Fallback xmlns="">
+        <mc:Fallback>
           <p:sp>
             <p:nvSpPr>
               <p:cNvPr id="15" name="テキスト ボックス 14">
@@ -6726,7 +6730,7 @@
             </p:nvSpPr>
             <p:spPr>
               <a:xfrm>
-                <a:off x="5546844" y="5115917"/>
+                <a:off x="7013674" y="5218378"/>
                 <a:ext cx="962186" cy="523220"/>
               </a:xfrm>
               <a:prstGeom prst="rect">
@@ -6754,8 +6758,8 @@
           </p:sp>
         </mc:Fallback>
       </mc:AlternateContent>
-      <mc:AlternateContent xmlns:mc="http://schemas.openxmlformats.org/markup-compatibility/2006" xmlns:a14="http://schemas.microsoft.com/office/drawing/2010/main">
-        <mc:Choice Requires="a14">
+      <mc:AlternateContent xmlns:mc="http://schemas.openxmlformats.org/markup-compatibility/2006">
+        <mc:Choice xmlns:a14="http://schemas.microsoft.com/office/drawing/2010/main" Requires="a14">
           <p:sp>
             <p:nvSpPr>
               <p:cNvPr id="16" name="テキスト ボックス 15">
@@ -6770,7 +6774,7 @@
             </p:nvSpPr>
             <p:spPr>
               <a:xfrm>
-                <a:off x="4159417" y="4574034"/>
+                <a:off x="4159417" y="4709894"/>
                 <a:ext cx="780791" cy="557910"/>
               </a:xfrm>
               <a:prstGeom prst="rect">
@@ -6836,7 +6840,7 @@
             </p:txBody>
           </p:sp>
         </mc:Choice>
-        <mc:Fallback xmlns="">
+        <mc:Fallback>
           <p:sp>
             <p:nvSpPr>
               <p:cNvPr id="16" name="テキスト ボックス 15">
@@ -6853,7 +6857,7 @@
             </p:nvSpPr>
             <p:spPr>
               <a:xfrm>
-                <a:off x="4159417" y="4574034"/>
+                <a:off x="4159417" y="4709894"/>
                 <a:ext cx="780791" cy="557910"/>
               </a:xfrm>
               <a:prstGeom prst="rect">
@@ -6862,7 +6866,7 @@
               <a:blipFill>
                 <a:blip r:embed="rId5"/>
                 <a:stretch>
-                  <a:fillRect l="-3226" b="-11364"/>
+                  <a:fillRect l="-3226" b="-11111"/>
                 </a:stretch>
               </a:blipFill>
             </p:spPr>
@@ -6881,8 +6885,8 @@
           </p:sp>
         </mc:Fallback>
       </mc:AlternateContent>
-      <mc:AlternateContent xmlns:mc="http://schemas.openxmlformats.org/markup-compatibility/2006" xmlns:a14="http://schemas.microsoft.com/office/drawing/2010/main">
-        <mc:Choice Requires="a14">
+      <mc:AlternateContent xmlns:mc="http://schemas.openxmlformats.org/markup-compatibility/2006">
+        <mc:Choice xmlns:a14="http://schemas.microsoft.com/office/drawing/2010/main" Requires="a14">
           <p:sp>
             <p:nvSpPr>
               <p:cNvPr id="17" name="テキスト ボックス 16">
@@ -6897,7 +6901,7 @@
             </p:nvSpPr>
             <p:spPr>
               <a:xfrm>
-                <a:off x="7860794" y="4604014"/>
+                <a:off x="7860794" y="4709894"/>
                 <a:ext cx="1985544" cy="557910"/>
               </a:xfrm>
               <a:prstGeom prst="rect">
@@ -6999,7 +7003,7 @@
             </p:txBody>
           </p:sp>
         </mc:Choice>
-        <mc:Fallback xmlns="">
+        <mc:Fallback>
           <p:sp>
             <p:nvSpPr>
               <p:cNvPr id="17" name="テキスト ボックス 16">
@@ -7016,7 +7020,7 @@
             </p:nvSpPr>
             <p:spPr>
               <a:xfrm>
-                <a:off x="7860794" y="4604014"/>
+                <a:off x="7860794" y="4709894"/>
                 <a:ext cx="1985544" cy="557910"/>
               </a:xfrm>
               <a:prstGeom prst="rect">
@@ -7025,7 +7029,7 @@
               <a:blipFill>
                 <a:blip r:embed="rId6"/>
                 <a:stretch>
-                  <a:fillRect b="-18182"/>
+                  <a:fillRect b="-15556"/>
                 </a:stretch>
               </a:blipFill>
             </p:spPr>
@@ -7105,7 +7109,7 @@
         <p:spPr>
           <a:xfrm>
             <a:off x="5106390" y="3052186"/>
-            <a:ext cx="0" cy="2063731"/>
+            <a:ext cx="0" cy="1807410"/>
           </a:xfrm>
           <a:prstGeom prst="line">
             <a:avLst/>
@@ -7307,54 +7311,6 @@
       </p:cxnSp>
       <p:cxnSp>
         <p:nvCxnSpPr>
-          <p:cNvPr id="18" name="直線矢印コネクタ 17">
-            <a:extLst>
-              <a:ext uri="{FF2B5EF4-FFF2-40B4-BE49-F238E27FC236}">
-                <a16:creationId xmlns:a16="http://schemas.microsoft.com/office/drawing/2014/main" id="{29A7AB01-4239-1246-A6B8-59F48A33B712}"/>
-              </a:ext>
-            </a:extLst>
-          </p:cNvPr>
-          <p:cNvCxnSpPr>
-            <a:cxnSpLocks/>
-          </p:cNvCxnSpPr>
-          <p:nvPr/>
-        </p:nvCxnSpPr>
-        <p:spPr>
-          <a:xfrm>
-            <a:off x="3964547" y="5115917"/>
-            <a:ext cx="7417946" cy="0"/>
-          </a:xfrm>
-          <a:prstGeom prst="straightConnector1">
-            <a:avLst/>
-          </a:prstGeom>
-          <a:ln w="38100">
-            <a:solidFill>
-              <a:schemeClr val="accent1">
-                <a:lumMod val="60000"/>
-                <a:lumOff val="40000"/>
-              </a:schemeClr>
-            </a:solidFill>
-            <a:headEnd type="triangle"/>
-            <a:tailEnd type="triangle"/>
-          </a:ln>
-        </p:spPr>
-        <p:style>
-          <a:lnRef idx="1">
-            <a:schemeClr val="accent1"/>
-          </a:lnRef>
-          <a:fillRef idx="0">
-            <a:schemeClr val="accent1"/>
-          </a:fillRef>
-          <a:effectRef idx="0">
-            <a:schemeClr val="accent1"/>
-          </a:effectRef>
-          <a:fontRef idx="minor">
-            <a:schemeClr val="tx1"/>
-          </a:fontRef>
-        </p:style>
-      </p:cxnSp>
-      <p:cxnSp>
-        <p:nvCxnSpPr>
           <p:cNvPr id="21" name="直線矢印コネクタ 20">
             <a:extLst>
               <a:ext uri="{FF2B5EF4-FFF2-40B4-BE49-F238E27FC236}">
@@ -7398,87 +7354,6 @@
           </a:fontRef>
         </p:style>
       </p:cxnSp>
-      <p:cxnSp>
-        <p:nvCxnSpPr>
-          <p:cNvPr id="25" name="直線矢印コネクタ 24">
-            <a:extLst>
-              <a:ext uri="{FF2B5EF4-FFF2-40B4-BE49-F238E27FC236}">
-                <a16:creationId xmlns:a16="http://schemas.microsoft.com/office/drawing/2014/main" id="{CA193B10-849C-D347-A8B3-DEACFA372903}"/>
-              </a:ext>
-            </a:extLst>
-          </p:cNvPr>
-          <p:cNvCxnSpPr>
-            <a:cxnSpLocks/>
-          </p:cNvCxnSpPr>
-          <p:nvPr/>
-        </p:nvCxnSpPr>
-        <p:spPr>
-          <a:xfrm>
-            <a:off x="838200" y="5818627"/>
-            <a:ext cx="10544293" cy="0"/>
-          </a:xfrm>
-          <a:prstGeom prst="straightConnector1">
-            <a:avLst/>
-          </a:prstGeom>
-          <a:ln w="38100">
-            <a:solidFill>
-              <a:schemeClr val="tx1"/>
-            </a:solidFill>
-            <a:headEnd type="none"/>
-            <a:tailEnd type="triangle"/>
-          </a:ln>
-        </p:spPr>
-        <p:style>
-          <a:lnRef idx="1">
-            <a:schemeClr val="accent1"/>
-          </a:lnRef>
-          <a:fillRef idx="0">
-            <a:schemeClr val="accent1"/>
-          </a:fillRef>
-          <a:effectRef idx="0">
-            <a:schemeClr val="accent1"/>
-          </a:effectRef>
-          <a:fontRef idx="minor">
-            <a:schemeClr val="tx1"/>
-          </a:fontRef>
-        </p:style>
-      </p:cxnSp>
-      <p:sp>
-        <p:nvSpPr>
-          <p:cNvPr id="26" name="テキスト ボックス 25">
-            <a:extLst>
-              <a:ext uri="{FF2B5EF4-FFF2-40B4-BE49-F238E27FC236}">
-                <a16:creationId xmlns:a16="http://schemas.microsoft.com/office/drawing/2014/main" id="{00ABA0DD-107C-A648-B11C-8D2D09956640}"/>
-              </a:ext>
-            </a:extLst>
-          </p:cNvPr>
-          <p:cNvSpPr txBox="1"/>
-          <p:nvPr/>
-        </p:nvSpPr>
-        <p:spPr>
-          <a:xfrm>
-            <a:off x="10178320" y="5921117"/>
-            <a:ext cx="1127232" cy="400110"/>
-          </a:xfrm>
-          <a:prstGeom prst="rect">
-            <a:avLst/>
-          </a:prstGeom>
-          <a:noFill/>
-        </p:spPr>
-        <p:txBody>
-          <a:bodyPr wrap="none" rtlCol="0">
-            <a:spAutoFit/>
-          </a:bodyPr>
-          <a:lstStyle/>
-          <a:p>
-            <a:r>
-              <a:rPr lang="en" altLang="ja-JP" sz="2000" b="1" dirty="0"/>
-              <a:t>amount</a:t>
-            </a:r>
-            <a:endParaRPr kumimoji="1" lang="en-US" altLang="ja-JP" sz="2000" dirty="0"/>
-          </a:p>
-        </p:txBody>
-      </p:sp>
       <mc:AlternateContent xmlns:mc="http://schemas.openxmlformats.org/markup-compatibility/2006" xmlns:a14="http://schemas.microsoft.com/office/drawing/2010/main">
         <mc:Choice Requires="a14">
           <p:sp>
@@ -7700,8 +7575,8 @@
         </p:nvCxnSpPr>
         <p:spPr>
           <a:xfrm>
-            <a:off x="3972392" y="3957405"/>
-            <a:ext cx="0" cy="616629"/>
+            <a:off x="4001267" y="3957404"/>
+            <a:ext cx="0" cy="828000"/>
           </a:xfrm>
           <a:prstGeom prst="line">
             <a:avLst/>
@@ -7728,6 +7603,63 @@
           </a:fontRef>
         </p:style>
       </p:cxnSp>
+      <p:sp>
+        <p:nvSpPr>
+          <p:cNvPr id="20" name="正方形/長方形 19">
+            <a:extLst>
+              <a:ext uri="{FF2B5EF4-FFF2-40B4-BE49-F238E27FC236}">
+                <a16:creationId xmlns:a16="http://schemas.microsoft.com/office/drawing/2014/main" id="{C17C63F7-D6C6-F644-BFF2-0E22278B9CD2}"/>
+              </a:ext>
+            </a:extLst>
+          </p:cNvPr>
+          <p:cNvSpPr/>
+          <p:nvPr/>
+        </p:nvSpPr>
+        <p:spPr>
+          <a:xfrm>
+            <a:off x="3972391" y="4499638"/>
+            <a:ext cx="7402534" cy="732689"/>
+          </a:xfrm>
+          <a:prstGeom prst="rect">
+            <a:avLst/>
+          </a:prstGeom>
+          <a:noFill/>
+          <a:ln w="38100" cap="flat" cmpd="sng" algn="ctr">
+            <a:solidFill>
+              <a:schemeClr val="accent1">
+                <a:lumMod val="60000"/>
+                <a:lumOff val="40000"/>
+              </a:schemeClr>
+            </a:solidFill>
+            <a:prstDash val="solid"/>
+            <a:round/>
+            <a:headEnd type="none" w="med" len="med"/>
+            <a:tailEnd type="none" w="med" len="med"/>
+          </a:ln>
+        </p:spPr>
+        <p:style>
+          <a:lnRef idx="0">
+            <a:scrgbClr r="0" g="0" b="0"/>
+          </a:lnRef>
+          <a:fillRef idx="0">
+            <a:scrgbClr r="0" g="0" b="0"/>
+          </a:fillRef>
+          <a:effectRef idx="0">
+            <a:scrgbClr r="0" g="0" b="0"/>
+          </a:effectRef>
+          <a:fontRef idx="minor">
+            <a:schemeClr val="accent1"/>
+          </a:fontRef>
+        </p:style>
+        <p:txBody>
+          <a:bodyPr rtlCol="0" anchor="ctr"/>
+          <a:lstStyle/>
+          <a:p>
+            <a:pPr algn="ctr"/>
+            <a:endParaRPr kumimoji="1" lang="ja-JP" altLang="en-US"/>
+          </a:p>
+        </p:txBody>
+      </p:sp>
     </p:spTree>
     <p:extLst>
       <p:ext uri="{BB962C8B-B14F-4D97-AF65-F5344CB8AC3E}">
@@ -7799,7 +7731,7 @@
         </p:nvCxnSpPr>
         <p:spPr>
           <a:xfrm>
-            <a:off x="838200" y="4541961"/>
+            <a:off x="838200" y="4821094"/>
             <a:ext cx="4268190" cy="0"/>
           </a:xfrm>
           <a:prstGeom prst="straightConnector1">
@@ -7809,6 +7741,7 @@
             <a:solidFill>
               <a:schemeClr val="tx1"/>
             </a:solidFill>
+            <a:prstDash val="dash"/>
             <a:headEnd type="triangle"/>
             <a:tailEnd type="triangle"/>
           </a:ln>
@@ -7844,7 +7777,7 @@
         </p:nvCxnSpPr>
         <p:spPr>
           <a:xfrm>
-            <a:off x="5106390" y="4541961"/>
+            <a:off x="5106390" y="4821094"/>
             <a:ext cx="6276103" cy="0"/>
           </a:xfrm>
           <a:prstGeom prst="straightConnector1">
@@ -7854,6 +7787,7 @@
             <a:solidFill>
               <a:schemeClr val="tx1"/>
             </a:solidFill>
+            <a:prstDash val="dash"/>
             <a:headEnd type="triangle"/>
             <a:tailEnd type="triangle"/>
           </a:ln>
@@ -8127,8 +8061,8 @@
           </p:sp>
         </mc:Fallback>
       </mc:AlternateContent>
-      <mc:AlternateContent xmlns:mc="http://schemas.openxmlformats.org/markup-compatibility/2006" xmlns:a14="http://schemas.microsoft.com/office/drawing/2010/main">
-        <mc:Choice Requires="a14">
+      <mc:AlternateContent xmlns:mc="http://schemas.openxmlformats.org/markup-compatibility/2006">
+        <mc:Choice xmlns:a14="http://schemas.microsoft.com/office/drawing/2010/main" Requires="a14">
           <p:sp>
             <p:nvSpPr>
               <p:cNvPr id="16" name="テキスト ボックス 15">
@@ -8149,8 +8083,24 @@
               <a:prstGeom prst="rect">
                 <a:avLst/>
               </a:prstGeom>
-              <a:noFill/>
+              <a:ln>
+                <a:noFill/>
+              </a:ln>
             </p:spPr>
+            <p:style>
+              <a:lnRef idx="2">
+                <a:schemeClr val="dk1"/>
+              </a:lnRef>
+              <a:fillRef idx="1">
+                <a:schemeClr val="lt1"/>
+              </a:fillRef>
+              <a:effectRef idx="0">
+                <a:schemeClr val="dk1"/>
+              </a:effectRef>
+              <a:fontRef idx="minor">
+                <a:schemeClr val="dk1"/>
+              </a:fontRef>
+            </p:style>
             <p:txBody>
               <a:bodyPr wrap="none" rtlCol="0">
                 <a:spAutoFit/>
@@ -8209,7 +8159,7 @@
             </p:txBody>
           </p:sp>
         </mc:Choice>
-        <mc:Fallback xmlns="">
+        <mc:Fallback>
           <p:sp>
             <p:nvSpPr>
               <p:cNvPr id="16" name="テキスト ボックス 15">
@@ -8238,6 +8188,9 @@
                   <a:fillRect l="-1587" b="-11364"/>
                 </a:stretch>
               </a:blipFill>
+              <a:ln>
+                <a:noFill/>
+              </a:ln>
             </p:spPr>
             <p:txBody>
               <a:bodyPr/>
@@ -8254,8 +8207,8 @@
           </p:sp>
         </mc:Fallback>
       </mc:AlternateContent>
-      <mc:AlternateContent xmlns:mc="http://schemas.openxmlformats.org/markup-compatibility/2006" xmlns:a14="http://schemas.microsoft.com/office/drawing/2010/main">
-        <mc:Choice Requires="a14">
+      <mc:AlternateContent xmlns:mc="http://schemas.openxmlformats.org/markup-compatibility/2006">
+        <mc:Choice xmlns:a14="http://schemas.microsoft.com/office/drawing/2010/main" Requires="a14">
           <p:sp>
             <p:nvSpPr>
               <p:cNvPr id="17" name="テキスト ボックス 16">
@@ -8276,8 +8229,24 @@
               <a:prstGeom prst="rect">
                 <a:avLst/>
               </a:prstGeom>
-              <a:noFill/>
+              <a:ln>
+                <a:noFill/>
+              </a:ln>
             </p:spPr>
+            <p:style>
+              <a:lnRef idx="2">
+                <a:schemeClr val="dk1"/>
+              </a:lnRef>
+              <a:fillRef idx="1">
+                <a:schemeClr val="lt1"/>
+              </a:fillRef>
+              <a:effectRef idx="0">
+                <a:schemeClr val="dk1"/>
+              </a:effectRef>
+              <a:fontRef idx="minor">
+                <a:schemeClr val="dk1"/>
+              </a:fontRef>
+            </p:style>
             <p:txBody>
               <a:bodyPr wrap="none" rtlCol="0">
                 <a:spAutoFit/>
@@ -8372,7 +8341,7 @@
             </p:txBody>
           </p:sp>
         </mc:Choice>
-        <mc:Fallback xmlns="">
+        <mc:Fallback>
           <p:sp>
             <p:nvSpPr>
               <p:cNvPr id="17" name="テキスト ボックス 16">
@@ -8401,6 +8370,9 @@
                   <a:fillRect b="-18182"/>
                 </a:stretch>
               </a:blipFill>
+              <a:ln>
+                <a:noFill/>
+              </a:ln>
             </p:spPr>
             <p:txBody>
               <a:bodyPr/>
@@ -8478,7 +8450,7 @@
         <p:spPr>
           <a:xfrm>
             <a:off x="5106390" y="3052186"/>
-            <a:ext cx="0" cy="2063731"/>
+            <a:ext cx="0" cy="1768908"/>
           </a:xfrm>
           <a:prstGeom prst="line">
             <a:avLst/>
@@ -8680,54 +8652,6 @@
       </p:cxnSp>
       <p:cxnSp>
         <p:nvCxnSpPr>
-          <p:cNvPr id="18" name="直線矢印コネクタ 17">
-            <a:extLst>
-              <a:ext uri="{FF2B5EF4-FFF2-40B4-BE49-F238E27FC236}">
-                <a16:creationId xmlns:a16="http://schemas.microsoft.com/office/drawing/2014/main" id="{29A7AB01-4239-1246-A6B8-59F48A33B712}"/>
-              </a:ext>
-            </a:extLst>
-          </p:cNvPr>
-          <p:cNvCxnSpPr>
-            <a:cxnSpLocks/>
-          </p:cNvCxnSpPr>
-          <p:nvPr/>
-        </p:nvCxnSpPr>
-        <p:spPr>
-          <a:xfrm>
-            <a:off x="838200" y="5115917"/>
-            <a:ext cx="10544293" cy="0"/>
-          </a:xfrm>
-          <a:prstGeom prst="straightConnector1">
-            <a:avLst/>
-          </a:prstGeom>
-          <a:ln w="38100">
-            <a:solidFill>
-              <a:schemeClr val="accent1">
-                <a:lumMod val="60000"/>
-                <a:lumOff val="40000"/>
-              </a:schemeClr>
-            </a:solidFill>
-            <a:headEnd type="triangle"/>
-            <a:tailEnd type="triangle"/>
-          </a:ln>
-        </p:spPr>
-        <p:style>
-          <a:lnRef idx="1">
-            <a:schemeClr val="accent1"/>
-          </a:lnRef>
-          <a:fillRef idx="0">
-            <a:schemeClr val="accent1"/>
-          </a:fillRef>
-          <a:effectRef idx="0">
-            <a:schemeClr val="accent1"/>
-          </a:effectRef>
-          <a:fontRef idx="minor">
-            <a:schemeClr val="tx1"/>
-          </a:fontRef>
-        </p:style>
-      </p:cxnSp>
-      <p:cxnSp>
-        <p:nvCxnSpPr>
           <p:cNvPr id="21" name="直線矢印コネクタ 20">
             <a:extLst>
               <a:ext uri="{FF2B5EF4-FFF2-40B4-BE49-F238E27FC236}">
@@ -8771,87 +8695,6 @@
           </a:fontRef>
         </p:style>
       </p:cxnSp>
-      <p:cxnSp>
-        <p:nvCxnSpPr>
-          <p:cNvPr id="25" name="直線矢印コネクタ 24">
-            <a:extLst>
-              <a:ext uri="{FF2B5EF4-FFF2-40B4-BE49-F238E27FC236}">
-                <a16:creationId xmlns:a16="http://schemas.microsoft.com/office/drawing/2014/main" id="{CA193B10-849C-D347-A8B3-DEACFA372903}"/>
-              </a:ext>
-            </a:extLst>
-          </p:cNvPr>
-          <p:cNvCxnSpPr>
-            <a:cxnSpLocks/>
-          </p:cNvCxnSpPr>
-          <p:nvPr/>
-        </p:nvCxnSpPr>
-        <p:spPr>
-          <a:xfrm>
-            <a:off x="838200" y="5818627"/>
-            <a:ext cx="10544293" cy="0"/>
-          </a:xfrm>
-          <a:prstGeom prst="straightConnector1">
-            <a:avLst/>
-          </a:prstGeom>
-          <a:ln w="38100">
-            <a:solidFill>
-              <a:schemeClr val="tx1"/>
-            </a:solidFill>
-            <a:headEnd type="none"/>
-            <a:tailEnd type="triangle"/>
-          </a:ln>
-        </p:spPr>
-        <p:style>
-          <a:lnRef idx="1">
-            <a:schemeClr val="accent1"/>
-          </a:lnRef>
-          <a:fillRef idx="0">
-            <a:schemeClr val="accent1"/>
-          </a:fillRef>
-          <a:effectRef idx="0">
-            <a:schemeClr val="accent1"/>
-          </a:effectRef>
-          <a:fontRef idx="minor">
-            <a:schemeClr val="tx1"/>
-          </a:fontRef>
-        </p:style>
-      </p:cxnSp>
-      <p:sp>
-        <p:nvSpPr>
-          <p:cNvPr id="26" name="テキスト ボックス 25">
-            <a:extLst>
-              <a:ext uri="{FF2B5EF4-FFF2-40B4-BE49-F238E27FC236}">
-                <a16:creationId xmlns:a16="http://schemas.microsoft.com/office/drawing/2014/main" id="{00ABA0DD-107C-A648-B11C-8D2D09956640}"/>
-              </a:ext>
-            </a:extLst>
-          </p:cNvPr>
-          <p:cNvSpPr txBox="1"/>
-          <p:nvPr/>
-        </p:nvSpPr>
-        <p:spPr>
-          <a:xfrm>
-            <a:off x="10178320" y="5921117"/>
-            <a:ext cx="1127232" cy="400110"/>
-          </a:xfrm>
-          <a:prstGeom prst="rect">
-            <a:avLst/>
-          </a:prstGeom>
-          <a:noFill/>
-        </p:spPr>
-        <p:txBody>
-          <a:bodyPr wrap="none" rtlCol="0">
-            <a:spAutoFit/>
-          </a:bodyPr>
-          <a:lstStyle/>
-          <a:p>
-            <a:r>
-              <a:rPr lang="en" altLang="ja-JP" sz="2000" b="1" dirty="0"/>
-              <a:t>amount</a:t>
-            </a:r>
-            <a:endParaRPr kumimoji="1" lang="en-US" altLang="ja-JP" sz="2000" dirty="0"/>
-          </a:p>
-        </p:txBody>
-      </p:sp>
       <mc:AlternateContent xmlns:mc="http://schemas.openxmlformats.org/markup-compatibility/2006" xmlns:a14="http://schemas.microsoft.com/office/drawing/2010/main">
         <mc:Choice Requires="a14">
           <p:sp>
@@ -9074,7 +8917,7 @@
         <p:spPr>
           <a:xfrm>
             <a:off x="1558977" y="3925332"/>
-            <a:ext cx="0" cy="616629"/>
+            <a:ext cx="0" cy="895762"/>
           </a:xfrm>
           <a:prstGeom prst="line">
             <a:avLst/>
@@ -9101,6 +8944,63 @@
           </a:fontRef>
         </p:style>
       </p:cxnSp>
+      <p:sp>
+        <p:nvSpPr>
+          <p:cNvPr id="20" name="正方形/長方形 19">
+            <a:extLst>
+              <a:ext uri="{FF2B5EF4-FFF2-40B4-BE49-F238E27FC236}">
+                <a16:creationId xmlns:a16="http://schemas.microsoft.com/office/drawing/2014/main" id="{2F15A79B-1917-874D-B351-F8C14B9C2312}"/>
+              </a:ext>
+            </a:extLst>
+          </p:cNvPr>
+          <p:cNvSpPr/>
+          <p:nvPr/>
+        </p:nvSpPr>
+        <p:spPr>
+          <a:xfrm>
+            <a:off x="859325" y="4470763"/>
+            <a:ext cx="10515600" cy="732689"/>
+          </a:xfrm>
+          <a:prstGeom prst="rect">
+            <a:avLst/>
+          </a:prstGeom>
+          <a:noFill/>
+          <a:ln w="38100" cap="flat" cmpd="sng" algn="ctr">
+            <a:solidFill>
+              <a:schemeClr val="accent1">
+                <a:lumMod val="60000"/>
+                <a:lumOff val="40000"/>
+              </a:schemeClr>
+            </a:solidFill>
+            <a:prstDash val="solid"/>
+            <a:round/>
+            <a:headEnd type="none" w="med" len="med"/>
+            <a:tailEnd type="none" w="med" len="med"/>
+          </a:ln>
+        </p:spPr>
+        <p:style>
+          <a:lnRef idx="0">
+            <a:scrgbClr r="0" g="0" b="0"/>
+          </a:lnRef>
+          <a:fillRef idx="0">
+            <a:scrgbClr r="0" g="0" b="0"/>
+          </a:fillRef>
+          <a:effectRef idx="0">
+            <a:scrgbClr r="0" g="0" b="0"/>
+          </a:effectRef>
+          <a:fontRef idx="minor">
+            <a:schemeClr val="accent1"/>
+          </a:fontRef>
+        </p:style>
+        <p:txBody>
+          <a:bodyPr rtlCol="0" anchor="ctr"/>
+          <a:lstStyle/>
+          <a:p>
+            <a:pPr algn="ctr"/>
+            <a:endParaRPr kumimoji="1" lang="ja-JP" altLang="en-US"/>
+          </a:p>
+        </p:txBody>
+      </p:sp>
     </p:spTree>
     <p:extLst>
       <p:ext uri="{BB962C8B-B14F-4D97-AF65-F5344CB8AC3E}">
@@ -9172,7 +9072,7 @@
         </p:nvCxnSpPr>
         <p:spPr>
           <a:xfrm>
-            <a:off x="838200" y="4392061"/>
+            <a:off x="838200" y="4584565"/>
             <a:ext cx="4268190" cy="0"/>
           </a:xfrm>
           <a:prstGeom prst="straightConnector1">
@@ -9182,6 +9082,7 @@
             <a:solidFill>
               <a:schemeClr val="tx1"/>
             </a:solidFill>
+            <a:prstDash val="dash"/>
             <a:headEnd type="triangle"/>
             <a:tailEnd type="triangle"/>
           </a:ln>
@@ -9217,7 +9118,7 @@
         </p:nvCxnSpPr>
         <p:spPr>
           <a:xfrm>
-            <a:off x="5106390" y="4392061"/>
+            <a:off x="5106390" y="4584565"/>
             <a:ext cx="6276103" cy="0"/>
           </a:xfrm>
           <a:prstGeom prst="straightConnector1">
@@ -9227,6 +9128,7 @@
             <a:solidFill>
               <a:schemeClr val="tx1"/>
             </a:solidFill>
+            <a:prstDash val="dash"/>
             <a:headEnd type="triangle"/>
             <a:tailEnd type="triangle"/>
           </a:ln>
@@ -9422,8 +9324,8 @@
           </p:sp>
         </mc:Fallback>
       </mc:AlternateContent>
-      <mc:AlternateContent xmlns:mc="http://schemas.openxmlformats.org/markup-compatibility/2006" xmlns:a14="http://schemas.microsoft.com/office/drawing/2010/main">
-        <mc:Choice Requires="a14">
+      <mc:AlternateContent xmlns:mc="http://schemas.openxmlformats.org/markup-compatibility/2006">
+        <mc:Choice xmlns:a14="http://schemas.microsoft.com/office/drawing/2010/main" Requires="a14">
           <p:sp>
             <p:nvSpPr>
               <p:cNvPr id="15" name="テキスト ボックス 14">
@@ -9438,7 +9340,7 @@
             </p:nvSpPr>
             <p:spPr>
               <a:xfrm>
-                <a:off x="5629253" y="5118811"/>
+                <a:off x="5629253" y="4964807"/>
                 <a:ext cx="1043747" cy="523220"/>
               </a:xfrm>
               <a:prstGeom prst="rect">
@@ -9496,7 +9398,7 @@
             </p:txBody>
           </p:sp>
         </mc:Choice>
-        <mc:Fallback xmlns="">
+        <mc:Fallback>
           <p:sp>
             <p:nvSpPr>
               <p:cNvPr id="15" name="テキスト ボックス 14">
@@ -9513,7 +9415,7 @@
             </p:nvSpPr>
             <p:spPr>
               <a:xfrm>
-                <a:off x="5629253" y="5118811"/>
+                <a:off x="5629253" y="4964807"/>
                 <a:ext cx="1043747" cy="523220"/>
               </a:xfrm>
               <a:prstGeom prst="rect">
@@ -9541,8 +9443,8 @@
           </p:sp>
         </mc:Fallback>
       </mc:AlternateContent>
-      <mc:AlternateContent xmlns:mc="http://schemas.openxmlformats.org/markup-compatibility/2006" xmlns:a14="http://schemas.microsoft.com/office/drawing/2010/main">
-        <mc:Choice Requires="a14">
+      <mc:AlternateContent xmlns:mc="http://schemas.openxmlformats.org/markup-compatibility/2006">
+        <mc:Choice xmlns:a14="http://schemas.microsoft.com/office/drawing/2010/main" Requires="a14">
           <p:sp>
             <p:nvSpPr>
               <p:cNvPr id="16" name="テキスト ボックス 15">
@@ -9557,14 +9459,30 @@
             </p:nvSpPr>
             <p:spPr>
               <a:xfrm>
-                <a:off x="2390584" y="4394154"/>
+                <a:off x="2390584" y="4297901"/>
                 <a:ext cx="780791" cy="557910"/>
               </a:xfrm>
               <a:prstGeom prst="rect">
                 <a:avLst/>
               </a:prstGeom>
-              <a:noFill/>
+              <a:ln>
+                <a:noFill/>
+              </a:ln>
             </p:spPr>
+            <p:style>
+              <a:lnRef idx="2">
+                <a:schemeClr val="dk1"/>
+              </a:lnRef>
+              <a:fillRef idx="1">
+                <a:schemeClr val="lt1"/>
+              </a:fillRef>
+              <a:effectRef idx="0">
+                <a:schemeClr val="dk1"/>
+              </a:effectRef>
+              <a:fontRef idx="minor">
+                <a:schemeClr val="dk1"/>
+              </a:fontRef>
+            </p:style>
             <p:txBody>
               <a:bodyPr wrap="none" rtlCol="0">
                 <a:spAutoFit/>
@@ -9623,7 +9541,7 @@
             </p:txBody>
           </p:sp>
         </mc:Choice>
-        <mc:Fallback xmlns="">
+        <mc:Fallback>
           <p:sp>
             <p:nvSpPr>
               <p:cNvPr id="16" name="テキスト ボックス 15">
@@ -9640,7 +9558,7 @@
             </p:nvSpPr>
             <p:spPr>
               <a:xfrm>
-                <a:off x="2390584" y="4394154"/>
+                <a:off x="2390584" y="4297901"/>
                 <a:ext cx="780791" cy="557910"/>
               </a:xfrm>
               <a:prstGeom prst="rect">
@@ -9652,6 +9570,9 @@
                   <a:fillRect l="-1587" b="-13333"/>
                 </a:stretch>
               </a:blipFill>
+              <a:ln>
+                <a:noFill/>
+              </a:ln>
             </p:spPr>
             <p:txBody>
               <a:bodyPr/>
@@ -9668,8 +9589,8 @@
           </p:sp>
         </mc:Fallback>
       </mc:AlternateContent>
-      <mc:AlternateContent xmlns:mc="http://schemas.openxmlformats.org/markup-compatibility/2006" xmlns:a14="http://schemas.microsoft.com/office/drawing/2010/main">
-        <mc:Choice Requires="a14">
+      <mc:AlternateContent xmlns:mc="http://schemas.openxmlformats.org/markup-compatibility/2006">
+        <mc:Choice xmlns:a14="http://schemas.microsoft.com/office/drawing/2010/main" Requires="a14">
           <p:sp>
             <p:nvSpPr>
               <p:cNvPr id="17" name="テキスト ボックス 16">
@@ -9684,14 +9605,30 @@
             </p:nvSpPr>
             <p:spPr>
               <a:xfrm>
-                <a:off x="7860794" y="4394154"/>
+                <a:off x="7860794" y="4297901"/>
                 <a:ext cx="2067104" cy="557910"/>
               </a:xfrm>
               <a:prstGeom prst="rect">
                 <a:avLst/>
               </a:prstGeom>
-              <a:noFill/>
+              <a:ln>
+                <a:noFill/>
+              </a:ln>
             </p:spPr>
+            <p:style>
+              <a:lnRef idx="2">
+                <a:schemeClr val="dk1"/>
+              </a:lnRef>
+              <a:fillRef idx="1">
+                <a:schemeClr val="lt1"/>
+              </a:fillRef>
+              <a:effectRef idx="0">
+                <a:schemeClr val="dk1"/>
+              </a:effectRef>
+              <a:fontRef idx="minor">
+                <a:schemeClr val="dk1"/>
+              </a:fontRef>
+            </p:style>
             <p:txBody>
               <a:bodyPr wrap="none" rtlCol="0">
                 <a:spAutoFit/>
@@ -9792,7 +9729,7 @@
             </p:txBody>
           </p:sp>
         </mc:Choice>
-        <mc:Fallback xmlns="">
+        <mc:Fallback>
           <p:sp>
             <p:nvSpPr>
               <p:cNvPr id="17" name="テキスト ボックス 16">
@@ -9809,7 +9746,7 @@
             </p:nvSpPr>
             <p:spPr>
               <a:xfrm>
-                <a:off x="7860794" y="4394154"/>
+                <a:off x="7860794" y="4297901"/>
                 <a:ext cx="2067104" cy="557910"/>
               </a:xfrm>
               <a:prstGeom prst="rect">
@@ -9821,6 +9758,9 @@
                   <a:fillRect b="-15556"/>
                 </a:stretch>
               </a:blipFill>
+              <a:ln>
+                <a:noFill/>
+              </a:ln>
             </p:spPr>
             <p:txBody>
               <a:bodyPr/>
@@ -9898,7 +9838,7 @@
         <p:spPr>
           <a:xfrm>
             <a:off x="5122193" y="2947256"/>
-            <a:ext cx="0" cy="2168661"/>
+            <a:ext cx="0" cy="1637309"/>
           </a:xfrm>
           <a:prstGeom prst="line">
             <a:avLst/>
@@ -10320,7 +10260,7 @@
         <p:spPr>
           <a:xfrm>
             <a:off x="3407381" y="2947256"/>
-            <a:ext cx="0" cy="1384845"/>
+            <a:ext cx="0" cy="1637309"/>
           </a:xfrm>
           <a:prstGeom prst="line">
             <a:avLst/>
@@ -10392,132 +10332,60 @@
           </a:fontRef>
         </p:style>
       </p:cxnSp>
-      <p:cxnSp>
-        <p:nvCxnSpPr>
-          <p:cNvPr id="27" name="直線矢印コネクタ 26">
+      <p:sp>
+        <p:nvSpPr>
+          <p:cNvPr id="28" name="正方形/長方形 27">
             <a:extLst>
               <a:ext uri="{FF2B5EF4-FFF2-40B4-BE49-F238E27FC236}">
-                <a16:creationId xmlns:a16="http://schemas.microsoft.com/office/drawing/2014/main" id="{CD16B97A-C7A2-BB4C-847D-63BC6B6C5545}"/>
+                <a16:creationId xmlns:a16="http://schemas.microsoft.com/office/drawing/2014/main" id="{E290CFD0-E35E-0E43-B780-BD0F9BCAA78B}"/>
               </a:ext>
             </a:extLst>
           </p:cNvPr>
-          <p:cNvCxnSpPr>
-            <a:cxnSpLocks/>
-          </p:cNvCxnSpPr>
+          <p:cNvSpPr/>
           <p:nvPr/>
-        </p:nvCxnSpPr>
+        </p:nvSpPr>
         <p:spPr>
           <a:xfrm>
-            <a:off x="838200" y="5115917"/>
-            <a:ext cx="10544293" cy="0"/>
+            <a:off x="859325" y="4210877"/>
+            <a:ext cx="10515600" cy="732689"/>
           </a:xfrm>
-          <a:prstGeom prst="straightConnector1">
+          <a:prstGeom prst="rect">
             <a:avLst/>
           </a:prstGeom>
-          <a:ln w="38100">
+          <a:noFill/>
+          <a:ln w="38100" cap="flat" cmpd="sng" algn="ctr">
             <a:solidFill>
               <a:schemeClr val="accent1">
                 <a:lumMod val="60000"/>
                 <a:lumOff val="40000"/>
               </a:schemeClr>
             </a:solidFill>
-            <a:headEnd type="triangle"/>
-            <a:tailEnd type="triangle"/>
+            <a:prstDash val="solid"/>
+            <a:round/>
+            <a:headEnd type="none" w="med" len="med"/>
+            <a:tailEnd type="none" w="med" len="med"/>
           </a:ln>
         </p:spPr>
         <p:style>
-          <a:lnRef idx="1">
-            <a:schemeClr val="accent1"/>
+          <a:lnRef idx="0">
+            <a:scrgbClr r="0" g="0" b="0"/>
           </a:lnRef>
           <a:fillRef idx="0">
-            <a:schemeClr val="accent1"/>
+            <a:scrgbClr r="0" g="0" b="0"/>
           </a:fillRef>
           <a:effectRef idx="0">
-            <a:schemeClr val="accent1"/>
+            <a:scrgbClr r="0" g="0" b="0"/>
           </a:effectRef>
           <a:fontRef idx="minor">
-            <a:schemeClr val="tx1"/>
+            <a:schemeClr val="accent1"/>
           </a:fontRef>
         </p:style>
-      </p:cxnSp>
-      <p:cxnSp>
-        <p:nvCxnSpPr>
-          <p:cNvPr id="30" name="直線矢印コネクタ 29">
-            <a:extLst>
-              <a:ext uri="{FF2B5EF4-FFF2-40B4-BE49-F238E27FC236}">
-                <a16:creationId xmlns:a16="http://schemas.microsoft.com/office/drawing/2014/main" id="{60E80F59-3DBB-914A-B157-2FBFD5EBB723}"/>
-              </a:ext>
-            </a:extLst>
-          </p:cNvPr>
-          <p:cNvCxnSpPr>
-            <a:cxnSpLocks/>
-          </p:cNvCxnSpPr>
-          <p:nvPr/>
-        </p:nvCxnSpPr>
-        <p:spPr>
-          <a:xfrm>
-            <a:off x="838200" y="5818627"/>
-            <a:ext cx="10544293" cy="0"/>
-          </a:xfrm>
-          <a:prstGeom prst="straightConnector1">
-            <a:avLst/>
-          </a:prstGeom>
-          <a:ln w="38100">
-            <a:solidFill>
-              <a:schemeClr val="tx1"/>
-            </a:solidFill>
-            <a:headEnd type="none"/>
-            <a:tailEnd type="triangle"/>
-          </a:ln>
-        </p:spPr>
-        <p:style>
-          <a:lnRef idx="1">
-            <a:schemeClr val="accent1"/>
-          </a:lnRef>
-          <a:fillRef idx="0">
-            <a:schemeClr val="accent1"/>
-          </a:fillRef>
-          <a:effectRef idx="0">
-            <a:schemeClr val="accent1"/>
-          </a:effectRef>
-          <a:fontRef idx="minor">
-            <a:schemeClr val="tx1"/>
-          </a:fontRef>
-        </p:style>
-      </p:cxnSp>
-      <p:sp>
-        <p:nvSpPr>
-          <p:cNvPr id="31" name="テキスト ボックス 30">
-            <a:extLst>
-              <a:ext uri="{FF2B5EF4-FFF2-40B4-BE49-F238E27FC236}">
-                <a16:creationId xmlns:a16="http://schemas.microsoft.com/office/drawing/2014/main" id="{02FE4E11-1139-CA43-8CE1-4786B580A3FD}"/>
-              </a:ext>
-            </a:extLst>
-          </p:cNvPr>
-          <p:cNvSpPr txBox="1"/>
-          <p:nvPr/>
-        </p:nvSpPr>
-        <p:spPr>
-          <a:xfrm>
-            <a:off x="10178320" y="5921117"/>
-            <a:ext cx="1127232" cy="400110"/>
-          </a:xfrm>
-          <a:prstGeom prst="rect">
-            <a:avLst/>
-          </a:prstGeom>
-          <a:noFill/>
-        </p:spPr>
         <p:txBody>
-          <a:bodyPr wrap="none" rtlCol="0">
-            <a:spAutoFit/>
-          </a:bodyPr>
+          <a:bodyPr rtlCol="0" anchor="ctr"/>
           <a:lstStyle/>
           <a:p>
-            <a:r>
-              <a:rPr lang="en" altLang="ja-JP" sz="2000" b="1" dirty="0"/>
-              <a:t>amount</a:t>
-            </a:r>
-            <a:endParaRPr kumimoji="1" lang="en-US" altLang="ja-JP" sz="2000" dirty="0"/>
+            <a:pPr algn="ctr"/>
+            <a:endParaRPr kumimoji="1" lang="ja-JP" altLang="en-US"/>
           </a:p>
         </p:txBody>
       </p:sp>
@@ -10936,8 +10804,8 @@
           </p:sp>
         </mc:Fallback>
       </mc:AlternateContent>
-      <mc:AlternateContent xmlns:mc="http://schemas.openxmlformats.org/markup-compatibility/2006" xmlns:a14="http://schemas.microsoft.com/office/drawing/2010/main">
-        <mc:Choice Requires="a14">
+      <mc:AlternateContent xmlns:mc="http://schemas.openxmlformats.org/markup-compatibility/2006">
+        <mc:Choice xmlns:a14="http://schemas.microsoft.com/office/drawing/2010/main" Requires="a14">
           <p:sp>
             <p:nvSpPr>
               <p:cNvPr id="15" name="テキスト ボックス 14">
@@ -11028,7 +10896,7 @@
             </p:txBody>
           </p:sp>
         </mc:Choice>
-        <mc:Fallback xmlns="">
+        <mc:Fallback>
           <p:sp>
             <p:nvSpPr>
               <p:cNvPr id="15" name="テキスト ボックス 14">
@@ -11089,8 +10957,8 @@
         </p:nvCxnSpPr>
         <p:spPr>
           <a:xfrm>
-            <a:off x="847167" y="3565315"/>
-            <a:ext cx="0" cy="1370948"/>
+            <a:off x="847167" y="3971718"/>
+            <a:ext cx="0" cy="887857"/>
           </a:xfrm>
           <a:prstGeom prst="line">
             <a:avLst/>
@@ -11117,8 +10985,8 @@
           </a:fontRef>
         </p:style>
       </p:cxnSp>
-      <mc:AlternateContent xmlns:mc="http://schemas.openxmlformats.org/markup-compatibility/2006" xmlns:a14="http://schemas.microsoft.com/office/drawing/2010/main">
-        <mc:Choice Requires="a14">
+      <mc:AlternateContent xmlns:mc="http://schemas.openxmlformats.org/markup-compatibility/2006">
+        <mc:Choice xmlns:a14="http://schemas.microsoft.com/office/drawing/2010/main" Requires="a14">
           <p:sp>
             <p:nvSpPr>
               <p:cNvPr id="23" name="テキスト ボックス 22">
@@ -11133,8 +11001,8 @@
             </p:nvSpPr>
             <p:spPr>
               <a:xfrm>
-                <a:off x="2132355" y="3565315"/>
-                <a:ext cx="1890261" cy="542136"/>
+                <a:off x="2132355" y="3971718"/>
+                <a:ext cx="2000869" cy="542136"/>
               </a:xfrm>
               <a:prstGeom prst="rect">
                 <a:avLst/>
@@ -11173,7 +11041,16 @@
                               </a:solidFill>
                               <a:latin typeface="Cambria Math" panose="02040503050406030204" pitchFamily="18" charset="0"/>
                             </a:rPr>
-                            <m:t>𝑟𝑒𝑤𝑎𝑒𝑑</m:t>
+                            <m:t>𝑟𝑒</m:t>
+                          </m:r>
+                          <m:r>
+                            <a:rPr lang="en-US" altLang="ja-JP" sz="2800" b="0" i="1" dirty="0" smtClean="0">
+                              <a:solidFill>
+                                <a:schemeClr val="accent2"/>
+                              </a:solidFill>
+                              <a:latin typeface="Cambria Math" panose="02040503050406030204" pitchFamily="18" charset="0"/>
+                            </a:rPr>
+                            <m:t>𝑣𝑒𝑛𝑢𝑒</m:t>
                           </m:r>
                           <m:r>
                             <a:rPr lang="en-US" altLang="ja-JP" sz="2800" b="0" i="1" dirty="0" smtClean="0">
@@ -11227,7 +11104,7 @@
             </p:txBody>
           </p:sp>
         </mc:Choice>
-        <mc:Fallback xmlns="">
+        <mc:Fallback>
           <p:sp>
             <p:nvSpPr>
               <p:cNvPr id="23" name="テキスト ボックス 22">
@@ -11244,8 +11121,8 @@
             </p:nvSpPr>
             <p:spPr>
               <a:xfrm>
-                <a:off x="2132355" y="3565315"/>
-                <a:ext cx="1890261" cy="542136"/>
+                <a:off x="2132355" y="3971718"/>
+                <a:ext cx="2000869" cy="542136"/>
               </a:xfrm>
               <a:prstGeom prst="rect">
                 <a:avLst/>
@@ -11566,7 +11443,7 @@
         </p:nvCxnSpPr>
         <p:spPr>
           <a:xfrm>
-            <a:off x="847167" y="3565315"/>
+            <a:off x="847167" y="3971718"/>
             <a:ext cx="4585051" cy="0"/>
           </a:xfrm>
           <a:prstGeom prst="straightConnector1">
@@ -11612,7 +11489,7 @@
         <p:spPr>
           <a:xfrm>
             <a:off x="5418735" y="3046238"/>
-            <a:ext cx="0" cy="480733"/>
+            <a:ext cx="13483" cy="925480"/>
           </a:xfrm>
           <a:prstGeom prst="line">
             <a:avLst/>
@@ -11639,87 +11516,6 @@
           </a:fontRef>
         </p:style>
       </p:cxnSp>
-      <p:cxnSp>
-        <p:nvCxnSpPr>
-          <p:cNvPr id="16" name="直線矢印コネクタ 15">
-            <a:extLst>
-              <a:ext uri="{FF2B5EF4-FFF2-40B4-BE49-F238E27FC236}">
-                <a16:creationId xmlns:a16="http://schemas.microsoft.com/office/drawing/2014/main" id="{B954AB21-31CB-0F4A-9B4B-2DD7460F00DD}"/>
-              </a:ext>
-            </a:extLst>
-          </p:cNvPr>
-          <p:cNvCxnSpPr>
-            <a:cxnSpLocks/>
-          </p:cNvCxnSpPr>
-          <p:nvPr/>
-        </p:nvCxnSpPr>
-        <p:spPr>
-          <a:xfrm>
-            <a:off x="838200" y="5818627"/>
-            <a:ext cx="10544293" cy="0"/>
-          </a:xfrm>
-          <a:prstGeom prst="straightConnector1">
-            <a:avLst/>
-          </a:prstGeom>
-          <a:ln w="38100">
-            <a:solidFill>
-              <a:schemeClr val="tx1"/>
-            </a:solidFill>
-            <a:headEnd type="none"/>
-            <a:tailEnd type="triangle"/>
-          </a:ln>
-        </p:spPr>
-        <p:style>
-          <a:lnRef idx="1">
-            <a:schemeClr val="accent1"/>
-          </a:lnRef>
-          <a:fillRef idx="0">
-            <a:schemeClr val="accent1"/>
-          </a:fillRef>
-          <a:effectRef idx="0">
-            <a:schemeClr val="accent1"/>
-          </a:effectRef>
-          <a:fontRef idx="minor">
-            <a:schemeClr val="tx1"/>
-          </a:fontRef>
-        </p:style>
-      </p:cxnSp>
-      <p:sp>
-        <p:nvSpPr>
-          <p:cNvPr id="17" name="テキスト ボックス 16">
-            <a:extLst>
-              <a:ext uri="{FF2B5EF4-FFF2-40B4-BE49-F238E27FC236}">
-                <a16:creationId xmlns:a16="http://schemas.microsoft.com/office/drawing/2014/main" id="{DB44F217-B095-CA46-AAA5-2154BA104255}"/>
-              </a:ext>
-            </a:extLst>
-          </p:cNvPr>
-          <p:cNvSpPr txBox="1"/>
-          <p:nvPr/>
-        </p:nvSpPr>
-        <p:spPr>
-          <a:xfrm>
-            <a:off x="10178320" y="5921117"/>
-            <a:ext cx="1127232" cy="400110"/>
-          </a:xfrm>
-          <a:prstGeom prst="rect">
-            <a:avLst/>
-          </a:prstGeom>
-          <a:noFill/>
-        </p:spPr>
-        <p:txBody>
-          <a:bodyPr wrap="none" rtlCol="0">
-            <a:spAutoFit/>
-          </a:bodyPr>
-          <a:lstStyle/>
-          <a:p>
-            <a:r>
-              <a:rPr lang="en" altLang="ja-JP" sz="2000" b="1" dirty="0"/>
-              <a:t>amount</a:t>
-            </a:r>
-            <a:endParaRPr kumimoji="1" lang="en-US" altLang="ja-JP" sz="2000" dirty="0"/>
-          </a:p>
-        </p:txBody>
-      </p:sp>
       <p:cxnSp>
         <p:nvCxnSpPr>
           <p:cNvPr id="18" name="直線矢印コネクタ 17">
@@ -11781,7 +11577,7 @@
         </p:nvCxnSpPr>
         <p:spPr>
           <a:xfrm>
-            <a:off x="4277083" y="4848286"/>
+            <a:off x="4277083" y="4859575"/>
             <a:ext cx="7105410" cy="0"/>
           </a:xfrm>
           <a:prstGeom prst="straightConnector1">
